--- a/Алгоритм МакКрейта.pptx
+++ b/Алгоритм МакКрейта.pptx
@@ -5,19 +5,19 @@
     <p:sldMasterId id="2147483660" r:id="rId4"/>
   </p:sldMasterIdLst>
   <p:notesMasterIdLst>
-    <p:notesMasterId r:id="rId19"/>
+    <p:notesMasterId r:id="rId20"/>
   </p:notesMasterIdLst>
   <p:handoutMasterIdLst>
-    <p:handoutMasterId r:id="rId20"/>
+    <p:handoutMasterId r:id="rId21"/>
   </p:handoutMasterIdLst>
   <p:sldIdLst>
     <p:sldId id="278" r:id="rId5"/>
-    <p:sldId id="279" r:id="rId6"/>
+    <p:sldId id="293" r:id="rId6"/>
     <p:sldId id="288" r:id="rId7"/>
     <p:sldId id="280" r:id="rId8"/>
-    <p:sldId id="289" r:id="rId9"/>
-    <p:sldId id="281" r:id="rId10"/>
-    <p:sldId id="286" r:id="rId11"/>
+    <p:sldId id="281" r:id="rId9"/>
+    <p:sldId id="286" r:id="rId10"/>
+    <p:sldId id="289" r:id="rId11"/>
     <p:sldId id="290" r:id="rId12"/>
     <p:sldId id="282" r:id="rId13"/>
     <p:sldId id="291" r:id="rId14"/>
@@ -25,6 +25,7 @@
     <p:sldId id="285" r:id="rId16"/>
     <p:sldId id="284" r:id="rId17"/>
     <p:sldId id="287" r:id="rId18"/>
+    <p:sldId id="292" r:id="rId19"/>
   </p:sldIdLst>
   <p:sldSz cx="12192000" cy="6858000"/>
   <p:notesSz cx="6858000" cy="9144000"/>
@@ -216,7 +217,7 @@
           <a:p>
             <a:fld id="{BBDEF7BF-8677-4414-86E1-BB2AAF45A13B}" type="datetime1">
               <a:rPr lang="ru-RU" smtClean="0"/>
-              <a:t>17.12.2022</a:t>
+              <a:t>18.12.2022</a:t>
             </a:fld>
             <a:endParaRPr lang="ru-RU" dirty="0"/>
           </a:p>
@@ -384,7 +385,7 @@
             <a:fld id="{BF328083-36D7-4636-A812-907FF9D7C267}" type="datetime1">
               <a:rPr lang="ru-RU" smtClean="0"/>
               <a:pPr/>
-              <a:t>17.12.2022</a:t>
+              <a:t>18.12.2022</a:t>
             </a:fld>
             <a:endParaRPr lang="ru-RU" dirty="0"/>
           </a:p>
@@ -740,151 +741,6 @@
 </p:notes>
 </file>
 
-<file path=ppt/notesSlides/notesSlide2.xml><?xml version="1.0" encoding="utf-8"?>
-<p:notes xmlns:a="http://schemas.openxmlformats.org/drawingml/2006/main" xmlns:r="http://schemas.openxmlformats.org/officeDocument/2006/relationships" xmlns:p="http://schemas.openxmlformats.org/presentationml/2006/main">
-  <p:cSld>
-    <p:spTree>
-      <p:nvGrpSpPr>
-        <p:cNvPr id="1" name=""/>
-        <p:cNvGrpSpPr/>
-        <p:nvPr/>
-      </p:nvGrpSpPr>
-      <p:grpSpPr>
-        <a:xfrm>
-          <a:off x="0" y="0"/>
-          <a:ext cx="0" cy="0"/>
-          <a:chOff x="0" y="0"/>
-          <a:chExt cx="0" cy="0"/>
-        </a:xfrm>
-      </p:grpSpPr>
-      <p:sp>
-        <p:nvSpPr>
-          <p:cNvPr id="2" name="Образ слайда 1"/>
-          <p:cNvSpPr>
-            <a:spLocks noGrp="1" noRot="1" noChangeAspect="1"/>
-          </p:cNvSpPr>
-          <p:nvPr>
-            <p:ph type="sldImg"/>
-          </p:nvPr>
-        </p:nvSpPr>
-        <p:spPr/>
-      </p:sp>
-      <p:sp>
-        <p:nvSpPr>
-          <p:cNvPr id="3" name="Заметки 2"/>
-          <p:cNvSpPr>
-            <a:spLocks noGrp="1"/>
-          </p:cNvSpPr>
-          <p:nvPr>
-            <p:ph type="body" idx="1"/>
-          </p:nvPr>
-        </p:nvSpPr>
-        <p:spPr/>
-        <p:txBody>
-          <a:bodyPr rtlCol="0"/>
-          <a:lstStyle/>
-          <a:p>
-            <a:pPr rtl="0"/>
-            <a:endParaRPr lang="ru-RU" dirty="0"/>
-          </a:p>
-        </p:txBody>
-      </p:sp>
-      <p:sp>
-        <p:nvSpPr>
-          <p:cNvPr id="4" name="Номер слайда 3"/>
-          <p:cNvSpPr>
-            <a:spLocks noGrp="1"/>
-          </p:cNvSpPr>
-          <p:nvPr>
-            <p:ph type="sldNum" sz="quarter" idx="5"/>
-          </p:nvPr>
-        </p:nvSpPr>
-        <p:spPr/>
-        <p:txBody>
-          <a:bodyPr rtlCol="0"/>
-          <a:lstStyle/>
-          <a:p>
-            <a:pPr marL="0" marR="0" lvl="0" indent="0" algn="r" defTabSz="914400" rtl="0" eaLnBrk="1" fontAlgn="auto" latinLnBrk="0" hangingPunct="1">
-              <a:lnSpc>
-                <a:spcPct val="100000"/>
-              </a:lnSpc>
-              <a:spcBef>
-                <a:spcPts val="0"/>
-              </a:spcBef>
-              <a:spcAft>
-                <a:spcPts val="0"/>
-              </a:spcAft>
-              <a:buClrTx/>
-              <a:buSzTx/>
-              <a:buFontTx/>
-              <a:buNone/>
-              <a:tabLst/>
-              <a:defRPr/>
-            </a:pPr>
-            <a:fld id="{33AEA074-24A7-4657-AE02-A51F68EA6AA2}" type="slidenum">
-              <a:rPr kumimoji="0" lang="ru-RU" sz="1200" b="0" i="0" u="none" strike="noStrike" kern="1200" cap="none" spc="0" normalizeH="0" baseline="0" smtClean="0">
-                <a:ln>
-                  <a:noFill/>
-                </a:ln>
-                <a:solidFill>
-                  <a:prstClr val="black"/>
-                </a:solidFill>
-                <a:effectLst/>
-                <a:uLnTx/>
-                <a:uFillTx/>
-                <a:latin typeface="Calibri" panose="020F0502020204030204"/>
-                <a:ea typeface="+mn-ea"/>
-                <a:cs typeface="+mn-cs"/>
-              </a:rPr>
-              <a:pPr marL="0" marR="0" lvl="0" indent="0" algn="r" defTabSz="914400" rtl="0" eaLnBrk="1" fontAlgn="auto" latinLnBrk="0" hangingPunct="1">
-                <a:lnSpc>
-                  <a:spcPct val="100000"/>
-                </a:lnSpc>
-                <a:spcBef>
-                  <a:spcPts val="0"/>
-                </a:spcBef>
-                <a:spcAft>
-                  <a:spcPts val="0"/>
-                </a:spcAft>
-                <a:buClrTx/>
-                <a:buSzTx/>
-                <a:buFontTx/>
-                <a:buNone/>
-                <a:tabLst/>
-                <a:defRPr/>
-              </a:pPr>
-              <a:t>2</a:t>
-            </a:fld>
-            <a:endParaRPr kumimoji="0" lang="ru-RU" sz="1200" b="0" i="0" u="none" strike="noStrike" kern="1200" cap="none" spc="0" normalizeH="0" baseline="0" dirty="0">
-              <a:ln>
-                <a:noFill/>
-              </a:ln>
-              <a:solidFill>
-                <a:prstClr val="black"/>
-              </a:solidFill>
-              <a:effectLst/>
-              <a:uLnTx/>
-              <a:uFillTx/>
-              <a:latin typeface="Calibri" panose="020F0502020204030204"/>
-              <a:ea typeface="+mn-ea"/>
-              <a:cs typeface="+mn-cs"/>
-            </a:endParaRPr>
-          </a:p>
-        </p:txBody>
-      </p:sp>
-    </p:spTree>
-    <p:extLst>
-      <p:ext uri="{BB962C8B-B14F-4D97-AF65-F5344CB8AC3E}">
-        <p14:creationId xmlns:p14="http://schemas.microsoft.com/office/powerpoint/2010/main" val="457847550"/>
-      </p:ext>
-    </p:extLst>
-  </p:cSld>
-  <p:clrMapOvr>
-    <a:masterClrMapping/>
-  </p:clrMapOvr>
-</p:notes>
-</file>
-
 <file path=ppt/slideLayouts/slideLayout1.xml><?xml version="1.0" encoding="utf-8"?>
 <p:sldLayout xmlns:a="http://schemas.openxmlformats.org/drawingml/2006/main" xmlns:r="http://schemas.openxmlformats.org/officeDocument/2006/relationships" xmlns:p="http://schemas.openxmlformats.org/presentationml/2006/main" type="title" preserve="1">
   <p:cSld name="Титульный слайд">
@@ -1073,7 +929,7 @@
             <a:pPr rtl="0"/>
             <a:fld id="{AE90E520-686D-4C71-8133-4EA692C955A9}" type="datetime1">
               <a:rPr lang="ru-RU" noProof="0" smtClean="0"/>
-              <a:t>17.12.2022</a:t>
+              <a:t>18.12.2022</a:t>
             </a:fld>
             <a:endParaRPr lang="ru-RU" noProof="0" dirty="0"/>
           </a:p>
@@ -1134,18 +990,6 @@
   <p:clrMapOvr>
     <a:masterClrMapping/>
   </p:clrMapOvr>
-  <mc:AlternateContent xmlns:mc="http://schemas.openxmlformats.org/markup-compatibility/2006" xmlns:p14="http://schemas.microsoft.com/office/powerpoint/2010/main">
-    <mc:Choice Requires="p14">
-      <p:transition spd="med" p14:dur="700">
-        <p:fade/>
-      </p:transition>
-    </mc:Choice>
-    <mc:Fallback xmlns="">
-      <p:transition spd="med">
-        <p:fade/>
-      </p:transition>
-    </mc:Fallback>
-  </mc:AlternateContent>
 </p:sldLayout>
 </file>
 
@@ -1395,7 +1239,7 @@
             <a:pPr rtl="0"/>
             <a:fld id="{BF246B87-8E16-4093-801D-C24D9D7EC119}" type="datetime1">
               <a:rPr lang="ru-RU" noProof="0" smtClean="0"/>
-              <a:t>17.12.2022</a:t>
+              <a:t>18.12.2022</a:t>
             </a:fld>
             <a:endParaRPr lang="ru-RU" noProof="0" dirty="0"/>
           </a:p>
@@ -1455,18 +1299,6 @@
   <p:clrMapOvr>
     <a:masterClrMapping/>
   </p:clrMapOvr>
-  <mc:AlternateContent xmlns:mc="http://schemas.openxmlformats.org/markup-compatibility/2006" xmlns:p14="http://schemas.microsoft.com/office/powerpoint/2010/main">
-    <mc:Choice Requires="p14">
-      <p:transition spd="med" p14:dur="700">
-        <p:fade/>
-      </p:transition>
-    </mc:Choice>
-    <mc:Fallback xmlns="">
-      <p:transition spd="med">
-        <p:fade/>
-      </p:transition>
-    </mc:Fallback>
-  </mc:AlternateContent>
 </p:sldLayout>
 </file>
 
@@ -1605,7 +1437,7 @@
             <a:pPr rtl="0"/>
             <a:fld id="{1468C2FC-11E6-47DA-8531-957371E4E221}" type="datetime1">
               <a:rPr lang="ru-RU" noProof="0" smtClean="0"/>
-              <a:t>17.12.2022</a:t>
+              <a:t>18.12.2022</a:t>
             </a:fld>
             <a:endParaRPr lang="ru-RU" noProof="0" dirty="0"/>
           </a:p>
@@ -1665,18 +1497,6 @@
   <p:clrMapOvr>
     <a:masterClrMapping/>
   </p:clrMapOvr>
-  <mc:AlternateContent xmlns:mc="http://schemas.openxmlformats.org/markup-compatibility/2006" xmlns:p14="http://schemas.microsoft.com/office/powerpoint/2010/main">
-    <mc:Choice Requires="p14">
-      <p:transition spd="med" p14:dur="700">
-        <p:fade/>
-      </p:transition>
-    </mc:Choice>
-    <mc:Fallback xmlns="">
-      <p:transition spd="med">
-        <p:fade/>
-      </p:transition>
-    </mc:Fallback>
-  </mc:AlternateContent>
 </p:sldLayout>
 </file>
 
@@ -1884,7 +1704,7 @@
             <a:pPr rtl="0"/>
             <a:fld id="{EBABFD61-962E-4157-977B-58AAA58B15E2}" type="datetime1">
               <a:rPr lang="ru-RU" noProof="0" smtClean="0"/>
-              <a:t>17.12.2022</a:t>
+              <a:t>18.12.2022</a:t>
             </a:fld>
             <a:endParaRPr lang="ru-RU" noProof="0" dirty="0"/>
           </a:p>
@@ -2190,18 +2010,6 @@
   <p:clrMapOvr>
     <a:masterClrMapping/>
   </p:clrMapOvr>
-  <mc:AlternateContent xmlns:mc="http://schemas.openxmlformats.org/markup-compatibility/2006" xmlns:p14="http://schemas.microsoft.com/office/powerpoint/2010/main">
-    <mc:Choice Requires="p14">
-      <p:transition spd="med" p14:dur="700">
-        <p:fade/>
-      </p:transition>
-    </mc:Choice>
-    <mc:Fallback xmlns="">
-      <p:transition spd="med">
-        <p:fade/>
-      </p:transition>
-    </mc:Fallback>
-  </mc:AlternateContent>
 </p:sldLayout>
 </file>
 
@@ -2338,7 +2146,7 @@
             <a:pPr rtl="0"/>
             <a:fld id="{C5FC0D30-2288-4C22-9F23-799DF7591430}" type="datetime1">
               <a:rPr lang="ru-RU" noProof="0" smtClean="0"/>
-              <a:t>17.12.2022</a:t>
+              <a:t>18.12.2022</a:t>
             </a:fld>
             <a:endParaRPr lang="ru-RU" noProof="0" dirty="0"/>
           </a:p>
@@ -2398,18 +2206,6 @@
   <p:clrMapOvr>
     <a:masterClrMapping/>
   </p:clrMapOvr>
-  <mc:AlternateContent xmlns:mc="http://schemas.openxmlformats.org/markup-compatibility/2006" xmlns:p14="http://schemas.microsoft.com/office/powerpoint/2010/main">
-    <mc:Choice Requires="p14">
-      <p:transition spd="med" p14:dur="700">
-        <p:fade/>
-      </p:transition>
-    </mc:Choice>
-    <mc:Fallback xmlns="">
-      <p:transition spd="med">
-        <p:fade/>
-      </p:transition>
-    </mc:Fallback>
-  </mc:AlternateContent>
 </p:sldLayout>
 </file>
 
@@ -2891,7 +2687,7 @@
             <a:pPr rtl="0"/>
             <a:fld id="{BC6CE77A-153C-497F-9BB1-25A9DFFF5F3F}" type="datetime1">
               <a:rPr lang="ru-RU" noProof="0" smtClean="0"/>
-              <a:t>17.12.2022</a:t>
+              <a:t>18.12.2022</a:t>
             </a:fld>
             <a:endParaRPr lang="ru-RU" noProof="0" dirty="0"/>
           </a:p>
@@ -2951,18 +2747,6 @@
   <p:clrMapOvr>
     <a:masterClrMapping/>
   </p:clrMapOvr>
-  <mc:AlternateContent xmlns:mc="http://schemas.openxmlformats.org/markup-compatibility/2006" xmlns:p14="http://schemas.microsoft.com/office/powerpoint/2010/main">
-    <mc:Choice Requires="p14">
-      <p:transition spd="med" p14:dur="700">
-        <p:fade/>
-      </p:transition>
-    </mc:Choice>
-    <mc:Fallback xmlns="">
-      <p:transition spd="med">
-        <p:fade/>
-      </p:transition>
-    </mc:Fallback>
-  </mc:AlternateContent>
 </p:sldLayout>
 </file>
 
@@ -3792,7 +3576,7 @@
             <a:pPr rtl="0"/>
             <a:fld id="{7DEEEF43-3400-4A9E-81BF-C7BEEADDFE41}" type="datetime1">
               <a:rPr lang="ru-RU" noProof="0" smtClean="0"/>
-              <a:t>17.12.2022</a:t>
+              <a:t>18.12.2022</a:t>
             </a:fld>
             <a:endParaRPr lang="ru-RU" noProof="0" dirty="0"/>
           </a:p>
@@ -3852,18 +3636,6 @@
   <p:clrMapOvr>
     <a:masterClrMapping/>
   </p:clrMapOvr>
-  <mc:AlternateContent xmlns:mc="http://schemas.openxmlformats.org/markup-compatibility/2006" xmlns:p14="http://schemas.microsoft.com/office/powerpoint/2010/main">
-    <mc:Choice Requires="p14">
-      <p:transition spd="med" p14:dur="700">
-        <p:fade/>
-      </p:transition>
-    </mc:Choice>
-    <mc:Fallback xmlns="">
-      <p:transition spd="med">
-        <p:fade/>
-      </p:transition>
-    </mc:Fallback>
-  </mc:AlternateContent>
 </p:sldLayout>
 </file>
 
@@ -3978,7 +3750,7 @@
             <a:pPr rtl="0"/>
             <a:fld id="{B23A72F9-4256-4359-B342-64C7E8DCC659}" type="datetime1">
               <a:rPr lang="ru-RU" noProof="0" smtClean="0"/>
-              <a:t>17.12.2022</a:t>
+              <a:t>18.12.2022</a:t>
             </a:fld>
             <a:endParaRPr lang="ru-RU" noProof="0" dirty="0"/>
           </a:p>
@@ -4038,18 +3810,6 @@
   <p:clrMapOvr>
     <a:masterClrMapping/>
   </p:clrMapOvr>
-  <mc:AlternateContent xmlns:mc="http://schemas.openxmlformats.org/markup-compatibility/2006" xmlns:p14="http://schemas.microsoft.com/office/powerpoint/2010/main">
-    <mc:Choice Requires="p14">
-      <p:transition spd="med" p14:dur="700">
-        <p:fade/>
-      </p:transition>
-    </mc:Choice>
-    <mc:Fallback xmlns="">
-      <p:transition spd="med">
-        <p:fade/>
-      </p:transition>
-    </mc:Fallback>
-  </mc:AlternateContent>
 </p:sldLayout>
 </file>
 
@@ -4238,7 +3998,7 @@
             <a:pPr rtl="0"/>
             <a:fld id="{75C6FF0E-EB4C-439A-A443-070F1507FB7E}" type="datetime1">
               <a:rPr lang="ru-RU" noProof="0" smtClean="0"/>
-              <a:t>17.12.2022</a:t>
+              <a:t>18.12.2022</a:t>
             </a:fld>
             <a:endParaRPr lang="ru-RU" noProof="0" dirty="0"/>
           </a:p>
@@ -4299,18 +4059,6 @@
   <p:clrMapOvr>
     <a:masterClrMapping/>
   </p:clrMapOvr>
-  <mc:AlternateContent xmlns:mc="http://schemas.openxmlformats.org/markup-compatibility/2006" xmlns:p14="http://schemas.microsoft.com/office/powerpoint/2010/main">
-    <mc:Choice Requires="p14">
-      <p:transition spd="med" p14:dur="700">
-        <p:fade/>
-      </p:transition>
-    </mc:Choice>
-    <mc:Fallback xmlns="">
-      <p:transition spd="med">
-        <p:fade/>
-      </p:transition>
-    </mc:Fallback>
-  </mc:AlternateContent>
 </p:sldLayout>
 </file>
 
@@ -4496,7 +4244,7 @@
             <a:pPr rtl="0"/>
             <a:fld id="{24DD90D4-56AF-4E6B-B35D-872C35047082}" type="datetime1">
               <a:rPr lang="ru-RU" noProof="0" smtClean="0"/>
-              <a:t>17.12.2022</a:t>
+              <a:t>18.12.2022</a:t>
             </a:fld>
             <a:endParaRPr lang="ru-RU" noProof="0" dirty="0"/>
           </a:p>
@@ -4556,18 +4304,6 @@
   <p:clrMapOvr>
     <a:masterClrMapping/>
   </p:clrMapOvr>
-  <mc:AlternateContent xmlns:mc="http://schemas.openxmlformats.org/markup-compatibility/2006" xmlns:p14="http://schemas.microsoft.com/office/powerpoint/2010/main">
-    <mc:Choice Requires="p14">
-      <p:transition spd="med" p14:dur="700">
-        <p:fade/>
-      </p:transition>
-    </mc:Choice>
-    <mc:Fallback xmlns="">
-      <p:transition spd="med">
-        <p:fade/>
-      </p:transition>
-    </mc:Fallback>
-  </mc:AlternateContent>
 </p:sldLayout>
 </file>
 
@@ -4995,7 +4731,7 @@
             <a:pPr rtl="0"/>
             <a:fld id="{AAAC35DE-DDDF-490A-8410-1A39B9D9ACED}" type="datetime1">
               <a:rPr lang="ru-RU" noProof="0" smtClean="0"/>
-              <a:t>17.12.2022</a:t>
+              <a:t>18.12.2022</a:t>
             </a:fld>
             <a:endParaRPr lang="ru-RU" noProof="0" dirty="0"/>
           </a:p>
@@ -5055,18 +4791,6 @@
   <p:clrMapOvr>
     <a:masterClrMapping/>
   </p:clrMapOvr>
-  <mc:AlternateContent xmlns:mc="http://schemas.openxmlformats.org/markup-compatibility/2006" xmlns:p14="http://schemas.microsoft.com/office/powerpoint/2010/main">
-    <mc:Choice Requires="p14">
-      <p:transition spd="med" p14:dur="700">
-        <p:fade/>
-      </p:transition>
-    </mc:Choice>
-    <mc:Fallback xmlns="">
-      <p:transition spd="med">
-        <p:fade/>
-      </p:transition>
-    </mc:Fallback>
-  </mc:AlternateContent>
 </p:sldLayout>
 </file>
 
@@ -5129,7 +4853,7 @@
             <a:pPr rtl="0"/>
             <a:fld id="{F47BDB06-5E9D-4BFC-B202-8D78BF6A8453}" type="datetime1">
               <a:rPr lang="ru-RU" noProof="0" smtClean="0"/>
-              <a:t>17.12.2022</a:t>
+              <a:t>18.12.2022</a:t>
             </a:fld>
             <a:endParaRPr lang="ru-RU" noProof="0" dirty="0"/>
           </a:p>
@@ -5189,18 +4913,6 @@
   <p:clrMapOvr>
     <a:masterClrMapping/>
   </p:clrMapOvr>
-  <mc:AlternateContent xmlns:mc="http://schemas.openxmlformats.org/markup-compatibility/2006" xmlns:p14="http://schemas.microsoft.com/office/powerpoint/2010/main">
-    <mc:Choice Requires="p14">
-      <p:transition spd="med" p14:dur="700">
-        <p:fade/>
-      </p:transition>
-    </mc:Choice>
-    <mc:Fallback xmlns="">
-      <p:transition spd="med">
-        <p:fade/>
-      </p:transition>
-    </mc:Fallback>
-  </mc:AlternateContent>
 </p:sldLayout>
 </file>
 
@@ -5239,7 +4951,7 @@
             <a:pPr rtl="0"/>
             <a:fld id="{D9C874C4-3349-4618-A49A-57DEFB6F7BFB}" type="datetime1">
               <a:rPr lang="ru-RU" noProof="0" smtClean="0"/>
-              <a:t>17.12.2022</a:t>
+              <a:t>18.12.2022</a:t>
             </a:fld>
             <a:endParaRPr lang="ru-RU" noProof="0" dirty="0"/>
           </a:p>
@@ -5299,18 +5011,6 @@
   <p:clrMapOvr>
     <a:masterClrMapping/>
   </p:clrMapOvr>
-  <mc:AlternateContent xmlns:mc="http://schemas.openxmlformats.org/markup-compatibility/2006" xmlns:p14="http://schemas.microsoft.com/office/powerpoint/2010/main">
-    <mc:Choice Requires="p14">
-      <p:transition spd="med" p14:dur="700">
-        <p:fade/>
-      </p:transition>
-    </mc:Choice>
-    <mc:Fallback xmlns="">
-      <p:transition spd="med">
-        <p:fade/>
-      </p:transition>
-    </mc:Fallback>
-  </mc:AlternateContent>
 </p:sldLayout>
 </file>
 
@@ -5510,7 +5210,7 @@
             <a:pPr rtl="0"/>
             <a:fld id="{CBA705E8-F76D-47F7-8C93-B438C95088DE}" type="datetime1">
               <a:rPr lang="ru-RU" noProof="0" smtClean="0"/>
-              <a:t>17.12.2022</a:t>
+              <a:t>18.12.2022</a:t>
             </a:fld>
             <a:endParaRPr lang="ru-RU" noProof="0" dirty="0"/>
           </a:p>
@@ -5571,18 +5271,6 @@
   <p:clrMapOvr>
     <a:masterClrMapping/>
   </p:clrMapOvr>
-  <mc:AlternateContent xmlns:mc="http://schemas.openxmlformats.org/markup-compatibility/2006" xmlns:p14="http://schemas.microsoft.com/office/powerpoint/2010/main">
-    <mc:Choice Requires="p14">
-      <p:transition spd="med" p14:dur="700">
-        <p:fade/>
-      </p:transition>
-    </mc:Choice>
-    <mc:Fallback xmlns="">
-      <p:transition spd="med">
-        <p:fade/>
-      </p:transition>
-    </mc:Fallback>
-  </mc:AlternateContent>
 </p:sldLayout>
 </file>
 
@@ -5834,7 +5522,7 @@
             <a:pPr rtl="0"/>
             <a:fld id="{C804A2CF-2624-43E6-98B0-2BA1BDD73BD5}" type="datetime1">
               <a:rPr lang="ru-RU" noProof="0" smtClean="0"/>
-              <a:t>17.12.2022</a:t>
+              <a:t>18.12.2022</a:t>
             </a:fld>
             <a:endParaRPr lang="ru-RU" noProof="0" dirty="0"/>
           </a:p>
@@ -5894,18 +5582,6 @@
   <p:clrMapOvr>
     <a:masterClrMapping/>
   </p:clrMapOvr>
-  <mc:AlternateContent xmlns:mc="http://schemas.openxmlformats.org/markup-compatibility/2006" xmlns:p14="http://schemas.microsoft.com/office/powerpoint/2010/main">
-    <mc:Choice Requires="p14">
-      <p:transition spd="med" p14:dur="700">
-        <p:fade/>
-      </p:transition>
-    </mc:Choice>
-    <mc:Fallback xmlns="">
-      <p:transition spd="med">
-        <p:fade/>
-      </p:transition>
-    </mc:Fallback>
-  </mc:AlternateContent>
 </p:sldLayout>
 </file>
 
@@ -6082,7 +5758,7 @@
           <a:p>
             <a:fld id="{798B96AE-99FB-476F-9A0D-2322D8B66A52}" type="datetime1">
               <a:rPr lang="ru-RU" noProof="0" smtClean="0"/>
-              <a:t>17.12.2022</a:t>
+              <a:t>18.12.2022</a:t>
             </a:fld>
             <a:endParaRPr lang="ru-RU" noProof="0" dirty="0"/>
           </a:p>
@@ -6208,18 +5884,6 @@
     <p:sldLayoutId id="2147483674" r:id="rId14"/>
     <p:sldLayoutId id="2147483675" r:id="rId15"/>
   </p:sldLayoutIdLst>
-  <mc:AlternateContent xmlns:mc="http://schemas.openxmlformats.org/markup-compatibility/2006" xmlns:p14="http://schemas.microsoft.com/office/powerpoint/2010/main">
-    <mc:Choice Requires="p14">
-      <p:transition spd="med" p14:dur="700">
-        <p:fade/>
-      </p:transition>
-    </mc:Choice>
-    <mc:Fallback xmlns="">
-      <p:transition spd="med">
-        <p:fade/>
-      </p:transition>
-    </mc:Fallback>
-  </mc:AlternateContent>
   <p:hf sldNum="0" hdr="0" ftr="0" dt="0"/>
   <p:txStyles>
     <p:titleStyle>
@@ -6820,13 +6484,13 @@
               </a:ext>
             </a:extLst>
           </a:blip>
-          <a:srcRect/>
+          <a:srcRect r="47844"/>
           <a:stretch/>
         </p:blipFill>
         <p:spPr>
           <a:xfrm>
-            <a:off x="-1" y="10"/>
-            <a:ext cx="12192001" cy="6857990"/>
+            <a:off x="0" y="10"/>
+            <a:ext cx="6358856" cy="6857990"/>
           </a:xfrm>
           <a:prstGeom prst="rect">
             <a:avLst/>
@@ -7086,8 +6750,8 @@
         </p:nvSpPr>
         <p:spPr>
           <a:xfrm>
-            <a:off x="7389962" y="1673524"/>
-            <a:ext cx="3485073" cy="2420504"/>
+            <a:off x="7096346" y="551330"/>
+            <a:ext cx="4312681" cy="1709544"/>
           </a:xfrm>
         </p:spPr>
         <p:txBody>
@@ -7098,14 +6762,14 @@
           <a:p>
             <a:pPr algn="l"/>
             <a:r>
-              <a:rPr lang="ru-RU" sz="4000" dirty="0"/>
+              <a:rPr lang="ru-RU" sz="4800" dirty="0"/>
               <a:t>Алгоритм </a:t>
             </a:r>
             <a:r>
-              <a:rPr lang="ru-RU" sz="4000" dirty="0" err="1"/>
+              <a:rPr lang="ru-RU" sz="4800" dirty="0" err="1"/>
               <a:t>Маккрейта</a:t>
             </a:r>
-            <a:endParaRPr lang="ru-RU" sz="4000" dirty="0"/>
+            <a:endParaRPr lang="ru-RU" sz="4800" dirty="0"/>
           </a:p>
         </p:txBody>
       </p:sp>
@@ -7127,27 +6791,34 @@
         </p:nvSpPr>
         <p:spPr>
           <a:xfrm>
-            <a:off x="7389962" y="4347068"/>
-            <a:ext cx="3485072" cy="749627"/>
+            <a:off x="7213483" y="3818561"/>
+            <a:ext cx="3868065" cy="2347346"/>
           </a:xfrm>
         </p:spPr>
         <p:txBody>
           <a:bodyPr rtlCol="0">
-            <a:normAutofit fontScale="77500" lnSpcReduction="20000"/>
+            <a:normAutofit lnSpcReduction="10000"/>
           </a:bodyPr>
           <a:lstStyle/>
           <a:p>
             <a:pPr algn="l" rtl="0"/>
             <a:r>
               <a:rPr lang="ru-RU" dirty="0"/>
-              <a:t>Выполнила: Белкова Елизавета</a:t>
+              <a:t>Выполнила:</a:t>
+            </a:r>
+            <a:br>
+              <a:rPr lang="ru-RU" dirty="0"/>
+            </a:br>
+            <a:r>
+              <a:rPr lang="ru-RU" dirty="0"/>
+              <a:t>Белкова Елизавета</a:t>
             </a:r>
           </a:p>
           <a:p>
             <a:pPr algn="l" rtl="0"/>
             <a:r>
               <a:rPr lang="ru-RU" sz="2300" dirty="0"/>
-              <a:t>Студентка ПИКД 2 курс</a:t>
+              <a:t>Студентка Дальневосточного федерального университета направления Прикладная информатика 2 курса</a:t>
             </a:r>
           </a:p>
         </p:txBody>
@@ -7162,18 +6833,6 @@
   <p:clrMapOvr>
     <a:masterClrMapping/>
   </p:clrMapOvr>
-  <mc:AlternateContent xmlns:mc="http://schemas.openxmlformats.org/markup-compatibility/2006" xmlns:p14="http://schemas.microsoft.com/office/powerpoint/2010/main">
-    <mc:Choice Requires="p14">
-      <p:transition spd="med" p14:dur="700">
-        <p:fade/>
-      </p:transition>
-    </mc:Choice>
-    <mc:Fallback xmlns="">
-      <p:transition spd="med">
-        <p:fade/>
-      </p:transition>
-    </mc:Fallback>
-  </mc:AlternateContent>
 </p:sld>
 </file>
 
@@ -7221,7 +6880,10 @@
           <a:lstStyle/>
           <a:p>
             <a:r>
-              <a:rPr lang="ru-RU" dirty="0"/>
+              <a:rPr lang="ru-RU" dirty="0">
+                <a:latin typeface="Arial" panose="020B0604020202020204" pitchFamily="34" charset="0"/>
+                <a:cs typeface="Arial" panose="020B0604020202020204" pitchFamily="34" charset="0"/>
+              </a:rPr>
               <a:t>Реализация в коде</a:t>
             </a:r>
           </a:p>
@@ -7294,18 +6956,6 @@
   <p:clrMapOvr>
     <a:masterClrMapping/>
   </p:clrMapOvr>
-  <mc:AlternateContent xmlns:mc="http://schemas.openxmlformats.org/markup-compatibility/2006" xmlns:p14="http://schemas.microsoft.com/office/powerpoint/2010/main">
-    <mc:Choice Requires="p14">
-      <p:transition spd="med" p14:dur="700">
-        <p:fade/>
-      </p:transition>
-    </mc:Choice>
-    <mc:Fallback xmlns="">
-      <p:transition spd="med">
-        <p:fade/>
-      </p:transition>
-    </mc:Fallback>
-  </mc:AlternateContent>
 </p:sld>
 </file>
 
@@ -7353,7 +7003,10 @@
           <a:lstStyle/>
           <a:p>
             <a:r>
-              <a:rPr lang="ru-RU" dirty="0"/>
+              <a:rPr lang="ru-RU" dirty="0">
+                <a:latin typeface="Arial" panose="020B0604020202020204" pitchFamily="34" charset="0"/>
+                <a:cs typeface="Arial" panose="020B0604020202020204" pitchFamily="34" charset="0"/>
+              </a:rPr>
               <a:t>Асимптотическая оценка</a:t>
             </a:r>
           </a:p>
@@ -7383,23 +7036,38 @@
           <a:lstStyle/>
           <a:p>
             <a:r>
-              <a:rPr lang="ru-RU" sz="2800" dirty="0"/>
+              <a:rPr lang="ru-RU" sz="2800" dirty="0">
+                <a:latin typeface="Arial" panose="020B0604020202020204" pitchFamily="34" charset="0"/>
+                <a:cs typeface="Arial" panose="020B0604020202020204" pitchFamily="34" charset="0"/>
+              </a:rPr>
               <a:t>В приведенном алгоритме используется константное число операций на добавление одного суффикса.</a:t>
             </a:r>
           </a:p>
           <a:p>
-            <a:endParaRPr lang="ru-RU" sz="2800" dirty="0"/>
-          </a:p>
-          <a:p>
-            <a:r>
-              <a:rPr lang="ru-RU" sz="2800" dirty="0"/>
+            <a:endParaRPr lang="ru-RU" sz="2800" dirty="0">
+              <a:latin typeface="Arial" panose="020B0604020202020204" pitchFamily="34" charset="0"/>
+              <a:cs typeface="Arial" panose="020B0604020202020204" pitchFamily="34" charset="0"/>
+            </a:endParaRPr>
+          </a:p>
+          <a:p>
+            <a:r>
+              <a:rPr lang="ru-RU" sz="2800" dirty="0">
+                <a:latin typeface="Arial" panose="020B0604020202020204" pitchFamily="34" charset="0"/>
+                <a:cs typeface="Arial" panose="020B0604020202020204" pitchFamily="34" charset="0"/>
+              </a:rPr>
               <a:t>Итоговая асимптотика алгоритма </a:t>
             </a:r>
             <a:r>
-              <a:rPr lang="en-US" sz="2800" dirty="0"/>
+              <a:rPr lang="en-US" sz="2800" dirty="0">
+                <a:latin typeface="Arial" panose="020B0604020202020204" pitchFamily="34" charset="0"/>
+                <a:cs typeface="Arial" panose="020B0604020202020204" pitchFamily="34" charset="0"/>
+              </a:rPr>
               <a:t>O(N)</a:t>
             </a:r>
-            <a:endParaRPr lang="ru-RU" sz="2800" dirty="0"/>
+            <a:endParaRPr lang="ru-RU" sz="2800" dirty="0">
+              <a:latin typeface="Arial" panose="020B0604020202020204" pitchFamily="34" charset="0"/>
+              <a:cs typeface="Arial" panose="020B0604020202020204" pitchFamily="34" charset="0"/>
+            </a:endParaRPr>
           </a:p>
         </p:txBody>
       </p:sp>
@@ -7413,18 +7081,6 @@
   <p:clrMapOvr>
     <a:masterClrMapping/>
   </p:clrMapOvr>
-  <mc:AlternateContent xmlns:mc="http://schemas.openxmlformats.org/markup-compatibility/2006" xmlns:p14="http://schemas.microsoft.com/office/powerpoint/2010/main">
-    <mc:Choice Requires="p14">
-      <p:transition spd="med" p14:dur="700">
-        <p:fade/>
-      </p:transition>
-    </mc:Choice>
-    <mc:Fallback xmlns="">
-      <p:transition spd="med">
-        <p:fade/>
-      </p:transition>
-    </mc:Fallback>
-  </mc:AlternateContent>
 </p:sld>
 </file>
 
@@ -7467,8 +7123,11 @@
           <a:lstStyle/>
           <a:p>
             <a:r>
-              <a:rPr lang="ru-RU" dirty="0"/>
-              <a:t>Сравнение с другими алгоритмами</a:t>
+              <a:rPr lang="ru-RU" dirty="0">
+                <a:latin typeface="Arial" panose="020B0604020202020204" pitchFamily="34" charset="0"/>
+                <a:cs typeface="Arial" panose="020B0604020202020204" pitchFamily="34" charset="0"/>
+              </a:rPr>
+              <a:t>Сравнение с алгоритмом Вайнера</a:t>
             </a:r>
           </a:p>
         </p:txBody>
@@ -7501,17 +7160,21 @@
           </a:bodyPr>
           <a:lstStyle/>
           <a:p>
-            <a:pPr algn="l"/>
+            <a:pPr marL="36900" indent="0" algn="l">
+              <a:buNone/>
+            </a:pPr>
             <a:r>
               <a:rPr lang="ru-RU" sz="2400" b="0" dirty="0">
                 <a:effectLst/>
-                <a:cs typeface="Times New Roman" panose="02020603050405020304" pitchFamily="18" charset="0"/>
+                <a:latin typeface="Arial" panose="020B0604020202020204" pitchFamily="34" charset="0"/>
+                <a:cs typeface="Arial" panose="020B0604020202020204" pitchFamily="34" charset="0"/>
               </a:rPr>
               <a:t>В сравнении с алгоритмом Вайнера:</a:t>
             </a:r>
             <a:endParaRPr lang="en-US" sz="2400" dirty="0">
               <a:effectLst/>
-              <a:cs typeface="Times New Roman" panose="02020603050405020304" pitchFamily="18" charset="0"/>
+              <a:latin typeface="Arial" panose="020B0604020202020204" pitchFamily="34" charset="0"/>
+              <a:cs typeface="Arial" panose="020B0604020202020204" pitchFamily="34" charset="0"/>
             </a:endParaRPr>
           </a:p>
           <a:p>
@@ -7521,7 +7184,8 @@
                 <a:schemeClr val="tx1"/>
               </a:solidFill>
               <a:effectLst/>
-              <a:cs typeface="Times New Roman" panose="02020603050405020304" pitchFamily="18" charset="0"/>
+              <a:latin typeface="Arial" panose="020B0604020202020204" pitchFamily="34" charset="0"/>
+              <a:cs typeface="Arial" panose="020B0604020202020204" pitchFamily="34" charset="0"/>
             </a:endParaRPr>
           </a:p>
           <a:p>
@@ -7531,7 +7195,8 @@
                 <a:schemeClr val="tx1"/>
               </a:solidFill>
               <a:effectLst/>
-              <a:cs typeface="Times New Roman" panose="02020603050405020304" pitchFamily="18" charset="0"/>
+              <a:latin typeface="Arial" panose="020B0604020202020204" pitchFamily="34" charset="0"/>
+              <a:cs typeface="Arial" panose="020B0604020202020204" pitchFamily="34" charset="0"/>
             </a:endParaRPr>
           </a:p>
           <a:p>
@@ -7544,7 +7209,8 @@
                   <a:srgbClr val="FFFF00"/>
                 </a:solidFill>
                 <a:effectLst/>
-                <a:cs typeface="Times New Roman" panose="02020603050405020304" pitchFamily="18" charset="0"/>
+                <a:latin typeface="Arial" panose="020B0604020202020204" pitchFamily="34" charset="0"/>
+                <a:cs typeface="Arial" panose="020B0604020202020204" pitchFamily="34" charset="0"/>
               </a:rPr>
               <a:t>Преимущества:</a:t>
             </a:r>
@@ -7554,34 +7220,39 @@
                   <a:schemeClr val="tx1"/>
                 </a:solidFill>
                 <a:effectLst/>
-                <a:cs typeface="Times New Roman" panose="02020603050405020304" pitchFamily="18" charset="0"/>
+                <a:latin typeface="Arial" panose="020B0604020202020204" pitchFamily="34" charset="0"/>
+                <a:cs typeface="Arial" panose="020B0604020202020204" pitchFamily="34" charset="0"/>
               </a:rPr>
               <a:t> </a:t>
             </a:r>
             <a:r>
               <a:rPr lang="ru-RU" sz="2400" b="0" i="0" dirty="0">
                 <a:effectLst/>
-                <a:cs typeface="Times New Roman" panose="02020603050405020304" pitchFamily="18" charset="0"/>
+                <a:latin typeface="Arial" panose="020B0604020202020204" pitchFamily="34" charset="0"/>
+                <a:cs typeface="Arial" panose="020B0604020202020204" pitchFamily="34" charset="0"/>
               </a:rPr>
               <a:t>каждая вершина хранит только </a:t>
             </a:r>
             <a:r>
               <a:rPr lang="ru-RU" sz="2400" b="0" i="0" dirty="0" err="1">
                 <a:effectLst/>
-                <a:cs typeface="Times New Roman" panose="02020603050405020304" pitchFamily="18" charset="0"/>
+                <a:latin typeface="Arial" panose="020B0604020202020204" pitchFamily="34" charset="0"/>
+                <a:cs typeface="Arial" panose="020B0604020202020204" pitchFamily="34" charset="0"/>
               </a:rPr>
               <a:t>суффиксную</a:t>
             </a:r>
             <a:r>
               <a:rPr lang="ru-RU" sz="2400" b="0" i="0" dirty="0">
                 <a:effectLst/>
-                <a:cs typeface="Times New Roman" panose="02020603050405020304" pitchFamily="18" charset="0"/>
+                <a:latin typeface="Arial" panose="020B0604020202020204" pitchFamily="34" charset="0"/>
+                <a:cs typeface="Arial" panose="020B0604020202020204" pitchFamily="34" charset="0"/>
               </a:rPr>
               <a:t> ссылку, а не массивы размера алфавита.</a:t>
             </a:r>
             <a:endParaRPr lang="en-US" sz="2400" b="0" i="0" dirty="0">
               <a:effectLst/>
-              <a:cs typeface="Times New Roman" panose="02020603050405020304" pitchFamily="18" charset="0"/>
+              <a:latin typeface="Arial" panose="020B0604020202020204" pitchFamily="34" charset="0"/>
+              <a:cs typeface="Arial" panose="020B0604020202020204" pitchFamily="34" charset="0"/>
             </a:endParaRPr>
           </a:p>
           <a:p>
@@ -7593,7 +7264,8 @@
                 <a:schemeClr val="tx1"/>
               </a:solidFill>
               <a:effectLst/>
-              <a:cs typeface="Times New Roman" panose="02020603050405020304" pitchFamily="18" charset="0"/>
+              <a:latin typeface="Arial" panose="020B0604020202020204" pitchFamily="34" charset="0"/>
+              <a:cs typeface="Arial" panose="020B0604020202020204" pitchFamily="34" charset="0"/>
             </a:endParaRPr>
           </a:p>
           <a:p>
@@ -7606,7 +7278,8 @@
                   <a:srgbClr val="FF0000"/>
                 </a:solidFill>
                 <a:effectLst/>
-                <a:cs typeface="Times New Roman" panose="02020603050405020304" pitchFamily="18" charset="0"/>
+                <a:latin typeface="Arial" panose="020B0604020202020204" pitchFamily="34" charset="0"/>
+                <a:cs typeface="Arial" panose="020B0604020202020204" pitchFamily="34" charset="0"/>
               </a:rPr>
               <a:t>Недостатки</a:t>
             </a:r>
@@ -7616,14 +7289,16 @@
                   <a:srgbClr val="FF0000"/>
                 </a:solidFill>
                 <a:effectLst/>
-                <a:cs typeface="Times New Roman" panose="02020603050405020304" pitchFamily="18" charset="0"/>
+                <a:latin typeface="Arial" panose="020B0604020202020204" pitchFamily="34" charset="0"/>
+                <a:cs typeface="Arial" panose="020B0604020202020204" pitchFamily="34" charset="0"/>
               </a:rPr>
               <a:t>: </a:t>
             </a:r>
             <a:r>
               <a:rPr lang="ru-RU" sz="2400" b="0" i="0" dirty="0">
                 <a:effectLst/>
-                <a:cs typeface="Times New Roman" panose="02020603050405020304" pitchFamily="18" charset="0"/>
+                <a:latin typeface="Arial" panose="020B0604020202020204" pitchFamily="34" charset="0"/>
+                <a:cs typeface="Arial" panose="020B0604020202020204" pitchFamily="34" charset="0"/>
               </a:rPr>
               <a:t>нет</a:t>
             </a:r>
@@ -7643,18 +7318,6 @@
   <p:clrMapOvr>
     <a:masterClrMapping/>
   </p:clrMapOvr>
-  <mc:AlternateContent xmlns:mc="http://schemas.openxmlformats.org/markup-compatibility/2006" xmlns:p14="http://schemas.microsoft.com/office/powerpoint/2010/main">
-    <mc:Choice Requires="p14">
-      <p:transition spd="med" p14:dur="700">
-        <p:fade/>
-      </p:transition>
-    </mc:Choice>
-    <mc:Fallback xmlns="">
-      <p:transition spd="med">
-        <p:fade/>
-      </p:transition>
-    </mc:Fallback>
-  </mc:AlternateContent>
   <p:timing>
     <p:tnLst>
       <p:par>
@@ -7849,9 +7512,23 @@
           <a:lstStyle/>
           <a:p>
             <a:r>
-              <a:rPr lang="ru-RU" dirty="0"/>
-              <a:t>Сравнение с другими алгоритмами</a:t>
-            </a:r>
+              <a:rPr lang="ru-RU" dirty="0">
+                <a:latin typeface="Arial" panose="020B0604020202020204" pitchFamily="34" charset="0"/>
+                <a:cs typeface="Arial" panose="020B0604020202020204" pitchFamily="34" charset="0"/>
+              </a:rPr>
+              <a:t>Сравнение с алгоритмом </a:t>
+            </a:r>
+            <a:r>
+              <a:rPr lang="ru-RU" dirty="0" err="1">
+                <a:latin typeface="Arial" panose="020B0604020202020204" pitchFamily="34" charset="0"/>
+                <a:cs typeface="Arial" panose="020B0604020202020204" pitchFamily="34" charset="0"/>
+              </a:rPr>
+              <a:t>Укконена</a:t>
+            </a:r>
+            <a:endParaRPr lang="ru-RU" dirty="0">
+              <a:latin typeface="Arial" panose="020B0604020202020204" pitchFamily="34" charset="0"/>
+              <a:cs typeface="Arial" panose="020B0604020202020204" pitchFamily="34" charset="0"/>
+            </a:endParaRPr>
           </a:p>
         </p:txBody>
       </p:sp>
@@ -7883,31 +7560,37 @@
           </a:bodyPr>
           <a:lstStyle/>
           <a:p>
-            <a:pPr algn="l"/>
+            <a:pPr marL="36900" indent="0" algn="l">
+              <a:buNone/>
+            </a:pPr>
             <a:r>
               <a:rPr lang="ru-RU" sz="2400" dirty="0">
                 <a:effectLst/>
-                <a:cs typeface="Times New Roman" panose="02020603050405020304" pitchFamily="18" charset="0"/>
+                <a:latin typeface="Arial" panose="020B0604020202020204" pitchFamily="34" charset="0"/>
+                <a:cs typeface="Arial" panose="020B0604020202020204" pitchFamily="34" charset="0"/>
               </a:rPr>
               <a:t>В сравнении с алгоритмом </a:t>
             </a:r>
             <a:r>
               <a:rPr lang="ru-RU" sz="2400" dirty="0" err="1">
                 <a:effectLst/>
-                <a:cs typeface="Times New Roman" panose="02020603050405020304" pitchFamily="18" charset="0"/>
+                <a:latin typeface="Arial" panose="020B0604020202020204" pitchFamily="34" charset="0"/>
+                <a:cs typeface="Arial" panose="020B0604020202020204" pitchFamily="34" charset="0"/>
               </a:rPr>
               <a:t>Укконена</a:t>
             </a:r>
             <a:r>
               <a:rPr lang="ru-RU" sz="2400" dirty="0">
                 <a:effectLst/>
-                <a:cs typeface="Times New Roman" panose="02020603050405020304" pitchFamily="18" charset="0"/>
+                <a:latin typeface="Arial" panose="020B0604020202020204" pitchFamily="34" charset="0"/>
+                <a:cs typeface="Arial" panose="020B0604020202020204" pitchFamily="34" charset="0"/>
               </a:rPr>
               <a:t>:</a:t>
             </a:r>
             <a:endParaRPr lang="en-US" sz="2400" dirty="0">
               <a:effectLst/>
-              <a:cs typeface="Times New Roman" panose="02020603050405020304" pitchFamily="18" charset="0"/>
+              <a:latin typeface="Arial" panose="020B0604020202020204" pitchFamily="34" charset="0"/>
+              <a:cs typeface="Arial" panose="020B0604020202020204" pitchFamily="34" charset="0"/>
             </a:endParaRPr>
           </a:p>
           <a:p>
@@ -7918,6 +7601,7 @@
               </a:solidFill>
               <a:effectLst/>
               <a:latin typeface="Arial" panose="020B0604020202020204" pitchFamily="34" charset="0"/>
+              <a:cs typeface="Arial" panose="020B0604020202020204" pitchFamily="34" charset="0"/>
             </a:endParaRPr>
           </a:p>
           <a:p>
@@ -7928,6 +7612,7 @@
               </a:solidFill>
               <a:effectLst/>
               <a:latin typeface="Arial" panose="020B0604020202020204" pitchFamily="34" charset="0"/>
+              <a:cs typeface="Arial" panose="020B0604020202020204" pitchFamily="34" charset="0"/>
             </a:endParaRPr>
           </a:p>
           <a:p>
@@ -7940,7 +7625,8 @@
                   <a:srgbClr val="FFFF00"/>
                 </a:solidFill>
                 <a:effectLst/>
-                <a:cs typeface="Times New Roman" panose="02020603050405020304" pitchFamily="18" charset="0"/>
+                <a:latin typeface="Arial" panose="020B0604020202020204" pitchFamily="34" charset="0"/>
+                <a:cs typeface="Arial" panose="020B0604020202020204" pitchFamily="34" charset="0"/>
               </a:rPr>
               <a:t>Преимущества:</a:t>
             </a:r>
@@ -7951,33 +7637,38 @@
                 </a:solidFill>
                 <a:effectLst/>
                 <a:latin typeface="Arial" panose="020B0604020202020204" pitchFamily="34" charset="0"/>
+                <a:cs typeface="Arial" panose="020B0604020202020204" pitchFamily="34" charset="0"/>
               </a:rPr>
               <a:t> </a:t>
             </a:r>
             <a:r>
               <a:rPr lang="ru-RU" sz="2400" dirty="0">
                 <a:effectLst/>
-                <a:cs typeface="Times New Roman" panose="02020603050405020304" pitchFamily="18" charset="0"/>
+                <a:latin typeface="Arial" panose="020B0604020202020204" pitchFamily="34" charset="0"/>
+                <a:cs typeface="Arial" panose="020B0604020202020204" pitchFamily="34" charset="0"/>
               </a:rPr>
               <a:t>мы строим </a:t>
             </a:r>
             <a:r>
               <a:rPr lang="ru-RU" sz="2400" dirty="0" err="1">
                 <a:effectLst/>
-                <a:cs typeface="Times New Roman" panose="02020603050405020304" pitchFamily="18" charset="0"/>
+                <a:latin typeface="Arial" panose="020B0604020202020204" pitchFamily="34" charset="0"/>
+                <a:cs typeface="Arial" panose="020B0604020202020204" pitchFamily="34" charset="0"/>
               </a:rPr>
               <a:t>суффиксное</a:t>
             </a:r>
             <a:r>
               <a:rPr lang="ru-RU" sz="2400" dirty="0">
                 <a:effectLst/>
-                <a:cs typeface="Times New Roman" panose="02020603050405020304" pitchFamily="18" charset="0"/>
+                <a:latin typeface="Arial" panose="020B0604020202020204" pitchFamily="34" charset="0"/>
+                <a:cs typeface="Arial" panose="020B0604020202020204" pitchFamily="34" charset="0"/>
               </a:rPr>
               <a:t> дерево в явной форме, что может облегчить понимание алгоритма.</a:t>
             </a:r>
             <a:endParaRPr lang="en-US" sz="2400" dirty="0">
               <a:effectLst/>
-              <a:cs typeface="Times New Roman" panose="02020603050405020304" pitchFamily="18" charset="0"/>
+              <a:latin typeface="Arial" panose="020B0604020202020204" pitchFamily="34" charset="0"/>
+              <a:cs typeface="Arial" panose="020B0604020202020204" pitchFamily="34" charset="0"/>
             </a:endParaRPr>
           </a:p>
           <a:p>
@@ -7990,6 +7681,7 @@
               </a:solidFill>
               <a:effectLst/>
               <a:latin typeface="Arial" panose="020B0604020202020204" pitchFamily="34" charset="0"/>
+              <a:cs typeface="Arial" panose="020B0604020202020204" pitchFamily="34" charset="0"/>
             </a:endParaRPr>
           </a:p>
           <a:p>
@@ -8002,28 +7694,32 @@
                   <a:srgbClr val="FF0000"/>
                 </a:solidFill>
                 <a:effectLst/>
-                <a:cs typeface="Times New Roman" panose="02020603050405020304" pitchFamily="18" charset="0"/>
+                <a:latin typeface="Arial" panose="020B0604020202020204" pitchFamily="34" charset="0"/>
+                <a:cs typeface="Arial" panose="020B0604020202020204" pitchFamily="34" charset="0"/>
               </a:rPr>
               <a:t>Недостатки: </a:t>
             </a:r>
             <a:r>
               <a:rPr lang="ru-RU" sz="2400" dirty="0">
                 <a:effectLst/>
-                <a:cs typeface="Times New Roman" panose="02020603050405020304" pitchFamily="18" charset="0"/>
+                <a:latin typeface="Arial" panose="020B0604020202020204" pitchFamily="34" charset="0"/>
+                <a:cs typeface="Arial" panose="020B0604020202020204" pitchFamily="34" charset="0"/>
               </a:rPr>
               <a:t>является </a:t>
             </a:r>
             <a:r>
               <a:rPr lang="ru-RU" sz="2400" dirty="0" err="1">
                 <a:effectLst/>
-                <a:cs typeface="Times New Roman" panose="02020603050405020304" pitchFamily="18" charset="0"/>
+                <a:latin typeface="Arial" panose="020B0604020202020204" pitchFamily="34" charset="0"/>
+                <a:cs typeface="Arial" panose="020B0604020202020204" pitchFamily="34" charset="0"/>
               </a:rPr>
               <a:t>offline</a:t>
             </a:r>
             <a:r>
               <a:rPr lang="ru-RU" sz="2400" dirty="0">
                 <a:effectLst/>
-                <a:cs typeface="Times New Roman" panose="02020603050405020304" pitchFamily="18" charset="0"/>
+                <a:latin typeface="Arial" panose="020B0604020202020204" pitchFamily="34" charset="0"/>
+                <a:cs typeface="Arial" panose="020B0604020202020204" pitchFamily="34" charset="0"/>
               </a:rPr>
               <a:t> алгоритмом, то есть требует для начала работы всю строку целиком.</a:t>
             </a:r>
@@ -8040,18 +7736,6 @@
   <p:clrMapOvr>
     <a:masterClrMapping/>
   </p:clrMapOvr>
-  <mc:AlternateContent xmlns:mc="http://schemas.openxmlformats.org/markup-compatibility/2006" xmlns:p14="http://schemas.microsoft.com/office/powerpoint/2010/main">
-    <mc:Choice Requires="p14">
-      <p:transition spd="med" p14:dur="700">
-        <p:fade/>
-      </p:transition>
-    </mc:Choice>
-    <mc:Fallback xmlns="">
-      <p:transition spd="med">
-        <p:fade/>
-      </p:transition>
-    </mc:Fallback>
-  </mc:AlternateContent>
   <p:timing>
     <p:tnLst>
       <p:par>
@@ -8246,7 +7930,10 @@
           <a:lstStyle/>
           <a:p>
             <a:r>
-              <a:rPr lang="ru-RU" dirty="0"/>
+              <a:rPr lang="ru-RU" dirty="0">
+                <a:latin typeface="Arial" panose="020B0604020202020204" pitchFamily="34" charset="0"/>
+                <a:cs typeface="Arial" panose="020B0604020202020204" pitchFamily="34" charset="0"/>
+              </a:rPr>
               <a:t>Сферы применения</a:t>
             </a:r>
           </a:p>
@@ -8268,130 +7955,70 @@
             <p:ph idx="1"/>
           </p:nvPr>
         </p:nvSpPr>
-        <p:spPr/>
+        <p:spPr>
+          <a:xfrm>
+            <a:off x="913795" y="2403620"/>
+            <a:ext cx="10353762" cy="3714749"/>
+          </a:xfrm>
+        </p:spPr>
         <p:txBody>
           <a:bodyPr/>
           <a:lstStyle/>
           <a:p>
             <a:r>
-              <a:rPr lang="ru-RU" b="0" i="0" dirty="0" err="1">
+              <a:rPr lang="ru-RU" dirty="0">
                 <a:effectLst/>
-                <a:cs typeface="Times New Roman" panose="02020603050405020304" pitchFamily="18" charset="0"/>
+                <a:latin typeface="Arial" panose="020B0604020202020204" pitchFamily="34" charset="0"/>
+                <a:cs typeface="Arial" panose="020B0604020202020204" pitchFamily="34" charset="0"/>
               </a:rPr>
-              <a:t>Суффикснные</a:t>
+              <a:t>Р</a:t>
             </a:r>
             <a:r>
               <a:rPr lang="ru-RU" b="0" i="0" dirty="0">
                 <a:effectLst/>
-                <a:cs typeface="Times New Roman" panose="02020603050405020304" pitchFamily="18" charset="0"/>
+                <a:latin typeface="Arial" panose="020B0604020202020204" pitchFamily="34" charset="0"/>
+                <a:cs typeface="Arial" panose="020B0604020202020204" pitchFamily="34" charset="0"/>
               </a:rPr>
-              <a:t> </a:t>
-            </a:r>
-            <a:r>
-              <a:rPr lang="ru-RU" b="1" i="0" dirty="0">
-                <a:effectLst/>
-                <a:cs typeface="Times New Roman" panose="02020603050405020304" pitchFamily="18" charset="0"/>
-              </a:rPr>
-              <a:t>деревья</a:t>
-            </a:r>
+              <a:t>едактирование текста</a:t>
+            </a:r>
+          </a:p>
+          <a:p>
+            <a:endParaRPr lang="ru-RU" dirty="0">
+              <a:effectLst/>
+              <a:latin typeface="Arial" panose="020B0604020202020204" pitchFamily="34" charset="0"/>
+              <a:cs typeface="Arial" panose="020B0604020202020204" pitchFamily="34" charset="0"/>
+            </a:endParaRPr>
+          </a:p>
+          <a:p>
             <a:r>
               <a:rPr lang="ru-RU" b="0" i="0" dirty="0">
                 <a:effectLst/>
-                <a:cs typeface="Times New Roman" panose="02020603050405020304" pitchFamily="18" charset="0"/>
+                <a:latin typeface="Arial" panose="020B0604020202020204" pitchFamily="34" charset="0"/>
+                <a:cs typeface="Arial" panose="020B0604020202020204" pitchFamily="34" charset="0"/>
               </a:rPr>
-              <a:t> могут быть </a:t>
-            </a:r>
-            <a:r>
-              <a:rPr lang="ru-RU" b="1" i="0" dirty="0">
-                <a:effectLst/>
-                <a:cs typeface="Times New Roman" panose="02020603050405020304" pitchFamily="18" charset="0"/>
-              </a:rPr>
-              <a:t>использованы</a:t>
-            </a:r>
+              <a:t>Браузерный поиск</a:t>
+            </a:r>
+          </a:p>
+          <a:p>
+            <a:endParaRPr lang="ru-RU" b="0" i="0" dirty="0">
+              <a:effectLst/>
+              <a:latin typeface="Arial" panose="020B0604020202020204" pitchFamily="34" charset="0"/>
+              <a:cs typeface="Arial" panose="020B0604020202020204" pitchFamily="34" charset="0"/>
+            </a:endParaRPr>
+          </a:p>
+          <a:p>
             <a:r>
               <a:rPr lang="ru-RU" b="0" i="0" dirty="0">
                 <a:effectLst/>
-                <a:cs typeface="Times New Roman" panose="02020603050405020304" pitchFamily="18" charset="0"/>
+                <a:latin typeface="Arial" panose="020B0604020202020204" pitchFamily="34" charset="0"/>
+                <a:cs typeface="Arial" panose="020B0604020202020204" pitchFamily="34" charset="0"/>
               </a:rPr>
-              <a:t> для решения большого числа строковых задач, возникающих в области редактирования текста, поиска свободного текста, вычислительной биологии и других прикладных областях. </a:t>
-            </a:r>
-            <a:endParaRPr lang="en-US" b="0" i="0" dirty="0">
-              <a:effectLst/>
-              <a:cs typeface="Times New Roman" panose="02020603050405020304" pitchFamily="18" charset="0"/>
-            </a:endParaRPr>
-          </a:p>
-          <a:p>
+              <a:t>Вычислительная биология (структуры ДНК)</a:t>
+            </a:r>
             <a:endParaRPr lang="en-US" dirty="0">
               <a:effectLst/>
-              <a:cs typeface="Times New Roman" panose="02020603050405020304" pitchFamily="18" charset="0"/>
-            </a:endParaRPr>
-          </a:p>
-          <a:p>
-            <a:r>
-              <a:rPr lang="ru-RU" b="0" i="0" dirty="0">
-                <a:effectLst/>
-                <a:cs typeface="Times New Roman" panose="02020603050405020304" pitchFamily="18" charset="0"/>
-              </a:rPr>
-              <a:t>Основные области </a:t>
-            </a:r>
-            <a:r>
-              <a:rPr lang="ru-RU" b="1" i="0" dirty="0">
-                <a:effectLst/>
-                <a:cs typeface="Times New Roman" panose="02020603050405020304" pitchFamily="18" charset="0"/>
-              </a:rPr>
-              <a:t>применения</a:t>
-            </a:r>
-            <a:r>
-              <a:rPr lang="ru-RU" b="0" i="0" dirty="0">
-                <a:effectLst/>
-                <a:cs typeface="Times New Roman" panose="02020603050405020304" pitchFamily="18" charset="0"/>
-              </a:rPr>
-              <a:t> включают:. Поиск </a:t>
-            </a:r>
-            <a:r>
-              <a:rPr lang="ru-RU" b="0" i="0" dirty="0" err="1">
-                <a:effectLst/>
-                <a:cs typeface="Times New Roman" panose="02020603050405020304" pitchFamily="18" charset="0"/>
-              </a:rPr>
-              <a:t>строкв</a:t>
-            </a:r>
-            <a:r>
-              <a:rPr lang="ru-RU" b="0" i="0" dirty="0">
-                <a:effectLst/>
-                <a:cs typeface="Times New Roman" panose="02020603050405020304" pitchFamily="18" charset="0"/>
-              </a:rPr>
-              <a:t> сложности O(m), </a:t>
-            </a:r>
-            <a:r>
-              <a:rPr lang="ru-RU" b="1" i="0" dirty="0">
-                <a:effectLst/>
-                <a:cs typeface="Times New Roman" panose="02020603050405020304" pitchFamily="18" charset="0"/>
-              </a:rPr>
-              <a:t>где</a:t>
-            </a:r>
-            <a:r>
-              <a:rPr lang="ru-RU" b="0" i="0" dirty="0">
-                <a:effectLst/>
-                <a:cs typeface="Times New Roman" panose="02020603050405020304" pitchFamily="18" charset="0"/>
-              </a:rPr>
-              <a:t> m-длина подстроки (но с начальным временем O(n), необходимым для построения </a:t>
-            </a:r>
-            <a:r>
-              <a:rPr lang="ru-RU" b="1" i="0" dirty="0">
-                <a:effectLst/>
-                <a:cs typeface="Times New Roman" panose="02020603050405020304" pitchFamily="18" charset="0"/>
-              </a:rPr>
-              <a:t>дерева</a:t>
-            </a:r>
-            <a:r>
-              <a:rPr lang="ru-RU" b="0" i="0" dirty="0">
-                <a:effectLst/>
-                <a:cs typeface="Times New Roman" panose="02020603050405020304" pitchFamily="18" charset="0"/>
-              </a:rPr>
-              <a:t> суффиксов для строки).</a:t>
-            </a:r>
-            <a:endParaRPr lang="ru-RU" dirty="0">
-              <a:cs typeface="Times New Roman" panose="02020603050405020304" pitchFamily="18" charset="0"/>
+              <a:latin typeface="Arial" panose="020B0604020202020204" pitchFamily="34" charset="0"/>
+              <a:cs typeface="Arial" panose="020B0604020202020204" pitchFamily="34" charset="0"/>
             </a:endParaRPr>
           </a:p>
         </p:txBody>
@@ -8406,43 +8033,12 @@
   <p:clrMapOvr>
     <a:masterClrMapping/>
   </p:clrMapOvr>
-  <mc:AlternateContent xmlns:mc="http://schemas.openxmlformats.org/markup-compatibility/2006" xmlns:p14="http://schemas.microsoft.com/office/powerpoint/2010/main">
-    <mc:Choice Requires="p14">
-      <p:transition spd="med" p14:dur="700">
-        <p:fade/>
-      </p:transition>
-    </mc:Choice>
-    <mc:Fallback xmlns="">
-      <p:transition spd="med">
-        <p:fade/>
-      </p:transition>
-    </mc:Fallback>
-  </mc:AlternateContent>
 </p:sld>
 </file>
 
-<file path=ppt/slides/slide2.xml><?xml version="1.0" encoding="utf-8"?>
+<file path=ppt/slides/slide15.xml><?xml version="1.0" encoding="utf-8"?>
 <p:sld xmlns:a="http://schemas.openxmlformats.org/drawingml/2006/main" xmlns:r="http://schemas.openxmlformats.org/officeDocument/2006/relationships" xmlns:p="http://schemas.openxmlformats.org/presentationml/2006/main">
   <p:cSld>
-    <p:bg>
-      <p:bgPr>
-        <a:blipFill rotWithShape="1">
-          <a:blip r:embed="rId3">
-            <a:duotone>
-              <a:schemeClr val="bg1">
-                <a:shade val="80000"/>
-                <a:lumMod val="80000"/>
-              </a:schemeClr>
-              <a:schemeClr val="bg1">
-                <a:tint val="98000"/>
-              </a:schemeClr>
-            </a:duotone>
-          </a:blip>
-          <a:stretch/>
-        </a:blipFill>
-        <a:effectLst/>
-      </p:bgPr>
-    </p:bg>
     <p:spTree>
       <p:nvGrpSpPr>
         <p:cNvPr id="1" name=""/>
@@ -8457,101 +8053,380 @@
           <a:chExt cx="0" cy="0"/>
         </a:xfrm>
       </p:grpSpPr>
-      <p:sp useBgFill="1">
-        <p:nvSpPr>
-          <p:cNvPr id="55" name="Прямоугольник 54">
+      <p:sp>
+        <p:nvSpPr>
+          <p:cNvPr id="2" name="Заголовок 1">
             <a:extLst>
               <a:ext uri="{FF2B5EF4-FFF2-40B4-BE49-F238E27FC236}">
-                <a16:creationId xmlns:a16="http://schemas.microsoft.com/office/drawing/2014/main" id="{0EF2A0DA-AE81-4A45-972E-646AC2870C2F}"/>
-              </a:ext>
-              <a:ext uri="{C183D7F6-B498-43B3-948B-1728B52AA6E4}">
-                <adec:decorative xmlns:adec="http://schemas.microsoft.com/office/drawing/2017/decorative" val="1"/>
+                <a16:creationId xmlns:a16="http://schemas.microsoft.com/office/drawing/2014/main" id="{E6474BEB-699A-71CC-E376-E60C0BEC516B}"/>
               </a:ext>
             </a:extLst>
           </p:cNvPr>
           <p:cNvSpPr>
-            <a:spLocks noGrp="1" noRot="1" noChangeAspect="1" noMove="1" noResize="1" noEditPoints="1" noAdjustHandles="1" noChangeArrowheads="1" noChangeShapeType="1" noTextEdit="1"/>
-          </p:cNvSpPr>
-          <p:nvPr>
-            <p:extLst>
-              <p:ext uri="{386F3935-93C4-4BCD-93E2-E3B085C9AB24}">
-                <p16:designElem xmlns:p16="http://schemas.microsoft.com/office/powerpoint/2015/main" val="1"/>
-              </p:ext>
-            </p:extLst>
+            <a:spLocks noGrp="1"/>
+          </p:cNvSpPr>
+          <p:nvPr>
+            <p:ph type="title"/>
+          </p:nvPr>
+        </p:nvSpPr>
+        <p:spPr/>
+        <p:txBody>
+          <a:bodyPr/>
+          <a:lstStyle/>
+          <a:p>
+            <a:r>
+              <a:rPr lang="ru-RU" dirty="0">
+                <a:latin typeface="Arial" panose="020B0604020202020204" pitchFamily="34" charset="0"/>
+                <a:cs typeface="Arial" panose="020B0604020202020204" pitchFamily="34" charset="0"/>
+              </a:rPr>
+              <a:t>Технические характеристики</a:t>
+            </a:r>
+          </a:p>
+        </p:txBody>
+      </p:sp>
+      <p:sp>
+        <p:nvSpPr>
+          <p:cNvPr id="3" name="Объект 2">
+            <a:extLst>
+              <a:ext uri="{FF2B5EF4-FFF2-40B4-BE49-F238E27FC236}">
+                <a16:creationId xmlns:a16="http://schemas.microsoft.com/office/drawing/2014/main" id="{D5A2247B-AC6B-3DC7-1C21-EDA43972B10D}"/>
+              </a:ext>
+            </a:extLst>
+          </p:cNvPr>
+          <p:cNvSpPr>
+            <a:spLocks noGrp="1"/>
+          </p:cNvSpPr>
+          <p:nvPr>
+            <p:ph idx="1"/>
+          </p:nvPr>
+        </p:nvSpPr>
+        <p:spPr/>
+        <p:txBody>
+          <a:bodyPr/>
+          <a:lstStyle/>
+          <a:p>
+            <a:endParaRPr lang="ru-RU" dirty="0"/>
+          </a:p>
+        </p:txBody>
+      </p:sp>
+    </p:spTree>
+    <p:extLst>
+      <p:ext uri="{BB962C8B-B14F-4D97-AF65-F5344CB8AC3E}">
+        <p14:creationId xmlns:p14="http://schemas.microsoft.com/office/powerpoint/2010/main" val="1667960069"/>
+      </p:ext>
+    </p:extLst>
+  </p:cSld>
+  <p:clrMapOvr>
+    <a:masterClrMapping/>
+  </p:clrMapOvr>
+</p:sld>
+</file>
+
+<file path=ppt/slides/slide2.xml><?xml version="1.0" encoding="utf-8"?>
+<p:sld xmlns:a="http://schemas.openxmlformats.org/drawingml/2006/main" xmlns:r="http://schemas.openxmlformats.org/officeDocument/2006/relationships" xmlns:p="http://schemas.openxmlformats.org/presentationml/2006/main">
+  <p:cSld>
+    <p:spTree>
+      <p:nvGrpSpPr>
+        <p:cNvPr id="1" name=""/>
+        <p:cNvGrpSpPr/>
+        <p:nvPr/>
+      </p:nvGrpSpPr>
+      <p:grpSpPr>
+        <a:xfrm>
+          <a:off x="0" y="0"/>
+          <a:ext cx="0" cy="0"/>
+          <a:chOff x="0" y="0"/>
+          <a:chExt cx="0" cy="0"/>
+        </a:xfrm>
+      </p:grpSpPr>
+      <p:sp>
+        <p:nvSpPr>
+          <p:cNvPr id="2" name="Заголовок 1">
+            <a:extLst>
+              <a:ext uri="{FF2B5EF4-FFF2-40B4-BE49-F238E27FC236}">
+                <a16:creationId xmlns:a16="http://schemas.microsoft.com/office/drawing/2014/main" id="{2739AF0A-2831-104B-BCE4-3CC394B344EF}"/>
+              </a:ext>
+            </a:extLst>
+          </p:cNvPr>
+          <p:cNvSpPr>
+            <a:spLocks noGrp="1"/>
+          </p:cNvSpPr>
+          <p:nvPr>
+            <p:ph type="title"/>
           </p:nvPr>
         </p:nvSpPr>
         <p:spPr>
           <a:xfrm>
-            <a:off x="0" y="0"/>
-            <a:ext cx="12192000" cy="6858000"/>
+            <a:off x="919119" y="416654"/>
+            <a:ext cx="10353762" cy="1257300"/>
           </a:xfrm>
-          <a:prstGeom prst="rect">
-            <a:avLst/>
-          </a:prstGeom>
-          <a:ln>
-            <a:noFill/>
-          </a:ln>
         </p:spPr>
-        <p:style>
-          <a:lnRef idx="2">
-            <a:schemeClr val="accent1">
-              <a:shade val="50000"/>
-            </a:schemeClr>
-          </a:lnRef>
-          <a:fillRef idx="1">
-            <a:schemeClr val="accent1"/>
-          </a:fillRef>
-          <a:effectRef idx="0">
-            <a:schemeClr val="accent1"/>
-          </a:effectRef>
-          <a:fontRef idx="minor">
-            <a:schemeClr val="lt1"/>
-          </a:fontRef>
-        </p:style>
-        <p:txBody>
-          <a:bodyPr rtlCol="0" anchor="ctr"/>
+        <p:txBody>
+          <a:bodyPr/>
           <a:lstStyle/>
           <a:p>
-            <a:pPr marL="0" marR="0" lvl="0" indent="0" algn="ctr" defTabSz="914400" rtl="0" eaLnBrk="1" fontAlgn="auto" latinLnBrk="0" hangingPunct="1">
+            <a:r>
+              <a:rPr lang="ru-RU" sz="4800" dirty="0">
+                <a:latin typeface="Arial" panose="020B0604020202020204" pitchFamily="34" charset="0"/>
+                <a:cs typeface="Arial" panose="020B0604020202020204" pitchFamily="34" charset="0"/>
+              </a:rPr>
+              <a:t>Общая идея	</a:t>
+            </a:r>
+            <a:endParaRPr lang="ru-RU" dirty="0">
+              <a:latin typeface="Arial" panose="020B0604020202020204" pitchFamily="34" charset="0"/>
+              <a:cs typeface="Arial" panose="020B0604020202020204" pitchFamily="34" charset="0"/>
+            </a:endParaRPr>
+          </a:p>
+        </p:txBody>
+      </p:sp>
+      <p:sp>
+        <p:nvSpPr>
+          <p:cNvPr id="3" name="Объект 2">
+            <a:extLst>
+              <a:ext uri="{FF2B5EF4-FFF2-40B4-BE49-F238E27FC236}">
+                <a16:creationId xmlns:a16="http://schemas.microsoft.com/office/drawing/2014/main" id="{CB8D3B83-3489-0EF1-0B3E-C244CEA9D8C8}"/>
+              </a:ext>
+            </a:extLst>
+          </p:cNvPr>
+          <p:cNvSpPr>
+            <a:spLocks noGrp="1"/>
+          </p:cNvSpPr>
+          <p:nvPr>
+            <p:ph idx="1"/>
+          </p:nvPr>
+        </p:nvSpPr>
+        <p:spPr>
+          <a:xfrm>
+            <a:off x="2353111" y="2306971"/>
+            <a:ext cx="7701094" cy="3971139"/>
+          </a:xfrm>
+        </p:spPr>
+        <p:txBody>
+          <a:bodyPr>
+            <a:normAutofit/>
+          </a:bodyPr>
+          <a:lstStyle/>
+          <a:p>
+            <a:pPr marL="36900" indent="0">
               <a:lnSpc>
-                <a:spcPct val="100000"/>
+                <a:spcPct val="107000"/>
               </a:lnSpc>
-              <a:spcBef>
-                <a:spcPts val="0"/>
-              </a:spcBef>
               <a:spcAft>
-                <a:spcPts val="0"/>
+                <a:spcPts val="800"/>
               </a:spcAft>
-              <a:buClrTx/>
-              <a:buSzTx/>
-              <a:buFontTx/>
-              <a:buNone/>
-              <a:tabLst/>
-              <a:defRPr/>
+              <a:buNone/>
             </a:pPr>
-            <a:endParaRPr kumimoji="0" lang="ru-RU" sz="1800" b="0" i="0" u="none" strike="noStrike" kern="1200" cap="none" spc="0" normalizeH="0" baseline="0" dirty="0">
-              <a:ln>
-                <a:noFill/>
-              </a:ln>
+            <a:r>
+              <a:rPr lang="ru-RU" sz="2400" b="1" dirty="0">
+                <a:solidFill>
+                  <a:schemeClr val="tx1"/>
+                </a:solidFill>
+                <a:effectLst/>
+                <a:latin typeface="Arial" panose="020B0604020202020204" pitchFamily="34" charset="0"/>
+                <a:ea typeface="Calibri" panose="020F0502020204030204" pitchFamily="34" charset="0"/>
+                <a:cs typeface="Arial" panose="020B0604020202020204" pitchFamily="34" charset="0"/>
+              </a:rPr>
+              <a:t>Алгоритм </a:t>
+            </a:r>
+            <a:r>
+              <a:rPr lang="ru-RU" sz="2400" b="1" dirty="0" err="1">
+                <a:solidFill>
+                  <a:schemeClr val="tx1"/>
+                </a:solidFill>
+                <a:effectLst/>
+                <a:latin typeface="Arial" panose="020B0604020202020204" pitchFamily="34" charset="0"/>
+                <a:ea typeface="Calibri" panose="020F0502020204030204" pitchFamily="34" charset="0"/>
+                <a:cs typeface="Arial" panose="020B0604020202020204" pitchFamily="34" charset="0"/>
+              </a:rPr>
+              <a:t>МакКрейта</a:t>
+            </a:r>
+            <a:r>
+              <a:rPr lang="ru-RU" sz="2400" dirty="0">
+                <a:solidFill>
+                  <a:schemeClr val="tx1"/>
+                </a:solidFill>
+                <a:effectLst/>
+                <a:latin typeface="Arial" panose="020B0604020202020204" pitchFamily="34" charset="0"/>
+                <a:ea typeface="Calibri" panose="020F0502020204030204" pitchFamily="34" charset="0"/>
+                <a:cs typeface="Arial" panose="020B0604020202020204" pitchFamily="34" charset="0"/>
+              </a:rPr>
+              <a:t> (англ. </a:t>
+            </a:r>
+            <a:r>
+              <a:rPr lang="ru-RU" sz="2400" i="1" dirty="0" err="1">
+                <a:solidFill>
+                  <a:schemeClr val="tx1"/>
+                </a:solidFill>
+                <a:effectLst/>
+                <a:latin typeface="Arial" panose="020B0604020202020204" pitchFamily="34" charset="0"/>
+                <a:ea typeface="Calibri" panose="020F0502020204030204" pitchFamily="34" charset="0"/>
+                <a:cs typeface="Arial" panose="020B0604020202020204" pitchFamily="34" charset="0"/>
+              </a:rPr>
+              <a:t>McCreight's</a:t>
+            </a:r>
+            <a:r>
+              <a:rPr lang="ru-RU" sz="2400" i="1" dirty="0">
+                <a:solidFill>
+                  <a:schemeClr val="tx1"/>
+                </a:solidFill>
+                <a:effectLst/>
+                <a:latin typeface="Arial" panose="020B0604020202020204" pitchFamily="34" charset="0"/>
+                <a:ea typeface="Calibri" panose="020F0502020204030204" pitchFamily="34" charset="0"/>
+                <a:cs typeface="Arial" panose="020B0604020202020204" pitchFamily="34" charset="0"/>
+              </a:rPr>
+              <a:t> </a:t>
+            </a:r>
+            <a:r>
+              <a:rPr lang="ru-RU" sz="2400" i="1" dirty="0" err="1">
+                <a:solidFill>
+                  <a:schemeClr val="tx1"/>
+                </a:solidFill>
+                <a:effectLst/>
+                <a:latin typeface="Arial" panose="020B0604020202020204" pitchFamily="34" charset="0"/>
+                <a:ea typeface="Calibri" panose="020F0502020204030204" pitchFamily="34" charset="0"/>
+                <a:cs typeface="Arial" panose="020B0604020202020204" pitchFamily="34" charset="0"/>
+              </a:rPr>
+              <a:t>algorithm</a:t>
+            </a:r>
+            <a:endParaRPr lang="ru-RU" sz="2400" i="1" dirty="0">
               <a:solidFill>
-                <a:prstClr val="white"/>
+                <a:schemeClr val="tx1"/>
               </a:solidFill>
               <a:effectLst/>
-              <a:uLnTx/>
-              <a:uFillTx/>
-              <a:latin typeface="Times New Roman" panose="02020603050405020304" pitchFamily="18" charset="0"/>
-              <a:ea typeface="+mn-ea"/>
-              <a:cs typeface="+mn-cs"/>
+              <a:latin typeface="Arial" panose="020B0604020202020204" pitchFamily="34" charset="0"/>
+              <a:ea typeface="Calibri" panose="020F0502020204030204" pitchFamily="34" charset="0"/>
+              <a:cs typeface="Arial" panose="020B0604020202020204" pitchFamily="34" charset="0"/>
+            </a:endParaRPr>
+          </a:p>
+          <a:p>
+            <a:pPr marL="36900" indent="0">
+              <a:lnSpc>
+                <a:spcPct val="107000"/>
+              </a:lnSpc>
+              <a:spcAft>
+                <a:spcPts val="800"/>
+              </a:spcAft>
+              <a:buNone/>
+            </a:pPr>
+            <a:endParaRPr lang="ru-RU" sz="2400" i="1" dirty="0">
+              <a:solidFill>
+                <a:schemeClr val="tx1"/>
+              </a:solidFill>
+              <a:effectLst/>
+              <a:latin typeface="Arial" panose="020B0604020202020204" pitchFamily="34" charset="0"/>
+              <a:ea typeface="Calibri" panose="020F0502020204030204" pitchFamily="34" charset="0"/>
+              <a:cs typeface="Arial" panose="020B0604020202020204" pitchFamily="34" charset="0"/>
+            </a:endParaRPr>
+          </a:p>
+          <a:p>
+            <a:pPr>
+              <a:lnSpc>
+                <a:spcPct val="107000"/>
+              </a:lnSpc>
+              <a:spcAft>
+                <a:spcPts val="800"/>
+              </a:spcAft>
+              <a:buFont typeface="Wingdings" panose="05000000000000000000" pitchFamily="2" charset="2"/>
+              <a:buChar char="Ø"/>
+            </a:pPr>
+            <a:r>
+              <a:rPr lang="ru-RU" sz="2400" dirty="0">
+                <a:solidFill>
+                  <a:schemeClr val="tx1"/>
+                </a:solidFill>
+                <a:effectLst/>
+                <a:latin typeface="Arial" panose="020B0604020202020204" pitchFamily="34" charset="0"/>
+                <a:ea typeface="Calibri" panose="020F0502020204030204" pitchFamily="34" charset="0"/>
+                <a:cs typeface="Arial" panose="020B0604020202020204" pitchFamily="34" charset="0"/>
+              </a:rPr>
+              <a:t>построение </a:t>
+            </a:r>
+            <a:r>
+              <a:rPr lang="ru-RU" sz="2400" dirty="0" err="1">
+                <a:solidFill>
+                  <a:schemeClr val="tx1"/>
+                </a:solidFill>
+                <a:effectLst/>
+                <a:latin typeface="Arial" panose="020B0604020202020204" pitchFamily="34" charset="0"/>
+                <a:ea typeface="Calibri" panose="020F0502020204030204" pitchFamily="34" charset="0"/>
+                <a:cs typeface="Arial" panose="020B0604020202020204" pitchFamily="34" charset="0"/>
+              </a:rPr>
+              <a:t>суффиксного</a:t>
+            </a:r>
+            <a:r>
+              <a:rPr lang="ru-RU" sz="2400" dirty="0">
+                <a:solidFill>
+                  <a:schemeClr val="tx1"/>
+                </a:solidFill>
+                <a:effectLst/>
+                <a:latin typeface="Arial" panose="020B0604020202020204" pitchFamily="34" charset="0"/>
+                <a:ea typeface="Calibri" panose="020F0502020204030204" pitchFamily="34" charset="0"/>
+                <a:cs typeface="Arial" panose="020B0604020202020204" pitchFamily="34" charset="0"/>
+              </a:rPr>
+              <a:t> дерева для заданной строки</a:t>
+            </a:r>
+          </a:p>
+          <a:p>
+            <a:pPr>
+              <a:lnSpc>
+                <a:spcPct val="107000"/>
+              </a:lnSpc>
+              <a:spcAft>
+                <a:spcPts val="800"/>
+              </a:spcAft>
+              <a:buFont typeface="Wingdings" panose="05000000000000000000" pitchFamily="2" charset="2"/>
+              <a:buChar char="Ø"/>
+            </a:pPr>
+            <a:r>
+              <a:rPr lang="ru-RU" sz="2400" dirty="0">
+                <a:solidFill>
+                  <a:schemeClr val="tx1"/>
+                </a:solidFill>
+                <a:effectLst/>
+                <a:latin typeface="Arial" panose="020B0604020202020204" pitchFamily="34" charset="0"/>
+                <a:ea typeface="Calibri" panose="020F0502020204030204" pitchFamily="34" charset="0"/>
+                <a:cs typeface="Arial" panose="020B0604020202020204" pitchFamily="34" charset="0"/>
+              </a:rPr>
+              <a:t>добавляет суффиксы в порядке убывания их длины</a:t>
+            </a:r>
+          </a:p>
+          <a:p>
+            <a:pPr>
+              <a:lnSpc>
+                <a:spcPct val="107000"/>
+              </a:lnSpc>
+              <a:spcAft>
+                <a:spcPts val="800"/>
+              </a:spcAft>
+              <a:buFont typeface="Wingdings" panose="05000000000000000000" pitchFamily="2" charset="2"/>
+              <a:buChar char="Ø"/>
+            </a:pPr>
+            <a:r>
+              <a:rPr lang="ru-RU" sz="2400" dirty="0">
+                <a:solidFill>
+                  <a:schemeClr val="tx1"/>
+                </a:solidFill>
+                <a:effectLst/>
+                <a:latin typeface="Arial" panose="020B0604020202020204" pitchFamily="34" charset="0"/>
+                <a:ea typeface="Calibri" panose="020F0502020204030204" pitchFamily="34" charset="0"/>
+                <a:cs typeface="Arial" panose="020B0604020202020204" pitchFamily="34" charset="0"/>
+              </a:rPr>
+              <a:t>за линейное время</a:t>
+            </a:r>
+          </a:p>
+          <a:p>
+            <a:endParaRPr lang="ru-RU" sz="2400" dirty="0">
+              <a:effectLst/>
             </a:endParaRPr>
           </a:p>
         </p:txBody>
       </p:sp>
       <p:pic>
         <p:nvPicPr>
-          <p:cNvPr id="3" name="Рисунок 2">
+          <p:cNvPr id="4" name="Рисунок 3">
             <a:extLst>
               <a:ext uri="{FF2B5EF4-FFF2-40B4-BE49-F238E27FC236}">
-                <a16:creationId xmlns:a16="http://schemas.microsoft.com/office/drawing/2014/main" id="{72B2D6DE-C9B5-4678-91EF-77E85F2350DA}"/>
+                <a16:creationId xmlns:a16="http://schemas.microsoft.com/office/drawing/2014/main" id="{0FE7A7CD-9020-5E9C-A78F-BDCCD832A3CF}"/>
               </a:ext>
               <a:ext uri="{C183D7F6-B498-43B3-948B-1728B52AA6E4}">
                 <adec:decorative xmlns:adec="http://schemas.microsoft.com/office/drawing/2017/decorative" val="1"/>
@@ -8564,20 +8439,20 @@
           <p:nvPr/>
         </p:nvPicPr>
         <p:blipFill rotWithShape="1">
-          <a:blip r:embed="rId4">
+          <a:blip r:embed="rId2">
             <a:extLst>
               <a:ext uri="{28A0092B-C50C-407E-A947-70E740481C1C}">
                 <a14:useLocalDpi xmlns:a14="http://schemas.microsoft.com/office/drawing/2010/main" val="0"/>
               </a:ext>
             </a:extLst>
           </a:blip>
-          <a:srcRect b="-1"/>
+          <a:srcRect r="83830"/>
           <a:stretch/>
         </p:blipFill>
         <p:spPr>
           <a:xfrm>
-            <a:off x="-8622" y="10"/>
-            <a:ext cx="6096000" cy="6857990"/>
+            <a:off x="0" y="10"/>
+            <a:ext cx="1971413" cy="6857990"/>
           </a:xfrm>
           <a:prstGeom prst="rect">
             <a:avLst/>
@@ -8586,10 +8461,10 @@
       </p:pic>
       <p:pic>
         <p:nvPicPr>
-          <p:cNvPr id="57" name="Рисунок 56">
+          <p:cNvPr id="5" name="Рисунок 4">
             <a:extLst>
               <a:ext uri="{FF2B5EF4-FFF2-40B4-BE49-F238E27FC236}">
-                <a16:creationId xmlns:a16="http://schemas.microsoft.com/office/drawing/2014/main" id="{B536FA4E-0152-4E27-91DA-0FC22D1846BB}"/>
+                <a16:creationId xmlns:a16="http://schemas.microsoft.com/office/drawing/2014/main" id="{B8A299E5-E2FB-BC99-EFB6-7B4F487BDAC9}"/>
               </a:ext>
               <a:ext uri="{C183D7F6-B498-43B3-948B-1728B52AA6E4}">
                 <adec:decorative xmlns:adec="http://schemas.microsoft.com/office/drawing/2017/decorative" val="1"/>
@@ -8597,279 +8472,41 @@
             </a:extLst>
           </p:cNvPr>
           <p:cNvPicPr>
-            <a:picLocks noGrp="1" noRot="1" noChangeAspect="1" noMove="1" noResize="1" noEditPoints="1" noAdjustHandles="1" noChangeArrowheads="1" noChangeShapeType="1" noCrop="1"/>
+            <a:picLocks noChangeAspect="1"/>
           </p:cNvPicPr>
-          <p:nvPr>
-            <p:extLst>
-              <p:ext uri="{386F3935-93C4-4BCD-93E2-E3B085C9AB24}">
-                <p16:designElem xmlns:p16="http://schemas.microsoft.com/office/powerpoint/2015/main" val="1"/>
-              </p:ext>
-            </p:extLst>
-          </p:nvPr>
+          <p:nvPr/>
         </p:nvPicPr>
         <p:blipFill rotWithShape="1">
-          <a:blip r:embed="rId5">
+          <a:blip r:embed="rId2">
             <a:extLst>
               <a:ext uri="{28A0092B-C50C-407E-A947-70E740481C1C}">
                 <a14:useLocalDpi xmlns:a14="http://schemas.microsoft.com/office/drawing/2010/main" val="0"/>
               </a:ext>
             </a:extLst>
           </a:blip>
-          <a:srcRect/>
+          <a:srcRect l="37064" r="47844"/>
           <a:stretch/>
         </p:blipFill>
         <p:spPr>
           <a:xfrm>
-            <a:off x="6257026" y="1"/>
-            <a:ext cx="5934973" cy="6858000"/>
+            <a:off x="10435904" y="10"/>
+            <a:ext cx="1839985" cy="6857990"/>
           </a:xfrm>
           <a:prstGeom prst="rect">
             <a:avLst/>
           </a:prstGeom>
         </p:spPr>
       </p:pic>
-      <p:sp>
-        <p:nvSpPr>
-          <p:cNvPr id="2" name="Заголовок 1">
-            <a:extLst>
-              <a:ext uri="{FF2B5EF4-FFF2-40B4-BE49-F238E27FC236}">
-                <a16:creationId xmlns:a16="http://schemas.microsoft.com/office/drawing/2014/main" id="{89559F60-4CE1-4E2F-86EA-1B60679F1F4A}"/>
-              </a:ext>
-            </a:extLst>
-          </p:cNvPr>
-          <p:cNvSpPr>
-            <a:spLocks noGrp="1"/>
-          </p:cNvSpPr>
-          <p:nvPr>
-            <p:ph type="title"/>
-          </p:nvPr>
-        </p:nvSpPr>
-        <p:spPr>
-          <a:xfrm>
-            <a:off x="6900493" y="609600"/>
-            <a:ext cx="4823078" cy="970450"/>
-          </a:xfrm>
-        </p:spPr>
-        <p:txBody>
-          <a:bodyPr rtlCol="0" anchor="b">
-            <a:normAutofit/>
-          </a:bodyPr>
-          <a:lstStyle/>
-          <a:p>
-            <a:pPr algn="l"/>
-            <a:r>
-              <a:rPr lang="ru-RU" sz="4000" dirty="0"/>
-              <a:t>Общая информация	</a:t>
-            </a:r>
-          </a:p>
-        </p:txBody>
-      </p:sp>
-      <p:sp>
-        <p:nvSpPr>
-          <p:cNvPr id="24" name="Объект 2">
-            <a:extLst>
-              <a:ext uri="{FF2B5EF4-FFF2-40B4-BE49-F238E27FC236}">
-                <a16:creationId xmlns:a16="http://schemas.microsoft.com/office/drawing/2014/main" id="{F260476B-CCA6-412B-A9C5-399C34AE6F05}"/>
-              </a:ext>
-            </a:extLst>
-          </p:cNvPr>
-          <p:cNvSpPr>
-            <a:spLocks noGrp="1"/>
-          </p:cNvSpPr>
-          <p:nvPr>
-            <p:ph idx="1"/>
-          </p:nvPr>
-        </p:nvSpPr>
-        <p:spPr>
-          <a:xfrm>
-            <a:off x="6900493" y="1732449"/>
-            <a:ext cx="4403596" cy="4058751"/>
-          </a:xfrm>
-        </p:spPr>
-        <p:txBody>
-          <a:bodyPr rtlCol="0" anchor="t">
-            <a:normAutofit/>
-          </a:bodyPr>
-          <a:lstStyle/>
-          <a:p>
-            <a:pPr>
-              <a:lnSpc>
-                <a:spcPct val="107000"/>
-              </a:lnSpc>
-              <a:spcAft>
-                <a:spcPts val="800"/>
-              </a:spcAft>
-            </a:pPr>
-            <a:r>
-              <a:rPr lang="ru-RU" sz="1800" b="1" dirty="0">
-                <a:solidFill>
-                  <a:schemeClr val="tx1"/>
-                </a:solidFill>
-                <a:effectLst/>
-                <a:latin typeface="Times New Roman" panose="02020603050405020304" pitchFamily="18" charset="0"/>
-                <a:ea typeface="Calibri" panose="020F0502020204030204" pitchFamily="34" charset="0"/>
-                <a:cs typeface="Times New Roman" panose="02020603050405020304" pitchFamily="18" charset="0"/>
-              </a:rPr>
-              <a:t>Алгоритм </a:t>
-            </a:r>
-            <a:r>
-              <a:rPr lang="ru-RU" sz="1800" b="1" dirty="0" err="1">
-                <a:solidFill>
-                  <a:schemeClr val="tx1"/>
-                </a:solidFill>
-                <a:effectLst/>
-                <a:latin typeface="Times New Roman" panose="02020603050405020304" pitchFamily="18" charset="0"/>
-                <a:ea typeface="Calibri" panose="020F0502020204030204" pitchFamily="34" charset="0"/>
-                <a:cs typeface="Times New Roman" panose="02020603050405020304" pitchFamily="18" charset="0"/>
-              </a:rPr>
-              <a:t>МакКрейта</a:t>
-            </a:r>
-            <a:r>
-              <a:rPr lang="ru-RU" sz="1800" dirty="0">
-                <a:solidFill>
-                  <a:schemeClr val="tx1"/>
-                </a:solidFill>
-                <a:effectLst/>
-                <a:latin typeface="Times New Roman" panose="02020603050405020304" pitchFamily="18" charset="0"/>
-                <a:ea typeface="Calibri" panose="020F0502020204030204" pitchFamily="34" charset="0"/>
-                <a:cs typeface="Times New Roman" panose="02020603050405020304" pitchFamily="18" charset="0"/>
-              </a:rPr>
-              <a:t> (англ. </a:t>
-            </a:r>
-            <a:r>
-              <a:rPr lang="ru-RU" sz="1800" i="1" dirty="0" err="1">
-                <a:solidFill>
-                  <a:schemeClr val="tx1"/>
-                </a:solidFill>
-                <a:effectLst/>
-                <a:latin typeface="Times New Roman" panose="02020603050405020304" pitchFamily="18" charset="0"/>
-                <a:ea typeface="Calibri" panose="020F0502020204030204" pitchFamily="34" charset="0"/>
-                <a:cs typeface="Times New Roman" panose="02020603050405020304" pitchFamily="18" charset="0"/>
-              </a:rPr>
-              <a:t>McCreight's</a:t>
-            </a:r>
-            <a:r>
-              <a:rPr lang="ru-RU" sz="1800" i="1" dirty="0">
-                <a:solidFill>
-                  <a:schemeClr val="tx1"/>
-                </a:solidFill>
-                <a:effectLst/>
-                <a:latin typeface="Times New Roman" panose="02020603050405020304" pitchFamily="18" charset="0"/>
-                <a:ea typeface="Calibri" panose="020F0502020204030204" pitchFamily="34" charset="0"/>
-                <a:cs typeface="Times New Roman" panose="02020603050405020304" pitchFamily="18" charset="0"/>
-              </a:rPr>
-              <a:t> </a:t>
-            </a:r>
-            <a:r>
-              <a:rPr lang="ru-RU" sz="1800" i="1" dirty="0" err="1">
-                <a:solidFill>
-                  <a:schemeClr val="tx1"/>
-                </a:solidFill>
-                <a:effectLst/>
-                <a:latin typeface="Times New Roman" panose="02020603050405020304" pitchFamily="18" charset="0"/>
-                <a:ea typeface="Calibri" panose="020F0502020204030204" pitchFamily="34" charset="0"/>
-                <a:cs typeface="Times New Roman" panose="02020603050405020304" pitchFamily="18" charset="0"/>
-              </a:rPr>
-              <a:t>algorithm</a:t>
-            </a:r>
-            <a:r>
-              <a:rPr lang="ru-RU" sz="1800" dirty="0">
-                <a:solidFill>
-                  <a:schemeClr val="tx1"/>
-                </a:solidFill>
-                <a:effectLst/>
-                <a:latin typeface="Times New Roman" panose="02020603050405020304" pitchFamily="18" charset="0"/>
-                <a:ea typeface="Calibri" panose="020F0502020204030204" pitchFamily="34" charset="0"/>
-                <a:cs typeface="Times New Roman" panose="02020603050405020304" pitchFamily="18" charset="0"/>
-              </a:rPr>
-              <a:t>) — алгоритм построения суффиксного дерева для заданной строки </a:t>
-            </a:r>
-            <a:r>
-              <a:rPr lang="ru-RU" sz="1800" dirty="0" err="1">
-                <a:solidFill>
-                  <a:schemeClr val="tx1"/>
-                </a:solidFill>
-                <a:effectLst/>
-                <a:latin typeface="Times New Roman" panose="02020603050405020304" pitchFamily="18" charset="0"/>
-                <a:ea typeface="Calibri" panose="020F0502020204030204" pitchFamily="34" charset="0"/>
-                <a:cs typeface="Times New Roman" panose="02020603050405020304" pitchFamily="18" charset="0"/>
-              </a:rPr>
-              <a:t>ss</a:t>
-            </a:r>
-            <a:r>
-              <a:rPr lang="ru-RU" sz="1800" dirty="0">
-                <a:solidFill>
-                  <a:schemeClr val="tx1"/>
-                </a:solidFill>
-                <a:effectLst/>
-                <a:latin typeface="Times New Roman" panose="02020603050405020304" pitchFamily="18" charset="0"/>
-                <a:ea typeface="Calibri" panose="020F0502020204030204" pitchFamily="34" charset="0"/>
-                <a:cs typeface="Times New Roman" panose="02020603050405020304" pitchFamily="18" charset="0"/>
-              </a:rPr>
-              <a:t> за линейное время. Отличается от алгоритма </a:t>
-            </a:r>
-            <a:r>
-              <a:rPr lang="ru-RU" sz="1800" dirty="0" err="1">
-                <a:solidFill>
-                  <a:schemeClr val="tx1"/>
-                </a:solidFill>
-                <a:effectLst/>
-                <a:latin typeface="Times New Roman" panose="02020603050405020304" pitchFamily="18" charset="0"/>
-                <a:ea typeface="Calibri" panose="020F0502020204030204" pitchFamily="34" charset="0"/>
-                <a:cs typeface="Times New Roman" panose="02020603050405020304" pitchFamily="18" charset="0"/>
-              </a:rPr>
-              <a:t>Укконена</a:t>
-            </a:r>
-            <a:r>
-              <a:rPr lang="ru-RU" sz="1800" dirty="0">
-                <a:solidFill>
-                  <a:schemeClr val="tx1"/>
-                </a:solidFill>
-                <a:effectLst/>
-                <a:latin typeface="Times New Roman" panose="02020603050405020304" pitchFamily="18" charset="0"/>
-                <a:ea typeface="Calibri" panose="020F0502020204030204" pitchFamily="34" charset="0"/>
-                <a:cs typeface="Times New Roman" panose="02020603050405020304" pitchFamily="18" charset="0"/>
-              </a:rPr>
-              <a:t> тем, что добавляет суффиксы в порядке убывания длины.</a:t>
-            </a:r>
-            <a:endParaRPr lang="ru-RU" sz="1800" dirty="0">
-              <a:solidFill>
-                <a:schemeClr val="tx1"/>
-              </a:solidFill>
-              <a:effectLst/>
-              <a:latin typeface="Calibri" panose="020F0502020204030204" pitchFamily="34" charset="0"/>
-              <a:ea typeface="Calibri" panose="020F0502020204030204" pitchFamily="34" charset="0"/>
-              <a:cs typeface="Times New Roman" panose="02020603050405020304" pitchFamily="18" charset="0"/>
-            </a:endParaRPr>
-          </a:p>
-          <a:p>
-            <a:pPr rtl="0"/>
-            <a:endParaRPr lang="ru-RU" sz="2400" dirty="0"/>
-          </a:p>
-        </p:txBody>
-      </p:sp>
     </p:spTree>
     <p:extLst>
       <p:ext uri="{BB962C8B-B14F-4D97-AF65-F5344CB8AC3E}">
-        <p14:creationId xmlns:p14="http://schemas.microsoft.com/office/powerpoint/2010/main" val="3220235682"/>
+        <p14:creationId xmlns:p14="http://schemas.microsoft.com/office/powerpoint/2010/main" val="3641428151"/>
       </p:ext>
     </p:extLst>
   </p:cSld>
   <p:clrMapOvr>
     <a:masterClrMapping/>
   </p:clrMapOvr>
-  <mc:AlternateContent xmlns:mc="http://schemas.openxmlformats.org/markup-compatibility/2006" xmlns:p14="http://schemas.microsoft.com/office/powerpoint/2010/main">
-    <mc:Choice Requires="p14">
-      <p:transition spd="med" p14:dur="700">
-        <p:fade/>
-      </p:transition>
-    </mc:Choice>
-    <mc:Fallback xmlns="">
-      <p:transition spd="med">
-        <p:fade/>
-      </p:transition>
-    </mc:Fallback>
-  </mc:AlternateContent>
 </p:sld>
 </file>
 
@@ -8912,7 +8549,10 @@
           <a:lstStyle/>
           <a:p>
             <a:r>
-              <a:rPr lang="ru-RU" dirty="0"/>
+              <a:rPr lang="ru-RU" dirty="0">
+                <a:latin typeface="Arial" panose="020B0604020202020204" pitchFamily="34" charset="0"/>
+                <a:cs typeface="Arial" panose="020B0604020202020204" pitchFamily="34" charset="0"/>
+              </a:rPr>
               <a:t>Введение</a:t>
             </a:r>
           </a:p>
@@ -8949,48 +8589,60 @@
             <a:r>
               <a:rPr lang="ru-RU" sz="2400" dirty="0">
                 <a:effectLst/>
-                <a:latin typeface="Times New Roman" panose="02020603050405020304" pitchFamily="18" charset="0"/>
+                <a:latin typeface="Arial" panose="020B0604020202020204" pitchFamily="34" charset="0"/>
                 <a:ea typeface="Times New Roman" panose="02020603050405020304" pitchFamily="18" charset="0"/>
+                <a:cs typeface="Arial" panose="020B0604020202020204" pitchFamily="34" charset="0"/>
               </a:rPr>
-              <a:t>Для ряда компьютерных приложений требуется базовая функция, которая находит определенную подстроку символов в более длинной основной строке. </a:t>
-            </a:r>
+              <a:t>Функция поиска определенной подстроки в более длинной основной строке часто используется во многих приложениях</a:t>
+            </a:r>
+          </a:p>
+          <a:p>
+            <a:endParaRPr lang="ru-RU" sz="2400" dirty="0">
+              <a:effectLst/>
+              <a:latin typeface="Arial" panose="020B0604020202020204" pitchFamily="34" charset="0"/>
+              <a:ea typeface="Times New Roman" panose="02020603050405020304" pitchFamily="18" charset="0"/>
+              <a:cs typeface="Arial" panose="020B0604020202020204" pitchFamily="34" charset="0"/>
+            </a:endParaRPr>
           </a:p>
           <a:p>
             <a:r>
               <a:rPr lang="ru-RU" sz="2400" dirty="0">
                 <a:effectLst/>
+                <a:latin typeface="Arial" panose="020B0604020202020204" pitchFamily="34" charset="0"/>
+                <a:cs typeface="Arial" panose="020B0604020202020204" pitchFamily="34" charset="0"/>
               </a:rPr>
-              <a:t>Наивный алгоритм реализации этой функции просто пытается сопоставить подстроку с основной строкой во всех возможных выравниваниях.</a:t>
-            </a:r>
+              <a:t>В таком случае лучше использовать алгоритмы, в которых скорость поиска осуществляется за линейное время</a:t>
+            </a:r>
+          </a:p>
+          <a:p>
+            <a:endParaRPr lang="ru-RU" sz="2400" dirty="0">
+              <a:effectLst/>
+              <a:latin typeface="Arial" panose="020B0604020202020204" pitchFamily="34" charset="0"/>
+              <a:cs typeface="Arial" panose="020B0604020202020204" pitchFamily="34" charset="0"/>
+            </a:endParaRPr>
           </a:p>
           <a:p>
             <a:r>
               <a:rPr lang="ru-RU" sz="2400" dirty="0">
                 <a:effectLst/>
+                <a:latin typeface="Arial" panose="020B0604020202020204" pitchFamily="34" charset="0"/>
+                <a:cs typeface="Arial" panose="020B0604020202020204" pitchFamily="34" charset="0"/>
               </a:rPr>
-              <a:t>В том случае, когда осуществляется поиск в очень длинных строках</a:t>
-            </a:r>
-            <a:r>
-              <a:rPr lang="en-US" sz="2400" dirty="0">
+              <a:t>В основном эти алгоритмы базируются на </a:t>
+            </a:r>
+            <a:r>
+              <a:rPr lang="ru-RU" sz="2400" dirty="0" err="1">
                 <a:effectLst/>
+                <a:latin typeface="Arial" panose="020B0604020202020204" pitchFamily="34" charset="0"/>
+                <a:cs typeface="Arial" panose="020B0604020202020204" pitchFamily="34" charset="0"/>
               </a:rPr>
-              <a:t> </a:t>
+              <a:t>суффиксных</a:t>
             </a:r>
             <a:r>
               <a:rPr lang="ru-RU" sz="2400" dirty="0">
                 <a:effectLst/>
-              </a:rPr>
-              <a:t>лучше использовать алгоритмы, в которых скорость поиска осуществляется за линейное время. В основном эти алгоритмы базируются на </a:t>
-            </a:r>
-            <a:r>
-              <a:rPr lang="ru-RU" sz="2400" dirty="0" err="1">
-                <a:effectLst/>
-              </a:rPr>
-              <a:t>суффиксных</a:t>
-            </a:r>
-            <a:r>
-              <a:rPr lang="ru-RU" sz="2400" dirty="0">
-                <a:effectLst/>
+                <a:latin typeface="Arial" panose="020B0604020202020204" pitchFamily="34" charset="0"/>
+                <a:cs typeface="Arial" panose="020B0604020202020204" pitchFamily="34" charset="0"/>
               </a:rPr>
               <a:t> деревьях.</a:t>
             </a:r>
@@ -9012,18 +8664,6 @@
   <p:clrMapOvr>
     <a:masterClrMapping/>
   </p:clrMapOvr>
-  <mc:AlternateContent xmlns:mc="http://schemas.openxmlformats.org/markup-compatibility/2006" xmlns:p14="http://schemas.microsoft.com/office/powerpoint/2010/main">
-    <mc:Choice Requires="p14">
-      <p:transition spd="med" p14:dur="700">
-        <p:fade/>
-      </p:transition>
-    </mc:Choice>
-    <mc:Fallback xmlns="">
-      <p:transition spd="med">
-        <p:fade/>
-      </p:transition>
-    </mc:Fallback>
-  </mc:AlternateContent>
 </p:sld>
 </file>
 
@@ -9066,7 +8706,10 @@
           <a:lstStyle/>
           <a:p>
             <a:r>
-              <a:rPr lang="ru-RU" dirty="0"/>
+              <a:rPr lang="ru-RU" dirty="0">
+                <a:latin typeface="Arial" panose="020B0604020202020204" pitchFamily="34" charset="0"/>
+                <a:cs typeface="Arial" panose="020B0604020202020204" pitchFamily="34" charset="0"/>
+              </a:rPr>
               <a:t>История алгоритма</a:t>
             </a:r>
           </a:p>
@@ -9107,8 +8750,11 @@
               </a:spcAft>
             </a:pPr>
             <a:r>
-              <a:rPr lang="ru-RU" sz="2800" dirty="0"/>
-              <a:t>Алгоритм Кнута-Морриса-Пратта</a:t>
+              <a:rPr lang="ru-RU" sz="2800" dirty="0">
+                <a:latin typeface="Arial" panose="020B0604020202020204" pitchFamily="34" charset="0"/>
+                <a:cs typeface="Arial" panose="020B0604020202020204" pitchFamily="34" charset="0"/>
+              </a:rPr>
+              <a:t>Алгоритм Кнута-Морриса-Пратта (1970 год)</a:t>
             </a:r>
           </a:p>
           <a:p>
@@ -9124,8 +8770,11 @@
               </a:spcAft>
             </a:pPr>
             <a:r>
-              <a:rPr lang="ru-RU" sz="2800" dirty="0"/>
-              <a:t>Алгоритм Вайнера</a:t>
+              <a:rPr lang="ru-RU" sz="2800" dirty="0">
+                <a:latin typeface="Arial" panose="020B0604020202020204" pitchFamily="34" charset="0"/>
+                <a:cs typeface="Arial" panose="020B0604020202020204" pitchFamily="34" charset="0"/>
+              </a:rPr>
+              <a:t>Алгоритм Вайнера (1973 год)</a:t>
             </a:r>
           </a:p>
           <a:p>
@@ -9141,14 +8790,26 @@
               </a:spcAft>
             </a:pPr>
             <a:r>
-              <a:rPr lang="ru-RU" sz="2800" dirty="0"/>
+              <a:rPr lang="ru-RU" sz="2800" dirty="0">
+                <a:latin typeface="Arial" panose="020B0604020202020204" pitchFamily="34" charset="0"/>
+                <a:cs typeface="Arial" panose="020B0604020202020204" pitchFamily="34" charset="0"/>
+              </a:rPr>
               <a:t>Алгоритм </a:t>
             </a:r>
             <a:r>
-              <a:rPr lang="ru-RU" sz="2800" dirty="0" err="1"/>
+              <a:rPr lang="ru-RU" sz="2800" dirty="0" err="1">
+                <a:latin typeface="Arial" panose="020B0604020202020204" pitchFamily="34" charset="0"/>
+                <a:cs typeface="Arial" panose="020B0604020202020204" pitchFamily="34" charset="0"/>
+              </a:rPr>
               <a:t>Маккрейта</a:t>
             </a:r>
-            <a:endParaRPr lang="ru-RU" sz="2800" dirty="0"/>
+            <a:r>
+              <a:rPr lang="ru-RU" sz="2800" dirty="0">
+                <a:latin typeface="Arial" panose="020B0604020202020204" pitchFamily="34" charset="0"/>
+                <a:cs typeface="Arial" panose="020B0604020202020204" pitchFamily="34" charset="0"/>
+              </a:rPr>
+              <a:t> (1976 год)</a:t>
+            </a:r>
           </a:p>
           <a:p>
             <a:pPr>
@@ -9163,14 +8824,26 @@
               </a:spcAft>
             </a:pPr>
             <a:r>
-              <a:rPr lang="ru-RU" sz="2800" dirty="0"/>
+              <a:rPr lang="ru-RU" sz="2800" dirty="0">
+                <a:latin typeface="Arial" panose="020B0604020202020204" pitchFamily="34" charset="0"/>
+                <a:cs typeface="Arial" panose="020B0604020202020204" pitchFamily="34" charset="0"/>
+              </a:rPr>
               <a:t>Алгоритм </a:t>
             </a:r>
             <a:r>
-              <a:rPr lang="ru-RU" sz="2800" dirty="0" err="1"/>
+              <a:rPr lang="ru-RU" sz="2800" dirty="0" err="1">
+                <a:latin typeface="Arial" panose="020B0604020202020204" pitchFamily="34" charset="0"/>
+                <a:cs typeface="Arial" panose="020B0604020202020204" pitchFamily="34" charset="0"/>
+              </a:rPr>
               <a:t>Укконена</a:t>
             </a:r>
-            <a:endParaRPr lang="ru-RU" sz="2800" dirty="0"/>
+            <a:r>
+              <a:rPr lang="ru-RU" sz="2800" dirty="0">
+                <a:latin typeface="Arial" panose="020B0604020202020204" pitchFamily="34" charset="0"/>
+                <a:cs typeface="Arial" panose="020B0604020202020204" pitchFamily="34" charset="0"/>
+              </a:rPr>
+              <a:t> (1995 год)</a:t>
+            </a:r>
           </a:p>
         </p:txBody>
       </p:sp>
@@ -9184,18 +8857,6 @@
   <p:clrMapOvr>
     <a:masterClrMapping/>
   </p:clrMapOvr>
-  <mc:AlternateContent xmlns:mc="http://schemas.openxmlformats.org/markup-compatibility/2006" xmlns:p14="http://schemas.microsoft.com/office/powerpoint/2010/main">
-    <mc:Choice Requires="p14">
-      <p:transition spd="med" p14:dur="700">
-        <p:fade/>
-      </p:transition>
-    </mc:Choice>
-    <mc:Fallback xmlns="">
-      <p:transition spd="med">
-        <p:fade/>
-      </p:transition>
-    </mc:Fallback>
-  </mc:AlternateContent>
   <p:timing>
     <p:tnLst>
       <p:par>
@@ -9495,6 +9156,252 @@
           <p:cNvPr id="3" name="Объект 2">
             <a:extLst>
               <a:ext uri="{FF2B5EF4-FFF2-40B4-BE49-F238E27FC236}">
+                <a16:creationId xmlns:a16="http://schemas.microsoft.com/office/drawing/2014/main" id="{F36CEEBF-E341-5C28-CCD6-D69501492780}"/>
+              </a:ext>
+            </a:extLst>
+          </p:cNvPr>
+          <p:cNvSpPr>
+            <a:spLocks noGrp="1"/>
+          </p:cNvSpPr>
+          <p:nvPr>
+            <p:ph idx="1"/>
+          </p:nvPr>
+        </p:nvSpPr>
+        <p:spPr>
+          <a:xfrm>
+            <a:off x="913795" y="2076450"/>
+            <a:ext cx="10353762" cy="2688497"/>
+          </a:xfrm>
+        </p:spPr>
+        <p:txBody>
+          <a:bodyPr/>
+          <a:lstStyle/>
+          <a:p>
+            <a:r>
+              <a:rPr lang="ru-RU" dirty="0">
+                <a:latin typeface="Arial" panose="020B0604020202020204" pitchFamily="34" charset="0"/>
+                <a:cs typeface="Arial" panose="020B0604020202020204" pitchFamily="34" charset="0"/>
+              </a:rPr>
+              <a:t>Основой алгоритма </a:t>
+            </a:r>
+            <a:r>
+              <a:rPr lang="ru-RU" dirty="0" err="1">
+                <a:latin typeface="Arial" panose="020B0604020202020204" pitchFamily="34" charset="0"/>
+                <a:cs typeface="Arial" panose="020B0604020202020204" pitchFamily="34" charset="0"/>
+              </a:rPr>
+              <a:t>МакКрейта</a:t>
+            </a:r>
+            <a:r>
+              <a:rPr lang="ru-RU" dirty="0">
+                <a:latin typeface="Arial" panose="020B0604020202020204" pitchFamily="34" charset="0"/>
+                <a:cs typeface="Arial" panose="020B0604020202020204" pitchFamily="34" charset="0"/>
+              </a:rPr>
+              <a:t> является </a:t>
+            </a:r>
+            <a:r>
+              <a:rPr lang="ru-RU" dirty="0" err="1">
+                <a:latin typeface="Arial" panose="020B0604020202020204" pitchFamily="34" charset="0"/>
+                <a:cs typeface="Arial" panose="020B0604020202020204" pitchFamily="34" charset="0"/>
+              </a:rPr>
+              <a:t>суффиксное</a:t>
+            </a:r>
+            <a:r>
+              <a:rPr lang="ru-RU" dirty="0">
+                <a:latin typeface="Arial" panose="020B0604020202020204" pitchFamily="34" charset="0"/>
+                <a:cs typeface="Arial" panose="020B0604020202020204" pitchFamily="34" charset="0"/>
+              </a:rPr>
+              <a:t> дерево</a:t>
+            </a:r>
+            <a:endParaRPr lang="en-US" dirty="0">
+              <a:latin typeface="Arial" panose="020B0604020202020204" pitchFamily="34" charset="0"/>
+              <a:cs typeface="Arial" panose="020B0604020202020204" pitchFamily="34" charset="0"/>
+            </a:endParaRPr>
+          </a:p>
+          <a:p>
+            <a:endParaRPr lang="ru-RU" dirty="0">
+              <a:latin typeface="Arial" panose="020B0604020202020204" pitchFamily="34" charset="0"/>
+              <a:cs typeface="Arial" panose="020B0604020202020204" pitchFamily="34" charset="0"/>
+            </a:endParaRPr>
+          </a:p>
+          <a:p>
+            <a:r>
+              <a:rPr lang="ru-RU" dirty="0" err="1">
+                <a:latin typeface="Arial" panose="020B0604020202020204" pitchFamily="34" charset="0"/>
+                <a:cs typeface="Arial" panose="020B0604020202020204" pitchFamily="34" charset="0"/>
+              </a:rPr>
+              <a:t>Суффиксное</a:t>
+            </a:r>
+            <a:r>
+              <a:rPr lang="ru-RU" dirty="0">
+                <a:latin typeface="Arial" panose="020B0604020202020204" pitchFamily="34" charset="0"/>
+                <a:cs typeface="Arial" panose="020B0604020202020204" pitchFamily="34" charset="0"/>
+              </a:rPr>
+              <a:t> дерево (</a:t>
+            </a:r>
+            <a:r>
+              <a:rPr lang="ru-RU" dirty="0" err="1">
+                <a:latin typeface="Arial" panose="020B0604020202020204" pitchFamily="34" charset="0"/>
+                <a:cs typeface="Arial" panose="020B0604020202020204" pitchFamily="34" charset="0"/>
+              </a:rPr>
+              <a:t>Suffix</a:t>
+            </a:r>
+            <a:r>
+              <a:rPr lang="ru-RU" dirty="0">
+                <a:latin typeface="Arial" panose="020B0604020202020204" pitchFamily="34" charset="0"/>
+                <a:cs typeface="Arial" panose="020B0604020202020204" pitchFamily="34" charset="0"/>
+              </a:rPr>
+              <a:t> </a:t>
+            </a:r>
+            <a:r>
+              <a:rPr lang="ru-RU" dirty="0" err="1">
+                <a:latin typeface="Arial" panose="020B0604020202020204" pitchFamily="34" charset="0"/>
+                <a:cs typeface="Arial" panose="020B0604020202020204" pitchFamily="34" charset="0"/>
+              </a:rPr>
+              <a:t>Tree</a:t>
+            </a:r>
+            <a:r>
+              <a:rPr lang="ru-RU" dirty="0">
+                <a:latin typeface="Arial" panose="020B0604020202020204" pitchFamily="34" charset="0"/>
+                <a:cs typeface="Arial" panose="020B0604020202020204" pitchFamily="34" charset="0"/>
+              </a:rPr>
+              <a:t>, ST) – это структура данных, содержащая все суффиксы некоторой входной строки</a:t>
+            </a:r>
+          </a:p>
+        </p:txBody>
+      </p:sp>
+    </p:spTree>
+    <p:extLst>
+      <p:ext uri="{BB962C8B-B14F-4D97-AF65-F5344CB8AC3E}">
+        <p14:creationId xmlns:p14="http://schemas.microsoft.com/office/powerpoint/2010/main" val="2973039132"/>
+      </p:ext>
+    </p:extLst>
+  </p:cSld>
+  <p:clrMapOvr>
+    <a:masterClrMapping/>
+  </p:clrMapOvr>
+</p:sld>
+</file>
+
+<file path=ppt/slides/slide6.xml><?xml version="1.0" encoding="utf-8"?>
+<p:sld xmlns:a="http://schemas.openxmlformats.org/drawingml/2006/main" xmlns:r="http://schemas.openxmlformats.org/officeDocument/2006/relationships" xmlns:p="http://schemas.openxmlformats.org/presentationml/2006/main">
+  <p:cSld>
+    <p:spTree>
+      <p:nvGrpSpPr>
+        <p:cNvPr id="1" name=""/>
+        <p:cNvGrpSpPr/>
+        <p:nvPr/>
+      </p:nvGrpSpPr>
+      <p:grpSpPr>
+        <a:xfrm>
+          <a:off x="0" y="0"/>
+          <a:ext cx="0" cy="0"/>
+          <a:chOff x="0" y="0"/>
+          <a:chExt cx="0" cy="0"/>
+        </a:xfrm>
+      </p:grpSpPr>
+      <p:sp>
+        <p:nvSpPr>
+          <p:cNvPr id="8" name="TextBox 7">
+            <a:extLst>
+              <a:ext uri="{FF2B5EF4-FFF2-40B4-BE49-F238E27FC236}">
+                <a16:creationId xmlns:a16="http://schemas.microsoft.com/office/drawing/2014/main" id="{3FFF6A85-C242-45BF-17FE-3406CC9CE9CD}"/>
+              </a:ext>
+            </a:extLst>
+          </p:cNvPr>
+          <p:cNvSpPr txBox="1"/>
+          <p:nvPr/>
+        </p:nvSpPr>
+        <p:spPr>
+          <a:xfrm>
+            <a:off x="2770081" y="5407622"/>
+            <a:ext cx="7078594" cy="523220"/>
+          </a:xfrm>
+          <a:prstGeom prst="rect">
+            <a:avLst/>
+          </a:prstGeom>
+          <a:noFill/>
+        </p:spPr>
+        <p:txBody>
+          <a:bodyPr wrap="square" rtlCol="0">
+            <a:spAutoFit/>
+          </a:bodyPr>
+          <a:lstStyle/>
+          <a:p>
+            <a:pPr algn="ctr"/>
+            <a:r>
+              <a:rPr lang="ru-RU" sz="2800" dirty="0">
+                <a:latin typeface="Arial" panose="020B0604020202020204" pitchFamily="34" charset="0"/>
+                <a:cs typeface="Arial" panose="020B0604020202020204" pitchFamily="34" charset="0"/>
+              </a:rPr>
+              <a:t>Пример построения суффиксного дерева</a:t>
+            </a:r>
+          </a:p>
+        </p:txBody>
+      </p:sp>
+      <p:pic>
+        <p:nvPicPr>
+          <p:cNvPr id="6" name="Объект 5" descr="Изображение выглядит как текст, часы&#10;&#10;Автоматически созданное описание">
+            <a:extLst>
+              <a:ext uri="{FF2B5EF4-FFF2-40B4-BE49-F238E27FC236}">
+                <a16:creationId xmlns:a16="http://schemas.microsoft.com/office/drawing/2014/main" id="{FA5571D0-1556-B09D-2109-F3E39EDD63C6}"/>
+              </a:ext>
+            </a:extLst>
+          </p:cNvPr>
+          <p:cNvPicPr>
+            <a:picLocks noGrp="1" noChangeAspect="1"/>
+          </p:cNvPicPr>
+          <p:nvPr>
+            <p:ph idx="1"/>
+          </p:nvPr>
+        </p:nvPicPr>
+        <p:blipFill>
+          <a:blip r:embed="rId2"/>
+          <a:stretch>
+            <a:fillRect/>
+          </a:stretch>
+        </p:blipFill>
+        <p:spPr>
+          <a:xfrm>
+            <a:off x="1254073" y="927158"/>
+            <a:ext cx="9882831" cy="4047514"/>
+          </a:xfrm>
+        </p:spPr>
+      </p:pic>
+    </p:spTree>
+    <p:extLst>
+      <p:ext uri="{BB962C8B-B14F-4D97-AF65-F5344CB8AC3E}">
+        <p14:creationId xmlns:p14="http://schemas.microsoft.com/office/powerpoint/2010/main" val="3862576768"/>
+      </p:ext>
+    </p:extLst>
+  </p:cSld>
+  <p:clrMapOvr>
+    <a:masterClrMapping/>
+  </p:clrMapOvr>
+</p:sld>
+</file>
+
+<file path=ppt/slides/slide7.xml><?xml version="1.0" encoding="utf-8"?>
+<p:sld xmlns:a="http://schemas.openxmlformats.org/drawingml/2006/main" xmlns:r="http://schemas.openxmlformats.org/officeDocument/2006/relationships" xmlns:p="http://schemas.openxmlformats.org/presentationml/2006/main">
+  <p:cSld>
+    <p:spTree>
+      <p:nvGrpSpPr>
+        <p:cNvPr id="1" name=""/>
+        <p:cNvGrpSpPr/>
+        <p:nvPr/>
+      </p:nvGrpSpPr>
+      <p:grpSpPr>
+        <a:xfrm>
+          <a:off x="0" y="0"/>
+          <a:ext cx="0" cy="0"/>
+          <a:chOff x="0" y="0"/>
+          <a:chExt cx="0" cy="0"/>
+        </a:xfrm>
+      </p:grpSpPr>
+      <p:sp>
+        <p:nvSpPr>
+          <p:cNvPr id="3" name="Объект 2">
+            <a:extLst>
+              <a:ext uri="{FF2B5EF4-FFF2-40B4-BE49-F238E27FC236}">
                 <a16:creationId xmlns:a16="http://schemas.microsoft.com/office/drawing/2014/main" id="{7F7872A7-EE01-EA56-F1D4-91BA68B6A7DB}"/>
               </a:ext>
             </a:extLst>
@@ -9518,20 +9425,35 @@
           </a:bodyPr>
           <a:lstStyle/>
           <a:p>
-            <a:r>
-              <a:rPr lang="ru-RU" sz="2400" dirty="0" err="1"/>
+            <a:pPr marL="36900" indent="0">
+              <a:buNone/>
+            </a:pPr>
+            <a:r>
+              <a:rPr lang="ru-RU" sz="2400" dirty="0" err="1">
+                <a:latin typeface="Arial" panose="020B0604020202020204" pitchFamily="34" charset="0"/>
+                <a:cs typeface="Arial" panose="020B0604020202020204" pitchFamily="34" charset="0"/>
+              </a:rPr>
               <a:t>Маккрейт</a:t>
             </a:r>
             <a:r>
-              <a:rPr lang="ru-RU" sz="2400" dirty="0"/>
+              <a:rPr lang="ru-RU" sz="2400" dirty="0">
+                <a:latin typeface="Arial" panose="020B0604020202020204" pitchFamily="34" charset="0"/>
+                <a:cs typeface="Arial" panose="020B0604020202020204" pitchFamily="34" charset="0"/>
+              </a:rPr>
               <a:t> в 1976 году предложил свой алгоритм, в котором порядок добавления суффиксов заменен на обратный, а для быстрого вычисления места, откуда нужно продолжить построение нового суффикса, достаточно </a:t>
             </a:r>
             <a:r>
-              <a:rPr lang="ru-RU" sz="2400" dirty="0" err="1"/>
+              <a:rPr lang="ru-RU" sz="2400" dirty="0" err="1">
+                <a:latin typeface="Arial" panose="020B0604020202020204" pitchFamily="34" charset="0"/>
+                <a:cs typeface="Arial" panose="020B0604020202020204" pitchFamily="34" charset="0"/>
+              </a:rPr>
               <a:t>суффиксной</a:t>
             </a:r>
             <a:r>
-              <a:rPr lang="ru-RU" sz="2400" dirty="0"/>
+              <a:rPr lang="ru-RU" sz="2400" dirty="0">
+                <a:latin typeface="Arial" panose="020B0604020202020204" pitchFamily="34" charset="0"/>
+                <a:cs typeface="Arial" panose="020B0604020202020204" pitchFamily="34" charset="0"/>
+              </a:rPr>
               <a:t> ссылки в каждой вершине.</a:t>
             </a:r>
           </a:p>
@@ -9672,15 +9594,24 @@
           <a:lstStyle/>
           <a:p>
             <a:r>
-              <a:rPr lang="ru-RU" dirty="0"/>
+              <a:rPr lang="ru-RU" dirty="0">
+                <a:latin typeface="Arial" panose="020B0604020202020204" pitchFamily="34" charset="0"/>
+                <a:cs typeface="Arial" panose="020B0604020202020204" pitchFamily="34" charset="0"/>
+              </a:rPr>
               <a:t>Пример дерева с </a:t>
             </a:r>
             <a:r>
-              <a:rPr lang="ru-RU" dirty="0" err="1"/>
+              <a:rPr lang="ru-RU" dirty="0" err="1">
+                <a:latin typeface="Arial" panose="020B0604020202020204" pitchFamily="34" charset="0"/>
+                <a:cs typeface="Arial" panose="020B0604020202020204" pitchFamily="34" charset="0"/>
+              </a:rPr>
               <a:t>суффиксными</a:t>
             </a:r>
             <a:r>
-              <a:rPr lang="ru-RU" dirty="0"/>
+              <a:rPr lang="ru-RU" dirty="0">
+                <a:latin typeface="Arial" panose="020B0604020202020204" pitchFamily="34" charset="0"/>
+                <a:cs typeface="Arial" panose="020B0604020202020204" pitchFamily="34" charset="0"/>
+              </a:rPr>
               <a:t> ссылками</a:t>
             </a:r>
           </a:p>
@@ -9696,285 +9627,6 @@
   <p:clrMapOvr>
     <a:masterClrMapping/>
   </p:clrMapOvr>
-  <mc:AlternateContent xmlns:mc="http://schemas.openxmlformats.org/markup-compatibility/2006" xmlns:p14="http://schemas.microsoft.com/office/powerpoint/2010/main">
-    <mc:Choice Requires="p14">
-      <p:transition spd="med" p14:dur="700">
-        <p:fade/>
-      </p:transition>
-    </mc:Choice>
-    <mc:Fallback xmlns="">
-      <p:transition spd="med">
-        <p:fade/>
-      </p:transition>
-    </mc:Fallback>
-  </mc:AlternateContent>
-</p:sld>
-</file>
-
-<file path=ppt/slides/slide6.xml><?xml version="1.0" encoding="utf-8"?>
-<p:sld xmlns:a="http://schemas.openxmlformats.org/drawingml/2006/main" xmlns:r="http://schemas.openxmlformats.org/officeDocument/2006/relationships" xmlns:p="http://schemas.openxmlformats.org/presentationml/2006/main">
-  <p:cSld>
-    <p:spTree>
-      <p:nvGrpSpPr>
-        <p:cNvPr id="1" name=""/>
-        <p:cNvGrpSpPr/>
-        <p:nvPr/>
-      </p:nvGrpSpPr>
-      <p:grpSpPr>
-        <a:xfrm>
-          <a:off x="0" y="0"/>
-          <a:ext cx="0" cy="0"/>
-          <a:chOff x="0" y="0"/>
-          <a:chExt cx="0" cy="0"/>
-        </a:xfrm>
-      </p:grpSpPr>
-      <p:sp>
-        <p:nvSpPr>
-          <p:cNvPr id="2" name="Заголовок 1">
-            <a:extLst>
-              <a:ext uri="{FF2B5EF4-FFF2-40B4-BE49-F238E27FC236}">
-                <a16:creationId xmlns:a16="http://schemas.microsoft.com/office/drawing/2014/main" id="{98378D4A-2C72-39EA-A61E-5B08E65DD936}"/>
-              </a:ext>
-            </a:extLst>
-          </p:cNvPr>
-          <p:cNvSpPr>
-            <a:spLocks noGrp="1"/>
-          </p:cNvSpPr>
-          <p:nvPr>
-            <p:ph type="title"/>
-          </p:nvPr>
-        </p:nvSpPr>
-        <p:spPr/>
-        <p:txBody>
-          <a:bodyPr/>
-          <a:lstStyle/>
-          <a:p>
-            <a:r>
-              <a:rPr lang="ru-RU" dirty="0"/>
-              <a:t>Основы алгоритма</a:t>
-            </a:r>
-          </a:p>
-        </p:txBody>
-      </p:sp>
-      <p:sp>
-        <p:nvSpPr>
-          <p:cNvPr id="3" name="Объект 2">
-            <a:extLst>
-              <a:ext uri="{FF2B5EF4-FFF2-40B4-BE49-F238E27FC236}">
-                <a16:creationId xmlns:a16="http://schemas.microsoft.com/office/drawing/2014/main" id="{F36CEEBF-E341-5C28-CCD6-D69501492780}"/>
-              </a:ext>
-            </a:extLst>
-          </p:cNvPr>
-          <p:cNvSpPr>
-            <a:spLocks noGrp="1"/>
-          </p:cNvSpPr>
-          <p:nvPr>
-            <p:ph idx="1"/>
-          </p:nvPr>
-        </p:nvSpPr>
-        <p:spPr>
-          <a:xfrm>
-            <a:off x="913795" y="2076450"/>
-            <a:ext cx="10353762" cy="2688497"/>
-          </a:xfrm>
-        </p:spPr>
-        <p:txBody>
-          <a:bodyPr/>
-          <a:lstStyle/>
-          <a:p>
-            <a:r>
-              <a:rPr lang="ru-RU" dirty="0"/>
-              <a:t>В основе алгоритма </a:t>
-            </a:r>
-            <a:r>
-              <a:rPr lang="ru-RU" dirty="0" err="1"/>
-              <a:t>МакКрейта</a:t>
-            </a:r>
-            <a:r>
-              <a:rPr lang="ru-RU" dirty="0"/>
-              <a:t> лежит </a:t>
-            </a:r>
-            <a:r>
-              <a:rPr lang="ru-RU" dirty="0" err="1"/>
-              <a:t>суффиксное</a:t>
-            </a:r>
-            <a:r>
-              <a:rPr lang="ru-RU" dirty="0"/>
-              <a:t> дерево</a:t>
-            </a:r>
-            <a:endParaRPr lang="en-US" dirty="0"/>
-          </a:p>
-          <a:p>
-            <a:endParaRPr lang="ru-RU" dirty="0"/>
-          </a:p>
-          <a:p>
-            <a:r>
-              <a:rPr lang="ru-RU" dirty="0" err="1"/>
-              <a:t>Суффиксное</a:t>
-            </a:r>
-            <a:r>
-              <a:rPr lang="ru-RU" dirty="0"/>
-              <a:t> дерево (</a:t>
-            </a:r>
-            <a:r>
-              <a:rPr lang="ru-RU" dirty="0" err="1"/>
-              <a:t>Suffix</a:t>
-            </a:r>
-            <a:r>
-              <a:rPr lang="ru-RU" dirty="0"/>
-              <a:t> </a:t>
-            </a:r>
-            <a:r>
-              <a:rPr lang="ru-RU" dirty="0" err="1"/>
-              <a:t>Tree</a:t>
-            </a:r>
-            <a:r>
-              <a:rPr lang="ru-RU" dirty="0"/>
-              <a:t>, ST) – это структура данных, которая позволяет "проиндексировать" строку за линейное время от её длины, чтобы потом быстро находить подстроки (за время О(</a:t>
-            </a:r>
-            <a:r>
-              <a:rPr lang="en-US" dirty="0"/>
-              <a:t>N</a:t>
-            </a:r>
-            <a:r>
-              <a:rPr lang="ru-RU" dirty="0"/>
-              <a:t>)).</a:t>
-            </a:r>
-          </a:p>
-        </p:txBody>
-      </p:sp>
-    </p:spTree>
-    <p:extLst>
-      <p:ext uri="{BB962C8B-B14F-4D97-AF65-F5344CB8AC3E}">
-        <p14:creationId xmlns:p14="http://schemas.microsoft.com/office/powerpoint/2010/main" val="2973039132"/>
-      </p:ext>
-    </p:extLst>
-  </p:cSld>
-  <p:clrMapOvr>
-    <a:masterClrMapping/>
-  </p:clrMapOvr>
-  <mc:AlternateContent xmlns:mc="http://schemas.openxmlformats.org/markup-compatibility/2006" xmlns:p14="http://schemas.microsoft.com/office/powerpoint/2010/main">
-    <mc:Choice Requires="p14">
-      <p:transition spd="med" p14:dur="700">
-        <p:fade/>
-      </p:transition>
-    </mc:Choice>
-    <mc:Fallback xmlns="">
-      <p:transition spd="med">
-        <p:fade/>
-      </p:transition>
-    </mc:Fallback>
-  </mc:AlternateContent>
-</p:sld>
-</file>
-
-<file path=ppt/slides/slide7.xml><?xml version="1.0" encoding="utf-8"?>
-<p:sld xmlns:a="http://schemas.openxmlformats.org/drawingml/2006/main" xmlns:r="http://schemas.openxmlformats.org/officeDocument/2006/relationships" xmlns:p="http://schemas.openxmlformats.org/presentationml/2006/main">
-  <p:cSld>
-    <p:spTree>
-      <p:nvGrpSpPr>
-        <p:cNvPr id="1" name=""/>
-        <p:cNvGrpSpPr/>
-        <p:nvPr/>
-      </p:nvGrpSpPr>
-      <p:grpSpPr>
-        <a:xfrm>
-          <a:off x="0" y="0"/>
-          <a:ext cx="0" cy="0"/>
-          <a:chOff x="0" y="0"/>
-          <a:chExt cx="0" cy="0"/>
-        </a:xfrm>
-      </p:grpSpPr>
-      <p:sp>
-        <p:nvSpPr>
-          <p:cNvPr id="8" name="TextBox 7">
-            <a:extLst>
-              <a:ext uri="{FF2B5EF4-FFF2-40B4-BE49-F238E27FC236}">
-                <a16:creationId xmlns:a16="http://schemas.microsoft.com/office/drawing/2014/main" id="{3FFF6A85-C242-45BF-17FE-3406CC9CE9CD}"/>
-              </a:ext>
-            </a:extLst>
-          </p:cNvPr>
-          <p:cNvSpPr txBox="1"/>
-          <p:nvPr/>
-        </p:nvSpPr>
-        <p:spPr>
-          <a:xfrm>
-            <a:off x="2770081" y="5407622"/>
-            <a:ext cx="6651837" cy="523220"/>
-          </a:xfrm>
-          <a:prstGeom prst="rect">
-            <a:avLst/>
-          </a:prstGeom>
-          <a:noFill/>
-        </p:spPr>
-        <p:txBody>
-          <a:bodyPr wrap="square" rtlCol="0">
-            <a:spAutoFit/>
-          </a:bodyPr>
-          <a:lstStyle/>
-          <a:p>
-            <a:pPr algn="ctr"/>
-            <a:r>
-              <a:rPr lang="ru-RU" sz="2800" dirty="0">
-                <a:latin typeface="Times New Roman" panose="02020603050405020304" pitchFamily="18" charset="0"/>
-                <a:cs typeface="Times New Roman" panose="02020603050405020304" pitchFamily="18" charset="0"/>
-              </a:rPr>
-              <a:t>Пример построения суффиксного дерева</a:t>
-            </a:r>
-          </a:p>
-        </p:txBody>
-      </p:sp>
-      <p:pic>
-        <p:nvPicPr>
-          <p:cNvPr id="6" name="Объект 5" descr="Изображение выглядит как текст, часы&#10;&#10;Автоматически созданное описание">
-            <a:extLst>
-              <a:ext uri="{FF2B5EF4-FFF2-40B4-BE49-F238E27FC236}">
-                <a16:creationId xmlns:a16="http://schemas.microsoft.com/office/drawing/2014/main" id="{FA5571D0-1556-B09D-2109-F3E39EDD63C6}"/>
-              </a:ext>
-            </a:extLst>
-          </p:cNvPr>
-          <p:cNvPicPr>
-            <a:picLocks noGrp="1" noChangeAspect="1"/>
-          </p:cNvPicPr>
-          <p:nvPr>
-            <p:ph idx="1"/>
-          </p:nvPr>
-        </p:nvPicPr>
-        <p:blipFill>
-          <a:blip r:embed="rId2"/>
-          <a:stretch>
-            <a:fillRect/>
-          </a:stretch>
-        </p:blipFill>
-        <p:spPr>
-          <a:xfrm>
-            <a:off x="1254073" y="927158"/>
-            <a:ext cx="9882831" cy="4047514"/>
-          </a:xfrm>
-        </p:spPr>
-      </p:pic>
-    </p:spTree>
-    <p:extLst>
-      <p:ext uri="{BB962C8B-B14F-4D97-AF65-F5344CB8AC3E}">
-        <p14:creationId xmlns:p14="http://schemas.microsoft.com/office/powerpoint/2010/main" val="3862576768"/>
-      </p:ext>
-    </p:extLst>
-  </p:cSld>
-  <p:clrMapOvr>
-    <a:masterClrMapping/>
-  </p:clrMapOvr>
-  <mc:AlternateContent xmlns:mc="http://schemas.openxmlformats.org/markup-compatibility/2006" xmlns:p14="http://schemas.microsoft.com/office/powerpoint/2010/main">
-    <mc:Choice Requires="p14">
-      <p:transition spd="med" p14:dur="700">
-        <p:fade/>
-      </p:transition>
-    </mc:Choice>
-    <mc:Fallback xmlns="">
-      <p:transition spd="med">
-        <p:fade/>
-      </p:transition>
-    </mc:Fallback>
-  </mc:AlternateContent>
 </p:sld>
 </file>
 
@@ -10013,55 +9665,122 @@
         </p:nvSpPr>
         <p:spPr>
           <a:xfrm>
-            <a:off x="919119" y="679417"/>
-            <a:ext cx="10353762" cy="1530816"/>
+            <a:off x="363525" y="1595959"/>
+            <a:ext cx="6576969" cy="4303644"/>
           </a:xfrm>
         </p:spPr>
         <p:txBody>
-          <a:bodyPr/>
+          <a:bodyPr>
+            <a:normAutofit/>
+          </a:bodyPr>
           <a:lstStyle/>
           <a:p>
-            <a:r>
-              <a:rPr lang="ru-RU" dirty="0"/>
+            <a:pPr marL="36900" indent="0">
+              <a:buNone/>
+            </a:pPr>
+            <a:r>
+              <a:rPr lang="ru-RU" i="1" dirty="0">
+                <a:effectLst/>
+                <a:latin typeface="Arial" panose="020B0604020202020204" pitchFamily="34" charset="0"/>
+                <a:cs typeface="Arial" panose="020B0604020202020204" pitchFamily="34" charset="0"/>
+              </a:rPr>
               <a:t>Построение суффиксного дерева </a:t>
             </a:r>
             <a:r>
-              <a:rPr lang="ru-RU" dirty="0" err="1"/>
+              <a:rPr lang="ru-RU" i="1" dirty="0" err="1">
+                <a:effectLst/>
+                <a:latin typeface="Arial" panose="020B0604020202020204" pitchFamily="34" charset="0"/>
+                <a:cs typeface="Arial" panose="020B0604020202020204" pitchFamily="34" charset="0"/>
+              </a:rPr>
               <a:t>Маккрейта</a:t>
             </a:r>
-            <a:r>
-              <a:rPr lang="ru-RU" dirty="0"/>
-              <a:t> — это простая модификация алгоритма перебора(</a:t>
-            </a:r>
-            <a:r>
-              <a:rPr lang="en-US" dirty="0" err="1"/>
+            <a:endParaRPr lang="ru-RU" i="1" dirty="0">
+              <a:effectLst/>
+              <a:latin typeface="Arial" panose="020B0604020202020204" pitchFamily="34" charset="0"/>
+              <a:cs typeface="Arial" panose="020B0604020202020204" pitchFamily="34" charset="0"/>
+            </a:endParaRPr>
+          </a:p>
+          <a:p>
+            <a:pPr marL="36900" indent="0">
+              <a:buNone/>
+            </a:pPr>
+            <a:r>
+              <a:rPr lang="ru-RU" i="1" dirty="0">
+                <a:effectLst/>
+                <a:latin typeface="Arial" panose="020B0604020202020204" pitchFamily="34" charset="0"/>
+                <a:cs typeface="Arial" panose="020B0604020202020204" pitchFamily="34" charset="0"/>
+              </a:rPr>
+              <a:t> </a:t>
+            </a:r>
+          </a:p>
+          <a:p>
+            <a:pPr marL="36900" indent="0">
+              <a:buNone/>
+            </a:pPr>
+            <a:r>
+              <a:rPr lang="ru-RU" dirty="0">
+                <a:effectLst/>
+                <a:latin typeface="Arial" panose="020B0604020202020204" pitchFamily="34" charset="0"/>
+                <a:cs typeface="Arial" panose="020B0604020202020204" pitchFamily="34" charset="0"/>
+              </a:rPr>
+              <a:t>— это простая модификация алгоритма перебора(</a:t>
+            </a:r>
+            <a:r>
+              <a:rPr lang="en-US" dirty="0" err="1">
+                <a:effectLst/>
+                <a:latin typeface="Arial" panose="020B0604020202020204" pitchFamily="34" charset="0"/>
+                <a:cs typeface="Arial" panose="020B0604020202020204" pitchFamily="34" charset="0"/>
+              </a:rPr>
               <a:t>bruteforce</a:t>
             </a:r>
             <a:r>
-              <a:rPr lang="en-US" dirty="0"/>
+              <a:rPr lang="en-US" dirty="0">
+                <a:effectLst/>
+                <a:latin typeface="Arial" panose="020B0604020202020204" pitchFamily="34" charset="0"/>
+                <a:cs typeface="Arial" panose="020B0604020202020204" pitchFamily="34" charset="0"/>
+              </a:rPr>
               <a:t> algorithm</a:t>
             </a:r>
             <a:r>
-              <a:rPr lang="ru-RU" dirty="0"/>
+              <a:rPr lang="ru-RU" dirty="0">
+                <a:effectLst/>
+                <a:latin typeface="Arial" panose="020B0604020202020204" pitchFamily="34" charset="0"/>
+                <a:cs typeface="Arial" panose="020B0604020202020204" pitchFamily="34" charset="0"/>
+              </a:rPr>
               <a:t>), который вычисляет </a:t>
             </a:r>
             <a:r>
-              <a:rPr lang="ru-RU" dirty="0" err="1"/>
+              <a:rPr lang="ru-RU" dirty="0" err="1">
+                <a:effectLst/>
+                <a:latin typeface="Arial" panose="020B0604020202020204" pitchFamily="34" charset="0"/>
+                <a:cs typeface="Arial" panose="020B0604020202020204" pitchFamily="34" charset="0"/>
+              </a:rPr>
               <a:t>суффиксные</a:t>
             </a:r>
             <a:r>
-              <a:rPr lang="ru-RU" dirty="0"/>
-              <a:t> ссылки во время построения и использует их как короткие пути:</a:t>
+              <a:rPr lang="ru-RU" dirty="0">
+                <a:effectLst/>
+                <a:latin typeface="Arial" panose="020B0604020202020204" pitchFamily="34" charset="0"/>
+                <a:cs typeface="Arial" panose="020B0604020202020204" pitchFamily="34" charset="0"/>
+              </a:rPr>
+              <a:t> ссылки во время построения и использует их как короткие пути</a:t>
+            </a:r>
+            <a:r>
+              <a:rPr lang="ru-RU" dirty="0">
+                <a:latin typeface="Arial" panose="020B0604020202020204" pitchFamily="34" charset="0"/>
+                <a:cs typeface="Arial" panose="020B0604020202020204" pitchFamily="34" charset="0"/>
+              </a:rPr>
+              <a:t>:</a:t>
             </a:r>
           </a:p>
         </p:txBody>
       </p:sp>
       <p:pic>
         <p:nvPicPr>
-          <p:cNvPr id="5" name="Рисунок 4" descr="Изображение выглядит как текст&#10;&#10;Автоматически созданное описание">
+          <p:cNvPr id="4" name="Рисунок 3" descr="Изображение выглядит как текст&#10;&#10;Автоматически созданное описание">
             <a:extLst>
               <a:ext uri="{FF2B5EF4-FFF2-40B4-BE49-F238E27FC236}">
-                <a16:creationId xmlns:a16="http://schemas.microsoft.com/office/drawing/2014/main" id="{E0A5DBC8-776F-F49B-9EA5-90440BA14027}"/>
+                <a16:creationId xmlns:a16="http://schemas.microsoft.com/office/drawing/2014/main" id="{6F38A553-D5C7-0442-BB4F-98A0D8EC7517}"/>
               </a:ext>
             </a:extLst>
           </p:cNvPr>
@@ -10071,14 +9790,26 @@
           <p:nvPr/>
         </p:nvPicPr>
         <p:blipFill rotWithShape="1">
-          <a:blip r:embed="rId2"/>
-          <a:srcRect l="49875" t="57982" r="28900" b="19696"/>
+          <a:blip r:embed="rId2">
+            <a:extLst>
+              <a:ext uri="{BEBA8EAE-BF5A-486C-A8C5-ECC9F3942E4B}">
+                <a14:imgProps xmlns:a14="http://schemas.microsoft.com/office/drawing/2010/main">
+                  <a14:imgLayer r:embed="rId3">
+                    <a14:imgEffect>
+                      <a14:sharpenSoften amount="63000"/>
+                    </a14:imgEffect>
+                  </a14:imgLayer>
+                </a14:imgProps>
+              </a:ext>
+            </a:extLst>
+          </a:blip>
+          <a:srcRect l="67431" t="26789" r="3876" b="7033"/>
           <a:stretch/>
         </p:blipFill>
         <p:spPr>
           <a:xfrm>
-            <a:off x="3008851" y="2403177"/>
-            <a:ext cx="6174297" cy="3652462"/>
+            <a:off x="7130642" y="486465"/>
+            <a:ext cx="4697833" cy="6094790"/>
           </a:xfrm>
           <a:prstGeom prst="rect">
             <a:avLst/>
@@ -10095,18 +9826,6 @@
   <p:clrMapOvr>
     <a:masterClrMapping/>
   </p:clrMapOvr>
-  <mc:AlternateContent xmlns:mc="http://schemas.openxmlformats.org/markup-compatibility/2006" xmlns:p14="http://schemas.microsoft.com/office/powerpoint/2010/main">
-    <mc:Choice Requires="p14">
-      <p:transition spd="med" p14:dur="700">
-        <p:fade/>
-      </p:transition>
-    </mc:Choice>
-    <mc:Fallback xmlns="">
-      <p:transition spd="med">
-        <p:fade/>
-      </p:transition>
-    </mc:Fallback>
-  </mc:AlternateContent>
 </p:sld>
 </file>
 
@@ -10169,7 +9888,7 @@
         </p:nvSpPr>
         <p:spPr>
           <a:xfrm>
-            <a:off x="2060895" y="6211832"/>
+            <a:off x="2018950" y="6211832"/>
             <a:ext cx="8296710" cy="369332"/>
           </a:xfrm>
           <a:prstGeom prst="rect">
@@ -10184,14 +9903,23 @@
           <a:lstStyle/>
           <a:p>
             <a:r>
-              <a:rPr lang="ru-RU" dirty="0"/>
+              <a:rPr lang="ru-RU" dirty="0">
+                <a:latin typeface="Arial" panose="020B0604020202020204" pitchFamily="34" charset="0"/>
+                <a:cs typeface="Arial" panose="020B0604020202020204" pitchFamily="34" charset="0"/>
+              </a:rPr>
               <a:t>Пример построения суффиксного дерева с помощью алгоритма </a:t>
             </a:r>
             <a:r>
-              <a:rPr lang="ru-RU" dirty="0" err="1"/>
+              <a:rPr lang="ru-RU" dirty="0" err="1">
+                <a:latin typeface="Arial" panose="020B0604020202020204" pitchFamily="34" charset="0"/>
+                <a:cs typeface="Arial" panose="020B0604020202020204" pitchFamily="34" charset="0"/>
+              </a:rPr>
               <a:t>Маккрейта</a:t>
             </a:r>
-            <a:endParaRPr lang="ru-RU" dirty="0"/>
+            <a:endParaRPr lang="ru-RU" dirty="0">
+              <a:latin typeface="Arial" panose="020B0604020202020204" pitchFamily="34" charset="0"/>
+              <a:cs typeface="Arial" panose="020B0604020202020204" pitchFamily="34" charset="0"/>
+            </a:endParaRPr>
           </a:p>
         </p:txBody>
       </p:sp>
@@ -10205,18 +9933,6 @@
   <p:clrMapOvr>
     <a:masterClrMapping/>
   </p:clrMapOvr>
-  <mc:AlternateContent xmlns:mc="http://schemas.openxmlformats.org/markup-compatibility/2006" xmlns:p14="http://schemas.microsoft.com/office/powerpoint/2010/main">
-    <mc:Choice Requires="p14">
-      <p:transition spd="med" p14:dur="700">
-        <p:fade/>
-      </p:transition>
-    </mc:Choice>
-    <mc:Fallback xmlns="">
-      <p:transition spd="med">
-        <p:fade/>
-      </p:transition>
-    </mc:Fallback>
-  </mc:AlternateContent>
 </p:sld>
 </file>
 

--- a/Алгоритм МакКрейта.pptx
+++ b/Алгоритм МакКрейта.pptx
@@ -15,17 +15,17 @@
     <p:sldId id="293" r:id="rId6"/>
     <p:sldId id="288" r:id="rId7"/>
     <p:sldId id="280" r:id="rId8"/>
-    <p:sldId id="281" r:id="rId9"/>
-    <p:sldId id="286" r:id="rId10"/>
-    <p:sldId id="289" r:id="rId11"/>
-    <p:sldId id="290" r:id="rId12"/>
-    <p:sldId id="282" r:id="rId13"/>
-    <p:sldId id="291" r:id="rId14"/>
-    <p:sldId id="283" r:id="rId15"/>
-    <p:sldId id="285" r:id="rId16"/>
-    <p:sldId id="284" r:id="rId17"/>
-    <p:sldId id="287" r:id="rId18"/>
-    <p:sldId id="292" r:id="rId19"/>
+    <p:sldId id="287" r:id="rId9"/>
+    <p:sldId id="281" r:id="rId10"/>
+    <p:sldId id="286" r:id="rId11"/>
+    <p:sldId id="289" r:id="rId12"/>
+    <p:sldId id="290" r:id="rId13"/>
+    <p:sldId id="282" r:id="rId14"/>
+    <p:sldId id="291" r:id="rId15"/>
+    <p:sldId id="283" r:id="rId16"/>
+    <p:sldId id="294" r:id="rId17"/>
+    <p:sldId id="285" r:id="rId18"/>
+    <p:sldId id="284" r:id="rId19"/>
   </p:sldIdLst>
   <p:sldSz cx="12192000" cy="6858000"/>
   <p:notesSz cx="6858000" cy="9144000"/>
@@ -217,7 +217,7 @@
           <a:p>
             <a:fld id="{BBDEF7BF-8677-4414-86E1-BB2AAF45A13B}" type="datetime1">
               <a:rPr lang="ru-RU" smtClean="0"/>
-              <a:t>18.12.2022</a:t>
+              <a:t>13.02.2023</a:t>
             </a:fld>
             <a:endParaRPr lang="ru-RU" dirty="0"/>
           </a:p>
@@ -299,6 +299,1083 @@
   <p:clrMap bg1="lt1" tx1="dk1" bg2="lt2" tx2="dk2" accent1="accent1" accent2="accent2" accent3="accent3" accent4="accent4" accent5="accent5" accent6="accent6" hlink="hlink" folHlink="folHlink"/>
   <p:hf hdr="0" ftr="0" dt="0"/>
 </p:handoutMaster>
+</file>
+
+<file path=ppt/ink/ink1.xml><?xml version="1.0" encoding="utf-8"?>
+<inkml:ink xmlns:inkml="http://www.w3.org/2003/InkML">
+  <inkml:definitions>
+    <inkml:context xml:id="ctx0">
+      <inkml:inkSource xml:id="inkSrc0">
+        <inkml:traceFormat>
+          <inkml:channel name="X" type="integer" min="-2.14748E9" max="2.14748E9" units="cm"/>
+          <inkml:channel name="Y" type="integer" min="-2.14748E9" max="2.14748E9" units="cm"/>
+        </inkml:traceFormat>
+        <inkml:channelProperties>
+          <inkml:channelProperty channel="X" name="resolution" value="1000" units="1/cm"/>
+          <inkml:channelProperty channel="Y" name="resolution" value="1000" units="1/cm"/>
+        </inkml:channelProperties>
+      </inkml:inkSource>
+      <inkml:timestamp xml:id="ts0" timeString="2023-02-12T15:48:43.952"/>
+    </inkml:context>
+    <inkml:brush xml:id="br0">
+      <inkml:brushProperty name="width" value="0.3" units="cm"/>
+      <inkml:brushProperty name="height" value="0.6" units="cm"/>
+      <inkml:brushProperty name="color" value="#FFFFFF"/>
+      <inkml:brushProperty name="tip" value="rectangle"/>
+      <inkml:brushProperty name="rasterOp" value="maskPen"/>
+      <inkml:brushProperty name="ignorePressure" value="1"/>
+    </inkml:brush>
+  </inkml:definitions>
+  <inkml:trace contextRef="#ctx0" brushRef="#br0">170 0,'1'103,"-3"113,-22-52,20-138,-2 1,-13 38,-4 16,-26 106,15-60,30-103,1 1,1-1,1 1,4 39,0 1,-4-25,0-23,0-1,1 0,1 1,5 24,-6-41,0 0,0 1,0-1,0 0,0 1,0-1,0 1,0-1,0 0,0 1,0-1,0 0,1 1,-1-1,0 0,0 1,0-1,0 0,1 0,-1 1,0-1,0 0,1 0,-1 1,0-1,0 0,1 0,-1 0,0 1,1-1,-1 0,0 0,0 0,1 0,-1 0,0 0,1 1,-1-1,1 0,7-15,5-31,-12 41,10-41,-1 8,7-56,28-270,-42 350,0 0,1 0,9-25,-7 26,-2 0,0 0,0-1,2-20,-5-57,-1 71</inkml:trace>
+</inkml:ink>
+</file>
+
+<file path=ppt/ink/ink10.xml><?xml version="1.0" encoding="utf-8"?>
+<inkml:ink xmlns:inkml="http://www.w3.org/2003/InkML">
+  <inkml:definitions>
+    <inkml:context xml:id="ctx0">
+      <inkml:inkSource xml:id="inkSrc0">
+        <inkml:traceFormat>
+          <inkml:channel name="X" type="integer" min="-2.14748E9" max="2.14748E9" units="cm"/>
+          <inkml:channel name="Y" type="integer" min="-2.14748E9" max="2.14748E9" units="cm"/>
+          <inkml:channel name="F" type="integer" max="32767" units="dev"/>
+        </inkml:traceFormat>
+        <inkml:channelProperties>
+          <inkml:channelProperty channel="X" name="resolution" value="1000" units="1/cm"/>
+          <inkml:channelProperty channel="Y" name="resolution" value="1000" units="1/cm"/>
+          <inkml:channelProperty channel="F" name="resolution" value="0" units="1/dev"/>
+        </inkml:channelProperties>
+      </inkml:inkSource>
+      <inkml:timestamp xml:id="ts0" timeString="2023-02-12T15:48:57.315"/>
+    </inkml:context>
+    <inkml:brush xml:id="br0">
+      <inkml:brushProperty name="width" value="0.05" units="cm"/>
+      <inkml:brushProperty name="height" value="0.05" units="cm"/>
+      <inkml:brushProperty name="color" value="#FFFFFF"/>
+    </inkml:brush>
+  </inkml:definitions>
+  <inkml:trace contextRef="#ctx0" brushRef="#br0">0 0 24575,'0'0'-8191</inkml:trace>
+</inkml:ink>
+</file>
+
+<file path=ppt/ink/ink11.xml><?xml version="1.0" encoding="utf-8"?>
+<inkml:ink xmlns:inkml="http://www.w3.org/2003/InkML">
+  <inkml:definitions>
+    <inkml:context xml:id="ctx0">
+      <inkml:inkSource xml:id="inkSrc0">
+        <inkml:traceFormat>
+          <inkml:channel name="X" type="integer" min="-2.14748E9" max="2.14748E9" units="cm"/>
+          <inkml:channel name="Y" type="integer" min="-2.14748E9" max="2.14748E9" units="cm"/>
+          <inkml:channel name="F" type="integer" max="32767" units="dev"/>
+        </inkml:traceFormat>
+        <inkml:channelProperties>
+          <inkml:channelProperty channel="X" name="resolution" value="1000" units="1/cm"/>
+          <inkml:channelProperty channel="Y" name="resolution" value="1000" units="1/cm"/>
+          <inkml:channelProperty channel="F" name="resolution" value="0" units="1/dev"/>
+        </inkml:channelProperties>
+      </inkml:inkSource>
+      <inkml:timestamp xml:id="ts0" timeString="2023-02-12T15:48:57.690"/>
+    </inkml:context>
+    <inkml:brush xml:id="br0">
+      <inkml:brushProperty name="width" value="0.05" units="cm"/>
+      <inkml:brushProperty name="height" value="0.05" units="cm"/>
+      <inkml:brushProperty name="color" value="#FFFFFF"/>
+    </inkml:brush>
+  </inkml:definitions>
+  <inkml:trace contextRef="#ctx0" brushRef="#br0">860 0 24575,'-12'1'0,"0"1"0,1 1 0,-1 1 0,0 0 0,1 0 0,-19 12 0,15-8 0,1-1 0,-1-1 0,-22 6 0,-267 66-858,286-73 858,-121 45 0,89-28 62,-93 25 0,140-46-16,2-1-95,-1 0 1,1 0-1,-1 1 1,1-1-1,-1 1 0,1-1 1,-1 1-1,1 0 1,-1-1-1,1 1 1,0 0-1,-1 0 0,-1 2 1</inkml:trace>
+</inkml:ink>
+</file>
+
+<file path=ppt/ink/ink12.xml><?xml version="1.0" encoding="utf-8"?>
+<inkml:ink xmlns:inkml="http://www.w3.org/2003/InkML">
+  <inkml:definitions>
+    <inkml:context xml:id="ctx0">
+      <inkml:inkSource xml:id="inkSrc0">
+        <inkml:traceFormat>
+          <inkml:channel name="X" type="integer" min="-2.14748E9" max="2.14748E9" units="cm"/>
+          <inkml:channel name="Y" type="integer" min="-2.14748E9" max="2.14748E9" units="cm"/>
+          <inkml:channel name="F" type="integer" max="32767" units="dev"/>
+        </inkml:traceFormat>
+        <inkml:channelProperties>
+          <inkml:channelProperty channel="X" name="resolution" value="1000" units="1/cm"/>
+          <inkml:channelProperty channel="Y" name="resolution" value="1000" units="1/cm"/>
+          <inkml:channelProperty channel="F" name="resolution" value="0" units="1/dev"/>
+        </inkml:channelProperties>
+      </inkml:inkSource>
+      <inkml:timestamp xml:id="ts0" timeString="2023-02-12T15:48:58.053"/>
+    </inkml:context>
+    <inkml:brush xml:id="br0">
+      <inkml:brushProperty name="width" value="0.05" units="cm"/>
+      <inkml:brushProperty name="height" value="0.05" units="cm"/>
+      <inkml:brushProperty name="color" value="#FFFFFF"/>
+    </inkml:brush>
+  </inkml:definitions>
+  <inkml:trace contextRef="#ctx0" brushRef="#br0">0 0 24575,'2'0'0,"2"0"0,3 0 0,0 3 0,0 0 0,2 0 0,0 0 0,3-1 0,1-1 0,0 0 0,0-1 0,-1 0 0,0 0 0,-2 0-8191</inkml:trace>
+</inkml:ink>
+</file>
+
+<file path=ppt/ink/ink13.xml><?xml version="1.0" encoding="utf-8"?>
+<inkml:ink xmlns:inkml="http://www.w3.org/2003/InkML">
+  <inkml:definitions>
+    <inkml:context xml:id="ctx0">
+      <inkml:inkSource xml:id="inkSrc0">
+        <inkml:traceFormat>
+          <inkml:channel name="X" type="integer" min="-2.14748E9" max="2.14748E9" units="cm"/>
+          <inkml:channel name="Y" type="integer" min="-2.14748E9" max="2.14748E9" units="cm"/>
+          <inkml:channel name="F" type="integer" max="32767" units="dev"/>
+        </inkml:traceFormat>
+        <inkml:channelProperties>
+          <inkml:channelProperty channel="X" name="resolution" value="1000" units="1/cm"/>
+          <inkml:channelProperty channel="Y" name="resolution" value="1000" units="1/cm"/>
+          <inkml:channelProperty channel="F" name="resolution" value="0" units="1/dev"/>
+        </inkml:channelProperties>
+      </inkml:inkSource>
+      <inkml:timestamp xml:id="ts0" timeString="2023-02-12T15:48:58.742"/>
+    </inkml:context>
+    <inkml:brush xml:id="br0">
+      <inkml:brushProperty name="width" value="0.05" units="cm"/>
+      <inkml:brushProperty name="height" value="0.05" units="cm"/>
+      <inkml:brushProperty name="color" value="#FFFFFF"/>
+    </inkml:brush>
+  </inkml:definitions>
+  <inkml:trace contextRef="#ctx0" brushRef="#br0">623 233 24575,'1'0'0,"-5"0"0,-12 0 0,-24 3 0,-173 7-645,90-8 145,35 7 207,51-4 245,-53 9 1462,89-14-1409,0 0-1,1 0 1,-1 0 0,0 0-1,0 1 1,1-1-1,-1 0 1,0 0 0,1 1-1,-1-1 1,0 1-1,1-1 1,-1 1-1,0-1 1,1 1 0,-2 0-1,4 3-14,7-1 14,7-2-4,1-1 0,-1-1 0,24-5 0,22-2 0,140 8 0,-95 1 0,-105-2 0,-1 1 0,1 0 0,-1 0 0,1 1 0,-1-1 0,0 0 0,1 1 0,-1-1 0,1 1 0,-1-1 0,0 1 0,1 0 0,-1 0 0,0 0 0,0 0 0,2 1 0,-2 0 0,0 0 0,0 0 0,0 0 0,0 0 0,0 0 0,-1 0 0,1 0 0,-1 0 0,1 1 0,-1-1 0,1 0 0,-1 5 0,2 7 0,1 0 0,5 16 0,0 5 0,-5-15 0,0 1 0,-1-1 0,-1 1 0,-1 24 0,1 23 0,-1-66 0,0 0 0,1 0 0,-1 0 0,0 0 0,0-1 0,1 1 0,-1 0 0,1 0 0,-1 0 0,1 0 0,-1-1 0,1 1 0,0 0 0,0-1 0,0 1 0,-1-1 0,1 1 0,0-1 0,1 0 0,-1 1 0,0-1 0,0 0 0,2 2 0,-1-3 0,-1 0 0,1 1 0,-1-1 0,1 0 0,-1 0 0,1 0 0,-1 0 0,0 0 0,1 0 0,-1 0 0,1-1 0,-1 1 0,1-1 0,-1 1 0,0-1 0,1 0 0,-1 0 0,0 0 0,1 0 0,-1 0 0,0 0 0,0 0 0,2-2 0,2-4 0,0-1 0,0 1 0,0-1 0,-1-1 0,0 1 0,0-1 0,3-12 0,9-17 0,-6 20 0,0 0 0,15-19 0,-3 5 0,-11 16 0,-8 12 0,0 0 0,0-1 0,0 1 0,-1-1 0,1 0 0,-1 0 0,1 0 0,-1 0 0,2-10 0,-4 15 0,0-1 0,0 0 0,0 0 0,0 0 0,0 1 0,0-1 0,0 0 0,0 0 0,0 0 0,0 1 0,-1-1 0,1 0 0,0 0 0,0 1 0,-1-1 0,1 0 0,0 0 0,-1 1 0,1-1 0,0 0 0,-1 1 0,1-1 0,-1 1 0,1-1 0,-1 1 0,1-1 0,-1 1 0,1 0 0,-1-1 0,1 1 0,-1 0 0,0-1 0,1 1 0,-2 0 0,-3-2 0,0 0 0,0 1 0,-7-1 0,2 0 0,-1-1 0,-1 1 0,1 0 0,0 1 0,-1 0 0,1 2 0,-1-1 0,1 2 0,0 0 0,-16 6 0,-18 7 0,29-11 0,1 2 0,-23 11 0,27-14 0,11-3 0,0 0 0,0 0 0,-1 0 0,1 0 0,0 0 0,0 0 0,0 0 0,0 0 0,-1-1 0,1 1 0,0 0 0,0 0 0,0 0 0,0 0 0,0 0 0,0-1 0,0 1 0,-1 0 0,1 0 0,0 0 0,0-1 0,0 1 0,0 0 0,0 0 0,0 0 0,0-1 0,0 1 0,0 0 0,0 0 0,0 0 0,0-1 0,0 1 0,0-3 0,1 0 0,-1-1 0,1 1 0,0 0 0,2-5 0,-2 4 0,3-9 0,-1 0 0,0 0 0,0 0 0,-1 0 0,-1 0 0,1-25 0,-2 3 0,-7-48 0,2 8-1365,3 57-5461</inkml:trace>
+</inkml:ink>
+</file>
+
+<file path=ppt/ink/ink14.xml><?xml version="1.0" encoding="utf-8"?>
+<inkml:ink xmlns:inkml="http://www.w3.org/2003/InkML">
+  <inkml:definitions>
+    <inkml:context xml:id="ctx0">
+      <inkml:inkSource xml:id="inkSrc0">
+        <inkml:traceFormat>
+          <inkml:channel name="X" type="integer" min="-2.14748E9" max="2.14748E9" units="cm"/>
+          <inkml:channel name="Y" type="integer" min="-2.14748E9" max="2.14748E9" units="cm"/>
+          <inkml:channel name="F" type="integer" max="32767" units="dev"/>
+        </inkml:traceFormat>
+        <inkml:channelProperties>
+          <inkml:channelProperty channel="X" name="resolution" value="1000" units="1/cm"/>
+          <inkml:channelProperty channel="Y" name="resolution" value="1000" units="1/cm"/>
+          <inkml:channelProperty channel="F" name="resolution" value="0" units="1/dev"/>
+        </inkml:channelProperties>
+      </inkml:inkSource>
+      <inkml:timestamp xml:id="ts0" timeString="2023-02-12T15:50:48.892"/>
+    </inkml:context>
+    <inkml:brush xml:id="br0">
+      <inkml:brushProperty name="width" value="0.35" units="cm"/>
+      <inkml:brushProperty name="height" value="0.35" units="cm"/>
+      <inkml:brushProperty name="color" value="#FFFFFF"/>
+    </inkml:brush>
+  </inkml:definitions>
+  <inkml:trace contextRef="#ctx0" brushRef="#br0">134 791 24575,'15'-14'0,"-5"3"0,0 1 0,-1-2 0,0 0 0,0 0 0,7-16 0,-15 27 0,-1 0 0,1 0 0,-1 0 0,1-1 0,0 1 0,0 0 0,-1 0 0,1 0 0,0 1 0,0-1 0,0 0 0,0 0 0,1 0 0,-2 1 0,1 0 0,-1 0 0,0 0 0,0 0 0,0 0 0,1 0 0,-1 0 0,0 0 0,0 0 0,0 0 0,1 0 0,-1 0 0,0 0 0,0 0 0,0 0 0,0 0 0,1 1 0,-1-1 0,0 0 0,0 0 0,0 0 0,0 0 0,0 1 0,1-1 0,-1 0 0,0 1 0,3 12 0,-3 15-104,0 0 0,-5 46 0,-1 4-202,4 118-455,-4 59-1657,-26 143-330,9 44 1427,22-380 1477,-1 210 1520,2-223 2468,1-87-3766,1-1 0,1 1 0,1 0 0,12-50 0,0-5-722,8-32-188,86-216-2086,-50 168 1422,-12 31 967,83-286 99,-120 378 118,6-19 124,-2-1 0,7-73 0,-24 248 4516,1 6-4952,-4-61 10,-16 93 1,-22 45-632,5-21 530,13-5 415,5-26 0,2-35-235,-7 108 0,23-188 702,-4 27-1,3-85 1479,-5-238-1945,2 220-271,-15-68 0,-19-53-823,-4-23 192,-55-240-1309,47 220 2206,-19-45-1905,43 177 5971,28 96-3132,1 11-33,5 28-537,9 82 60,0 12-419,-7-80 0,2 78 0,-5-13 0,1 22 0,-6-98 0,-1 61 0,-1-92 0,2-21 0,-1 1 0,1 0 0,0 0 0,0 0 0,0 0 0,0 0 0,0 0 0,0 0 0,0 0 0,0 0 0,0 0 0,0 0 0,0 0 0,0 0 0,0 0 0,0 0 0,0 0 0,0 0 0,0 0 0,0 0 0,0 0 0,0 0 0,0 1 0,0-1 0,0 0 0,0 0 0,0 0 0,0 0 0,0 0 0,0 0 0,0 0 0,0 0 0,0 0 0,0 0 0,0 0 0,0 0 0,0 0 0,0 0 0,0 0 0,0 0 0,0 0 0,0-11 0,14-106 0,-7 60-38,1 1-1,16-57 1,25-127-541,-42 207 579,18-53 0,4-15 0,-27 88 106,0 5 261,-1 23-146,15 334-1587,-1-114 395,-5-22 28,3 72-159,16 165-2816,-18-320 3334,21 339 218,-32-464 370,13 128 445,-1 5 684,-11-135-1059,-1 3 197,0-1 0,0 1 0,1-1 1,0 0-1,0 1 0,0-1 0,0 0 0,0 0 0,6 11 906,-7-16-1136,0 0 0,0 0 0,1 0 1,-1 0-1,0 0 0,0 0 0,0 0 0,0 0 0,1 0 1,-1 0-1,0 0 0,0 0 0,0 0 0,1 0 0,2-8 1039,-1-12 243,-1-57-667,2-22-359,5-347-2594,-9 292 1842,1-667-1815,0 493 4381,0 466-21,-9 342-4249,0-340 1623,-9 117 403,-33 390-3839,21-319 1911,-24 141 723,38-287 3797,7-72-959,9-183 3852,0 28-4167,0 25-1290,11-293-1625,11-64 1617,-23-393-6967,-14 422 6857,-11 1 149,22 296 129,1 18 1368,-12-57 1865,13 103-2323,1 20-62,-13 242-398,-14-1-2725,-12 173 831,15 559-1484,25-737 1443,-1 57 2249,-7-190 1286,6-101-480,3-57 2017,6-70-1792,10-130-3354,-7 74 761,15-129-1237,17-224-3290,9-69 3654,19 3 152,-32 270 949,6-13 247,-1 13 7172,-42 320-5372,-25 598 100,-19 120-4467,32-85 1411,12-263 2638,-2-386-949,1-5-85,0 0 0,0 1 0,0-1 0,9 17 3586,-9-20-3719,1-10 889,17-296-114,-1 15-2658,-4 163 1880,4-47-1071,12-103 164,-10 126 737,15-128-921,-31 261 1274,1 0 0,0 0 0,1 0 0,1 1 0,0 0 1,15-33-1,-20 51-154,-1 1 1,0-1-1,0 1 1,0-1-1,0 1 1,1-1-1,-1 1 0,0 0 1,1-1-1,-1 1 1,0-1-1,0 1 1,1 0-1,-1 0 1,0-1-1,1 1 1,-1 0-1,1-1 1,-1 1-1,0 0 1,1 0-1,0 0-26,-1 0 1,0 0-1,0 0 0,1 1 1,-1-1-1,0 0 1,0 0-1,1 1 0,-1-1 1,0 0-1,0 0 0,1 1 1,-1-1-1,0 0 0,0 1 1,0-1-1,0 0 0,1 1 1,-1-1-1,0 0 0,0 2 1,5 27 800,-4-22-797,16 93-480,2 17-891,8 203 668,-18-184-720,14 96 1367,6 111 6,-27-260 182,10 206-1361,-3-129 2670,-3-135 1360,-5-25-2820,3-11 390,0-7-412,0 1 0,-2-2 0,0 1 0,1-20 0,-1 2-16,4-94 6,-1 23 0,0-250-614,-6 222 473,1-129 241,0 264-83,-1-23 397,-3 15-254,4 8-158,0 0 0,0 0 0,0 0 0,-1 0 0,1-1 0,0 1 0,0 0 0,-1 0 0,1 0 0,0 0 0,0 0 0,0 0 0,-1 0 0,1 1 0,0-1 0,0 0 0,0 0 0,-1 0 0,1 0 0,0 0 0,0 0 0,0 0 0,-1 1 0,1-1 0,0 0 0,0 0 0,0 0 0,0 0 0,0 1 0,-1-1 0,1 1 0,-2 2-2,0 1 0,1 1 0,-1-1 0,1 0 0,0 0 0,0 1 0,0-1 0,0 1 0,0-1 0,0 10 0,-1 6 0,-48 230-823,19-11-204,2-20 357,-40 183 670,59-345-28,-3 22-151,-10 126 1,22-184 557,-6 32 0,5-90 1768,3-1426-2339,14 1746 271,3-109-648,-8-80 698,0 96-1,-8 92 247,-3-175-325,2-119-50,0 1 0,2-17 0,3-17 0,-5-199 0,-2 124 0,1-277 0,-1 389 0,-1 15 0,-2 17 0,-1 106-505,2-35 195,-13 121-589,-8 242-1891,18-50 350,3 183 1366,10-460 1402,4-1-1,27 145 0,-33-246 828,0 0 0,14 36 1889,-19-65-3016,1-7 888,0-9-281,-1-148-729,-2-112-403,-3 145-96,0-49-354,4-338 1317,2 265 75,0 412-81,-3 178-167,-3-210-197,0 50 0,13 68-94,-6-223 317,-1-1 226,-1-37-185,-1-736-3363,2 415 2175,5 191 704,-1 42 250,-6 459 3292,2-178-4228,-1-109 861,1 259-941,13-1 210,33 153-2314,-39-415 3082,16 97 265,-16-113 784,-7-37-520,0 0 0,1 0 1,0-1-1,1 1 0,4 13 0,-7-23-505,0-1 0,0 0 0,0 0 0,0 1-1,1-1 1,-1 0 0,0 1 0,0-1 0,0 0 0,0 0 0,0 1 0,0-1-1,1 0 1,-1 0 0,0 0 0,0 1 0,0-1 0,0 0 0,1 0 0,-1 0-1,0 0 1,0 1 0,0-1 0,1 0 0,-1 0 0,0 0 0,0 0-1,0 0 1,1 0 0,-1 0 0,0 0 0,0 0 0,1 0 0,-1 0 0,0 0-1,0 0 1,1 0 0,-1 0 0,0 0 0,1-1 53,0 0 0,-1 0 0,1 0-1,-1 0 1,1 0 0,-1 0 0,1 0 0,-1 0 0,1 0 0,-1-2-1,7-29 833,-2-32-901,-4 44 0,0 0 0,2 0 0,5-31 0,57-262-991,-34 153 389,73-483-1675,-96 552 1968,-3 1 1,-4-98 0,-1 175 607,1 0 1,-1 1-1,3-14 1,0 18 788,-1 14 35,-1 15-220,-11 156-1007,-10 110-905,-13 125 483,31-126 284,2-178 188,2-64 322,6 54 0,-7-177 1614,-1-32-2142,0-217-1103,6 182 718,0-52-390,-7-354 1035,-1 500-335,-1-1 1,-13-68 0,10 77 309,3 17 297,3 20-100,0 1 0,-1-1 0,0 1 0,0-1 0,0 1-1,-5-9 1070,4 20-607,1 7 82,0 190-278,2-104-603,-8 199-2141,6-283 2290,-13 404-57,24-188 73,15-2 0,-16-156 18,17 126 269,-22-180 147,-4-18-414,0 0 0,1 0 0,-1 0 0,0 0-1,0 0 1,0-1 0,0 1 0,0 0-1,0 0 1,1 0 0,-1 0 0,0-1 0,0 1-1,0 0 1,0 0 0,0 0 0,0-1-1,0 1 1,0 0 0,0 0 0,0 0-1,0-1 1,0 1 0,0 0 0,0 0 0,0 0-1,0-1 1,0 1 0,0 0 0,0 0-1,0 0 1,0-1 0,0 1 0,0 0 0,1-38 1076,-1 34-1065,0-29-31,1 14 0,-1 0 0,-1 0 0,0 0 0,-5-29 0,-12-36-278,-18-164 1,36 243 277,-17-185 0,-4-61-766,8 72 310,4 72 456,-10-91 0,-4-11-335,21 260 2039,2-18-1681,7 324-418,-1 162-942,-8-320 1025,2-115 271,1 105-260,12-1-94,3-32 198,10 73 983,-25-224-578,-1-2-60,1-1 0,-1 1-1,0-1 1,1 0 0,-1 1 0,1-1 0,0 0 0,-1 1 0,1-1 0,0 0 0,0 0 0,0 0 0,2 3 0,-2-5-144,-1 1 1,0-1 0,0 0 0,0 0-1,0 0 1,0 0 0,0 0 0,0 0 0,1 0-1,-1 0 1,0 0 0,0 0 0,0 0 0,0 0-1,0 0 1,0 0 0,1 0 0,-1 0 0,0 0-1,0 0 1,0 0 0,0 0 0,0 0-1,0 0 1,1 0 0,-1 0 0,0 0 0,0 0-1,0 0 1,0 0 0,0-1 0,0 1 0,0 0-1,1 0 1,-1 0 0,0 0 0,0 0 0,0-1-1,3-8 83,-2-10-62,0-111-25,-2 75 0,5-68 0,14-218-561,-18 159 1122,-1 247-561,2 72 0,4-72 0,1 23 0,-7-66 0,1-15 0,0-1 0,-1 1 0,2-1 0,-1 1 0,0-1 0,1 1 0,0-1 0,0 1 0,3 9 0,-4-16 0,0 0 0,0 1 0,1-1 0,-1 0 0,0 1 0,0-1 0,0 0 0,0 0 0,0 1 0,0-1 0,1 0 0,-1 0 0,0 1 0,0-1 0,0 0 0,1 0 0,-1 0 0,0 1 0,0-1 0,0 0 0,1 0 0,-1 0 0,0 0 0,0 0 0,1 0 0,-1 1 0,0-1 0,0 0 0,1 0 0,3-8 0,0-14 0,-2-61 0,-2 54 0,3-47 0,4-43 0,-6 80 0,9-66 0,1-17 0,-10 108 0,3-5 0,-2 15 0,1 15 0,-1 87 0,1 5 0,6 88-609,-5-69 300,12 454 282,-17-528-106,2 56 280,2-90 432,-1-11-330,1-10-146,-1-9-103,0 0 0,-2 0 0,1 0 0,-2-24 0,-1-1 0,2-25-404,12-127 0,13-47-1076,-3 24 1108,4-39-1678,3-18 2178,-11-18-1063,-17 279 1020,-1 7 181,0 1 0,0-1 0,1 0-1,3-8 1320,-4 13-1565,1 6 696,-1 10 50,-21 159-720,7-78-997,-18 144-1631,-21 195-1746,-35 736-1488,82-1067 5786,-12 272-215,14 0 77,43 154 2877,-33-466-2452,-2-2 1005,-2-38-258,-1 0 1,7 30-1,-8-53-815,0-1 1,1 1-1,-1 0 1,1-1-1,0 1 1,-1 0-1,7 4 1237,-4-15-246,-1-8-336,0 0 0,-1 0 0,-1-1 1,-1-20-1,0-1-882,0-756-3726,1 426 1591,27-212-61,-14 385 2247,35-295-64,-19 277 3296,-27 203-1377,0 18-558,-2 22 74,0-25-1230,0-1-138,6 216 216,-1 77-232,-6-183 0,0-33 0,2 87 0,-1-165 0,1 0 0,-1 0 0,0 0 0,0 1 0,1-1 0,-1 0 0,2 3 0,-2-5 0,0 1 0,0-1 0,1 0 0,-1 0 0,0 0 0,0 1 0,0-1 0,0 0 0,0 0 0,0 0 0,0 0 0,1 0 0,-1 0 0,0 1 0,0-1 0,0 0 0,0 0 0,1 0 0,-1 0 0,0 0 0,0 0 0,0 0 0,0 0 0,0 0 0,1 0 0,-1 0 0,0 0 0,0 0 0,1 0 0,4-9 0,-3 4 0,0 0 0,-1 0 0,0 0 0,0 0 0,0-1 0,0 1 0,0-10 0,-2-43 0,1 28 0,-1-36 0,8-67 0,-3-16 0,-4 143 0,1 121 0,-2 90 0,-5-122 0,1 28 0,5 3 0,1-193 0,-2-96 0,-4 100 26,-1-18-159,6-265-400,0 183 527,6 52 6,-1 15 0,-5 102 0,0 0 0,0 1 0,1 0 0,-1 0 0,1-1 0,-1 1 0,3-7 0,-3 12 1,0 1 1,0-1 0,0 0-1,0 0 1,0 0-1,0 0 1,0 0-1,0 0 1,0 0 0,0 0-1,0 0 1,0 0-1,0 0 1,0 0-1,0 0 1,0 0 0,0 0-1,0 0 1,0 0-1,0 0 1,0 0 0,0 0-1,0 0 1,0 0-1,1 0 1,-1 0-1,0 0 1,0 0 0,0 0-1,0 0 1,0 0-1,0 0 1,0 0-1,0 0 1,0 0 0,0 0-1,0 0 1,0 0-1,0 0 1,0 0 0,0 0-1,0 0 1,0 0-1,0 0 1,0 0-1,0 0 1,0 0 0,0 0-1,1 0 1,-1 0-1,0 0 1,0 0-1,0 0 1,0 0 0,0 0-1,0 0 1,0 0-1,0 0 1,0-1 0,0 1-1,0 0 1,0 0-1,0 0 1,2 9 220,0 13 101,-1 328-918,-2-178 393,0-87 203,2 100 1,1-127-9,10 68 1,6 25 758,-19-184-721,2 19-23,-1 0 0,-2-15 0,-4-47-8,2-1 0,4-89 0,1 61 0,0 75 0,0-1 0,1 1 0,7-39 0,0 8 0,-6 36 0,1 0 0,1 0 0,0 0 0,15-40 0,-20 65 0,0-1 0,0 1 0,0 0 0,0 0 0,0 0 0,0-1 0,0 1 0,0 0 0,0 0 0,0-1 0,0 1 0,1 0 0,-1 0 0,0 0 0,0-1 0,0 1 0,0 0 0,0 0 0,1 0 0,-1 0 0,0 0 0,0-1 0,0 1 0,0 0 0,1 0 0,-1 0 0,0 0 0,0 0 0,0 0 0,0 0 0,1 0 0,-1 0 0,2 8 0,-1 17 0,-1-23 0,2 32 0,0 0 0,7 40 0,-3-16-412,-2 0 0,-3 92 0,1 20-275,0-135 664,16 234 6,-15-227 55,17 198-131,-13 0 640,-6-865-250,-2 288-3267,1 205 1906,7-414 678,-2 309 433,-13 521 4605,4 37-5828,3-128 630,-9-18 587,0-21-246,7-39-289,-6 307-2108,16-202 2946,-6-191-25,-1-20 102,1 0 0,-1 0 0,1-1 0,3 12 0,-4-20-393,0 1 0,0-1 0,0 1 0,0-1 1,0 1-1,0-1 0,0 0 0,0 1 0,0-1 0,0 1 0,0-1 0,1 0 1,-1 1-1,0-1 0,0 1 0,0-1 0,1 0 0,-1 1 0,0-1 1,0 0-1,1 0 0,-1 1 0,0-1 0,0 0 0,1 0 0,-1 1 0,0-1 1,1 0-1,-1 0 0,0 0 0,1 0 0,-1 0 0,0 0 0,1 1 1,-1-1-1,0 0 0,1 0 0,-1 0 0,0 0 0,1-1 0,-1 1 0,0 0 1,1 0-1,-1 0 0,0 0 0,0 0 0,1 0 0,-1-1 0,0 1 0,1 0 1,-1 0-1,0-1 0,0 1 0,1 0 0,-1 0 0,0-1 0,0 1 1,1-1-1,-1 1 0,0 0 0,0-1 0,0 1 0,1-1 0,0-2 190,1 0 1,0-1-1,-1 1 0,1-1 0,1-6 0,15-78-218,4-41 0,4-13 0,28-143-695,-32 164 506,41-148 189,-57 240 0,6-14 0,-12 42 6,0 1 0,0-1 0,0 1-1,0-1 1,0 1 0,0 0 0,1-1 0,-1 1-1,0 0 1,0-1 0,0 1 0,1 0-1,-1-1 1,0 1 0,0 0 0,0-1-1,1 1 1,-1 0 0,0 0 0,1-1-1,-1 1 1,0 0 0,1 0 0,2 7 297,-1 17 139,-1 7-442,-2 0 0,0 0 0,-1-1 0,-2 1 0,-9 44 0,-4 15-354,-15 158 1,31-237 351,-5 84 0,4 146 0,3-119-81,0-15 879,3-141-796,-2 14 0,2-25 0,1-46 0,1-15 0,6-136-793,-11 241 793,7-94 0,4-98 0,6-201-1541,-17 363 1517,0 6 126,-1 16 25,0 1-1,1-1 1,2-15 0,-3 24-102,0-1 1,0 1 0,0 0-1,0 0 1,0-1 0,0 1-1,0 0 1,0 0 0,0 0-1,0-1 1,0 1-1,0 0 1,0 0 0,0-1-1,0 1 1,1 0 0,-1 0-1,0 0 1,0 0 0,0-1-1,0 1 1,0 0-1,0 0 1,1 0 0,-1 0-1,0 0 1,0-1 0,0 1-1,0 0 1,1 0 0,1 6 505,0 13-159,0 74-308,2 18-77,4 92-410,-3-43 124,4 32 299,4 67 0,-10-138 229,-2-11 144,3-88-223,-4-22-150,0 0-1,0 0 1,0 1-1,0-1 1,0 0-1,1 0 1,-1 0-1,0 1 1,0-1 0,0 0-1,0 0 1,0 0-1,0 0 1,0 1-1,1-1 1,-1 0-1,0 0 1,0 0-1,0 0 1,0 0-1,1 0 1,-1 0-1,0 0 1,0 0-1,0 1 1,0-1-1,1 0 1,-1 0-1,0 0 1,0 0-1,1-1 0,-1 1 0,1-1 0,-1 1 1,0-1-1,1 1 0,-1-1 0,0 1 0,1-1 0,-1 1 0,0-1 0,1 1 0,-1-1 0,0 0 0,0 1 0,1-2 0,1-5 1,0 0 0,-1 0 0,0 0 0,0 0 0,0 0 0,0-9 0,-1-46 0,-1 29 0,0-49 0,2-169 0,4 174 0,1-32 0,-7 101 0,1 21 0,-2 15 0,-25 118 0,24-123 0,-30 151 0,7-51 0,26-122 0,0-1 0,0 1 0,-1 0 0,1 0 0,0 0 0,0-1 0,-1 1 0,1 0 0,0 0 0,-1-1 0,1 1 0,0 0 0,-1-1 0,1 1 0,-1 0 0,0-1 0,1 0 0,0 0 0,0 0 0,0 0 0,-1 0 0,1 0 0,0 0 0,0 0 0,0 0 0,-1 0 0,1 0 0,0 0 0,0 0 0,0 0 0,0-1 0,-1 1 0,1 0 0,0 0 0,0 0 0,0 0 0,0 0 0,-1-1 0,1 1 0,0 0 0,0 0 0,0 0 0,0-1 0,0 1 0,0 0 0,0-1 0,-8-25 0,-21-109 0,21 99 0,1-3 0,1-1 0,-3-50 0,1-1 0,-1 23-95,-13-155-520,12 94 615,-1-24 0,4 49-92,3 66 213,5 139 433,-2-47-427,1 360-127,0-964 0,-5 466 0,0 18 0,4 60 0,2 5 0,-1-1 0,0 0 0,0 0 0,0 0 0,-1 0 0,1 1 0,0-1 0,0 0 0,-1 0 0,1 1 0,-1-1 0,1 0 0,-1 1 0,-1-3 0,2 4 0,0 1 0,0-1 0,-1 0 0,1 0 0,0 0 0,-1 0 0,1 1 0,0-1 0,-1 0 0,1 0 0,0 1 0,0-1 0,-1 0 0,1 1 0,0-1 0,0 0 0,0 1 0,-1-1 0,1 0 0,0 1 0,0-1 0,0 1 0,0-1 0,0 1 0,-6 12 0,6-12 0,-5 15 0,1 1 0,0 0 0,1 0 0,1 0 0,-2 31 0,2-23 0,-12 205-349,-1 0 1,4-100 175,-24 289-984,30-265 1270,5-403 1318,1 114-948,4 15-896,0 19 90,12-110 323,-2 23 0,7-55 0,-12 302 736,-7-39-677,4 21-771,13 49 0</inkml:trace>
+  <inkml:trace contextRef="#ctx0" brushRef="#br0" timeOffset="148448.84">67 300 24575,'0'11'0,"1"60"0,0-51 0,3 29 0,2 7 0,-6-41 0,1-1 0,1 0 0,0 0 0,0 0 0,5 16 0,-6-29 0,-1 1 0,1-1 0,-1 0 0,1 1 0,-1-1 0,1 0 0,0 0 0,-1 0 0,1 0 0,1 2 0,-1-2 0,-1-1 0,0 0 0,1 0 0,-1 1 0,0-1 0,1 0 0,-1 0 0,0 0 0,1 0 0,-1 0 0,0 1 0,1-1 0,-1 0 0,1 0 0,-1 0 0,0 0 0,1 0 0,-1 0 0,0-1 0,1 1 0,0 0 0,0-1 0,0 0 0,0 0 0,-1 1 0,1-1 0,0 0 0,0-1 0,-1 1 0,1 0 0,0 0 0,-1 0 0,1 0 0,-1-1 0,1 1 0,-1 0 0,1-1 0,-1 1 0,0 0 0,0-1 0,1 1 0,-1-2 0,2-31 0,-3-59 0,0 86 0,8 216-123,-3-130-455,-2 1 0,-4-1 1,-2 0-1,-13 93 0,-25 75-1486</inkml:trace>
+  <inkml:trace contextRef="#ctx0" brushRef="#br0" timeOffset="148447.84">217 1154 20447,'31'-78'-291,"118"-335"-2583,-41 24 2874,-88 316 107,-13 50 141,0-1-1,-1 0 1,-1 0-1,3-33 0,-7 43 303,-1 10-175,0-1-1,1 0 1,-1 1 0,1-1-1,3-7 1434,-3 18-1091,1 7-51,-2 31-720,-1-1 1,-1 1 0,-2-1 0,-1 1 0,-2-2 0,-11 43 0,7-44-321,-26 71 1,-25 35-735,36-86 946,-33 83 162,-91 192 0,130-298-91,-76 129-877</inkml:trace>
+</inkml:ink>
+</file>
+
+<file path=ppt/ink/ink15.xml><?xml version="1.0" encoding="utf-8"?>
+<inkml:ink xmlns:inkml="http://www.w3.org/2003/InkML">
+  <inkml:definitions>
+    <inkml:context xml:id="ctx0">
+      <inkml:inkSource xml:id="inkSrc0">
+        <inkml:traceFormat>
+          <inkml:channel name="X" type="integer" min="-2.14748E9" max="2.14748E9" units="cm"/>
+          <inkml:channel name="Y" type="integer" min="-2.14748E9" max="2.14748E9" units="cm"/>
+          <inkml:channel name="F" type="integer" max="32767" units="dev"/>
+        </inkml:traceFormat>
+        <inkml:channelProperties>
+          <inkml:channelProperty channel="X" name="resolution" value="1000" units="1/cm"/>
+          <inkml:channelProperty channel="Y" name="resolution" value="1000" units="1/cm"/>
+          <inkml:channelProperty channel="F" name="resolution" value="0" units="1/dev"/>
+        </inkml:channelProperties>
+      </inkml:inkSource>
+      <inkml:timestamp xml:id="ts0" timeString="2023-02-12T15:49:24.969"/>
+    </inkml:context>
+    <inkml:brush xml:id="br0">
+      <inkml:brushProperty name="width" value="0.35" units="cm"/>
+      <inkml:brushProperty name="height" value="0.35" units="cm"/>
+      <inkml:brushProperty name="color" value="#FFFFFF"/>
+    </inkml:brush>
+  </inkml:definitions>
+  <inkml:trace contextRef="#ctx0" brushRef="#br0">1097 1606 24575,'-1'2'0,"-1"1"0,-1 0 0,1-1 0,-1 1 0,0 0 0,0-1 0,0 1 0,-1-1 0,1 0 0,-1 0 0,1-1 0,-7 3 0,-128 67 0,137-70 0,0-1 0,1 1 0,-1-1 0,0 1 0,0-1 0,0 0 0,1 0 0,-1 1 0,0-1 0,0 0 0,0 0 0,0 0 0,0 0 0,1 0 0,-1 0 0,0 0 0,0 0 0,0 0 0,0 0 0,0-1 0,0 1 0,0-1 0,1 1 0,0-1 0,-1 1 0,1-1 0,0 1 0,0-1 0,-1 1 0,1-1 0,0 1 0,0-1 0,0 0 0,0 1 0,0-1 0,0 1 0,0-1 0,0 1 0,0-1 0,0 0 0,0 1 0,0-1 0,0 1 0,1-2 0,15-32 0,-14 30 0,0 0 0,1 0 0,0 0 0,0 0 0,0 1 0,0-1 0,1 1 0,0 0 0,-1 0 0,1 0 0,0 0 0,5-2 0,-3 3 0,1 0 0,0 0 0,0 0 0,-1 1 0,1 0 0,0 0 0,13 0 0,7 1 0,-16 1 0,1 0 0,-1-1 0,1-1 0,-1 0 0,0 0 0,1-2 0,-1 1 0,0-1 0,0-1 0,12-5 0,-18 5 0,-1 0 0,1 0 0,-1-1 0,0 0 0,-1 1 0,1-1 0,-1-1 0,0 1 0,0 0 0,0-1 0,2-7 0,-2 6 0,0-1 0,0 1 0,1 1 0,0-1 0,1 0 0,8-9 0,-11 14 0,0 0 0,0 0 0,0 0 0,0 0 0,-1 0 0,1 0 0,0 0 0,-1-1 0,0 1 0,1-1 0,-1 1 0,0-1 0,-1 1 0,1-1 0,0 0 0,-1 1 0,1-6 0,-1 5 0,-1 0 0,1 0 0,-1 0 0,0 0 0,0-1 0,-1 1 0,1 1 0,-1-1 0,1 0 0,-1 0 0,0 0 0,0 1 0,0-1 0,-4-3 0,-22-20 0,-47-36 0,8 7 0,58 48 0,1 0 0,-1 1 0,-1-1 0,1 2 0,-13-7 0,20 12 0,0-1 0,0 0 0,0 0 0,0 1 0,0 0 0,0-1 0,0 1 0,0 0 0,0 0 0,0 0 0,0 0 0,0 0 0,0 0 0,0 1 0,-2 0 0,2 0 0,1-1 0,0 1 0,0 0 0,-1 0 0,1 0 0,0 1 0,0-1 0,0 0 0,0 0 0,0 1 0,1-1 0,-1 0 0,0 1 0,0-1 0,1 1 0,-1-1 0,1 0 0,0 1 0,-1 0 0,1-1 0,0 1 0,0-1 0,0 2 0,0 0 0,0 0 0,0-1 0,1 1 0,0-1 0,-1 1 0,1-1 0,0 1 0,0-1 0,0 0 0,0 1 0,1-1 0,-1 0 0,0 0 0,1 0 0,0 0 0,-1 0 0,1 0 0,0 0 0,0-1 0,0 1 0,0-1 0,1 1 0,-1-1 0,0 0 0,3 1 0,10 5 0,-1 0 0,29 7 0,-36-12 0,50 13 0,63 8 0,-40-9 0,-21-2 0,1-3 0,106 2 0,-144-11 0,0 2 0,0 0 0,-1 1 0,1 1 0,-1 1 0,30 11 0,-48-15 0,0 0 0,0 1 0,0-1 0,0 1 0,0 0 0,0 0 0,-1 0 0,1 0 0,-1 0 0,1 0 0,-1 1 0,0-1 0,0 1 0,0 0 0,0 0 0,-1 0 0,1-1 0,-1 1 0,2 4 0,-2-1 0,0-1 0,0 0 0,-1 1 0,1 0 0,-1-1 0,-1 1 0,1-1 0,-1 1 0,0-1 0,-2 9 0,-3 4 0,0-1 0,-1 0 0,-1 0 0,-1-1 0,-19 27 0,8-16 0,0-2 0,-1 0 0,-2-1 0,0-2 0,-33 25 0,-21-2 0,75-43 0,-1-1 0,1 1 0,-1-1 0,0 0 0,1 0 0,-1 1 0,0-2 0,0 1 0,0 0 0,0-1 0,0 1 0,-5-1 0,8 0 0,-1 0 0,1 0 0,-1 0 0,1 0 0,-1 0 0,1 0 0,-1 0 0,1 0 0,0-1 0,-1 1 0,1 0 0,-1 0 0,1-1 0,0 1 0,-1 0 0,1 0 0,-1-1 0,1 1 0,0 0 0,0-1 0,-1 1 0,1-1 0,0 1 0,-1 0 0,1-1 0,0 1 0,0-1 0,-1 0 0,1 0 0,0-1 0,1 1 0,-1-1 0,0 1 0,0-1 0,1 1 0,-1-1 0,1 1 0,-1-1 0,1 1 0,0 0 0,-1-1 0,1 1 0,1-2 0,11-15 0,1 0 0,24-24 0,-12 25 0,-25 16 0,0 1 0,0-1 0,0 1 0,0-1 0,0 1 0,0 0 0,0-1 0,0 1 0,0 0 0,0 0 0,0 0 0,0 0 0,0 0 0,0 0 0,1 0 0,-1 0 0,0 0 0,0 0 0,0 1 0,0-1 0,0 0 0,0 1 0,0-1 0,0 1 0,1 0 0,-2 1 0,-1-1 0,1 1 0,-1 0 0,1 0 0,-1-1 0,0 1 0,1-1 0,-1 1 0,0 0 0,0-1 0,-2 3 0,1 0 0,-7 9 0,-1 0 0,0 0 0,-1-1 0,-18 17 0,18-20 0,1 1 0,0 0 0,1 1 0,0 0 0,0 1 0,-12 23 0,-26 65 0,18-42 0,3 1 0,2 1 0,-19 76 0,36-108 0,4-17 0,0 1 0,1 0 0,0 0 0,0 15 0,2-23 0,1 1 0,-1-1 0,1 1 0,0 0 0,0-1 0,1 0 0,-1 1 0,1-1 0,0 0 0,0 0 0,0 0 0,1 0 0,0 0 0,4 6 0,95 108 0,-86-98 0,-9-10 0,0 0 0,1-1 0,0 0 0,0-1 0,1 0 0,0 0 0,1-1 0,13 9 0,-16-12 0,0 1 0,-1 0 0,1 0 0,9 11 0,9 7 0,10 14 0,-35-37 0,0 0 0,0 0 0,0 0 0,0 0 0,0 1 0,0-1 0,0 0 0,1 0 0,-1 0 0,0 0 0,0 0 0,0 0 0,0 0 0,0 0 0,0 0 0,0 0 0,1 0 0,-1 1 0,0-1 0,0 0 0,0 0 0,0 0 0,0 0 0,1 0 0,-1 0 0,0 0 0,0 0 0,0 0 0,0 0 0,0 0 0,1 0 0,-1-1 0,0 1 0,0 0 0,0 0 0,0 0 0,0 0 0,0 0 0,1 0 0,-1 0 0,0 0 0,0 0 0,0 0 0,0 0 0,0-1 0,0 1 0,0 0 0,0 0 0,1 0 0,0-11 0,-4-11 0,-36-84 0,-11-36 0,47 135 0,0 0 0,0 0 0,0 1 0,-1-1 0,0 1 0,-10-12 0,9 11 0,0 0 0,0 0 0,1 0 0,0 0 0,-5-13 0,5 10 0,0 0 0,0 0 0,-1 0 0,0 1 0,-6-9 0,-7-23 0,17 37 0,0 0 0,0-1 0,-1 1 0,1 0 0,-1 0 0,0 0 0,0 0 0,-1 0 0,1 1 0,-1-1 0,0 1 0,-6-6 0,9 9 0,-1-1 0,1 1 0,-1 0 0,0 0 0,1 0 0,-1 0 0,1 0 0,-1 1 0,1-1 0,-1 0 0,1 0 0,-1 0 0,1 0 0,-1 1 0,1-1 0,-1 0 0,1 0 0,-1 1 0,1-1 0,-1 0 0,1 1 0,0-1 0,-1 0 0,1 1 0,0-1 0,-1 1 0,1-1 0,0 1 0,-1-1 0,1 1 0,0-1 0,0 1 0,0-1 0,-1 1 0,1-1 0,0 1 0,0-1 0,0 1 0,0-1 0,0 1 0,0-1 0,0 1 0,0 0 0,0 0 0,-2 27 0,3-19 0,0 0 0,0 0 0,2 0 0,-1-1 0,1 1 0,0-1 0,0 1 0,9 12 0,44 64 0,-25-43 0,1 8 0,-4-7 0,45 55 0,14-17 0,-80-71 0,1 1 0,-2-1 0,1 2 0,-2-1 0,1 0 0,-2 1 0,1 0 0,-2 1 0,1-1 0,-2 0 0,0 1 0,1 17 0,0-17 0,0 1 0,0-1 0,9 19 0,-6-18 0,-2-1 0,1 1 0,1 15 0,0 2 0,17 52 0,-12-48 0,-2 3 0,6 46 0,3 17 0,45 155 0,-61-252 0,5 24 0,1-1 0,1 0 0,2 0 0,1-1 0,16 27 0,-19-37 0,0 0 0,-1 0 0,-1 1 0,7 25 0,-7-19 0,19 38 0,31 74 0,-38-98 0,-1 0 0,-2 1 0,14 51 0,-18-53 0,1 0 0,28 53 0,-13-31 0,106 198 0,-97-190 0,121 241 0,-151-289 0,-1 0 0,4 21 0,-7-26 0,0 0 0,1-1 0,0 1 0,1-1 0,0 0 0,11 18 0,-10-21 0,-1 1 0,-1 0 0,0 0 0,0 0 0,-1 1 0,0 0 0,-1-1 0,-1 1 0,2 20 0,-2-16 0,1 1 0,1-1 0,0 0 0,6 17 0,-3-14 0,-1 1 0,-1 0 0,3 28 0,-5-27 0,1-1 0,0 0 0,10 25 0,0-10 0,-3-9 0,-1 0 0,-1 0 0,5 29 0,-5-19 0,1 0 0,2 0 0,1-1 0,26 49 0,-20-43 0,-13-27 0,-1 1 0,0 0 0,-1 0 0,0 0 0,0 27 0,-2-23 0,1 0 0,1-1 0,7 26 0,46 95 0,1 3 0,-33-88 0,-19-45 0,-1 0 0,0 0 0,0 0 0,-1 1 0,0 0 0,-1-1 0,1 1 0,0 10 0,0 6 0,1 0 0,1-1 0,12 31 0,-17-54 0,0 0 0,1-1 0,-1 1 0,0 0 0,0 0 0,0-1 0,1 1 0,-1 0 0,0 0 0,0 0 0,0 0 0,0-1 0,0 1 0,0 0 0,-1 0 0,1 0 0,0-1 0,0 1 0,-1 1 0,0-1 0,1-1 0,0 0 0,-1 0 0,1 0 0,-1 1 0,1-1 0,-1 0 0,1 0 0,-1 0 0,1 0 0,-1 0 0,1 0 0,-1 0 0,1 0 0,-1 0 0,1 0 0,-1 0 0,1 0 0,-1-1 0,1 1 0,-1 0 0,1 0 0,-1-1 0,-34-21 0,27 17 0,-32-25 0,0-2 0,-57-60 0,-60-85 0,123 136 0,3-1 0,2-2 0,-46-91 0,51 90 0,-39-55 0,43 69 0,-27-62 0,26 44 0,18 39 0,-1 0 0,0 1 0,-1-1 0,-9-13 0,-71-81 0,84 102 0,0 0 0,0 1 0,-1-1 0,1 1 0,-1 0 0,1-1 0,-1 1 0,1 0 0,-1 0 0,0 0 0,1 0 0,-1 0 0,0 0 0,0 1 0,0-1 0,1 0 0,-1 1 0,0 0 0,0-1 0,0 1 0,0 0 0,0 0 0,0 0 0,0 0 0,0 0 0,0 1 0,0-1 0,0 1 0,0-1 0,0 1 0,0-1 0,1 1 0,-1 0 0,-3 2 0,-2 3 0,0 1 0,0-1 0,0 2 0,0-1 0,-10 17 0,-16 15 0,32-38 0,0 0 0,-1 0 0,1 0 0,0 0 0,0 0 0,0 0 0,0 1 0,0-1 0,0 0 0,0 0 0,0 1 0,0-1 0,1 1 0,-1-1 0,0 1 0,1-1 0,-1 1 0,1-1 0,0 1 0,0-1 0,-1 1 0,1-1 0,0 3 0,1-2 0,0 1 0,-1-1 0,1 0 0,0 0 0,0 0 0,0 0 0,1 0 0,-1 0 0,0-1 0,1 1 0,-1 0 0,1-1 0,0 1 0,2 1 0,5 3 0,-1 0 0,1-1 0,0-1 0,0 1 0,1-1 0,11 3 0,50 8 0,141 13 0,-196-27 0,354 6 0,-214-9 0,306 2 0,-495 0 0,-18-1 0,1 2 0,-77 13 0,113-12 0,0 0 0,0 2 0,-1 0 0,2 0 0,-1 1 0,1 1 0,-25 14 0,30-15 0,-1 0 0,0 0 0,-1-1 0,1 0 0,-1-1 0,0 0 0,0-1 0,0 0 0,0 0 0,0-1 0,0 0 0,0-1 0,-1 0 0,1-1 0,0 0 0,0 0 0,-13-4 0,13-1 0,1 0 0,-1 0 0,1-1 0,1 0 0,-1-1 0,1 0 0,1 0 0,-12-15 0,16 18 0,-5-7 0,0 0 0,1 0 0,1-1 0,0 0 0,1-1 0,-6-22 0,-4-12 0,7 27 0,2-1 0,1 1 0,0-1 0,2 0 0,-1-24 0,4-113 0,3 64 0,-4 91 0,1 0 0,1 0 0,-1 0 0,1 1 0,-1-1 0,1 0 0,1 0 0,-1 0 0,0 0 0,4-5 0,-5 8 0,1 0 0,-1 1 0,1-1 0,-1 0 0,1 1 0,0-1 0,-1 1 0,1-1 0,-1 1 0,1-1 0,0 1 0,0 0 0,-1-1 0,1 1 0,0 0 0,0 0 0,-1-1 0,1 1 0,0 0 0,0 0 0,-1 0 0,2 0 0,0 0 0,0 1 0,0-1 0,-1 1 0,1-1 0,0 1 0,-1 0 0,1 0 0,0 0 0,-1 0 0,1 0 0,-1 0 0,0 0 0,3 3 0,14 15 0,24 32 0,-25-29 0,25 26 0,-26-30 0,-1 0 0,0 1 0,22 42 0,-28-44 0,-1 0 0,-1 1 0,-1 0 0,0 0 0,-1 0 0,-1 1 0,1 20 0,-1-22 0,0 1 0,1-1 0,1 0 0,1 0 0,10 18 0,-9-18 0,0 0 0,-1 0 0,-1 1 0,5 24 0,-11-34 0,0 1 0,0-1 0,-1 1 0,0-1 0,0 1 0,-1-1 0,0 0 0,-1 1 0,0-1 0,-5 9 0,-6 24 0,10-31 0,0 0 0,0-1 0,-7 12 0,-10 22 0,9-13 0,-2-1 0,-28 44 0,26-47 0,1 1 0,1 1 0,-12 32 0,-38 105 0,0-1 0,25-40 0,-25 142 0,63-261 0,0 1 0,0-1 0,1 0 0,0 1 0,0-1 0,0 1 0,2 7 0,-2-12 0,0 0 0,0 0 0,1 0 0,-1 0 0,0-1 0,1 1 0,-1 0 0,1 0 0,-1-1 0,1 1 0,-1 0 0,1-1 0,0 1 0,-1 0 0,1-1 0,0 1 0,-1-1 0,1 1 0,0-1 0,0 0 0,0 1 0,1-1 0,0 1 0,-1-1 0,1 0 0,0 0 0,-1 0 0,1-1 0,0 1 0,0 0 0,-1 0 0,1-1 0,-1 1 0,1-1 0,0 0 0,-1 1 0,2-2 0,93-57 0,-28 15 0,13-13 0,-60 40 0,1 1 0,39-21 0,-40 25 0,0-1 0,37-31 0,9-6 0,13-11 0,-64 47 0,0 0 0,1 1 0,1 1 0,0 1 0,23-11 0,-40 22 0,0-1 0,0 0 0,1 1 0,-1-1 0,1 1 0,-1 0 0,0-1 0,1 1 0,-1 0 0,1 0 0,-1 0 0,1 0 0,-1 0 0,1 0 0,-1 0 0,1 1 0,-1-1 0,0 0 0,1 1 0,-1-1 0,1 1 0,-1 0 0,2 1 0,-1-1 0,-1 1 0,1 0 0,-1-1 0,0 1 0,0 0 0,0 0 0,0 0 0,0 0 0,0 0 0,0 0 0,-1 0 0,1 0 0,-1 0 0,1 3 0,0 6 0,-1 0 0,0 0 0,-1-1 0,0 1 0,-3 15 0,-41 118 0,36-112 0,-14 34 0,15-48 0,1 1 0,1 0 0,1 0 0,0 0 0,2 1 0,-2 24 0,6 87 0,20-225 0,-21 122 0,0-13 0,0-1 0,0 0 0,-1 1 0,-5 21 0,1-23 0,0 0 0,-1-1 0,-1 0 0,1 0 0,-2 0 0,-17 20 0,-63 59 0,7-9 0,29-26 0,27-29 0,-27 35 0,24-14 0,26-45 0,1 1 0,-1 0 0,0 0 0,1-1 0,0 1 0,0 0 0,0 0 0,0 0 0,1 0 0,-1 8 0,2-12 0,-1 0 0,0 1 0,0-1 0,0 0 0,0 1 0,1-1 0,-1 0 0,0 1 0,1-1 0,-1 0 0,0 0 0,0 1 0,1-1 0,-1 0 0,0 0 0,1 1 0,-1-1 0,1 0 0,-1 0 0,0 0 0,1 0 0,-1 0 0,0 0 0,1 1 0,-1-1 0,1 0 0,-1 0 0,0 0 0,1 0 0,-1 0 0,1-1 0,-1 1 0,0 0 0,1 0 0,-1 0 0,1 0 0,-1 0 0,0 0 0,1-1 0,-1 1 0,0 0 0,1 0 0,-1-1 0,0 1 0,1-1 0,21-13 0,-18 11 0,77-63 0,-54 42 0,40-26 0,-45 33 0,0 0 0,-2-2 0,21-22 0,14-13 0,-55 54 0,1-1 0,0 0 0,0 1 0,-1-1 0,1 1 0,0-1 0,0 1 0,0-1 0,0 1 0,0-1 0,0 1 0,-1 0 0,1-1 0,0 1 0,0 0 0,0 0 0,0 0 0,0 0 0,0 0 0,0 0 0,0 0 0,0 0 0,0 0 0,0 1 0,1-1 0,0 1 0,0 0 0,0 1 0,0-1 0,-1 0 0,1 1 0,-1-1 0,1 1 0,-1-1 0,1 1 0,-1-1 0,2 4 0,2 5 0,1 0 0,-2 0 0,6 18 0,-5-10 0,-1 0 0,3 29 0,2 12 0,-3-18 0,-2 0 0,-2 0 0,-4 67 0,0-21 0,1-41 0,-12 89 0,3-46 0,10-134 0,-1 21 0,5-46 0,-3 64 0,0-1 0,1 0 0,0 1 0,-1-1 0,2 1 0,-1 0 0,1 0 0,0 0 0,0 0 0,1 0 0,8-9 0,-12 14 0,1 0 0,-1 0 0,1 0 0,0 0 0,-1 1 0,1-1 0,0 0 0,-1 1 0,1-1 0,0 0 0,0 1 0,0-1 0,0 1 0,0-1 0,0 1 0,-1 0 0,1-1 0,0 1 0,0 0 0,0-1 0,0 1 0,0 0 0,0 0 0,0 0 0,0 0 0,0 0 0,0 0 0,0 1 0,0-1 0,0 0 0,0 0 0,0 1 0,0-1 0,0 0 0,0 1 0,0-1 0,0 1 0,0-1 0,0 1 0,-1 0 0,1-1 0,0 1 0,0 0 0,-1 0 0,1-1 0,-1 1 0,1 0 0,-1 0 0,1 0 0,-1 0 0,1 0 0,0 1 0,3 8 0,0-1 0,0 2 0,-1-1 0,2 11 0,-2-8 0,8 31 0,-6-21 0,14 40 0,-12-44 0,-1 0 0,-1 1 0,2 19 0,-4-21 0,0 0 0,1 0 0,2-1 0,6 19 0,-3-14 0,-2-1 0,-1 2 0,0-1 0,-2 1 0,-1 0 0,1 44 0,-1-28 0,-1-26 0,0 0 0,1-1 0,1 1 0,8 19 0,7 25 0,-15-44 0,0 0 0,1 0 0,1 0 0,0 0 0,1-1 0,9 13 0,-9-12 0,0 1 0,8 24 0,6 12 0,-16-39 0,3 3 0,-1 0 0,0 1 0,-2 0 0,7 26 0,-4-5 0,0 0 0,3-1 0,19 47 0,-1-20 0,1-1 0,49 69 0,-63-103 0,26 56 0,-15-26 0,43 64 0,-65-111 0,-1-1 0,0 1 0,-1 0 0,0 0 0,-1 0 0,0 0 0,0 0 0,-1 1 0,0-1 0,-1 0 0,-2 20 0,2-14 0,0-1 0,0 1 0,2-1 0,4 21 0,22 122 0,-25-143 0,0 0 0,-1 0 0,0 0 0,-1 0 0,-1 0 0,-2 18 0,0-24 0,1 0 0,-1-1 0,-1 1 0,1-1 0,-2 0 0,1 0 0,-1 0 0,0 0 0,0 0 0,-1-1 0,0 0 0,-7 7 0,-5 4 0,0-1 0,-2-1 0,0-1 0,-1 0 0,0-1 0,-1-2 0,0 0 0,-1-1 0,-1-1 0,0-1 0,0-1 0,-37 8 0,56-16 0,0 1 0,0 0 0,0-1 0,0 0 0,0 0 0,0 0 0,-1 0 0,1 0 0,0-1 0,0 0 0,0 0 0,0 0 0,-7-4 0,9 3 0,-1 1 0,1-1 0,0-1 0,0 1 0,0 0 0,1 0 0,-1-1 0,1 1 0,-1-1 0,1 1 0,0-1 0,-1 0 0,2 0 0,-1 1 0,0-1 0,0 0 0,1 0 0,0 0 0,-1 0 0,1-4 0,1-183 0,2 72 0,-3 103 0,0 0 0,1 0 0,1 0 0,6-27 0,-6 35 0,1 1 0,0-1 0,0 1 0,0 0 0,0 0 0,1 0 0,0 1 0,1-1 0,-1 1 0,1 0 0,0 0 0,11-8 0,-9 7 0,0 1 0,0 0 0,0 0 0,1 1 0,0 0 0,0 0 0,0 1 0,1 0 0,-1 0 0,1 1 0,-1 0 0,1 0 0,0 1 0,0 1 0,-1-1 0,1 1 0,0 1 0,0-1 0,16 5 0,59 22 0,-59-18 0,0-1 0,0-1 0,1-1 0,-1-1 0,50 2 0,19-6 0,113-4 0,-183 0 0,0-2 0,41-12 0,5-2 0,-44 13 0,31-13 0,-3 0 0,-39 14 0,0-1 0,0-1 0,21-13 0,-17 9 0,-18 10 0,-1 1 0,1 0 0,-1-1 0,1 1 0,-1 0 0,1-1 0,-1 1 0,1 0 0,0 0 0,-1 0 0,1-1 0,0 1 0,-1 0 0,1 0 0,0 0 0,-1 0 0,1 0 0,-1 0 0,1 0 0,0 0 0,-1 1 0,1-1 0,0 0 0,-1 0 0,1 0 0,-1 1 0,1-1 0,0 0 0,-1 1 0,1-1 0,-1 0 0,1 1 0,0 0 0,0 1 0,0 0 0,0 0 0,0-1 0,-1 1 0,1 0 0,0 0 0,-1 0 0,1 1 0,-1-1 0,0 3 0,-3 54 0,3-58 0,-3 15 0,-1 0 0,0 0 0,-2-1 0,-8 20 0,-6 15 0,5-13 0,-1-1 0,-3 0 0,-35 53 0,32-54 0,-42 79 0,42-77 0,1 0 0,-30 76 0,32-67 0,-14 53 0,3-6 0,16-56 0,-11 52 0,-4 15 0,-17 67 0,24-78 0,22-91 0,-1 0 0,0-1 0,1 1 0,0 0 0,-1 0 0,1 0 0,0 0 0,0-1 0,0 1 0,0 0 0,0 0 0,0 0 0,1 0 0,-1 0 0,1-1 0,-1 1 0,1 0 0,0 0 0,0-1 0,-1 1 0,1 0 0,0-1 0,1 1 0,-1-1 0,0 1 0,0-1 0,1 0 0,-1 1 0,0-1 0,1 0 0,0 0 0,-1 0 0,1 0 0,-1 0 0,1-1 0,0 1 0,0 0 0,-1-1 0,1 1 0,0-1 0,0 0 0,0 1 0,0-1 0,0 0 0,-1 0 0,1 0 0,0-1 0,0 1 0,0 0 0,0-1 0,0 1 0,-1-1 0,1 1 0,0-1 0,-1 0 0,1 0 0,0 0 0,-1 0 0,3-2 0,2-2 0,0 0 0,0 0 0,-1-1 0,0 0 0,0 0 0,0-1 0,-1 1 0,0-1 0,0 0 0,0 0 0,-1 0 0,-1 0 0,1-1 0,-1 1 0,0-1 0,0 0 0,-1 1 0,0-1 0,-1 0 0,0-8 0,-1-7 0,0 0 0,-1 0 0,-2 1 0,0-1 0,-13-37 0,-33-61 0,5 15 0,-21-38 0,33 80 0,26 49 0,-1 1 0,-1 0 0,0 1 0,-13-14 0,17 22 0,1 0 0,0 0 0,-1 1 0,0 0 0,0 0 0,0 0 0,-1 0 0,1 1 0,-1 0 0,0 0 0,0 1 0,0-1 0,-8-1 0,13 4 0,0 0 0,0-1 0,0 1 0,0 0 0,0 0 0,0 0 0,-1 0 0,1 0 0,0 0 0,0 0 0,0 0 0,0 0 0,0 1 0,-1-1 0,1 0 0,0 1 0,0-1 0,0 1 0,0-1 0,0 1 0,0 0 0,0-1 0,0 1 0,1 0 0,-1 0 0,-1 1 0,1 0 0,1-1 0,-1 1 0,1 0 0,-1 0 0,1-1 0,0 1 0,0 0 0,0 0 0,0-1 0,0 1 0,1 0 0,-1 0 0,0-1 0,1 1 0,0 2 0,4 7 0,-1-1 0,1 1 0,1-1 0,7 10 0,76 89 0,36 51 0,-44-58 0,-74-92 0,-1 0 0,0 0 0,6 16 0,15 26 0,-24-46 0,0 0 0,0 1 0,-1-1 0,1 1 0,-1-1 0,-1 1 0,1 0 0,-1-1 0,-1 1 0,1 0 0,-1 0 0,0 0 0,-2 11 0,1-10 0,1 1 0,0 0 0,0 0 0,1-1 0,0 1 0,1 0 0,2 8 0,-4-16 0,1 0 0,-1 0 0,1 0 0,-1 0 0,1 0 0,0 0 0,-1 0 0,1 0 0,0 0 0,0 0 0,0 0 0,0 0 0,0 0 0,0-1 0,0 1 0,0 0 0,0-1 0,0 1 0,0-1 0,1 1 0,-1-1 0,0 0 0,0 1 0,2-1 0,34-1 0,-32 0 0,0 0 0,-1 1 0,1 0 0,0 0 0,0 0 0,5 1 0,8 6-1365</inkml:trace>
+</inkml:ink>
+</file>
+
+<file path=ppt/ink/ink16.xml><?xml version="1.0" encoding="utf-8"?>
+<inkml:ink xmlns:inkml="http://www.w3.org/2003/InkML">
+  <inkml:definitions>
+    <inkml:context xml:id="ctx0">
+      <inkml:inkSource xml:id="inkSrc0">
+        <inkml:traceFormat>
+          <inkml:channel name="X" type="integer" min="-2.14748E9" max="2.14748E9" units="cm"/>
+          <inkml:channel name="Y" type="integer" min="-2.14748E9" max="2.14748E9" units="cm"/>
+          <inkml:channel name="F" type="integer" max="32767" units="dev"/>
+        </inkml:traceFormat>
+        <inkml:channelProperties>
+          <inkml:channelProperty channel="X" name="resolution" value="1000" units="1/cm"/>
+          <inkml:channelProperty channel="Y" name="resolution" value="1000" units="1/cm"/>
+          <inkml:channelProperty channel="F" name="resolution" value="0" units="1/dev"/>
+        </inkml:channelProperties>
+      </inkml:inkSource>
+      <inkml:timestamp xml:id="ts0" timeString="2023-02-12T15:50:02.362"/>
+    </inkml:context>
+    <inkml:brush xml:id="br0">
+      <inkml:brushProperty name="width" value="0.35" units="cm"/>
+      <inkml:brushProperty name="height" value="0.35" units="cm"/>
+      <inkml:brushProperty name="color" value="#FFFFFF"/>
+    </inkml:brush>
+  </inkml:definitions>
+  <inkml:trace contextRef="#ctx0" brushRef="#br0">19 0 24575,'-1'1'0,"0"-1"0,0 1 0,0-1 0,0 1 0,1-1 0,-1 1 0,0 0 0,0-1 0,1 1 0,-1 0 0,0 0 0,1 0 0,-1-1 0,0 1 0,1 0 0,0 0 0,-1 0 0,1 0 0,-1 0 0,1 0 0,0 0 0,0 0 0,-1 0 0,1 0 0,0 0 0,0 0 0,0 2 0,-2 34 0,2-33 0,-1 3 0,1 1 0,0-1 0,0 0 0,0 1 0,1-1 0,1 0 0,-1 1 0,1-1 0,0 0 0,1 0 0,-1 0 0,6 8 0,36 78 0,-5-31 0,-5 4 0,-31-61 0,-1-1 0,0 1 0,0-1 0,0 1 0,0 0 0,-1-1 0,1 10 0,-1-9 0,0 0 0,0 0 0,1 0 0,-1 0 0,1 0 0,4 7 0,-79-122-1365</inkml:trace>
+</inkml:ink>
+</file>
+
+<file path=ppt/ink/ink17.xml><?xml version="1.0" encoding="utf-8"?>
+<inkml:ink xmlns:inkml="http://www.w3.org/2003/InkML">
+  <inkml:definitions>
+    <inkml:context xml:id="ctx0">
+      <inkml:inkSource xml:id="inkSrc0">
+        <inkml:traceFormat>
+          <inkml:channel name="X" type="integer" min="-2.14748E9" max="2.14748E9" units="cm"/>
+          <inkml:channel name="Y" type="integer" min="-2.14748E9" max="2.14748E9" units="cm"/>
+          <inkml:channel name="F" type="integer" max="32767" units="dev"/>
+        </inkml:traceFormat>
+        <inkml:channelProperties>
+          <inkml:channelProperty channel="X" name="resolution" value="1000" units="1/cm"/>
+          <inkml:channelProperty channel="Y" name="resolution" value="1000" units="1/cm"/>
+          <inkml:channelProperty channel="F" name="resolution" value="0" units="1/dev"/>
+        </inkml:channelProperties>
+      </inkml:inkSource>
+      <inkml:timestamp xml:id="ts0" timeString="2023-02-12T15:50:04.694"/>
+    </inkml:context>
+    <inkml:brush xml:id="br0">
+      <inkml:brushProperty name="width" value="0.35" units="cm"/>
+      <inkml:brushProperty name="height" value="0.35" units="cm"/>
+      <inkml:brushProperty name="color" value="#FFFFFF"/>
+    </inkml:brush>
+  </inkml:definitions>
+  <inkml:trace contextRef="#ctx0" brushRef="#br0">1 440 24575,'0'-33'0,"3"0"0,7-40 0,-3 11 0,-7 51 0,0 0 0,1 0 0,0 1 0,1-1 0,1 0 0,-1 1 0,2 0 0,-1 0 0,1 0 0,8-13 0,3-1-455,-1-1 0,15-37 0</inkml:trace>
+</inkml:ink>
+</file>
+
+<file path=ppt/ink/ink18.xml><?xml version="1.0" encoding="utf-8"?>
+<inkml:ink xmlns:inkml="http://www.w3.org/2003/InkML">
+  <inkml:definitions>
+    <inkml:context xml:id="ctx0">
+      <inkml:inkSource xml:id="inkSrc0">
+        <inkml:traceFormat>
+          <inkml:channel name="X" type="integer" min="-2.14748E9" max="2.14748E9" units="cm"/>
+          <inkml:channel name="Y" type="integer" min="-2.14748E9" max="2.14748E9" units="cm"/>
+          <inkml:channel name="F" type="integer" max="32767" units="dev"/>
+        </inkml:traceFormat>
+        <inkml:channelProperties>
+          <inkml:channelProperty channel="X" name="resolution" value="1000" units="1/cm"/>
+          <inkml:channelProperty channel="Y" name="resolution" value="1000" units="1/cm"/>
+          <inkml:channelProperty channel="F" name="resolution" value="0" units="1/dev"/>
+        </inkml:channelProperties>
+      </inkml:inkSource>
+      <inkml:timestamp xml:id="ts0" timeString="2023-02-12T15:51:02.067"/>
+    </inkml:context>
+    <inkml:brush xml:id="br0">
+      <inkml:brushProperty name="width" value="0.35" units="cm"/>
+      <inkml:brushProperty name="height" value="0.35" units="cm"/>
+      <inkml:brushProperty name="color" value="#FFFFFF"/>
+    </inkml:brush>
+  </inkml:definitions>
+  <inkml:trace contextRef="#ctx0" brushRef="#br0">252 0 24575,'0'10'0,"0"8"0,0 0 0,-4 20 0,2-31 0,1 0 0,-1 0 0,-1 0 0,1 0 0,-1-1 0,0 1 0,-1-1 0,-6 9 0,-61 71 0,46-59 0,-32 47 0,3-5 0,43-57 0</inkml:trace>
+</inkml:ink>
+</file>
+
+<file path=ppt/ink/ink19.xml><?xml version="1.0" encoding="utf-8"?>
+<inkml:ink xmlns:inkml="http://www.w3.org/2003/InkML">
+  <inkml:definitions>
+    <inkml:context xml:id="ctx0">
+      <inkml:inkSource xml:id="inkSrc0">
+        <inkml:traceFormat>
+          <inkml:channel name="X" type="integer" min="-2.14748E9" max="2.14748E9" units="cm"/>
+          <inkml:channel name="Y" type="integer" min="-2.14748E9" max="2.14748E9" units="cm"/>
+          <inkml:channel name="F" type="integer" max="32767" units="dev"/>
+        </inkml:traceFormat>
+        <inkml:channelProperties>
+          <inkml:channelProperty channel="X" name="resolution" value="1000" units="1/cm"/>
+          <inkml:channelProperty channel="Y" name="resolution" value="1000" units="1/cm"/>
+          <inkml:channelProperty channel="F" name="resolution" value="0" units="1/dev"/>
+        </inkml:channelProperties>
+      </inkml:inkSource>
+      <inkml:timestamp xml:id="ts0" timeString="2023-02-12T15:51:32.605"/>
+    </inkml:context>
+    <inkml:brush xml:id="br0">
+      <inkml:brushProperty name="width" value="0.2" units="cm"/>
+      <inkml:brushProperty name="height" value="0.2" units="cm"/>
+      <inkml:brushProperty name="color" value="#FFFFFF"/>
+    </inkml:brush>
+  </inkml:definitions>
+  <inkml:trace contextRef="#ctx0" brushRef="#br0">5 0 24575,'2'0'0,"0"1"0,0-1 0,-1 1 0,1-1 0,0 1 0,-1 0 0,1 0 0,-1 0 0,1 0 0,-1 0 0,1 0 0,-1 0 0,0 0 0,1 0 0,-1 1 0,0-1 0,0 1 0,2 2 0,18 34 0,-15-27 0,1 4 0,0 0 0,-1 1 0,4 18 0,5 13 0,-8-29 0,-3-10 0,-1 1 0,0-1 0,-1 0 0,0 1 0,0-1 0,-1 1 0,1 14 0,6 80 0,-2-50 0,-5-43 0,1-1 0,1 1 0,4 13 0,-4-15 0,0 0 0,-1 1 0,0-1 0,1 15 0,-3-23 0,0 0 0,0 0 0,0 0 0,0 1 0,0-1 0,0 0 0,0 0 0,0 0 0,0 0 0,0 0 0,0 0 0,0 0 0,0 1 0,0-1 0,0 0 0,0 0 0,0 0 0,0 0 0,0 0 0,0 0 0,0 0 0,0 0 0,-1 1 0,1-1 0,0 0 0,0 0 0,0 0 0,0 0 0,0 0 0,0 0 0,0 0 0,-1 0 0,1 0 0,0 0 0,0 0 0,0 0 0,0 0 0,0 0 0,0 0 0,-1 0 0,1 0 0,0 0 0,0 0 0,0 0 0,0 0 0,0 0 0,0 0 0,0 0 0,-1 0 0,1 0 0,0 0 0,0 0 0,0 0 0,0-1 0,0 1 0,0 0 0,0 0 0,-12-8 0,-8-11 0,7 4 0,1-2 0,1 0 0,-13-26 0,-6-7 0,20 36 0,7 11 0,0 0 0,1 0 0,0 0 0,0 0 0,-1 0 0,2 0 0,-1-1 0,0 1 0,1 0 0,-1-1 0,1 0 0,0 1 0,0-1 0,0-6 0,1 10 0,1-1 0,-1 1 0,0-1 0,1 0 0,-1 1 0,1-1 0,-1 1 0,1-1 0,-1 1 0,1-1 0,-1 1 0,1-1 0,-1 1 0,1 0 0,0-1 0,-1 1 0,1 0 0,0-1 0,-1 1 0,1 0 0,0 0 0,-1 0 0,1 0 0,0 0 0,-1-1 0,1 1 0,0 0 0,-1 1 0,1-1 0,1 0 0,22 5 0,-77 6-1365</inkml:trace>
+</inkml:ink>
+</file>
+
+<file path=ppt/ink/ink2.xml><?xml version="1.0" encoding="utf-8"?>
+<inkml:ink xmlns:inkml="http://www.w3.org/2003/InkML">
+  <inkml:definitions>
+    <inkml:context xml:id="ctx0">
+      <inkml:inkSource xml:id="inkSrc0">
+        <inkml:traceFormat>
+          <inkml:channel name="X" type="integer" min="-2.14748E9" max="2.14748E9" units="cm"/>
+          <inkml:channel name="Y" type="integer" min="-2.14748E9" max="2.14748E9" units="cm"/>
+        </inkml:traceFormat>
+        <inkml:channelProperties>
+          <inkml:channelProperty channel="X" name="resolution" value="1000" units="1/cm"/>
+          <inkml:channelProperty channel="Y" name="resolution" value="1000" units="1/cm"/>
+        </inkml:channelProperties>
+      </inkml:inkSource>
+      <inkml:timestamp xml:id="ts0" timeString="2023-02-12T15:48:44.790"/>
+    </inkml:context>
+    <inkml:brush xml:id="br0">
+      <inkml:brushProperty name="width" value="0.3" units="cm"/>
+      <inkml:brushProperty name="height" value="0.6" units="cm"/>
+      <inkml:brushProperty name="color" value="#FFFFFF"/>
+      <inkml:brushProperty name="tip" value="rectangle"/>
+      <inkml:brushProperty name="rasterOp" value="maskPen"/>
+      <inkml:brushProperty name="ignorePressure" value="1"/>
+    </inkml:brush>
+  </inkml:definitions>
+  <inkml:trace contextRef="#ctx0" brushRef="#br0">4524 1,'0'16,"0"-1,-1 1,-1-1,-7 28,7-35,-1 0,-1-1,1 0,-1 1,0-1,-1-1,0 1,0-1,0 0,-1 0,-6 6,-69 52,-178 107,216-145,-21 9,-126 49,52-26,-15 7,-25 10,135-56,-1-1,-1-2,-62 13,29-15,-96 6,-3 2,-62 2,-8-9,143-7,-212 31,132-12,56-22,90-5,-72 8,-179 44,109-29,-2 0,103-15,0-3,-88-7,43 0,-80 2,194 0</inkml:trace>
+</inkml:ink>
+</file>
+
+<file path=ppt/ink/ink20.xml><?xml version="1.0" encoding="utf-8"?>
+<inkml:ink xmlns:inkml="http://www.w3.org/2003/InkML">
+  <inkml:definitions>
+    <inkml:context xml:id="ctx0">
+      <inkml:inkSource xml:id="inkSrc0">
+        <inkml:traceFormat>
+          <inkml:channel name="X" type="integer" min="-2.14748E9" max="2.14748E9" units="cm"/>
+          <inkml:channel name="Y" type="integer" min="-2.14748E9" max="2.14748E9" units="cm"/>
+          <inkml:channel name="F" type="integer" max="32767" units="dev"/>
+        </inkml:traceFormat>
+        <inkml:channelProperties>
+          <inkml:channelProperty channel="X" name="resolution" value="1000" units="1/cm"/>
+          <inkml:channelProperty channel="Y" name="resolution" value="1000" units="1/cm"/>
+          <inkml:channelProperty channel="F" name="resolution" value="0" units="1/dev"/>
+        </inkml:channelProperties>
+      </inkml:inkSource>
+      <inkml:timestamp xml:id="ts0" timeString="2023-02-12T15:52:15.584"/>
+    </inkml:context>
+    <inkml:brush xml:id="br0">
+      <inkml:brushProperty name="width" value="0.05" units="cm"/>
+      <inkml:brushProperty name="height" value="0.05" units="cm"/>
+      <inkml:brushProperty name="color" value="#FFFFFF"/>
+    </inkml:brush>
+  </inkml:definitions>
+  <inkml:trace contextRef="#ctx0" brushRef="#br0">76 442 24575,'4'32'0,"-3"-28"0,0 1 0,-1-1 0,1 1 0,-1 0 0,0 0 0,0-1 0,0 1 0,-1 0 0,1-1 0,-1 1 0,0 0 0,-3 6 0,4-10 0,-1-1 0,1 1 0,0-1 0,-1 1 0,1-1 0,-1 1 0,1-1 0,-1 1 0,1-1 0,-1 0 0,1 1 0,-1-1 0,1 0 0,-1 1 0,1-1 0,-1 0 0,1 0 0,-1 0 0,1 1 0,-1-1 0,0 0 0,1 0 0,-1 0 0,1 0 0,-1 0 0,0 0 0,1 0 0,-1 0 0,1-1 0,-1 1 0,0 0 0,1 0 0,-1 0 0,1 0 0,-1-1 0,1 1 0,-1 0 0,1-1 0,-1 1 0,1 0 0,-1-1 0,1 1 0,-1-1 0,1 1 0,0-1 0,-1 1 0,1-1 0,0 1 0,-1-1 0,1 1 0,0-1 0,-24-33 0,21 28 0,0 2 0,0 0 0,1 0 0,-1 0 0,1 0 0,0-1 0,0 1 0,1-1 0,-1 0 0,1 1 0,0-1 0,0 0 0,1 0 0,-1 0 0,1 1 0,0-1 0,0 0 0,1 0 0,-1 0 0,1 0 0,0 1 0,1-1 0,3-9 0,-3 5 0,0 0 0,-1 0 0,1 0 0,-2-17 0,1 7 0,2 3 0,0 1 0,1 0 0,1 0 0,0 1 0,1-1 0,0 1 0,1 0 0,1 1 0,0 0 0,1 0 0,1 0 0,15-15 0,-3 5-341,2 1 0,0 0-1,28-17 1</inkml:trace>
+</inkml:ink>
+</file>
+
+<file path=ppt/ink/ink21.xml><?xml version="1.0" encoding="utf-8"?>
+<inkml:ink xmlns:inkml="http://www.w3.org/2003/InkML">
+  <inkml:definitions>
+    <inkml:context xml:id="ctx0">
+      <inkml:inkSource xml:id="inkSrc0">
+        <inkml:traceFormat>
+          <inkml:channel name="X" type="integer" min="-2.14748E9" max="2.14748E9" units="cm"/>
+          <inkml:channel name="Y" type="integer" min="-2.14748E9" max="2.14748E9" units="cm"/>
+          <inkml:channel name="F" type="integer" max="32767" units="dev"/>
+        </inkml:traceFormat>
+        <inkml:channelProperties>
+          <inkml:channelProperty channel="X" name="resolution" value="1000" units="1/cm"/>
+          <inkml:channelProperty channel="Y" name="resolution" value="1000" units="1/cm"/>
+          <inkml:channelProperty channel="F" name="resolution" value="0" units="1/dev"/>
+        </inkml:channelProperties>
+      </inkml:inkSource>
+      <inkml:timestamp xml:id="ts0" timeString="2023-02-12T15:52:22.849"/>
+    </inkml:context>
+    <inkml:brush xml:id="br0">
+      <inkml:brushProperty name="width" value="0.05" units="cm"/>
+      <inkml:brushProperty name="height" value="0.05" units="cm"/>
+      <inkml:brushProperty name="color" value="#FFFFFF"/>
+    </inkml:brush>
+  </inkml:definitions>
+  <inkml:trace contextRef="#ctx0" brushRef="#br0">74 35 24575,'0'1'0,"0"-1"0,0 0 0,0 1 0,1-1 0,-1 1 0,0-1 0,0 1 0,0-1 0,0 1 0,0-1 0,0 1 0,0-1 0,0 1 0,0-1 0,-1 1 0,1-1 0,0 1 0,0-1 0,0 0 0,0 1 0,-1-1 0,1 1 0,0-1 0,0 0 0,-1 1 0,1-1 0,0 1 0,-1-1 0,1 0 0,-1 1 0,-8-13 0,-5-25 0,15 62 0,-1-24 0,0-1 0,0 1 0,0 0 0,0-1 0,1 1 0,-2 0 0,1 0 0,0-1 0,0 1 0,0 0 0,0 0 0,0-1 0,0 1 0,-1 0 0,1-1 0,0 1 0,-1 0 0,1-1 0,0 1 0,-1-1 0,1 1 0,-1 0 0,1-1 0,-1 1 0,1-1 0,-1 1 0,0-1 0,1 0 0,-1 1 0,1-1 0,-2 1 0,1-2 0,0 0 0,0-1 0,0 1 0,0 0 0,0-1 0,0 1 0,0 0 0,0-1 0,1 1 0,-1-1 0,1 1 0,-1-1 0,1 0 0,0 1 0,-1-1 0,1 1 0,0-1 0,0-1 0,0-5 0,0 29 0,0-13 0,-1 1 0,0-1 0,-5 16 0,4-15 0,0-1 0,0 1 0,1 0 0,0 8 0,1-6 0,0-1 0,-1 0 0,-1 0 0,1 0 0,-5 12 0,14-113 0,-2 67-56,-2 12-271,-1 1 0,-1-1-1,1-17 1</inkml:trace>
+</inkml:ink>
+</file>
+
+<file path=ppt/ink/ink22.xml><?xml version="1.0" encoding="utf-8"?>
+<inkml:ink xmlns:inkml="http://www.w3.org/2003/InkML">
+  <inkml:definitions>
+    <inkml:context xml:id="ctx0">
+      <inkml:inkSource xml:id="inkSrc0">
+        <inkml:traceFormat>
+          <inkml:channel name="X" type="integer" min="-2.14748E9" max="2.14748E9" units="cm"/>
+          <inkml:channel name="Y" type="integer" min="-2.14748E9" max="2.14748E9" units="cm"/>
+          <inkml:channel name="F" type="integer" max="32767" units="dev"/>
+        </inkml:traceFormat>
+        <inkml:channelProperties>
+          <inkml:channelProperty channel="X" name="resolution" value="1000" units="1/cm"/>
+          <inkml:channelProperty channel="Y" name="resolution" value="1000" units="1/cm"/>
+          <inkml:channelProperty channel="F" name="resolution" value="0" units="1/dev"/>
+        </inkml:channelProperties>
+      </inkml:inkSource>
+      <inkml:timestamp xml:id="ts0" timeString="2023-02-12T15:52:02.359"/>
+    </inkml:context>
+    <inkml:brush xml:id="br0">
+      <inkml:brushProperty name="width" value="0.2" units="cm"/>
+      <inkml:brushProperty name="height" value="0.2" units="cm"/>
+      <inkml:brushProperty name="color" value="#FFFFFF"/>
+    </inkml:brush>
+  </inkml:definitions>
+  <inkml:trace contextRef="#ctx0" brushRef="#br0">81 0 24575,'0'354'0,"-15"-242"0,16 453 0,13-453 0,-12-91 0,0 0 0,2 0 0,10 37 0,-9-42 0,-14-41 0,-19-38 0,7 15 0,12 28 0,5 13 0,1 0 0,0-1 0,1 1 0,-4-15 0,-4-13-36,-2-7 160,12 40-204,-1 0-1,1 0 0,0 0 0,0 0 1,0 0-1,0 0 0,1 0 0,-1 0 1,0 0-1,1 0 0,-1 1 0,1-1 1,0 0-1,0 0 0,0 0 0,0 0 1,1-1-1</inkml:trace>
+</inkml:ink>
+</file>
+
+<file path=ppt/ink/ink23.xml><?xml version="1.0" encoding="utf-8"?>
+<inkml:ink xmlns:inkml="http://www.w3.org/2003/InkML">
+  <inkml:definitions>
+    <inkml:context xml:id="ctx0">
+      <inkml:inkSource xml:id="inkSrc0">
+        <inkml:traceFormat>
+          <inkml:channel name="X" type="integer" min="-2.14748E9" max="2.14748E9" units="cm"/>
+          <inkml:channel name="Y" type="integer" min="-2.14748E9" max="2.14748E9" units="cm"/>
+          <inkml:channel name="F" type="integer" max="32767" units="dev"/>
+        </inkml:traceFormat>
+        <inkml:channelProperties>
+          <inkml:channelProperty channel="X" name="resolution" value="1000" units="1/cm"/>
+          <inkml:channelProperty channel="Y" name="resolution" value="1000" units="1/cm"/>
+          <inkml:channelProperty channel="F" name="resolution" value="0" units="1/dev"/>
+        </inkml:channelProperties>
+      </inkml:inkSource>
+      <inkml:timestamp xml:id="ts0" timeString="2023-02-12T15:52:04.151"/>
+    </inkml:context>
+    <inkml:brush xml:id="br0">
+      <inkml:brushProperty name="width" value="0.2" units="cm"/>
+      <inkml:brushProperty name="height" value="0.2" units="cm"/>
+      <inkml:brushProperty name="color" value="#FFFFFF"/>
+    </inkml:brush>
+  </inkml:definitions>
+  <inkml:trace contextRef="#ctx0" brushRef="#br0">0 466 24575,'14'-84'0,"-13"59"0,0 0 0,1 1 0,11-45 0,-1-6 0,-11 61 0,0 1 0,1 0 0,1 0 0,0 1 0,1-1 0,0 1 0,6-14 0,-7 21-170,-1 0-1,0 0 0,0 0 1,-1 0-1,0 0 0,0-1 1,1-6-1</inkml:trace>
+</inkml:ink>
+</file>
+
+<file path=ppt/ink/ink24.xml><?xml version="1.0" encoding="utf-8"?>
+<inkml:ink xmlns:inkml="http://www.w3.org/2003/InkML">
+  <inkml:definitions>
+    <inkml:context xml:id="ctx0">
+      <inkml:inkSource xml:id="inkSrc0">
+        <inkml:traceFormat>
+          <inkml:channel name="X" type="integer" min="-2.14748E9" max="2.14748E9" units="cm"/>
+          <inkml:channel name="Y" type="integer" min="-2.14748E9" max="2.14748E9" units="cm"/>
+          <inkml:channel name="F" type="integer" max="32767" units="dev"/>
+        </inkml:traceFormat>
+        <inkml:channelProperties>
+          <inkml:channelProperty channel="X" name="resolution" value="1000" units="1/cm"/>
+          <inkml:channelProperty channel="Y" name="resolution" value="1000" units="1/cm"/>
+          <inkml:channelProperty channel="F" name="resolution" value="0" units="1/dev"/>
+        </inkml:channelProperties>
+      </inkml:inkSource>
+      <inkml:timestamp xml:id="ts0" timeString="2023-02-12T15:52:05.444"/>
+    </inkml:context>
+    <inkml:brush xml:id="br0">
+      <inkml:brushProperty name="width" value="0.2" units="cm"/>
+      <inkml:brushProperty name="height" value="0.2" units="cm"/>
+      <inkml:brushProperty name="color" value="#FFFFFF"/>
+    </inkml:brush>
+  </inkml:definitions>
+  <inkml:trace contextRef="#ctx0" brushRef="#br0">1 1 24575,'0'10'0,"-1"0"0,2 1 0,0-1 0,0 0 0,1 0 0,0 0 0,1 0 0,7 19 0,-5-18 0,-1 1 0,0 0 0,-1 0 0,0 0 0,-1 0 0,0 0 0,0 25 0,-4-1 0,-8 52 0,6-32-1365</inkml:trace>
+</inkml:ink>
+</file>
+
+<file path=ppt/ink/ink25.xml><?xml version="1.0" encoding="utf-8"?>
+<inkml:ink xmlns:inkml="http://www.w3.org/2003/InkML">
+  <inkml:definitions>
+    <inkml:context xml:id="ctx0">
+      <inkml:inkSource xml:id="inkSrc0">
+        <inkml:traceFormat>
+          <inkml:channel name="X" type="integer" min="-2.14748E9" max="2.14748E9" units="cm"/>
+          <inkml:channel name="Y" type="integer" min="-2.14748E9" max="2.14748E9" units="cm"/>
+          <inkml:channel name="F" type="integer" max="32767" units="dev"/>
+        </inkml:traceFormat>
+        <inkml:channelProperties>
+          <inkml:channelProperty channel="X" name="resolution" value="1000" units="1/cm"/>
+          <inkml:channelProperty channel="Y" name="resolution" value="1000" units="1/cm"/>
+          <inkml:channelProperty channel="F" name="resolution" value="0" units="1/dev"/>
+        </inkml:channelProperties>
+      </inkml:inkSource>
+      <inkml:timestamp xml:id="ts0" timeString="2023-02-12T15:52:27.622"/>
+    </inkml:context>
+    <inkml:brush xml:id="br0">
+      <inkml:brushProperty name="width" value="0.05" units="cm"/>
+      <inkml:brushProperty name="height" value="0.05" units="cm"/>
+      <inkml:brushProperty name="color" value="#FFFFFF"/>
+    </inkml:brush>
+  </inkml:definitions>
+  <inkml:trace contextRef="#ctx0" brushRef="#br0">26 31 24575,'1'28'0,"0"9"0,-1-31 0,-3-18 0,2 7 0,-1-9 0,-1 1 0,-1-1 0,0 0 0,-7-16 0,14 82 0,3 46 0,-5-85 0,2 31 0,2 0 0,14 58 0,-18-98 0,0 1 0,-1 0 0,1-1 0,-1 1 0,0 0 0,-1 0 0,1-1 0,-1 1 0,0 0 0,0-1 0,-2 7 0,-3 13 0,3-6 0,1 1 0,0 37 0,-3-198-1365</inkml:trace>
+</inkml:ink>
+</file>
+
+<file path=ppt/ink/ink26.xml><?xml version="1.0" encoding="utf-8"?>
+<inkml:ink xmlns:inkml="http://www.w3.org/2003/InkML">
+  <inkml:definitions>
+    <inkml:context xml:id="ctx0">
+      <inkml:inkSource xml:id="inkSrc0">
+        <inkml:traceFormat>
+          <inkml:channel name="X" type="integer" min="-2.14748E9" max="2.14748E9" units="cm"/>
+          <inkml:channel name="Y" type="integer" min="-2.14748E9" max="2.14748E9" units="cm"/>
+          <inkml:channel name="F" type="integer" max="32767" units="dev"/>
+        </inkml:traceFormat>
+        <inkml:channelProperties>
+          <inkml:channelProperty channel="X" name="resolution" value="1000" units="1/cm"/>
+          <inkml:channelProperty channel="Y" name="resolution" value="1000" units="1/cm"/>
+          <inkml:channelProperty channel="F" name="resolution" value="0" units="1/dev"/>
+        </inkml:channelProperties>
+      </inkml:inkSource>
+      <inkml:timestamp xml:id="ts0" timeString="2023-02-12T15:52:29.289"/>
+    </inkml:context>
+    <inkml:brush xml:id="br0">
+      <inkml:brushProperty name="width" value="0.05" units="cm"/>
+      <inkml:brushProperty name="height" value="0.05" units="cm"/>
+      <inkml:brushProperty name="color" value="#FFFFFF"/>
+    </inkml:brush>
+  </inkml:definitions>
+  <inkml:trace contextRef="#ctx0" brushRef="#br0">8 0 24575,'1'13'0,"0"-1"0,1 1 0,0 0 0,5 12 0,-3-12 0,0 1 0,2 27 0,-1 64 0,-3-82 0,0-14 0,-1 1 0,0-1 0,-1 1 0,0-1 0,0 1 0,-1 0 0,0-1 0,-1 1 0,-3 11 0,1-11 0,1-4 0,0 0 0,1 0 0,0 0 0,0 0 0,-1 9 0,-5 53 0,1 84 0,5-196 0,1 18 0,3-40 0,-1 14 0,-2 44 0,1 1 0,0-1 0,0 0 0,1 1 0,-1-1 0,2 0 0,-1 1 0,1-1 0,0 1 0,1 0 0,3-8 0,81-170 0,-61 110-1365</inkml:trace>
+</inkml:ink>
+</file>
+
+<file path=ppt/ink/ink27.xml><?xml version="1.0" encoding="utf-8"?>
+<inkml:ink xmlns:inkml="http://www.w3.org/2003/InkML">
+  <inkml:definitions>
+    <inkml:context xml:id="ctx0">
+      <inkml:inkSource xml:id="inkSrc0">
+        <inkml:traceFormat>
+          <inkml:channel name="X" type="integer" min="-2.14748E9" max="2.14748E9" units="cm"/>
+          <inkml:channel name="Y" type="integer" min="-2.14748E9" max="2.14748E9" units="cm"/>
+          <inkml:channel name="F" type="integer" max="32767" units="dev"/>
+        </inkml:traceFormat>
+        <inkml:channelProperties>
+          <inkml:channelProperty channel="X" name="resolution" value="1000" units="1/cm"/>
+          <inkml:channelProperty channel="Y" name="resolution" value="1000" units="1/cm"/>
+          <inkml:channelProperty channel="F" name="resolution" value="0" units="1/dev"/>
+        </inkml:channelProperties>
+      </inkml:inkSource>
+      <inkml:timestamp xml:id="ts0" timeString="2023-02-12T15:52:35.794"/>
+    </inkml:context>
+    <inkml:brush xml:id="br0">
+      <inkml:brushProperty name="width" value="0.05" units="cm"/>
+      <inkml:brushProperty name="height" value="0.05" units="cm"/>
+      <inkml:brushProperty name="color" value="#FFFFFF"/>
+    </inkml:brush>
+  </inkml:definitions>
+  <inkml:trace contextRef="#ctx0" brushRef="#br0">51 0 24575,'0'101'0,"1"-54"0,0-39 0,0-1 0,-1 1 0,0 0 0,0 0 0,-1 0 0,0-1 0,-3 11 0,1-80 0,5 29 0,-1 23 0,0 0 0,-1 0 0,0 0 0,-1 0 0,-3-17 0,1 28 0,0 8 0,-1 12 0,5 124 0,0-205 0,-2-28 0</inkml:trace>
+</inkml:ink>
+</file>
+
+<file path=ppt/ink/ink28.xml><?xml version="1.0" encoding="utf-8"?>
+<inkml:ink xmlns:inkml="http://www.w3.org/2003/InkML">
+  <inkml:definitions>
+    <inkml:context xml:id="ctx0">
+      <inkml:inkSource xml:id="inkSrc0">
+        <inkml:traceFormat>
+          <inkml:channel name="X" type="integer" min="-2.14748E9" max="2.14748E9" units="cm"/>
+          <inkml:channel name="Y" type="integer" min="-2.14748E9" max="2.14748E9" units="cm"/>
+          <inkml:channel name="F" type="integer" max="32767" units="dev"/>
+        </inkml:traceFormat>
+        <inkml:channelProperties>
+          <inkml:channelProperty channel="X" name="resolution" value="1000" units="1/cm"/>
+          <inkml:channelProperty channel="Y" name="resolution" value="1000" units="1/cm"/>
+          <inkml:channelProperty channel="F" name="resolution" value="0" units="1/dev"/>
+        </inkml:channelProperties>
+      </inkml:inkSource>
+      <inkml:timestamp xml:id="ts0" timeString="2023-02-12T15:54:14.665"/>
+    </inkml:context>
+    <inkml:brush xml:id="br0">
+      <inkml:brushProperty name="width" value="0.05" units="cm"/>
+      <inkml:brushProperty name="height" value="0.05" units="cm"/>
+      <inkml:brushProperty name="color" value="#FFFFFF"/>
+    </inkml:brush>
+  </inkml:definitions>
+  <inkml:trace contextRef="#ctx0" brushRef="#br0">85 81 24575,'1'43'0,"0"-32"0,0-1 0,0 0 0,-1 0 0,-1 0 0,0 0 0,0 1 0,-1-1 0,-1 0 0,1-1 0,-1 1 0,-5 9 0,3-1 0,6-33 0,0-11 0,9-46 0,-7 51 0,20-108 0,-26 165 0,5 70 0,-1-78 0,20 180 0,-28-240 0,-1 1 0,-20-51 0,14 44 0,-13-54 0,27 91 0,-10-40 0,3-1 0,4 14 0</inkml:trace>
+  <inkml:trace contextRef="#ctx0" brushRef="#br0" timeOffset="-1">15 0 24575,'1'13'0,"-11"84"0,9-85 0,-2 14 0,1 0 0,2 35 0,1-57 0,0-1 0,0 1 0,0-1 0,0 1 0,1-1 0,0 0 0,2 5 0,-2-5 0,0 0 0,0 1 0,-1-1 0,1 1 0,-1 0 0,0-1 0,0 1 0,1 5 0,-2 2 0,2 1 0,-1-1 0,5 14 0,-4-11 0,2 6 0,-1-20 0,2-12 0,0-20 0,-5 27 0,1 0 0,-1 1 0,1-1 0,0 0 0,0 1 0,3-8 0,2-1 0,-4 8 0,0-1 0,0 1 0,0 0 0,1 0 0,0 0 0,0 0 0,0 1 0,1-1 0,-1 1 0,1 0 0,0 0 0,5-4 0,-8 12 0,0 1 0,0-1 0,0 1 0,-1-1 0,0 1 0,0-1 0,0 5 0,0-7 0,0 7 0,1-1 0,0 1 0,1 0 0,-1-1 0,2 0 0,-1 0 0,1 1 0,1-1 0,6 11 0,-10-18 0,0-1 0,0 0 0,0 1 0,0-1 0,1 0 0,-1 0 0,0 1 0,0-1 0,0 0 0,0 0 0,1 1 0,-1-1 0,0 0 0,0 0 0,0 1 0,1-1 0,-1 0 0,0 0 0,0 0 0,1 0 0,-1 1 0,0-1 0,1 0 0,-1 0 0,0 0 0,0 0 0,1 0 0,-1 0 0,0 0 0,1 0 0,-1 0 0,0 0 0,1 0 0,-1 0 0,0 0 0,1 0 0,-1 0 0,1 0 0,5-13 0,-1-17 0,-6 12 0,2 0 0,0 1 0,1-1 0,8-34 0,5 5-1365</inkml:trace>
+</inkml:ink>
+</file>
+
+<file path=ppt/ink/ink29.xml><?xml version="1.0" encoding="utf-8"?>
+<inkml:ink xmlns:inkml="http://www.w3.org/2003/InkML">
+  <inkml:definitions>
+    <inkml:context xml:id="ctx0">
+      <inkml:inkSource xml:id="inkSrc0">
+        <inkml:traceFormat>
+          <inkml:channel name="X" type="integer" min="-2.14748E9" max="2.14748E9" units="cm"/>
+          <inkml:channel name="Y" type="integer" min="-2.14748E9" max="2.14748E9" units="cm"/>
+          <inkml:channel name="F" type="integer" max="32767" units="dev"/>
+        </inkml:traceFormat>
+        <inkml:channelProperties>
+          <inkml:channelProperty channel="X" name="resolution" value="1000" units="1/cm"/>
+          <inkml:channelProperty channel="Y" name="resolution" value="1000" units="1/cm"/>
+          <inkml:channelProperty channel="F" name="resolution" value="0" units="1/dev"/>
+        </inkml:channelProperties>
+      </inkml:inkSource>
+      <inkml:timestamp xml:id="ts0" timeString="2023-02-12T15:54:14.241"/>
+    </inkml:context>
+    <inkml:brush xml:id="br0">
+      <inkml:brushProperty name="width" value="0.05" units="cm"/>
+      <inkml:brushProperty name="height" value="0.05" units="cm"/>
+      <inkml:brushProperty name="color" value="#FFFFFF"/>
+    </inkml:brush>
+  </inkml:definitions>
+  <inkml:trace contextRef="#ctx0" brushRef="#br0">33 59 24575,'-11'53'0,"6"233"0,5-205 0,0-47 0,0-28 0,0-10 0,-4-120 0,0 56 0,7-69 0,8 85 0,-2 14 0,0-36 0,-8 73 0,-1 0 0,0 1 0,0-1 0,0 0 0,1 1 0,-1-1 0,0 1 0,0-1 0,0 0 0,0 1 0,0-1 0,0 0 0,0 1 0,0-1 0,-1 0 0,1 1 0,0-1 0,0 0 0,0 1 0,-1-1 0,1 1 0,0-1 0,-1 1 0,1-1 0,-1 1 0,1-1 0,0 1 0,-1-1 0,1 1 0,-1-1 0,1 1 0,-1-1 0,1 1 0,-1 0 0,0-1 0,1 1 0,-1 0 0,1 0 0,-1 0 0,0-1 0,1 1 0,-1 0 0,0 0 0,0 0 0,0 0 0,0 0 0,0 0 0,0 1 0,1-1 0,-1 0 0,0 1 0,0-1 0,1 0 0,-1 1 0,0-1 0,0 1 0,1-1 0,-1 1 0,1-1 0,-1 1 0,0-1 0,1 1 0,-1 0 0,1-1 0,-1 1 0,1 0 0,0-1 0,-1 1 0,1 0 0,0 0 0,-1 0 0,1-1 0,0 1 0,0 0 0,0 0 0,0 0 0,0-1 0,0 1 0,0 1 0,-6 93 0,3-59 0,1 0 0,3 36 0,2 58 0,0-1 0,-2-121 17,1-1 0,0 1-1,0-1 1,1 0 0,0 0-1,1 0 1,1 3-8</inkml:trace>
+  <inkml:trace contextRef="#ctx0" brushRef="#br0" timeOffset="422.2">41 601 24109,'2'4'-150,"-1"-3"108</inkml:trace>
+</inkml:ink>
+</file>
+
+<file path=ppt/ink/ink3.xml><?xml version="1.0" encoding="utf-8"?>
+<inkml:ink xmlns:inkml="http://www.w3.org/2003/InkML">
+  <inkml:definitions>
+    <inkml:context xml:id="ctx0">
+      <inkml:inkSource xml:id="inkSrc0">
+        <inkml:traceFormat>
+          <inkml:channel name="X" type="integer" min="-2.14748E9" max="2.14748E9" units="cm"/>
+          <inkml:channel name="Y" type="integer" min="-2.14748E9" max="2.14748E9" units="cm"/>
+        </inkml:traceFormat>
+        <inkml:channelProperties>
+          <inkml:channelProperty channel="X" name="resolution" value="1000" units="1/cm"/>
+          <inkml:channelProperty channel="Y" name="resolution" value="1000" units="1/cm"/>
+        </inkml:channelProperties>
+      </inkml:inkSource>
+      <inkml:timestamp xml:id="ts0" timeString="2023-02-12T15:48:45.131"/>
+    </inkml:context>
+    <inkml:brush xml:id="br0">
+      <inkml:brushProperty name="width" value="0.3" units="cm"/>
+      <inkml:brushProperty name="height" value="0.6" units="cm"/>
+      <inkml:brushProperty name="color" value="#FFFFFF"/>
+      <inkml:brushProperty name="tip" value="rectangle"/>
+      <inkml:brushProperty name="rasterOp" value="maskPen"/>
+      <inkml:brushProperty name="ignorePressure" value="1"/>
+    </inkml:brush>
+  </inkml:definitions>
+  <inkml:trace contextRef="#ctx0" brushRef="#br0">1 0,'3'0,"7"0,4 0,5 0,2 0,2 0,-3 0</inkml:trace>
+</inkml:ink>
+</file>
+
+<file path=ppt/ink/ink30.xml><?xml version="1.0" encoding="utf-8"?>
+<inkml:ink xmlns:inkml="http://www.w3.org/2003/InkML">
+  <inkml:definitions>
+    <inkml:context xml:id="ctx0">
+      <inkml:inkSource xml:id="inkSrc0">
+        <inkml:traceFormat>
+          <inkml:channel name="X" type="integer" min="-2.14748E9" max="2.14748E9" units="cm"/>
+          <inkml:channel name="Y" type="integer" min="-2.14748E9" max="2.14748E9" units="cm"/>
+          <inkml:channel name="F" type="integer" max="32767" units="dev"/>
+        </inkml:traceFormat>
+        <inkml:channelProperties>
+          <inkml:channelProperty channel="X" name="resolution" value="1000" units="1/cm"/>
+          <inkml:channelProperty channel="Y" name="resolution" value="1000" units="1/cm"/>
+          <inkml:channelProperty channel="F" name="resolution" value="0" units="1/dev"/>
+        </inkml:channelProperties>
+      </inkml:inkSource>
+      <inkml:timestamp xml:id="ts0" timeString="2023-02-12T15:54:31.974"/>
+    </inkml:context>
+    <inkml:brush xml:id="br0">
+      <inkml:brushProperty name="width" value="0.05" units="cm"/>
+      <inkml:brushProperty name="height" value="0.05" units="cm"/>
+      <inkml:brushProperty name="color" value="#FFFFFF"/>
+    </inkml:brush>
+  </inkml:definitions>
+  <inkml:trace contextRef="#ctx0" brushRef="#br0">91 125 24575,'1'14'0,"0"-1"0,1 1 0,1-1 0,1 0 0,8 22 0,-6-20 0,-1-1 0,-1 1 0,-1 0 0,3 19 0,-1 106 0,-10-345 0,3 151 0,-3 0 0,-16-79 0,14 120 0,1 16 0,5-1 0,0 0 0,0 0 0,0 1 0,0-1 0,1 0 0,-1 0 0,1 1 0,-1-1 0,1 4 0,-1 14 0,-2 0 0,0-1 0,-1 1 0,-8 25 0,-4 16 0,5 2 0,2-1 0,0 125 0,14-261 0,-4 56 0,1 0 0,1 1 0,8-29 0,4-26 0,-9 27 0,-2 15 0,0 0 0,-2 0 0,-3-34 0,1 62 0,-1 6 0,-1 15 0,0 27 0,1 50 0,2 97 0,0-188 0,-1 0 0,1 0 0,0 0 0,0 0 0,1 0 0,0 0 0,0 0 0,0 0 0,0-1 0,4 6 0,-6-10 0,0 0 0,0 0 0,0 0 0,0 1 0,0-1 0,1 0 0,-1 0 0,0 0 0,0 0 0,0 0 0,0 0 0,0 0 0,0 0 0,0 0 0,1 0 0,-1 0 0,0 0 0,0 0 0,0 0 0,0 0 0,0 0 0,0-1 0,1 1 0,-1 0 0,0 0 0,0 0 0,0 0 0,0 0 0,0 0 0,0 0 0,0 0 0,0 0 0,1 0 0,-1 0 0,0-1 0,0 1 0,0 0 0,0 0 0,0 0 0,0 0 0,0 0 0,0 0 0,0 0 0,0-1 0,0 1 0,0 0 0,0 0 0,0 0 0,0 0 0,0 0 0,0-1 0,2-11 0,-1-12 0,-2-11 0,-7-146 0,15 239 0,-3 0 0,-4 100 0,-2-56 0,2-81 0,0-4 0,0-40 0,-1-75 0,2-102 0,9 25 0,-9 164 0,-2-12 0,1 22 0,0 0 0,0 1 0,-1-1 0,1 0 0,0 1 0,-1-1 0,1 0 0,0 1 0,-1-1 0,1 1 0,-1-1 0,1 1 0,-1-1 0,1 1 0,-1-1 0,1 1 0,-1-1 0,1 1 0,-1 0 0,0-1 0,1 1 0,-1 0 0,0-1 0,1 1 0,-1 0 0,0 0 0,1 0 0,-2 0 0,0-1 0,0 1 0,0-1 0,0 0 0,0 0 0,0 1 0,0-1 0,0-1 0,0 1 0,0 0 0,0 0 0,0-1 0,1 1 0,-1-1 0,1 1 0,-3-4 0,-19-32 0,1 2 0,22 35 0,0 0 0,0 0 0,0 0 0,0 0 0,0 0 0,0-1 0,-1 1 0,1 0 0,0 0 0,0 0 0,0 0 0,0 0 0,0 0 0,0 0 0,0 0 0,-1 0 0,1 0 0,0 0 0,0 0 0,0 0 0,0 0 0,0 0 0,0 0 0,-1 0 0,1 0 0,0 0 0,0 0 0,0 0 0,0 0 0,0 0 0,0 0 0,0 0 0,-1 0 0,1 0 0,0 0 0,0 0 0,0 1 0,0-1 0,0 0 0,0 0 0,0 0 0,0 0 0,0 0 0,-1 0 0,1 0 0,0 0 0,0 1 0,0-1 0,0 0 0,0 0 0,0 0 0,0 0 0,0 0 0,0 0 0,0 0 0,0 1 0,-2 12 0,1 13 0,9 58 0,-4-57 0,0 37 0,1 77 0,-6-150 0,0 0 0,0 1 0,-1-1 0,0 1 0,-4-12 0,3 12 0,0 0 0,1 0 0,0 0 0,1-1 0,0 1 0,-1-9 0,2 51 0,0-32 0,0-23 0,0 15-102,0-1-109,0-1 1,1 0-1,-1 0 1,2 1-1,1-11 1</inkml:trace>
+</inkml:ink>
+</file>
+
+<file path=ppt/ink/ink31.xml><?xml version="1.0" encoding="utf-8"?>
+<inkml:ink xmlns:inkml="http://www.w3.org/2003/InkML">
+  <inkml:definitions>
+    <inkml:context xml:id="ctx0">
+      <inkml:inkSource xml:id="inkSrc0">
+        <inkml:traceFormat>
+          <inkml:channel name="X" type="integer" min="-2.14748E9" max="2.14748E9" units="cm"/>
+          <inkml:channel name="Y" type="integer" min="-2.14748E9" max="2.14748E9" units="cm"/>
+          <inkml:channel name="F" type="integer" max="32767" units="dev"/>
+        </inkml:traceFormat>
+        <inkml:channelProperties>
+          <inkml:channelProperty channel="X" name="resolution" value="1000" units="1/cm"/>
+          <inkml:channelProperty channel="Y" name="resolution" value="1000" units="1/cm"/>
+          <inkml:channelProperty channel="F" name="resolution" value="0" units="1/dev"/>
+        </inkml:channelProperties>
+      </inkml:inkSource>
+      <inkml:timestamp xml:id="ts0" timeString="2023-02-12T15:54:33.776"/>
+    </inkml:context>
+    <inkml:brush xml:id="br0">
+      <inkml:brushProperty name="width" value="0.05" units="cm"/>
+      <inkml:brushProperty name="height" value="0.05" units="cm"/>
+      <inkml:brushProperty name="color" value="#FFFFFF"/>
+    </inkml:brush>
+  </inkml:definitions>
+  <inkml:trace contextRef="#ctx0" brushRef="#br0">4 0 24575,'10'164'0,"-8"-126"0,-1-29 0,-1 1 0,1-1 0,-2 1 0,1 0 0,-1-1 0,-4 15 0,3-15 0,0 1 0,1 0 0,0 0 0,1 0 0,0 0 0,2 16 0,0 35 0,-11-23-1365</inkml:trace>
+</inkml:ink>
+</file>
+
+<file path=ppt/ink/ink32.xml><?xml version="1.0" encoding="utf-8"?>
+<inkml:ink xmlns:inkml="http://www.w3.org/2003/InkML">
+  <inkml:definitions>
+    <inkml:context xml:id="ctx0">
+      <inkml:inkSource xml:id="inkSrc0">
+        <inkml:traceFormat>
+          <inkml:channel name="X" type="integer" min="-2.14748E9" max="2.14748E9" units="cm"/>
+          <inkml:channel name="Y" type="integer" min="-2.14748E9" max="2.14748E9" units="cm"/>
+          <inkml:channel name="F" type="integer" max="32767" units="dev"/>
+        </inkml:traceFormat>
+        <inkml:channelProperties>
+          <inkml:channelProperty channel="X" name="resolution" value="1000" units="1/cm"/>
+          <inkml:channelProperty channel="Y" name="resolution" value="1000" units="1/cm"/>
+          <inkml:channelProperty channel="F" name="resolution" value="0" units="1/dev"/>
+        </inkml:channelProperties>
+      </inkml:inkSource>
+      <inkml:timestamp xml:id="ts0" timeString="2023-02-12T15:54:34.258"/>
+    </inkml:context>
+    <inkml:brush xml:id="br0">
+      <inkml:brushProperty name="width" value="0.05" units="cm"/>
+      <inkml:brushProperty name="height" value="0.05" units="cm"/>
+      <inkml:brushProperty name="color" value="#FFFFFF"/>
+    </inkml:brush>
+  </inkml:definitions>
+  <inkml:trace contextRef="#ctx0" brushRef="#br0">0 1 24575,'0'0'-8191</inkml:trace>
+</inkml:ink>
+</file>
+
+<file path=ppt/ink/ink33.xml><?xml version="1.0" encoding="utf-8"?>
+<inkml:ink xmlns:inkml="http://www.w3.org/2003/InkML">
+  <inkml:definitions>
+    <inkml:context xml:id="ctx0">
+      <inkml:inkSource xml:id="inkSrc0">
+        <inkml:traceFormat>
+          <inkml:channel name="X" type="integer" min="-2.14748E9" max="2.14748E9" units="cm"/>
+          <inkml:channel name="Y" type="integer" min="-2.14748E9" max="2.14748E9" units="cm"/>
+          <inkml:channel name="F" type="integer" max="32767" units="dev"/>
+        </inkml:traceFormat>
+        <inkml:channelProperties>
+          <inkml:channelProperty channel="X" name="resolution" value="1000" units="1/cm"/>
+          <inkml:channelProperty channel="Y" name="resolution" value="1000" units="1/cm"/>
+          <inkml:channelProperty channel="F" name="resolution" value="0" units="1/dev"/>
+        </inkml:channelProperties>
+      </inkml:inkSource>
+      <inkml:timestamp xml:id="ts0" timeString="2023-02-12T15:54:37.922"/>
+    </inkml:context>
+    <inkml:brush xml:id="br0">
+      <inkml:brushProperty name="width" value="0.05" units="cm"/>
+      <inkml:brushProperty name="height" value="0.05" units="cm"/>
+      <inkml:brushProperty name="color" value="#FFFFFF"/>
+    </inkml:brush>
+  </inkml:definitions>
+  <inkml:trace contextRef="#ctx0" brushRef="#br0">119 80 24575,'0'0'0,"1"0"0,-1 0 0,1-1 0,-1 1 0,1 0 0,-1 0 0,1-1 0,-1 1 0,1 0 0,-1-1 0,1 1 0,-1-1 0,1 1 0,-1 0 0,0-1 0,1 1 0,-1-1 0,0 1 0,1-1 0,-1 1 0,0-1 0,0 0 0,0 1 0,1-1 0,-1 1 0,0-1 0,0 1 0,0-1 0,0 1 0,0-2 0,0-24 0,-2 15 0,8 41 0,4 65 0,-10-95 0,0 1 0,0-1 0,0 0 0,0 0 0,0 0 0,0 0 0,0 0 0,0 1 0,0-1 0,0 0 0,0 0 0,0 0 0,0 0 0,0 1 0,0-1 0,0 0 0,0 0 0,0 0 0,0 0 0,0 1 0,0-1 0,0 0 0,0 0 0,0 0 0,0 0 0,0 1 0,0-1 0,0 0 0,0 0 0,0 0 0,-1 0 0,1 0 0,0 0 0,0 1 0,0-1 0,0 0 0,0 0 0,0 0 0,-1 0 0,1 0 0,0 0 0,0 0 0,0 0 0,0 0 0,-1 0 0,1 0 0,0 0 0,0 0 0,0 0 0,0 0 0,-1 0 0,1 0 0,0 0 0,0 0 0,-13-6 0,-9-14 0,16 12 0,0 2 0,1-1 0,0 0 0,1 0 0,0-1 0,0 1 0,-4-10 0,9 18 0,-1-1 0,0 1 0,1-1 0,-1 0 0,0 1 0,1-1 0,-1 0 0,0 0 0,1 1 0,-1-1 0,1 0 0,-1 0 0,1 1 0,-1-1 0,1 0 0,-1 0 0,1 0 0,-1 0 0,1 0 0,-1 0 0,1 0 0,-1 0 0,1 0 0,-1 0 0,0 0 0,1 0 0,-1 0 0,1 0 0,-1 0 0,1 0 0,-1-1 0,1 1 0,1-1 0,-1 1 0,0-1 0,0 1 0,1-1 0,-1 1 0,0-1 0,0 0 0,0 0 0,0 1 0,0-1 0,0 0 0,0 0 0,0 0 0,0 0 0,0 0 0,-1 0 0,2-2 0,4-18 0,-5 17 0,0 1 0,0 0 0,0-1 0,0 1 0,0 0 0,1 0 0,-1 0 0,4-5 0,-3 46 0,-2-38 0,0 1 0,0-1 0,0 1 0,0-1 0,1 1 0,-1-1 0,0 1 0,0-1 0,0 1 0,-1-1 0,1 1 0,0-1 0,0 1 0,0-1 0,0 1 0,0-1 0,-1 1 0,1-1 0,0 1 0,0-1 0,-1 1 0,1-1 0,0 1 0,-1-1 0,1 0 0,0 1 0,-1-1 0,1 1 0,-1-1 0,1 0 0,-1 0 0,1 1 0,-1-1 0,1 0 0,-1 0 0,1 0 0,-1 1 0,1-1 0,-1 0 0,1 0 0,-1 0 0,-25-10 0,23 8 0,0 0 0,-1 1 0,1-1 0,0 1 0,-1 0 0,1 0 0,-6-1 0,-40 6-1365</inkml:trace>
+</inkml:ink>
+</file>
+
+<file path=ppt/ink/ink34.xml><?xml version="1.0" encoding="utf-8"?>
+<inkml:ink xmlns:inkml="http://www.w3.org/2003/InkML">
+  <inkml:definitions>
+    <inkml:context xml:id="ctx0">
+      <inkml:inkSource xml:id="inkSrc0">
+        <inkml:traceFormat>
+          <inkml:channel name="X" type="integer" min="-2.14748E9" max="2.14748E9" units="cm"/>
+          <inkml:channel name="Y" type="integer" min="-2.14748E9" max="2.14748E9" units="cm"/>
+          <inkml:channel name="F" type="integer" max="32767" units="dev"/>
+        </inkml:traceFormat>
+        <inkml:channelProperties>
+          <inkml:channelProperty channel="X" name="resolution" value="1000" units="1/cm"/>
+          <inkml:channelProperty channel="Y" name="resolution" value="1000" units="1/cm"/>
+          <inkml:channelProperty channel="F" name="resolution" value="0" units="1/dev"/>
+        </inkml:channelProperties>
+      </inkml:inkSource>
+      <inkml:timestamp xml:id="ts0" timeString="2023-02-12T15:54:38.358"/>
+    </inkml:context>
+    <inkml:brush xml:id="br0">
+      <inkml:brushProperty name="width" value="0.05" units="cm"/>
+      <inkml:brushProperty name="height" value="0.05" units="cm"/>
+      <inkml:brushProperty name="color" value="#FFFFFF"/>
+    </inkml:brush>
+  </inkml:definitions>
+  <inkml:trace contextRef="#ctx0" brushRef="#br0">1 0 24575,'0'1'0</inkml:trace>
+</inkml:ink>
+</file>
+
+<file path=ppt/ink/ink35.xml><?xml version="1.0" encoding="utf-8"?>
+<inkml:ink xmlns:inkml="http://www.w3.org/2003/InkML">
+  <inkml:definitions>
+    <inkml:context xml:id="ctx0">
+      <inkml:inkSource xml:id="inkSrc0">
+        <inkml:traceFormat>
+          <inkml:channel name="X" type="integer" min="-2.14748E9" max="2.14748E9" units="cm"/>
+          <inkml:channel name="Y" type="integer" min="-2.14748E9" max="2.14748E9" units="cm"/>
+          <inkml:channel name="F" type="integer" max="32767" units="dev"/>
+        </inkml:traceFormat>
+        <inkml:channelProperties>
+          <inkml:channelProperty channel="X" name="resolution" value="1000" units="1/cm"/>
+          <inkml:channelProperty channel="Y" name="resolution" value="1000" units="1/cm"/>
+          <inkml:channelProperty channel="F" name="resolution" value="0" units="1/dev"/>
+        </inkml:channelProperties>
+      </inkml:inkSource>
+      <inkml:timestamp xml:id="ts0" timeString="2023-02-12T15:54:48.737"/>
+    </inkml:context>
+    <inkml:brush xml:id="br0">
+      <inkml:brushProperty name="width" value="0.025" units="cm"/>
+      <inkml:brushProperty name="height" value="0.025" units="cm"/>
+      <inkml:brushProperty name="color" value="#FFFFFF"/>
+    </inkml:brush>
+  </inkml:definitions>
+  <inkml:trace contextRef="#ctx0" brushRef="#br0">84 47 24575,'0'20'0,"-1"-1"0,-1 1 0,-1-1 0,-5 20 0,6-29 0,1 0 0,0 0 0,1 17 0,0-18 0,0 1 0,-1-1 0,0 1 0,-3 13 0,-2 9 0,6-28 0,-1 0 0,1 0 0,-1 0 0,0 0 0,0 0 0,0-1 0,0 1 0,-1 0 0,1-1 0,-1 1 0,0-1 0,0 0 0,-3 4 0,-4 5 0,1-4 0,6-26 0,2 13 0,-1 0 0,1 0 0,-1 0 0,0 0 0,0 0 0,-3-6 0,-2-9 0,6 16 0,-1 1 0,1-1 0,0 1 0,0-1 0,1 1 0,-1-1 0,1 1 0,-1-1 0,3-4 0,2-24 0,-4 19 0,0 1 0,1 0 0,4-16 0,0 3 0,19-67 0,-23 55-17,-2 23-1331,-1 9-5478</inkml:trace>
+</inkml:ink>
+</file>
+
+<file path=ppt/ink/ink36.xml><?xml version="1.0" encoding="utf-8"?>
+<inkml:ink xmlns:inkml="http://www.w3.org/2003/InkML">
+  <inkml:definitions>
+    <inkml:context xml:id="ctx0">
+      <inkml:inkSource xml:id="inkSrc0">
+        <inkml:traceFormat>
+          <inkml:channel name="X" type="integer" min="-2.14748E9" max="2.14748E9" units="cm"/>
+          <inkml:channel name="Y" type="integer" min="-2.14748E9" max="2.14748E9" units="cm"/>
+          <inkml:channel name="F" type="integer" max="32767" units="dev"/>
+        </inkml:traceFormat>
+        <inkml:channelProperties>
+          <inkml:channelProperty channel="X" name="resolution" value="1000" units="1/cm"/>
+          <inkml:channelProperty channel="Y" name="resolution" value="1000" units="1/cm"/>
+          <inkml:channelProperty channel="F" name="resolution" value="0" units="1/dev"/>
+        </inkml:channelProperties>
+      </inkml:inkSource>
+      <inkml:timestamp xml:id="ts0" timeString="2023-02-12T15:54:50.665"/>
+    </inkml:context>
+    <inkml:brush xml:id="br0">
+      <inkml:brushProperty name="width" value="0.025" units="cm"/>
+      <inkml:brushProperty name="height" value="0.025" units="cm"/>
+      <inkml:brushProperty name="color" value="#FFFFFF"/>
+    </inkml:brush>
+  </inkml:definitions>
+  <inkml:trace contextRef="#ctx0" brushRef="#br0">21 5 24575,'3'40'0,"-2"-33"0,0 0 0,0 0 0,-1 1 0,0-1 0,0 0 0,0 0 0,-1 0 0,0 1 0,-1-1 0,0 0 0,-4 11 0,5-20 0,-1 0 0,1 0 0,-1 0 0,1 0 0,0 0 0,0 0 0,0 0 0,0 0 0,0-1 0,0 1 0,1 0 0,-1-1 0,1 1 0,-1-4 0,21-95-1365,-19 96-5461</inkml:trace>
+</inkml:ink>
+</file>
+
+<file path=ppt/ink/ink37.xml><?xml version="1.0" encoding="utf-8"?>
+<inkml:ink xmlns:inkml="http://www.w3.org/2003/InkML">
+  <inkml:definitions>
+    <inkml:context xml:id="ctx0">
+      <inkml:inkSource xml:id="inkSrc0">
+        <inkml:traceFormat>
+          <inkml:channel name="X" type="integer" min="-2.14748E9" max="2.14748E9" units="cm"/>
+          <inkml:channel name="Y" type="integer" min="-2.14748E9" max="2.14748E9" units="cm"/>
+          <inkml:channel name="F" type="integer" max="32767" units="dev"/>
+        </inkml:traceFormat>
+        <inkml:channelProperties>
+          <inkml:channelProperty channel="X" name="resolution" value="1000" units="1/cm"/>
+          <inkml:channelProperty channel="Y" name="resolution" value="1000" units="1/cm"/>
+          <inkml:channelProperty channel="F" name="resolution" value="0" units="1/dev"/>
+        </inkml:channelProperties>
+      </inkml:inkSource>
+      <inkml:timestamp xml:id="ts0" timeString="2023-02-12T15:54:53.167"/>
+    </inkml:context>
+    <inkml:brush xml:id="br0">
+      <inkml:brushProperty name="width" value="0.025" units="cm"/>
+      <inkml:brushProperty name="height" value="0.025" units="cm"/>
+      <inkml:brushProperty name="color" value="#FFFFFF"/>
+    </inkml:brush>
+  </inkml:definitions>
+  <inkml:trace contextRef="#ctx0" brushRef="#br0">12 1 24575,'-10'63'0,"15"107"0,0-32 0,-4-121 0,1 1 0,-1 0 0,-1 0 0,0 0 0,-5 24 0,-4-20-1365,7-18-5461</inkml:trace>
+</inkml:ink>
+</file>
+
+<file path=ppt/ink/ink38.xml><?xml version="1.0" encoding="utf-8"?>
+<inkml:ink xmlns:inkml="http://www.w3.org/2003/InkML">
+  <inkml:definitions>
+    <inkml:context xml:id="ctx0">
+      <inkml:inkSource xml:id="inkSrc0">
+        <inkml:traceFormat>
+          <inkml:channel name="X" type="integer" min="-2.14748E9" max="2.14748E9" units="cm"/>
+          <inkml:channel name="Y" type="integer" min="-2.14748E9" max="2.14748E9" units="cm"/>
+          <inkml:channel name="F" type="integer" max="32767" units="dev"/>
+        </inkml:traceFormat>
+        <inkml:channelProperties>
+          <inkml:channelProperty channel="X" name="resolution" value="1000" units="1/cm"/>
+          <inkml:channelProperty channel="Y" name="resolution" value="1000" units="1/cm"/>
+          <inkml:channelProperty channel="F" name="resolution" value="0" units="1/dev"/>
+        </inkml:channelProperties>
+      </inkml:inkSource>
+      <inkml:timestamp xml:id="ts0" timeString="2023-02-12T15:54:54.084"/>
+    </inkml:context>
+    <inkml:brush xml:id="br0">
+      <inkml:brushProperty name="width" value="0.025" units="cm"/>
+      <inkml:brushProperty name="height" value="0.025" units="cm"/>
+      <inkml:brushProperty name="color" value="#FFFFFF"/>
+    </inkml:brush>
+  </inkml:definitions>
+  <inkml:trace contextRef="#ctx0" brushRef="#br0">1 210 24575,'10'-122'0,"-9"113"-15,1 1 0,0-1 0,1 0 0,0 1 0,6-12 0,-1 0-1260,-6 15-5551</inkml:trace>
+</inkml:ink>
+</file>
+
+<file path=ppt/ink/ink4.xml><?xml version="1.0" encoding="utf-8"?>
+<inkml:ink xmlns:inkml="http://www.w3.org/2003/InkML">
+  <inkml:definitions>
+    <inkml:context xml:id="ctx0">
+      <inkml:inkSource xml:id="inkSrc0">
+        <inkml:traceFormat>
+          <inkml:channel name="X" type="integer" min="-2.14748E9" max="2.14748E9" units="cm"/>
+          <inkml:channel name="Y" type="integer" min="-2.14748E9" max="2.14748E9" units="cm"/>
+        </inkml:traceFormat>
+        <inkml:channelProperties>
+          <inkml:channelProperty channel="X" name="resolution" value="1000" units="1/cm"/>
+          <inkml:channelProperty channel="Y" name="resolution" value="1000" units="1/cm"/>
+        </inkml:channelProperties>
+      </inkml:inkSource>
+      <inkml:timestamp xml:id="ts0" timeString="2023-02-12T15:48:48.557"/>
+    </inkml:context>
+    <inkml:brush xml:id="br0">
+      <inkml:brushProperty name="width" value="0.3" units="cm"/>
+      <inkml:brushProperty name="height" value="0.6" units="cm"/>
+      <inkml:brushProperty name="color" value="#FFFFFF"/>
+      <inkml:brushProperty name="tip" value="rectangle"/>
+      <inkml:brushProperty name="rasterOp" value="maskPen"/>
+      <inkml:brushProperty name="ignorePressure" value="1"/>
+    </inkml:brush>
+  </inkml:definitions>
+  <inkml:trace contextRef="#ctx0" brushRef="#br0">15 1,'-4'0,"-1"4,0 5,4 2,8 2,5-1,6-2,3-3,1-3,3-2,-5-1</inkml:trace>
+</inkml:ink>
+</file>
+
+<file path=ppt/ink/ink5.xml><?xml version="1.0" encoding="utf-8"?>
+<inkml:ink xmlns:inkml="http://www.w3.org/2003/InkML">
+  <inkml:definitions>
+    <inkml:context xml:id="ctx0">
+      <inkml:inkSource xml:id="inkSrc0">
+        <inkml:traceFormat>
+          <inkml:channel name="X" type="integer" min="-2.14748E9" max="2.14748E9" units="cm"/>
+          <inkml:channel name="Y" type="integer" min="-2.14748E9" max="2.14748E9" units="cm"/>
+        </inkml:traceFormat>
+        <inkml:channelProperties>
+          <inkml:channelProperty channel="X" name="resolution" value="1000" units="1/cm"/>
+          <inkml:channelProperty channel="Y" name="resolution" value="1000" units="1/cm"/>
+        </inkml:channelProperties>
+      </inkml:inkSource>
+      <inkml:timestamp xml:id="ts0" timeString="2023-02-12T15:48:49.008"/>
+    </inkml:context>
+    <inkml:brush xml:id="br0">
+      <inkml:brushProperty name="width" value="0.3" units="cm"/>
+      <inkml:brushProperty name="height" value="0.6" units="cm"/>
+      <inkml:brushProperty name="color" value="#FFFFFF"/>
+      <inkml:brushProperty name="tip" value="rectangle"/>
+      <inkml:brushProperty name="rasterOp" value="maskPen"/>
+      <inkml:brushProperty name="ignorePressure" value="1"/>
+    </inkml:brush>
+  </inkml:definitions>
+  <inkml:trace contextRef="#ctx0" brushRef="#br0">0 491,'20'-2,"-1"-1,0 0,0-1,-1-1,1-1,27-13,123-51,-85 39,-32 10,1 3,74-16,741-67,-600 83,207-11,702 18,-750 13,820-29,-517 6,125-2,-261-18,-464 36,-111 5</inkml:trace>
+</inkml:ink>
+</file>
+
+<file path=ppt/ink/ink6.xml><?xml version="1.0" encoding="utf-8"?>
+<inkml:ink xmlns:inkml="http://www.w3.org/2003/InkML">
+  <inkml:definitions>
+    <inkml:context xml:id="ctx0">
+      <inkml:inkSource xml:id="inkSrc0">
+        <inkml:traceFormat>
+          <inkml:channel name="X" type="integer" min="-2.14748E9" max="2.14748E9" units="cm"/>
+          <inkml:channel name="Y" type="integer" min="-2.14748E9" max="2.14748E9" units="cm"/>
+        </inkml:traceFormat>
+        <inkml:channelProperties>
+          <inkml:channelProperty channel="X" name="resolution" value="1000" units="1/cm"/>
+          <inkml:channelProperty channel="Y" name="resolution" value="1000" units="1/cm"/>
+        </inkml:channelProperties>
+      </inkml:inkSource>
+      <inkml:timestamp xml:id="ts0" timeString="2023-02-12T15:48:49.417"/>
+    </inkml:context>
+    <inkml:brush xml:id="br0">
+      <inkml:brushProperty name="width" value="0.3" units="cm"/>
+      <inkml:brushProperty name="height" value="0.6" units="cm"/>
+      <inkml:brushProperty name="color" value="#FFFFFF"/>
+      <inkml:brushProperty name="tip" value="rectangle"/>
+      <inkml:brushProperty name="rasterOp" value="maskPen"/>
+      <inkml:brushProperty name="ignorePressure" value="1"/>
+    </inkml:brush>
+  </inkml:definitions>
+  <inkml:trace contextRef="#ctx0" brushRef="#br0">0 469,'10'-1,"0"-1,0-1,0 1,-1-1,1-1,-1 0,17-10,1 1,153-63,215-58,-227 86,3 7,312-32,-286 53,147-8,-198 25,-1 7,0 6,157 32,112 47,513 93,-565-123,-203-28</inkml:trace>
+</inkml:ink>
+</file>
+
+<file path=ppt/ink/ink7.xml><?xml version="1.0" encoding="utf-8"?>
+<inkml:ink xmlns:inkml="http://www.w3.org/2003/InkML">
+  <inkml:definitions>
+    <inkml:context xml:id="ctx0">
+      <inkml:inkSource xml:id="inkSrc0">
+        <inkml:traceFormat>
+          <inkml:channel name="X" type="integer" min="-2.14748E9" max="2.14748E9" units="cm"/>
+          <inkml:channel name="Y" type="integer" min="-2.14748E9" max="2.14748E9" units="cm"/>
+        </inkml:traceFormat>
+        <inkml:channelProperties>
+          <inkml:channelProperty channel="X" name="resolution" value="1000" units="1/cm"/>
+          <inkml:channelProperty channel="Y" name="resolution" value="1000" units="1/cm"/>
+        </inkml:channelProperties>
+      </inkml:inkSource>
+      <inkml:timestamp xml:id="ts0" timeString="2023-02-12T15:48:49.858"/>
+    </inkml:context>
+    <inkml:brush xml:id="br0">
+      <inkml:brushProperty name="width" value="0.3" units="cm"/>
+      <inkml:brushProperty name="height" value="0.6" units="cm"/>
+      <inkml:brushProperty name="color" value="#FFFFFF"/>
+      <inkml:brushProperty name="tip" value="rectangle"/>
+      <inkml:brushProperty name="rasterOp" value="maskPen"/>
+      <inkml:brushProperty name="ignorePressure" value="1"/>
+    </inkml:brush>
+  </inkml:definitions>
+  <inkml:trace contextRef="#ctx0" brushRef="#br0">0 10,'0'-4,"0"-1</inkml:trace>
+</inkml:ink>
+</file>
+
+<file path=ppt/ink/ink8.xml><?xml version="1.0" encoding="utf-8"?>
+<inkml:ink xmlns:inkml="http://www.w3.org/2003/InkML">
+  <inkml:definitions>
+    <inkml:context xml:id="ctx0">
+      <inkml:inkSource xml:id="inkSrc0">
+        <inkml:traceFormat>
+          <inkml:channel name="X" type="integer" min="-2.14748E9" max="2.14748E9" units="cm"/>
+          <inkml:channel name="Y" type="integer" min="-2.14748E9" max="2.14748E9" units="cm"/>
+        </inkml:traceFormat>
+        <inkml:channelProperties>
+          <inkml:channelProperty channel="X" name="resolution" value="1000" units="1/cm"/>
+          <inkml:channelProperty channel="Y" name="resolution" value="1000" units="1/cm"/>
+        </inkml:channelProperties>
+      </inkml:inkSource>
+      <inkml:timestamp xml:id="ts0" timeString="2023-02-12T15:48:50.207"/>
+    </inkml:context>
+    <inkml:brush xml:id="br0">
+      <inkml:brushProperty name="width" value="0.3" units="cm"/>
+      <inkml:brushProperty name="height" value="0.6" units="cm"/>
+      <inkml:brushProperty name="color" value="#FFFFFF"/>
+      <inkml:brushProperty name="tip" value="rectangle"/>
+      <inkml:brushProperty name="rasterOp" value="maskPen"/>
+      <inkml:brushProperty name="ignorePressure" value="1"/>
+    </inkml:brush>
+  </inkml:definitions>
+  <inkml:trace contextRef="#ctx0" brushRef="#br0">235 1,'0'1,"0"0,-1 0,1 1,0-1,-1 0,0 0,1 0,-1 0,1 0,-1 0,0 0,0 0,0-1,0 1,1 0,-1 0,0-1,0 1,-2 0,-25 13,20-10,-29 14,1 2,-43 31,76-49,1 0,-1 0,1 1,0-1,-1 1,1-1,1 1,-1 0,0-1,1 1,-1 0,1 0,0 0,0 1,0-1,0 0,1 0,-1 0,1 1,0-1,0 0,0 0,0 1,0-1,1 0,0 0,0 1,-1-1,2 0,-1 0,0 0,2 3,0-1,0 1,1-1,-1 0,1 0,0 0,0 0,1-1,-1 1,1-1,0 0,0-1,1 1,-1-1,1 0,10 4,51 11,-47-14</inkml:trace>
+</inkml:ink>
+</file>
+
+<file path=ppt/ink/ink9.xml><?xml version="1.0" encoding="utf-8"?>
+<inkml:ink xmlns:inkml="http://www.w3.org/2003/InkML">
+  <inkml:definitions>
+    <inkml:context xml:id="ctx0">
+      <inkml:inkSource xml:id="inkSrc0">
+        <inkml:traceFormat>
+          <inkml:channel name="X" type="integer" min="-2.14748E9" max="2.14748E9" units="cm"/>
+          <inkml:channel name="Y" type="integer" min="-2.14748E9" max="2.14748E9" units="cm"/>
+        </inkml:traceFormat>
+        <inkml:channelProperties>
+          <inkml:channelProperty channel="X" name="resolution" value="1000" units="1/cm"/>
+          <inkml:channelProperty channel="Y" name="resolution" value="1000" units="1/cm"/>
+        </inkml:channelProperties>
+      </inkml:inkSource>
+      <inkml:timestamp xml:id="ts0" timeString="2023-02-12T15:48:50.566"/>
+    </inkml:context>
+    <inkml:brush xml:id="br0">
+      <inkml:brushProperty name="width" value="0.3" units="cm"/>
+      <inkml:brushProperty name="height" value="0.6" units="cm"/>
+      <inkml:brushProperty name="color" value="#FFFFFF"/>
+      <inkml:brushProperty name="tip" value="rectangle"/>
+      <inkml:brushProperty name="rasterOp" value="maskPen"/>
+      <inkml:brushProperty name="ignorePressure" value="1"/>
+    </inkml:brush>
+  </inkml:definitions>
+  <inkml:trace contextRef="#ctx0" brushRef="#br0">991 0,'-1'3,"1"0,-1 0,0 0,0 0,0 0,0 0,-1 0,1 0,-1-1,0 1,0-1,1 1,-2-1,1 0,0 1,0-1,-1 0,1-1,-6 4,-8 5,0-2,-20 9,26-13,-54 23,-1-4,-121 27,-144 0,173-39,85-8</inkml:trace>
+</inkml:ink>
 </file>
 
 <file path=ppt/notesMasters/notesMaster1.xml><?xml version="1.0" encoding="utf-8"?>
@@ -385,7 +1462,7 @@
             <a:fld id="{BF328083-36D7-4636-A812-907FF9D7C267}" type="datetime1">
               <a:rPr lang="ru-RU" smtClean="0"/>
               <a:pPr/>
-              <a:t>18.12.2022</a:t>
+              <a:t>13.02.2023</a:t>
             </a:fld>
             <a:endParaRPr lang="ru-RU" dirty="0"/>
           </a:p>
@@ -929,7 +2006,7 @@
             <a:pPr rtl="0"/>
             <a:fld id="{AE90E520-686D-4C71-8133-4EA692C955A9}" type="datetime1">
               <a:rPr lang="ru-RU" noProof="0" smtClean="0"/>
-              <a:t>18.12.2022</a:t>
+              <a:t>13.02.2023</a:t>
             </a:fld>
             <a:endParaRPr lang="ru-RU" noProof="0" dirty="0"/>
           </a:p>
@@ -1239,7 +2316,7 @@
             <a:pPr rtl="0"/>
             <a:fld id="{BF246B87-8E16-4093-801D-C24D9D7EC119}" type="datetime1">
               <a:rPr lang="ru-RU" noProof="0" smtClean="0"/>
-              <a:t>18.12.2022</a:t>
+              <a:t>13.02.2023</a:t>
             </a:fld>
             <a:endParaRPr lang="ru-RU" noProof="0" dirty="0"/>
           </a:p>
@@ -1437,7 +2514,7 @@
             <a:pPr rtl="0"/>
             <a:fld id="{1468C2FC-11E6-47DA-8531-957371E4E221}" type="datetime1">
               <a:rPr lang="ru-RU" noProof="0" smtClean="0"/>
-              <a:t>18.12.2022</a:t>
+              <a:t>13.02.2023</a:t>
             </a:fld>
             <a:endParaRPr lang="ru-RU" noProof="0" dirty="0"/>
           </a:p>
@@ -1704,7 +2781,7 @@
             <a:pPr rtl="0"/>
             <a:fld id="{EBABFD61-962E-4157-977B-58AAA58B15E2}" type="datetime1">
               <a:rPr lang="ru-RU" noProof="0" smtClean="0"/>
-              <a:t>18.12.2022</a:t>
+              <a:t>13.02.2023</a:t>
             </a:fld>
             <a:endParaRPr lang="ru-RU" noProof="0" dirty="0"/>
           </a:p>
@@ -2146,7 +3223,7 @@
             <a:pPr rtl="0"/>
             <a:fld id="{C5FC0D30-2288-4C22-9F23-799DF7591430}" type="datetime1">
               <a:rPr lang="ru-RU" noProof="0" smtClean="0"/>
-              <a:t>18.12.2022</a:t>
+              <a:t>13.02.2023</a:t>
             </a:fld>
             <a:endParaRPr lang="ru-RU" noProof="0" dirty="0"/>
           </a:p>
@@ -2687,7 +3764,7 @@
             <a:pPr rtl="0"/>
             <a:fld id="{BC6CE77A-153C-497F-9BB1-25A9DFFF5F3F}" type="datetime1">
               <a:rPr lang="ru-RU" noProof="0" smtClean="0"/>
-              <a:t>18.12.2022</a:t>
+              <a:t>13.02.2023</a:t>
             </a:fld>
             <a:endParaRPr lang="ru-RU" noProof="0" dirty="0"/>
           </a:p>
@@ -3576,7 +4653,7 @@
             <a:pPr rtl="0"/>
             <a:fld id="{7DEEEF43-3400-4A9E-81BF-C7BEEADDFE41}" type="datetime1">
               <a:rPr lang="ru-RU" noProof="0" smtClean="0"/>
-              <a:t>18.12.2022</a:t>
+              <a:t>13.02.2023</a:t>
             </a:fld>
             <a:endParaRPr lang="ru-RU" noProof="0" dirty="0"/>
           </a:p>
@@ -3750,7 +4827,7 @@
             <a:pPr rtl="0"/>
             <a:fld id="{B23A72F9-4256-4359-B342-64C7E8DCC659}" type="datetime1">
               <a:rPr lang="ru-RU" noProof="0" smtClean="0"/>
-              <a:t>18.12.2022</a:t>
+              <a:t>13.02.2023</a:t>
             </a:fld>
             <a:endParaRPr lang="ru-RU" noProof="0" dirty="0"/>
           </a:p>
@@ -3998,7 +5075,7 @@
             <a:pPr rtl="0"/>
             <a:fld id="{75C6FF0E-EB4C-439A-A443-070F1507FB7E}" type="datetime1">
               <a:rPr lang="ru-RU" noProof="0" smtClean="0"/>
-              <a:t>18.12.2022</a:t>
+              <a:t>13.02.2023</a:t>
             </a:fld>
             <a:endParaRPr lang="ru-RU" noProof="0" dirty="0"/>
           </a:p>
@@ -4244,7 +5321,7 @@
             <a:pPr rtl="0"/>
             <a:fld id="{24DD90D4-56AF-4E6B-B35D-872C35047082}" type="datetime1">
               <a:rPr lang="ru-RU" noProof="0" smtClean="0"/>
-              <a:t>18.12.2022</a:t>
+              <a:t>13.02.2023</a:t>
             </a:fld>
             <a:endParaRPr lang="ru-RU" noProof="0" dirty="0"/>
           </a:p>
@@ -4731,7 +5808,7 @@
             <a:pPr rtl="0"/>
             <a:fld id="{AAAC35DE-DDDF-490A-8410-1A39B9D9ACED}" type="datetime1">
               <a:rPr lang="ru-RU" noProof="0" smtClean="0"/>
-              <a:t>18.12.2022</a:t>
+              <a:t>13.02.2023</a:t>
             </a:fld>
             <a:endParaRPr lang="ru-RU" noProof="0" dirty="0"/>
           </a:p>
@@ -4853,7 +5930,7 @@
             <a:pPr rtl="0"/>
             <a:fld id="{F47BDB06-5E9D-4BFC-B202-8D78BF6A8453}" type="datetime1">
               <a:rPr lang="ru-RU" noProof="0" smtClean="0"/>
-              <a:t>18.12.2022</a:t>
+              <a:t>13.02.2023</a:t>
             </a:fld>
             <a:endParaRPr lang="ru-RU" noProof="0" dirty="0"/>
           </a:p>
@@ -4951,7 +6028,7 @@
             <a:pPr rtl="0"/>
             <a:fld id="{D9C874C4-3349-4618-A49A-57DEFB6F7BFB}" type="datetime1">
               <a:rPr lang="ru-RU" noProof="0" smtClean="0"/>
-              <a:t>18.12.2022</a:t>
+              <a:t>13.02.2023</a:t>
             </a:fld>
             <a:endParaRPr lang="ru-RU" noProof="0" dirty="0"/>
           </a:p>
@@ -5210,7 +6287,7 @@
             <a:pPr rtl="0"/>
             <a:fld id="{CBA705E8-F76D-47F7-8C93-B438C95088DE}" type="datetime1">
               <a:rPr lang="ru-RU" noProof="0" smtClean="0"/>
-              <a:t>18.12.2022</a:t>
+              <a:t>13.02.2023</a:t>
             </a:fld>
             <a:endParaRPr lang="ru-RU" noProof="0" dirty="0"/>
           </a:p>
@@ -5522,7 +6599,7 @@
             <a:pPr rtl="0"/>
             <a:fld id="{C804A2CF-2624-43E6-98B0-2BA1BDD73BD5}" type="datetime1">
               <a:rPr lang="ru-RU" noProof="0" smtClean="0"/>
-              <a:t>18.12.2022</a:t>
+              <a:t>13.02.2023</a:t>
             </a:fld>
             <a:endParaRPr lang="ru-RU" noProof="0" dirty="0"/>
           </a:p>
@@ -5758,7 +6835,7 @@
           <a:p>
             <a:fld id="{798B96AE-99FB-476F-9A0D-2322D8B66A52}" type="datetime1">
               <a:rPr lang="ru-RU" noProof="0" smtClean="0"/>
-              <a:t>18.12.2022</a:t>
+              <a:t>13.02.2023</a:t>
             </a:fld>
             <a:endParaRPr lang="ru-RU" noProof="0" dirty="0"/>
           </a:p>
@@ -6853,6 +7930,2164 @@
           <a:chExt cx="0" cy="0"/>
         </a:xfrm>
       </p:grpSpPr>
+      <p:pic>
+        <p:nvPicPr>
+          <p:cNvPr id="7" name="Объект 6" descr="Изображение выглядит как текст&#10;&#10;Автоматически созданное описание">
+            <a:extLst>
+              <a:ext uri="{FF2B5EF4-FFF2-40B4-BE49-F238E27FC236}">
+                <a16:creationId xmlns:a16="http://schemas.microsoft.com/office/drawing/2014/main" id="{C0A27A8B-6F54-A718-1791-711E985A1335}"/>
+              </a:ext>
+            </a:extLst>
+          </p:cNvPr>
+          <p:cNvPicPr>
+            <a:picLocks noGrp="1" noChangeAspect="1"/>
+          </p:cNvPicPr>
+          <p:nvPr>
+            <p:ph idx="1"/>
+          </p:nvPr>
+        </p:nvPicPr>
+        <p:blipFill rotWithShape="1">
+          <a:blip r:embed="rId2"/>
+          <a:srcRect l="37687" t="20417" r="38800" b="12944"/>
+          <a:stretch/>
+        </p:blipFill>
+        <p:spPr>
+          <a:xfrm>
+            <a:off x="1365378" y="202568"/>
+            <a:ext cx="3686757" cy="5877221"/>
+          </a:xfrm>
+        </p:spPr>
+      </p:pic>
+      <p:sp>
+        <p:nvSpPr>
+          <p:cNvPr id="8" name="TextBox 7">
+            <a:extLst>
+              <a:ext uri="{FF2B5EF4-FFF2-40B4-BE49-F238E27FC236}">
+                <a16:creationId xmlns:a16="http://schemas.microsoft.com/office/drawing/2014/main" id="{207E905D-87FF-772F-0FF5-60D36FC80744}"/>
+              </a:ext>
+            </a:extLst>
+          </p:cNvPr>
+          <p:cNvSpPr txBox="1"/>
+          <p:nvPr/>
+        </p:nvSpPr>
+        <p:spPr>
+          <a:xfrm>
+            <a:off x="2018950" y="6211832"/>
+            <a:ext cx="8296710" cy="369332"/>
+          </a:xfrm>
+          <a:prstGeom prst="rect">
+            <a:avLst/>
+          </a:prstGeom>
+          <a:noFill/>
+        </p:spPr>
+        <p:txBody>
+          <a:bodyPr wrap="square" rtlCol="0">
+            <a:spAutoFit/>
+          </a:bodyPr>
+          <a:lstStyle/>
+          <a:p>
+            <a:r>
+              <a:rPr lang="ru-RU" dirty="0">
+                <a:latin typeface="Arial" panose="020B0604020202020204" pitchFamily="34" charset="0"/>
+                <a:cs typeface="Arial" panose="020B0604020202020204" pitchFamily="34" charset="0"/>
+              </a:rPr>
+              <a:t>Пример построения суффиксного дерева с помощью алгоритма </a:t>
+            </a:r>
+            <a:r>
+              <a:rPr lang="ru-RU" dirty="0" err="1">
+                <a:latin typeface="Arial" panose="020B0604020202020204" pitchFamily="34" charset="0"/>
+                <a:cs typeface="Arial" panose="020B0604020202020204" pitchFamily="34" charset="0"/>
+              </a:rPr>
+              <a:t>Маккрейта</a:t>
+            </a:r>
+            <a:endParaRPr lang="ru-RU" dirty="0">
+              <a:latin typeface="Arial" panose="020B0604020202020204" pitchFamily="34" charset="0"/>
+              <a:cs typeface="Arial" panose="020B0604020202020204" pitchFamily="34" charset="0"/>
+            </a:endParaRPr>
+          </a:p>
+        </p:txBody>
+      </p:sp>
+      <p:pic>
+        <p:nvPicPr>
+          <p:cNvPr id="3" name="Рисунок 2" descr="Изображение выглядит как текст&#10;&#10;Автоматически созданное описание">
+            <a:extLst>
+              <a:ext uri="{FF2B5EF4-FFF2-40B4-BE49-F238E27FC236}">
+                <a16:creationId xmlns:a16="http://schemas.microsoft.com/office/drawing/2014/main" id="{64AA7EDC-83CF-4632-DE22-A89EF78E3996}"/>
+              </a:ext>
+            </a:extLst>
+          </p:cNvPr>
+          <p:cNvPicPr>
+            <a:picLocks noChangeAspect="1"/>
+          </p:cNvPicPr>
+          <p:nvPr/>
+        </p:nvPicPr>
+        <p:blipFill rotWithShape="1">
+          <a:blip r:embed="rId2"/>
+          <a:srcRect l="66821" t="40284" r="15390" b="13191"/>
+          <a:stretch/>
+        </p:blipFill>
+        <p:spPr>
+          <a:xfrm>
+            <a:off x="7077858" y="202567"/>
+            <a:ext cx="3858391" cy="5877221"/>
+          </a:xfrm>
+          <a:prstGeom prst="rect">
+            <a:avLst/>
+          </a:prstGeom>
+        </p:spPr>
+      </p:pic>
+      <mc:AlternateContent xmlns:mc="http://schemas.openxmlformats.org/markup-compatibility/2006">
+        <mc:Choice xmlns:p14="http://schemas.microsoft.com/office/powerpoint/2010/main" Requires="p14">
+          <p:contentPart p14:bwMode="auto" r:id="rId3">
+            <p14:nvContentPartPr>
+              <p14:cNvPr id="4" name="Рукописный ввод 3">
+                <a:extLst>
+                  <a:ext uri="{FF2B5EF4-FFF2-40B4-BE49-F238E27FC236}">
+                    <a16:creationId xmlns:a16="http://schemas.microsoft.com/office/drawing/2014/main" id="{0CC6B4E6-B913-80AC-FE47-A0DB0B7B88E2}"/>
+                  </a:ext>
+                </a:extLst>
+              </p14:cNvPr>
+              <p14:cNvContentPartPr/>
+              <p14:nvPr/>
+            </p14:nvContentPartPr>
+            <p14:xfrm>
+              <a:off x="6826218" y="1106914"/>
+              <a:ext cx="61920" cy="496800"/>
+            </p14:xfrm>
+          </p:contentPart>
+        </mc:Choice>
+        <mc:Fallback>
+          <p:pic>
+            <p:nvPicPr>
+              <p:cNvPr id="4" name="Рукописный ввод 3">
+                <a:extLst>
+                  <a:ext uri="{FF2B5EF4-FFF2-40B4-BE49-F238E27FC236}">
+                    <a16:creationId xmlns:a16="http://schemas.microsoft.com/office/drawing/2014/main" id="{0CC6B4E6-B913-80AC-FE47-A0DB0B7B88E2}"/>
+                  </a:ext>
+                </a:extLst>
+              </p:cNvPr>
+              <p:cNvPicPr/>
+              <p:nvPr/>
+            </p:nvPicPr>
+            <p:blipFill>
+              <a:blip r:embed="rId4"/>
+              <a:stretch>
+                <a:fillRect/>
+              </a:stretch>
+            </p:blipFill>
+            <p:spPr>
+              <a:xfrm>
+                <a:off x="6772218" y="998914"/>
+                <a:ext cx="169560" cy="712440"/>
+              </a:xfrm>
+              <a:prstGeom prst="rect">
+                <a:avLst/>
+              </a:prstGeom>
+            </p:spPr>
+          </p:pic>
+        </mc:Fallback>
+      </mc:AlternateContent>
+      <mc:AlternateContent xmlns:mc="http://schemas.openxmlformats.org/markup-compatibility/2006">
+        <mc:Choice xmlns:p14="http://schemas.microsoft.com/office/powerpoint/2010/main" Requires="p14">
+          <p:contentPart p14:bwMode="auto" r:id="rId5">
+            <p14:nvContentPartPr>
+              <p14:cNvPr id="5" name="Рукописный ввод 4">
+                <a:extLst>
+                  <a:ext uri="{FF2B5EF4-FFF2-40B4-BE49-F238E27FC236}">
+                    <a16:creationId xmlns:a16="http://schemas.microsoft.com/office/drawing/2014/main" id="{50494234-53E4-C76B-3777-7FEFE3D0A309}"/>
+                  </a:ext>
+                </a:extLst>
+              </p14:cNvPr>
+              <p14:cNvContentPartPr/>
+              <p14:nvPr/>
+            </p14:nvContentPartPr>
+            <p14:xfrm>
+              <a:off x="5258778" y="1148674"/>
+              <a:ext cx="1629000" cy="412920"/>
+            </p14:xfrm>
+          </p:contentPart>
+        </mc:Choice>
+        <mc:Fallback>
+          <p:pic>
+            <p:nvPicPr>
+              <p:cNvPr id="5" name="Рукописный ввод 4">
+                <a:extLst>
+                  <a:ext uri="{FF2B5EF4-FFF2-40B4-BE49-F238E27FC236}">
+                    <a16:creationId xmlns:a16="http://schemas.microsoft.com/office/drawing/2014/main" id="{50494234-53E4-C76B-3777-7FEFE3D0A309}"/>
+                  </a:ext>
+                </a:extLst>
+              </p:cNvPr>
+              <p:cNvPicPr/>
+              <p:nvPr/>
+            </p:nvPicPr>
+            <p:blipFill>
+              <a:blip r:embed="rId6"/>
+              <a:stretch>
+                <a:fillRect/>
+              </a:stretch>
+            </p:blipFill>
+            <p:spPr>
+              <a:xfrm>
+                <a:off x="5204778" y="1041034"/>
+                <a:ext cx="1736640" cy="628560"/>
+              </a:xfrm>
+              <a:prstGeom prst="rect">
+                <a:avLst/>
+              </a:prstGeom>
+            </p:spPr>
+          </p:pic>
+        </mc:Fallback>
+      </mc:AlternateContent>
+      <mc:AlternateContent xmlns:mc="http://schemas.openxmlformats.org/markup-compatibility/2006">
+        <mc:Choice xmlns:p14="http://schemas.microsoft.com/office/powerpoint/2010/main" Requires="p14">
+          <p:contentPart p14:bwMode="auto" r:id="rId7">
+            <p14:nvContentPartPr>
+              <p14:cNvPr id="6" name="Рукописный ввод 5">
+                <a:extLst>
+                  <a:ext uri="{FF2B5EF4-FFF2-40B4-BE49-F238E27FC236}">
+                    <a16:creationId xmlns:a16="http://schemas.microsoft.com/office/drawing/2014/main" id="{5C9449FD-6009-96BA-1109-D7C3A9DD53DF}"/>
+                  </a:ext>
+                </a:extLst>
+              </p14:cNvPr>
+              <p14:cNvContentPartPr/>
+              <p14:nvPr/>
+            </p14:nvContentPartPr>
+            <p14:xfrm>
+              <a:off x="5762778" y="1484554"/>
+              <a:ext cx="39960" cy="360"/>
+            </p14:xfrm>
+          </p:contentPart>
+        </mc:Choice>
+        <mc:Fallback>
+          <p:pic>
+            <p:nvPicPr>
+              <p:cNvPr id="6" name="Рукописный ввод 5">
+                <a:extLst>
+                  <a:ext uri="{FF2B5EF4-FFF2-40B4-BE49-F238E27FC236}">
+                    <a16:creationId xmlns:a16="http://schemas.microsoft.com/office/drawing/2014/main" id="{5C9449FD-6009-96BA-1109-D7C3A9DD53DF}"/>
+                  </a:ext>
+                </a:extLst>
+              </p:cNvPr>
+              <p:cNvPicPr/>
+              <p:nvPr/>
+            </p:nvPicPr>
+            <p:blipFill>
+              <a:blip r:embed="rId8"/>
+              <a:stretch>
+                <a:fillRect/>
+              </a:stretch>
+            </p:blipFill>
+            <p:spPr>
+              <a:xfrm>
+                <a:off x="5709138" y="1376554"/>
+                <a:ext cx="147600" cy="216000"/>
+              </a:xfrm>
+              <a:prstGeom prst="rect">
+                <a:avLst/>
+              </a:prstGeom>
+            </p:spPr>
+          </p:pic>
+        </mc:Fallback>
+      </mc:AlternateContent>
+      <mc:AlternateContent xmlns:mc="http://schemas.openxmlformats.org/markup-compatibility/2006">
+        <mc:Choice xmlns:p14="http://schemas.microsoft.com/office/powerpoint/2010/main" Requires="p14">
+          <p:contentPart p14:bwMode="auto" r:id="rId9">
+            <p14:nvContentPartPr>
+              <p14:cNvPr id="9" name="Рукописный ввод 8">
+                <a:extLst>
+                  <a:ext uri="{FF2B5EF4-FFF2-40B4-BE49-F238E27FC236}">
+                    <a16:creationId xmlns:a16="http://schemas.microsoft.com/office/drawing/2014/main" id="{493E4554-5975-7E02-71A8-A8500657128D}"/>
+                  </a:ext>
+                </a:extLst>
+              </p14:cNvPr>
+              <p14:cNvContentPartPr/>
+              <p14:nvPr/>
+            </p14:nvContentPartPr>
+            <p14:xfrm>
+              <a:off x="-114582" y="1450714"/>
+              <a:ext cx="45360" cy="26640"/>
+            </p14:xfrm>
+          </p:contentPart>
+        </mc:Choice>
+        <mc:Fallback>
+          <p:pic>
+            <p:nvPicPr>
+              <p:cNvPr id="9" name="Рукописный ввод 8">
+                <a:extLst>
+                  <a:ext uri="{FF2B5EF4-FFF2-40B4-BE49-F238E27FC236}">
+                    <a16:creationId xmlns:a16="http://schemas.microsoft.com/office/drawing/2014/main" id="{493E4554-5975-7E02-71A8-A8500657128D}"/>
+                  </a:ext>
+                </a:extLst>
+              </p:cNvPr>
+              <p:cNvPicPr/>
+              <p:nvPr/>
+            </p:nvPicPr>
+            <p:blipFill>
+              <a:blip r:embed="rId10"/>
+              <a:stretch>
+                <a:fillRect/>
+              </a:stretch>
+            </p:blipFill>
+            <p:spPr>
+              <a:xfrm>
+                <a:off x="-168582" y="1343074"/>
+                <a:ext cx="153000" cy="242280"/>
+              </a:xfrm>
+              <a:prstGeom prst="rect">
+                <a:avLst/>
+              </a:prstGeom>
+            </p:spPr>
+          </p:pic>
+        </mc:Fallback>
+      </mc:AlternateContent>
+      <mc:AlternateContent xmlns:mc="http://schemas.openxmlformats.org/markup-compatibility/2006">
+        <mc:Choice xmlns:p14="http://schemas.microsoft.com/office/powerpoint/2010/main" Requires="p14">
+          <p:contentPart p14:bwMode="auto" r:id="rId11">
+            <p14:nvContentPartPr>
+              <p14:cNvPr id="10" name="Рукописный ввод 9">
+                <a:extLst>
+                  <a:ext uri="{FF2B5EF4-FFF2-40B4-BE49-F238E27FC236}">
+                    <a16:creationId xmlns:a16="http://schemas.microsoft.com/office/drawing/2014/main" id="{914B9100-F7F9-CDBA-D996-3637C804C0ED}"/>
+                  </a:ext>
+                </a:extLst>
+              </p14:cNvPr>
+              <p14:cNvContentPartPr/>
+              <p14:nvPr/>
+            </p14:nvContentPartPr>
+            <p14:xfrm>
+              <a:off x="-218622" y="1324714"/>
+              <a:ext cx="2676960" cy="176760"/>
+            </p14:xfrm>
+          </p:contentPart>
+        </mc:Choice>
+        <mc:Fallback>
+          <p:pic>
+            <p:nvPicPr>
+              <p:cNvPr id="10" name="Рукописный ввод 9">
+                <a:extLst>
+                  <a:ext uri="{FF2B5EF4-FFF2-40B4-BE49-F238E27FC236}">
+                    <a16:creationId xmlns:a16="http://schemas.microsoft.com/office/drawing/2014/main" id="{914B9100-F7F9-CDBA-D996-3637C804C0ED}"/>
+                  </a:ext>
+                </a:extLst>
+              </p:cNvPr>
+              <p:cNvPicPr/>
+              <p:nvPr/>
+            </p:nvPicPr>
+            <p:blipFill>
+              <a:blip r:embed="rId12"/>
+              <a:stretch>
+                <a:fillRect/>
+              </a:stretch>
+            </p:blipFill>
+            <p:spPr>
+              <a:xfrm>
+                <a:off x="-272622" y="1217074"/>
+                <a:ext cx="2784600" cy="392400"/>
+              </a:xfrm>
+              <a:prstGeom prst="rect">
+                <a:avLst/>
+              </a:prstGeom>
+            </p:spPr>
+          </p:pic>
+        </mc:Fallback>
+      </mc:AlternateContent>
+      <mc:AlternateContent xmlns:mc="http://schemas.openxmlformats.org/markup-compatibility/2006">
+        <mc:Choice xmlns:p14="http://schemas.microsoft.com/office/powerpoint/2010/main" Requires="p14">
+          <p:contentPart p14:bwMode="auto" r:id="rId13">
+            <p14:nvContentPartPr>
+              <p14:cNvPr id="11" name="Рукописный ввод 10">
+                <a:extLst>
+                  <a:ext uri="{FF2B5EF4-FFF2-40B4-BE49-F238E27FC236}">
+                    <a16:creationId xmlns:a16="http://schemas.microsoft.com/office/drawing/2014/main" id="{88E275F5-D236-67BA-A220-B83222B78209}"/>
+                  </a:ext>
+                </a:extLst>
+              </p14:cNvPr>
+              <p14:cNvContentPartPr/>
+              <p14:nvPr/>
+            </p14:nvContentPartPr>
+            <p14:xfrm>
+              <a:off x="1996098" y="862834"/>
+              <a:ext cx="1677600" cy="169200"/>
+            </p14:xfrm>
+          </p:contentPart>
+        </mc:Choice>
+        <mc:Fallback>
+          <p:pic>
+            <p:nvPicPr>
+              <p:cNvPr id="11" name="Рукописный ввод 10">
+                <a:extLst>
+                  <a:ext uri="{FF2B5EF4-FFF2-40B4-BE49-F238E27FC236}">
+                    <a16:creationId xmlns:a16="http://schemas.microsoft.com/office/drawing/2014/main" id="{88E275F5-D236-67BA-A220-B83222B78209}"/>
+                  </a:ext>
+                </a:extLst>
+              </p:cNvPr>
+              <p:cNvPicPr/>
+              <p:nvPr/>
+            </p:nvPicPr>
+            <p:blipFill>
+              <a:blip r:embed="rId14"/>
+              <a:stretch>
+                <a:fillRect/>
+              </a:stretch>
+            </p:blipFill>
+            <p:spPr>
+              <a:xfrm>
+                <a:off x="1942098" y="754834"/>
+                <a:ext cx="1785240" cy="384840"/>
+              </a:xfrm>
+              <a:prstGeom prst="rect">
+                <a:avLst/>
+              </a:prstGeom>
+            </p:spPr>
+          </p:pic>
+        </mc:Fallback>
+      </mc:AlternateContent>
+      <mc:AlternateContent xmlns:mc="http://schemas.openxmlformats.org/markup-compatibility/2006">
+        <mc:Choice xmlns:p14="http://schemas.microsoft.com/office/powerpoint/2010/main" Requires="p14">
+          <p:contentPart p14:bwMode="auto" r:id="rId15">
+            <p14:nvContentPartPr>
+              <p14:cNvPr id="12" name="Рукописный ввод 11">
+                <a:extLst>
+                  <a:ext uri="{FF2B5EF4-FFF2-40B4-BE49-F238E27FC236}">
+                    <a16:creationId xmlns:a16="http://schemas.microsoft.com/office/drawing/2014/main" id="{EBC98BB6-C0CD-2E78-08A8-6E1B3EAD7F9A}"/>
+                  </a:ext>
+                </a:extLst>
+              </p14:cNvPr>
+              <p14:cNvContentPartPr/>
+              <p14:nvPr/>
+            </p14:nvContentPartPr>
+            <p14:xfrm>
+              <a:off x="6861858" y="1137154"/>
+              <a:ext cx="360" cy="3600"/>
+            </p14:xfrm>
+          </p:contentPart>
+        </mc:Choice>
+        <mc:Fallback>
+          <p:pic>
+            <p:nvPicPr>
+              <p:cNvPr id="12" name="Рукописный ввод 11">
+                <a:extLst>
+                  <a:ext uri="{FF2B5EF4-FFF2-40B4-BE49-F238E27FC236}">
+                    <a16:creationId xmlns:a16="http://schemas.microsoft.com/office/drawing/2014/main" id="{EBC98BB6-C0CD-2E78-08A8-6E1B3EAD7F9A}"/>
+                  </a:ext>
+                </a:extLst>
+              </p:cNvPr>
+              <p:cNvPicPr/>
+              <p:nvPr/>
+            </p:nvPicPr>
+            <p:blipFill>
+              <a:blip r:embed="rId16"/>
+              <a:stretch>
+                <a:fillRect/>
+              </a:stretch>
+            </p:blipFill>
+            <p:spPr>
+              <a:xfrm>
+                <a:off x="6807858" y="1029514"/>
+                <a:ext cx="108000" cy="219240"/>
+              </a:xfrm>
+              <a:prstGeom prst="rect">
+                <a:avLst/>
+              </a:prstGeom>
+            </p:spPr>
+          </p:pic>
+        </mc:Fallback>
+      </mc:AlternateContent>
+      <mc:AlternateContent xmlns:mc="http://schemas.openxmlformats.org/markup-compatibility/2006">
+        <mc:Choice xmlns:p14="http://schemas.microsoft.com/office/powerpoint/2010/main" Requires="p14">
+          <p:contentPart p14:bwMode="auto" r:id="rId17">
+            <p14:nvContentPartPr>
+              <p14:cNvPr id="13" name="Рукописный ввод 12">
+                <a:extLst>
+                  <a:ext uri="{FF2B5EF4-FFF2-40B4-BE49-F238E27FC236}">
+                    <a16:creationId xmlns:a16="http://schemas.microsoft.com/office/drawing/2014/main" id="{29EDB4C8-4D25-1A8B-16D5-750C61BCED5E}"/>
+                  </a:ext>
+                </a:extLst>
+              </p14:cNvPr>
+              <p14:cNvContentPartPr/>
+              <p14:nvPr/>
+            </p14:nvContentPartPr>
+            <p14:xfrm>
+              <a:off x="6533898" y="1207354"/>
+              <a:ext cx="84960" cy="116280"/>
+            </p14:xfrm>
+          </p:contentPart>
+        </mc:Choice>
+        <mc:Fallback>
+          <p:pic>
+            <p:nvPicPr>
+              <p:cNvPr id="13" name="Рукописный ввод 12">
+                <a:extLst>
+                  <a:ext uri="{FF2B5EF4-FFF2-40B4-BE49-F238E27FC236}">
+                    <a16:creationId xmlns:a16="http://schemas.microsoft.com/office/drawing/2014/main" id="{29EDB4C8-4D25-1A8B-16D5-750C61BCED5E}"/>
+                  </a:ext>
+                </a:extLst>
+              </p:cNvPr>
+              <p:cNvPicPr/>
+              <p:nvPr/>
+            </p:nvPicPr>
+            <p:blipFill>
+              <a:blip r:embed="rId18"/>
+              <a:stretch>
+                <a:fillRect/>
+              </a:stretch>
+            </p:blipFill>
+            <p:spPr>
+              <a:xfrm>
+                <a:off x="6480258" y="1099714"/>
+                <a:ext cx="192600" cy="331920"/>
+              </a:xfrm>
+              <a:prstGeom prst="rect">
+                <a:avLst/>
+              </a:prstGeom>
+            </p:spPr>
+          </p:pic>
+        </mc:Fallback>
+      </mc:AlternateContent>
+      <mc:AlternateContent xmlns:mc="http://schemas.openxmlformats.org/markup-compatibility/2006">
+        <mc:Choice xmlns:p14="http://schemas.microsoft.com/office/powerpoint/2010/main" Requires="p14">
+          <p:contentPart p14:bwMode="auto" r:id="rId19">
+            <p14:nvContentPartPr>
+              <p14:cNvPr id="14" name="Рукописный ввод 13">
+                <a:extLst>
+                  <a:ext uri="{FF2B5EF4-FFF2-40B4-BE49-F238E27FC236}">
+                    <a16:creationId xmlns:a16="http://schemas.microsoft.com/office/drawing/2014/main" id="{68D63D38-4D60-F56C-1A00-30787EE3E457}"/>
+                  </a:ext>
+                </a:extLst>
+              </p14:cNvPr>
+              <p14:cNvContentPartPr/>
+              <p14:nvPr/>
+            </p14:nvContentPartPr>
+            <p14:xfrm>
+              <a:off x="6471618" y="1333714"/>
+              <a:ext cx="356760" cy="92880"/>
+            </p14:xfrm>
+          </p:contentPart>
+        </mc:Choice>
+        <mc:Fallback>
+          <p:pic>
+            <p:nvPicPr>
+              <p:cNvPr id="14" name="Рукописный ввод 13">
+                <a:extLst>
+                  <a:ext uri="{FF2B5EF4-FFF2-40B4-BE49-F238E27FC236}">
+                    <a16:creationId xmlns:a16="http://schemas.microsoft.com/office/drawing/2014/main" id="{68D63D38-4D60-F56C-1A00-30787EE3E457}"/>
+                  </a:ext>
+                </a:extLst>
+              </p:cNvPr>
+              <p:cNvPicPr/>
+              <p:nvPr/>
+            </p:nvPicPr>
+            <p:blipFill>
+              <a:blip r:embed="rId20"/>
+              <a:stretch>
+                <a:fillRect/>
+              </a:stretch>
+            </p:blipFill>
+            <p:spPr>
+              <a:xfrm>
+                <a:off x="6417978" y="1225714"/>
+                <a:ext cx="464400" cy="308520"/>
+              </a:xfrm>
+              <a:prstGeom prst="rect">
+                <a:avLst/>
+              </a:prstGeom>
+            </p:spPr>
+          </p:pic>
+        </mc:Fallback>
+      </mc:AlternateContent>
+      <p:grpSp>
+        <p:nvGrpSpPr>
+          <p:cNvPr id="22" name="Группа 21">
+            <a:extLst>
+              <a:ext uri="{FF2B5EF4-FFF2-40B4-BE49-F238E27FC236}">
+                <a16:creationId xmlns:a16="http://schemas.microsoft.com/office/drawing/2014/main" id="{4FDE7D4E-B796-B428-7D20-F1EB2861E043}"/>
+              </a:ext>
+            </a:extLst>
+          </p:cNvPr>
+          <p:cNvGrpSpPr/>
+          <p:nvPr/>
+        </p:nvGrpSpPr>
+        <p:grpSpPr>
+          <a:xfrm>
+            <a:off x="7165584" y="2946203"/>
+            <a:ext cx="590674" cy="2763994"/>
+            <a:chOff x="6668898" y="664369"/>
+            <a:chExt cx="1264844" cy="4526385"/>
+          </a:xfrm>
+        </p:grpSpPr>
+        <mc:AlternateContent xmlns:mc="http://schemas.openxmlformats.org/markup-compatibility/2006">
+          <mc:Choice xmlns:p14="http://schemas.microsoft.com/office/powerpoint/2010/main" Requires="p14">
+            <p:contentPart p14:bwMode="auto" r:id="rId21">
+              <p14:nvContentPartPr>
+                <p14:cNvPr id="15" name="Рукописный ввод 14">
+                  <a:extLst>
+                    <a:ext uri="{FF2B5EF4-FFF2-40B4-BE49-F238E27FC236}">
+                      <a16:creationId xmlns:a16="http://schemas.microsoft.com/office/drawing/2014/main" id="{3B193B31-1293-25B9-852B-57DC0D1C8FA9}"/>
+                    </a:ext>
+                  </a:extLst>
+                </p14:cNvPr>
+                <p14:cNvContentPartPr/>
+                <p14:nvPr/>
+              </p14:nvContentPartPr>
+              <p14:xfrm>
+                <a:off x="6668898" y="2482834"/>
+                <a:ext cx="360" cy="360"/>
+              </p14:xfrm>
+            </p:contentPart>
+          </mc:Choice>
+          <mc:Fallback>
+            <p:pic>
+              <p:nvPicPr>
+                <p:cNvPr id="15" name="Рукописный ввод 14">
+                  <a:extLst>
+                    <a:ext uri="{FF2B5EF4-FFF2-40B4-BE49-F238E27FC236}">
+                      <a16:creationId xmlns:a16="http://schemas.microsoft.com/office/drawing/2014/main" id="{3B193B31-1293-25B9-852B-57DC0D1C8FA9}"/>
+                    </a:ext>
+                  </a:extLst>
+                </p:cNvPr>
+                <p:cNvPicPr/>
+                <p:nvPr/>
+              </p:nvPicPr>
+              <p:blipFill>
+                <a:blip r:embed="rId22"/>
+                <a:stretch>
+                  <a:fillRect/>
+                </a:stretch>
+              </p:blipFill>
+              <p:spPr>
+                <a:xfrm>
+                  <a:off x="6659898" y="2473834"/>
+                  <a:ext cx="18000" cy="18000"/>
+                </a:xfrm>
+                <a:prstGeom prst="rect">
+                  <a:avLst/>
+                </a:prstGeom>
+              </p:spPr>
+            </p:pic>
+          </mc:Fallback>
+        </mc:AlternateContent>
+        <mc:AlternateContent xmlns:mc="http://schemas.openxmlformats.org/markup-compatibility/2006">
+          <mc:Choice xmlns:p14="http://schemas.microsoft.com/office/powerpoint/2010/main" Requires="p14">
+            <p:contentPart p14:bwMode="auto" r:id="rId23">
+              <p14:nvContentPartPr>
+                <p14:cNvPr id="16" name="Рукописный ввод 15">
+                  <a:extLst>
+                    <a:ext uri="{FF2B5EF4-FFF2-40B4-BE49-F238E27FC236}">
+                      <a16:creationId xmlns:a16="http://schemas.microsoft.com/office/drawing/2014/main" id="{CD96CC7F-C69C-B726-BE29-05965953379F}"/>
+                    </a:ext>
+                  </a:extLst>
+                </p14:cNvPr>
+                <p14:cNvContentPartPr/>
+                <p14:nvPr/>
+              </p14:nvContentPartPr>
+              <p14:xfrm>
+                <a:off x="6677178" y="2323714"/>
+                <a:ext cx="663120" cy="165240"/>
+              </p14:xfrm>
+            </p:contentPart>
+          </mc:Choice>
+          <mc:Fallback>
+            <p:pic>
+              <p:nvPicPr>
+                <p:cNvPr id="16" name="Рукописный ввод 15">
+                  <a:extLst>
+                    <a:ext uri="{FF2B5EF4-FFF2-40B4-BE49-F238E27FC236}">
+                      <a16:creationId xmlns:a16="http://schemas.microsoft.com/office/drawing/2014/main" id="{CD96CC7F-C69C-B726-BE29-05965953379F}"/>
+                    </a:ext>
+                  </a:extLst>
+                </p:cNvPr>
+                <p:cNvPicPr/>
+                <p:nvPr/>
+              </p:nvPicPr>
+              <p:blipFill>
+                <a:blip r:embed="rId24"/>
+                <a:stretch>
+                  <a:fillRect/>
+                </a:stretch>
+              </p:blipFill>
+              <p:spPr>
+                <a:xfrm>
+                  <a:off x="6657924" y="2309013"/>
+                  <a:ext cx="700859" cy="194054"/>
+                </a:xfrm>
+                <a:prstGeom prst="rect">
+                  <a:avLst/>
+                </a:prstGeom>
+              </p:spPr>
+            </p:pic>
+          </mc:Fallback>
+        </mc:AlternateContent>
+        <mc:AlternateContent xmlns:mc="http://schemas.openxmlformats.org/markup-compatibility/2006">
+          <mc:Choice xmlns:p14="http://schemas.microsoft.com/office/powerpoint/2010/main" Requires="p14">
+            <p:contentPart p14:bwMode="auto" r:id="rId25">
+              <p14:nvContentPartPr>
+                <p14:cNvPr id="17" name="Рукописный ввод 16">
+                  <a:extLst>
+                    <a:ext uri="{FF2B5EF4-FFF2-40B4-BE49-F238E27FC236}">
+                      <a16:creationId xmlns:a16="http://schemas.microsoft.com/office/drawing/2014/main" id="{D6F52E5C-2D1A-501E-3F6A-63E04A67969B}"/>
+                    </a:ext>
+                  </a:extLst>
+                </p14:cNvPr>
+                <p14:cNvContentPartPr/>
+                <p14:nvPr/>
+              </p14:nvContentPartPr>
+              <p14:xfrm>
+                <a:off x="7063098" y="2365114"/>
+                <a:ext cx="100080" cy="9360"/>
+              </p14:xfrm>
+            </p:contentPart>
+          </mc:Choice>
+          <mc:Fallback>
+            <p:pic>
+              <p:nvPicPr>
+                <p:cNvPr id="17" name="Рукописный ввод 16">
+                  <a:extLst>
+                    <a:ext uri="{FF2B5EF4-FFF2-40B4-BE49-F238E27FC236}">
+                      <a16:creationId xmlns:a16="http://schemas.microsoft.com/office/drawing/2014/main" id="{D6F52E5C-2D1A-501E-3F6A-63E04A67969B}"/>
+                    </a:ext>
+                  </a:extLst>
+                </p:cNvPr>
+                <p:cNvPicPr/>
+                <p:nvPr/>
+              </p:nvPicPr>
+              <p:blipFill>
+                <a:blip r:embed="rId26"/>
+                <a:stretch>
+                  <a:fillRect/>
+                </a:stretch>
+              </p:blipFill>
+              <p:spPr>
+                <a:xfrm>
+                  <a:off x="7043852" y="2350489"/>
+                  <a:ext cx="137802" cy="38025"/>
+                </a:xfrm>
+                <a:prstGeom prst="rect">
+                  <a:avLst/>
+                </a:prstGeom>
+              </p:spPr>
+            </p:pic>
+          </mc:Fallback>
+        </mc:AlternateContent>
+        <mc:AlternateContent xmlns:mc="http://schemas.openxmlformats.org/markup-compatibility/2006">
+          <mc:Choice xmlns:p14="http://schemas.microsoft.com/office/powerpoint/2010/main" Requires="p14">
+            <p:contentPart p14:bwMode="auto" r:id="rId27">
+              <p14:nvContentPartPr>
+                <p14:cNvPr id="18" name="Рукописный ввод 17">
+                  <a:extLst>
+                    <a:ext uri="{FF2B5EF4-FFF2-40B4-BE49-F238E27FC236}">
+                      <a16:creationId xmlns:a16="http://schemas.microsoft.com/office/drawing/2014/main" id="{BF718B2D-FE20-1B1A-0D81-F60B4652F1A9}"/>
+                    </a:ext>
+                  </a:extLst>
+                </p14:cNvPr>
+                <p14:cNvContentPartPr/>
+                <p14:nvPr/>
+              </p14:nvContentPartPr>
+              <p14:xfrm>
+                <a:off x="6834858" y="2236594"/>
+                <a:ext cx="578520" cy="381960"/>
+              </p14:xfrm>
+            </p:contentPart>
+          </mc:Choice>
+          <mc:Fallback>
+            <p:pic>
+              <p:nvPicPr>
+                <p:cNvPr id="18" name="Рукописный ввод 17">
+                  <a:extLst>
+                    <a:ext uri="{FF2B5EF4-FFF2-40B4-BE49-F238E27FC236}">
+                      <a16:creationId xmlns:a16="http://schemas.microsoft.com/office/drawing/2014/main" id="{BF718B2D-FE20-1B1A-0D81-F60B4652F1A9}"/>
+                    </a:ext>
+                  </a:extLst>
+                </p:cNvPr>
+                <p:cNvPicPr/>
+                <p:nvPr/>
+              </p:nvPicPr>
+              <p:blipFill>
+                <a:blip r:embed="rId28"/>
+                <a:stretch>
+                  <a:fillRect/>
+                </a:stretch>
+              </p:blipFill>
+              <p:spPr>
+                <a:xfrm>
+                  <a:off x="6815600" y="2221858"/>
+                  <a:ext cx="616266" cy="410843"/>
+                </a:xfrm>
+                <a:prstGeom prst="rect">
+                  <a:avLst/>
+                </a:prstGeom>
+              </p:spPr>
+            </p:pic>
+          </mc:Fallback>
+        </mc:AlternateContent>
+        <mc:AlternateContent xmlns:mc="http://schemas.openxmlformats.org/markup-compatibility/2006">
+          <mc:Choice xmlns:p14="http://schemas.microsoft.com/office/powerpoint/2010/main" Requires="p14">
+            <p:contentPart p14:bwMode="auto" r:id="rId29">
+              <p14:nvContentPartPr>
+                <p14:cNvPr id="64" name="Рукописный ввод 63">
+                  <a:extLst>
+                    <a:ext uri="{FF2B5EF4-FFF2-40B4-BE49-F238E27FC236}">
+                      <a16:creationId xmlns:a16="http://schemas.microsoft.com/office/drawing/2014/main" id="{E7A62E28-4F8A-1AB1-C603-F9DC051EEE13}"/>
+                    </a:ext>
+                  </a:extLst>
+                </p14:cNvPr>
+                <p14:cNvContentPartPr/>
+                <p14:nvPr/>
+              </p14:nvContentPartPr>
+              <p14:xfrm>
+                <a:off x="6683332" y="664369"/>
+                <a:ext cx="1250410" cy="4526385"/>
+              </p14:xfrm>
+            </p:contentPart>
+          </mc:Choice>
+          <mc:Fallback>
+            <p:pic>
+              <p:nvPicPr>
+                <p:cNvPr id="64" name="Рукописный ввод 63">
+                  <a:extLst>
+                    <a:ext uri="{FF2B5EF4-FFF2-40B4-BE49-F238E27FC236}">
+                      <a16:creationId xmlns:a16="http://schemas.microsoft.com/office/drawing/2014/main" id="{E7A62E28-4F8A-1AB1-C603-F9DC051EEE13}"/>
+                    </a:ext>
+                  </a:extLst>
+                </p:cNvPr>
+                <p:cNvPicPr/>
+                <p:nvPr/>
+              </p:nvPicPr>
+              <p:blipFill>
+                <a:blip r:embed="rId30"/>
+                <a:stretch>
+                  <a:fillRect/>
+                </a:stretch>
+              </p:blipFill>
+              <p:spPr>
+                <a:xfrm>
+                  <a:off x="6549277" y="561202"/>
+                  <a:ext cx="1519291" cy="4732130"/>
+                </a:xfrm>
+                <a:prstGeom prst="rect">
+                  <a:avLst/>
+                </a:prstGeom>
+              </p:spPr>
+            </p:pic>
+          </mc:Fallback>
+        </mc:AlternateContent>
+      </p:grpSp>
+      <mc:AlternateContent xmlns:mc="http://schemas.openxmlformats.org/markup-compatibility/2006">
+        <mc:Choice xmlns:p14="http://schemas.microsoft.com/office/powerpoint/2010/main" Requires="p14">
+          <p:contentPart p14:bwMode="auto" r:id="rId31">
+            <p14:nvContentPartPr>
+              <p14:cNvPr id="24" name="Рукописный ввод 23">
+                <a:extLst>
+                  <a:ext uri="{FF2B5EF4-FFF2-40B4-BE49-F238E27FC236}">
+                    <a16:creationId xmlns:a16="http://schemas.microsoft.com/office/drawing/2014/main" id="{D81A2C57-0996-2105-A9F9-AF706C9823B2}"/>
+                  </a:ext>
+                </a:extLst>
+              </p14:cNvPr>
+              <p14:cNvContentPartPr/>
+              <p14:nvPr/>
+            </p14:nvContentPartPr>
+            <p14:xfrm>
+              <a:off x="1537098" y="824314"/>
+              <a:ext cx="1551240" cy="3940560"/>
+            </p14:xfrm>
+          </p:contentPart>
+        </mc:Choice>
+        <mc:Fallback>
+          <p:pic>
+            <p:nvPicPr>
+              <p:cNvPr id="24" name="Рукописный ввод 23">
+                <a:extLst>
+                  <a:ext uri="{FF2B5EF4-FFF2-40B4-BE49-F238E27FC236}">
+                    <a16:creationId xmlns:a16="http://schemas.microsoft.com/office/drawing/2014/main" id="{D81A2C57-0996-2105-A9F9-AF706C9823B2}"/>
+                  </a:ext>
+                </a:extLst>
+              </p:cNvPr>
+              <p:cNvPicPr/>
+              <p:nvPr/>
+            </p:nvPicPr>
+            <p:blipFill>
+              <a:blip r:embed="rId32"/>
+              <a:stretch>
+                <a:fillRect/>
+              </a:stretch>
+            </p:blipFill>
+            <p:spPr>
+              <a:xfrm>
+                <a:off x="1474458" y="761674"/>
+                <a:ext cx="1676880" cy="4066200"/>
+              </a:xfrm>
+              <a:prstGeom prst="rect">
+                <a:avLst/>
+              </a:prstGeom>
+            </p:spPr>
+          </p:pic>
+        </mc:Fallback>
+      </mc:AlternateContent>
+      <p:grpSp>
+        <p:nvGrpSpPr>
+          <p:cNvPr id="29" name="Группа 28">
+            <a:extLst>
+              <a:ext uri="{FF2B5EF4-FFF2-40B4-BE49-F238E27FC236}">
+                <a16:creationId xmlns:a16="http://schemas.microsoft.com/office/drawing/2014/main" id="{BDA0DB01-2BA3-553A-DDA6-C35DFD47B7CE}"/>
+              </a:ext>
+            </a:extLst>
+          </p:cNvPr>
+          <p:cNvGrpSpPr/>
+          <p:nvPr/>
+        </p:nvGrpSpPr>
+        <p:grpSpPr>
+          <a:xfrm>
+            <a:off x="1450392" y="420504"/>
+            <a:ext cx="121320" cy="306000"/>
+            <a:chOff x="1450392" y="420504"/>
+            <a:chExt cx="121320" cy="306000"/>
+          </a:xfrm>
+        </p:grpSpPr>
+        <mc:AlternateContent xmlns:mc="http://schemas.openxmlformats.org/markup-compatibility/2006">
+          <mc:Choice xmlns:p14="http://schemas.microsoft.com/office/powerpoint/2010/main" Requires="p14">
+            <p:contentPart p14:bwMode="auto" r:id="rId33">
+              <p14:nvContentPartPr>
+                <p14:cNvPr id="27" name="Рукописный ввод 26">
+                  <a:extLst>
+                    <a:ext uri="{FF2B5EF4-FFF2-40B4-BE49-F238E27FC236}">
+                      <a16:creationId xmlns:a16="http://schemas.microsoft.com/office/drawing/2014/main" id="{AA83C9B1-EFD5-295F-FEE9-570051E31316}"/>
+                    </a:ext>
+                  </a:extLst>
+                </p14:cNvPr>
+                <p14:cNvContentPartPr/>
+                <p14:nvPr/>
+              </p14:nvContentPartPr>
+              <p14:xfrm>
+                <a:off x="1510872" y="554424"/>
+                <a:ext cx="60840" cy="172080"/>
+              </p14:xfrm>
+            </p:contentPart>
+          </mc:Choice>
+          <mc:Fallback>
+            <p:pic>
+              <p:nvPicPr>
+                <p:cNvPr id="27" name="Рукописный ввод 26">
+                  <a:extLst>
+                    <a:ext uri="{FF2B5EF4-FFF2-40B4-BE49-F238E27FC236}">
+                      <a16:creationId xmlns:a16="http://schemas.microsoft.com/office/drawing/2014/main" id="{AA83C9B1-EFD5-295F-FEE9-570051E31316}"/>
+                    </a:ext>
+                  </a:extLst>
+                </p:cNvPr>
+                <p:cNvPicPr/>
+                <p:nvPr/>
+              </p:nvPicPr>
+              <p:blipFill>
+                <a:blip r:embed="rId34"/>
+                <a:stretch>
+                  <a:fillRect/>
+                </a:stretch>
+              </p:blipFill>
+              <p:spPr>
+                <a:xfrm>
+                  <a:off x="1448232" y="491424"/>
+                  <a:ext cx="186480" cy="297720"/>
+                </a:xfrm>
+                <a:prstGeom prst="rect">
+                  <a:avLst/>
+                </a:prstGeom>
+              </p:spPr>
+            </p:pic>
+          </mc:Fallback>
+        </mc:AlternateContent>
+        <mc:AlternateContent xmlns:mc="http://schemas.openxmlformats.org/markup-compatibility/2006">
+          <mc:Choice xmlns:p14="http://schemas.microsoft.com/office/powerpoint/2010/main" Requires="p14">
+            <p:contentPart p14:bwMode="auto" r:id="rId35">
+              <p14:nvContentPartPr>
+                <p14:cNvPr id="28" name="Рукописный ввод 27">
+                  <a:extLst>
+                    <a:ext uri="{FF2B5EF4-FFF2-40B4-BE49-F238E27FC236}">
+                      <a16:creationId xmlns:a16="http://schemas.microsoft.com/office/drawing/2014/main" id="{612E57D0-FA69-045E-BDB5-5CEFFD65399B}"/>
+                    </a:ext>
+                  </a:extLst>
+                </p14:cNvPr>
+                <p14:cNvContentPartPr/>
+                <p14:nvPr/>
+              </p14:nvContentPartPr>
+              <p14:xfrm>
+                <a:off x="1450392" y="420504"/>
+                <a:ext cx="39960" cy="158760"/>
+              </p14:xfrm>
+            </p:contentPart>
+          </mc:Choice>
+          <mc:Fallback>
+            <p:pic>
+              <p:nvPicPr>
+                <p:cNvPr id="28" name="Рукописный ввод 27">
+                  <a:extLst>
+                    <a:ext uri="{FF2B5EF4-FFF2-40B4-BE49-F238E27FC236}">
+                      <a16:creationId xmlns:a16="http://schemas.microsoft.com/office/drawing/2014/main" id="{612E57D0-FA69-045E-BDB5-5CEFFD65399B}"/>
+                    </a:ext>
+                  </a:extLst>
+                </p:cNvPr>
+                <p:cNvPicPr/>
+                <p:nvPr/>
+              </p:nvPicPr>
+              <p:blipFill>
+                <a:blip r:embed="rId36"/>
+                <a:stretch>
+                  <a:fillRect/>
+                </a:stretch>
+              </p:blipFill>
+              <p:spPr>
+                <a:xfrm>
+                  <a:off x="1387752" y="357504"/>
+                  <a:ext cx="165600" cy="284400"/>
+                </a:xfrm>
+                <a:prstGeom prst="rect">
+                  <a:avLst/>
+                </a:prstGeom>
+              </p:spPr>
+            </p:pic>
+          </mc:Fallback>
+        </mc:AlternateContent>
+      </p:grpSp>
+      <mc:AlternateContent xmlns:mc="http://schemas.openxmlformats.org/markup-compatibility/2006">
+        <mc:Choice xmlns:p14="http://schemas.microsoft.com/office/powerpoint/2010/main" Requires="p14">
+          <p:contentPart p14:bwMode="auto" r:id="rId37">
+            <p14:nvContentPartPr>
+              <p14:cNvPr id="34" name="Рукописный ввод 33">
+                <a:extLst>
+                  <a:ext uri="{FF2B5EF4-FFF2-40B4-BE49-F238E27FC236}">
+                    <a16:creationId xmlns:a16="http://schemas.microsoft.com/office/drawing/2014/main" id="{CA1C018E-F6EC-4F02-12BB-37189E8B6E29}"/>
+                  </a:ext>
+                </a:extLst>
+              </p14:cNvPr>
+              <p14:cNvContentPartPr/>
+              <p14:nvPr/>
+            </p14:nvContentPartPr>
+            <p14:xfrm>
+              <a:off x="7665900" y="3428700"/>
+              <a:ext cx="91080" cy="151920"/>
+            </p14:xfrm>
+          </p:contentPart>
+        </mc:Choice>
+        <mc:Fallback>
+          <p:pic>
+            <p:nvPicPr>
+              <p:cNvPr id="34" name="Рукописный ввод 33">
+                <a:extLst>
+                  <a:ext uri="{FF2B5EF4-FFF2-40B4-BE49-F238E27FC236}">
+                    <a16:creationId xmlns:a16="http://schemas.microsoft.com/office/drawing/2014/main" id="{CA1C018E-F6EC-4F02-12BB-37189E8B6E29}"/>
+                  </a:ext>
+                </a:extLst>
+              </p:cNvPr>
+              <p:cNvPicPr/>
+              <p:nvPr/>
+            </p:nvPicPr>
+            <p:blipFill>
+              <a:blip r:embed="rId38"/>
+              <a:stretch>
+                <a:fillRect/>
+              </a:stretch>
+            </p:blipFill>
+            <p:spPr>
+              <a:xfrm>
+                <a:off x="7602900" y="3365700"/>
+                <a:ext cx="216720" cy="277560"/>
+              </a:xfrm>
+              <a:prstGeom prst="rect">
+                <a:avLst/>
+              </a:prstGeom>
+            </p:spPr>
+          </p:pic>
+        </mc:Fallback>
+      </mc:AlternateContent>
+      <mc:AlternateContent xmlns:mc="http://schemas.openxmlformats.org/markup-compatibility/2006">
+        <mc:Choice xmlns:p14="http://schemas.microsoft.com/office/powerpoint/2010/main" Requires="p14">
+          <p:contentPart p14:bwMode="auto" r:id="rId39">
+            <p14:nvContentPartPr>
+              <p14:cNvPr id="38" name="Рукописный ввод 37">
+                <a:extLst>
+                  <a:ext uri="{FF2B5EF4-FFF2-40B4-BE49-F238E27FC236}">
+                    <a16:creationId xmlns:a16="http://schemas.microsoft.com/office/drawing/2014/main" id="{5926FEEC-AFC1-8B0A-0B9F-1F3B80A5B2D7}"/>
+                  </a:ext>
+                </a:extLst>
+              </p14:cNvPr>
+              <p14:cNvContentPartPr/>
+              <p14:nvPr/>
+            </p14:nvContentPartPr>
+            <p14:xfrm>
+              <a:off x="7572320" y="3195040"/>
+              <a:ext cx="62640" cy="203400"/>
+            </p14:xfrm>
+          </p:contentPart>
+        </mc:Choice>
+        <mc:Fallback>
+          <p:pic>
+            <p:nvPicPr>
+              <p:cNvPr id="38" name="Рукописный ввод 37">
+                <a:extLst>
+                  <a:ext uri="{FF2B5EF4-FFF2-40B4-BE49-F238E27FC236}">
+                    <a16:creationId xmlns:a16="http://schemas.microsoft.com/office/drawing/2014/main" id="{5926FEEC-AFC1-8B0A-0B9F-1F3B80A5B2D7}"/>
+                  </a:ext>
+                </a:extLst>
+              </p:cNvPr>
+              <p:cNvPicPr/>
+              <p:nvPr/>
+            </p:nvPicPr>
+            <p:blipFill>
+              <a:blip r:embed="rId40"/>
+              <a:stretch>
+                <a:fillRect/>
+              </a:stretch>
+            </p:blipFill>
+            <p:spPr>
+              <a:xfrm>
+                <a:off x="7536320" y="3159040"/>
+                <a:ext cx="134280" cy="275040"/>
+              </a:xfrm>
+              <a:prstGeom prst="rect">
+                <a:avLst/>
+              </a:prstGeom>
+            </p:spPr>
+          </p:pic>
+        </mc:Fallback>
+      </mc:AlternateContent>
+      <mc:AlternateContent xmlns:mc="http://schemas.openxmlformats.org/markup-compatibility/2006">
+        <mc:Choice xmlns:p14="http://schemas.microsoft.com/office/powerpoint/2010/main" Requires="p14">
+          <p:contentPart p14:bwMode="auto" r:id="rId41">
+            <p14:nvContentPartPr>
+              <p14:cNvPr id="45" name="Рукописный ввод 44">
+                <a:extLst>
+                  <a:ext uri="{FF2B5EF4-FFF2-40B4-BE49-F238E27FC236}">
+                    <a16:creationId xmlns:a16="http://schemas.microsoft.com/office/drawing/2014/main" id="{1271FBF5-E8EA-F044-2851-05481DEACBF2}"/>
+                  </a:ext>
+                </a:extLst>
+              </p14:cNvPr>
+              <p14:cNvContentPartPr/>
+              <p14:nvPr/>
+            </p14:nvContentPartPr>
+            <p14:xfrm>
+              <a:off x="7535070" y="3334410"/>
+              <a:ext cx="86400" cy="198000"/>
+            </p14:xfrm>
+          </p:contentPart>
+        </mc:Choice>
+        <mc:Fallback>
+          <p:pic>
+            <p:nvPicPr>
+              <p:cNvPr id="45" name="Рукописный ввод 44">
+                <a:extLst>
+                  <a:ext uri="{FF2B5EF4-FFF2-40B4-BE49-F238E27FC236}">
+                    <a16:creationId xmlns:a16="http://schemas.microsoft.com/office/drawing/2014/main" id="{1271FBF5-E8EA-F044-2851-05481DEACBF2}"/>
+                  </a:ext>
+                </a:extLst>
+              </p:cNvPr>
+              <p:cNvPicPr/>
+              <p:nvPr/>
+            </p:nvPicPr>
+            <p:blipFill>
+              <a:blip r:embed="rId42"/>
+              <a:stretch>
+                <a:fillRect/>
+              </a:stretch>
+            </p:blipFill>
+            <p:spPr>
+              <a:xfrm>
+                <a:off x="7526070" y="3325410"/>
+                <a:ext cx="104040" cy="215640"/>
+              </a:xfrm>
+              <a:prstGeom prst="rect">
+                <a:avLst/>
+              </a:prstGeom>
+            </p:spPr>
+          </p:pic>
+        </mc:Fallback>
+      </mc:AlternateContent>
+      <mc:AlternateContent xmlns:mc="http://schemas.openxmlformats.org/markup-compatibility/2006">
+        <mc:Choice xmlns:p14="http://schemas.microsoft.com/office/powerpoint/2010/main" Requires="p14">
+          <p:contentPart p14:bwMode="auto" r:id="rId43">
+            <p14:nvContentPartPr>
+              <p14:cNvPr id="47" name="Рукописный ввод 46">
+                <a:extLst>
+                  <a:ext uri="{FF2B5EF4-FFF2-40B4-BE49-F238E27FC236}">
+                    <a16:creationId xmlns:a16="http://schemas.microsoft.com/office/drawing/2014/main" id="{353C4AC8-8147-9EAE-FB71-F1CAE57560A4}"/>
+                  </a:ext>
+                </a:extLst>
+              </p14:cNvPr>
+              <p14:cNvContentPartPr/>
+              <p14:nvPr/>
+            </p14:nvContentPartPr>
+            <p14:xfrm>
+              <a:off x="7536150" y="3696210"/>
+              <a:ext cx="27360" cy="73440"/>
+            </p14:xfrm>
+          </p:contentPart>
+        </mc:Choice>
+        <mc:Fallback>
+          <p:pic>
+            <p:nvPicPr>
+              <p:cNvPr id="47" name="Рукописный ввод 46">
+                <a:extLst>
+                  <a:ext uri="{FF2B5EF4-FFF2-40B4-BE49-F238E27FC236}">
+                    <a16:creationId xmlns:a16="http://schemas.microsoft.com/office/drawing/2014/main" id="{353C4AC8-8147-9EAE-FB71-F1CAE57560A4}"/>
+                  </a:ext>
+                </a:extLst>
+              </p:cNvPr>
+              <p:cNvPicPr/>
+              <p:nvPr/>
+            </p:nvPicPr>
+            <p:blipFill>
+              <a:blip r:embed="rId44"/>
+              <a:stretch>
+                <a:fillRect/>
+              </a:stretch>
+            </p:blipFill>
+            <p:spPr>
+              <a:xfrm>
+                <a:off x="7527150" y="3687210"/>
+                <a:ext cx="45000" cy="91080"/>
+              </a:xfrm>
+              <a:prstGeom prst="rect">
+                <a:avLst/>
+              </a:prstGeom>
+            </p:spPr>
+          </p:pic>
+        </mc:Fallback>
+      </mc:AlternateContent>
+      <p:grpSp>
+        <p:nvGrpSpPr>
+          <p:cNvPr id="52" name="Группа 51">
+            <a:extLst>
+              <a:ext uri="{FF2B5EF4-FFF2-40B4-BE49-F238E27FC236}">
+                <a16:creationId xmlns:a16="http://schemas.microsoft.com/office/drawing/2014/main" id="{CA7D68D3-C24F-EA0F-3089-993CDE9B4D0F}"/>
+              </a:ext>
+            </a:extLst>
+          </p:cNvPr>
+          <p:cNvGrpSpPr/>
+          <p:nvPr/>
+        </p:nvGrpSpPr>
+        <p:grpSpPr>
+          <a:xfrm>
+            <a:off x="7536150" y="3333690"/>
+            <a:ext cx="104570" cy="510430"/>
+            <a:chOff x="7536150" y="3333690"/>
+            <a:chExt cx="104570" cy="510430"/>
+          </a:xfrm>
+        </p:grpSpPr>
+        <mc:AlternateContent xmlns:mc="http://schemas.openxmlformats.org/markup-compatibility/2006">
+          <mc:Choice xmlns:p14="http://schemas.microsoft.com/office/powerpoint/2010/main" Requires="p14">
+            <p:contentPart p14:bwMode="auto" r:id="rId45">
+              <p14:nvContentPartPr>
+                <p14:cNvPr id="41" name="Рукописный ввод 40">
+                  <a:extLst>
+                    <a:ext uri="{FF2B5EF4-FFF2-40B4-BE49-F238E27FC236}">
+                      <a16:creationId xmlns:a16="http://schemas.microsoft.com/office/drawing/2014/main" id="{E8E2D80A-5621-B605-B687-10C02558BCD8}"/>
+                    </a:ext>
+                  </a:extLst>
+                </p14:cNvPr>
+                <p14:cNvContentPartPr/>
+                <p14:nvPr/>
+              </p14:nvContentPartPr>
+              <p14:xfrm>
+                <a:off x="7575560" y="3382960"/>
+                <a:ext cx="39240" cy="461160"/>
+              </p14:xfrm>
+            </p:contentPart>
+          </mc:Choice>
+          <mc:Fallback>
+            <p:pic>
+              <p:nvPicPr>
+                <p:cNvPr id="41" name="Рукописный ввод 40">
+                  <a:extLst>
+                    <a:ext uri="{FF2B5EF4-FFF2-40B4-BE49-F238E27FC236}">
+                      <a16:creationId xmlns:a16="http://schemas.microsoft.com/office/drawing/2014/main" id="{E8E2D80A-5621-B605-B687-10C02558BCD8}"/>
+                    </a:ext>
+                  </a:extLst>
+                </p:cNvPr>
+                <p:cNvPicPr/>
+                <p:nvPr/>
+              </p:nvPicPr>
+              <p:blipFill>
+                <a:blip r:embed="rId46"/>
+                <a:stretch>
+                  <a:fillRect/>
+                </a:stretch>
+              </p:blipFill>
+              <p:spPr>
+                <a:xfrm>
+                  <a:off x="7539560" y="3346960"/>
+                  <a:ext cx="110880" cy="532800"/>
+                </a:xfrm>
+                <a:prstGeom prst="rect">
+                  <a:avLst/>
+                </a:prstGeom>
+              </p:spPr>
+            </p:pic>
+          </mc:Fallback>
+        </mc:AlternateContent>
+        <mc:AlternateContent xmlns:mc="http://schemas.openxmlformats.org/markup-compatibility/2006">
+          <mc:Choice xmlns:p14="http://schemas.microsoft.com/office/powerpoint/2010/main" Requires="p14">
+            <p:contentPart p14:bwMode="auto" r:id="rId47">
+              <p14:nvContentPartPr>
+                <p14:cNvPr id="42" name="Рукописный ввод 41">
+                  <a:extLst>
+                    <a:ext uri="{FF2B5EF4-FFF2-40B4-BE49-F238E27FC236}">
+                      <a16:creationId xmlns:a16="http://schemas.microsoft.com/office/drawing/2014/main" id="{E0706EA5-D832-1ADE-5A81-E553AC5253C5}"/>
+                    </a:ext>
+                  </a:extLst>
+                </p14:cNvPr>
+                <p14:cNvContentPartPr/>
+                <p14:nvPr/>
+              </p14:nvContentPartPr>
+              <p14:xfrm>
+                <a:off x="7589240" y="3388000"/>
+                <a:ext cx="30960" cy="168120"/>
+              </p14:xfrm>
+            </p:contentPart>
+          </mc:Choice>
+          <mc:Fallback>
+            <p:pic>
+              <p:nvPicPr>
+                <p:cNvPr id="42" name="Рукописный ввод 41">
+                  <a:extLst>
+                    <a:ext uri="{FF2B5EF4-FFF2-40B4-BE49-F238E27FC236}">
+                      <a16:creationId xmlns:a16="http://schemas.microsoft.com/office/drawing/2014/main" id="{E0706EA5-D832-1ADE-5A81-E553AC5253C5}"/>
+                    </a:ext>
+                  </a:extLst>
+                </p:cNvPr>
+                <p:cNvPicPr/>
+                <p:nvPr/>
+              </p:nvPicPr>
+              <p:blipFill>
+                <a:blip r:embed="rId48"/>
+                <a:stretch>
+                  <a:fillRect/>
+                </a:stretch>
+              </p:blipFill>
+              <p:spPr>
+                <a:xfrm>
+                  <a:off x="7553240" y="3352000"/>
+                  <a:ext cx="102600" cy="239760"/>
+                </a:xfrm>
+                <a:prstGeom prst="rect">
+                  <a:avLst/>
+                </a:prstGeom>
+              </p:spPr>
+            </p:pic>
+          </mc:Fallback>
+        </mc:AlternateContent>
+        <mc:AlternateContent xmlns:mc="http://schemas.openxmlformats.org/markup-compatibility/2006">
+          <mc:Choice xmlns:p14="http://schemas.microsoft.com/office/powerpoint/2010/main" Requires="p14">
+            <p:contentPart p14:bwMode="auto" r:id="rId49">
+              <p14:nvContentPartPr>
+                <p14:cNvPr id="43" name="Рукописный ввод 42">
+                  <a:extLst>
+                    <a:ext uri="{FF2B5EF4-FFF2-40B4-BE49-F238E27FC236}">
+                      <a16:creationId xmlns:a16="http://schemas.microsoft.com/office/drawing/2014/main" id="{73F98066-DEBD-E311-0E4D-24826679A12C}"/>
+                    </a:ext>
+                  </a:extLst>
+                </p14:cNvPr>
+                <p14:cNvContentPartPr/>
+                <p14:nvPr/>
+              </p14:nvContentPartPr>
+              <p14:xfrm>
+                <a:off x="7624520" y="3367480"/>
+                <a:ext cx="16200" cy="147960"/>
+              </p14:xfrm>
+            </p:contentPart>
+          </mc:Choice>
+          <mc:Fallback>
+            <p:pic>
+              <p:nvPicPr>
+                <p:cNvPr id="43" name="Рукописный ввод 42">
+                  <a:extLst>
+                    <a:ext uri="{FF2B5EF4-FFF2-40B4-BE49-F238E27FC236}">
+                      <a16:creationId xmlns:a16="http://schemas.microsoft.com/office/drawing/2014/main" id="{73F98066-DEBD-E311-0E4D-24826679A12C}"/>
+                    </a:ext>
+                  </a:extLst>
+                </p:cNvPr>
+                <p:cNvPicPr/>
+                <p:nvPr/>
+              </p:nvPicPr>
+              <p:blipFill>
+                <a:blip r:embed="rId50"/>
+                <a:stretch>
+                  <a:fillRect/>
+                </a:stretch>
+              </p:blipFill>
+              <p:spPr>
+                <a:xfrm>
+                  <a:off x="7588520" y="3331840"/>
+                  <a:ext cx="87840" cy="219600"/>
+                </a:xfrm>
+                <a:prstGeom prst="rect">
+                  <a:avLst/>
+                </a:prstGeom>
+              </p:spPr>
+            </p:pic>
+          </mc:Fallback>
+        </mc:AlternateContent>
+        <mc:AlternateContent xmlns:mc="http://schemas.openxmlformats.org/markup-compatibility/2006">
+          <mc:Choice xmlns:p14="http://schemas.microsoft.com/office/powerpoint/2010/main" Requires="p14">
+            <p:contentPart p14:bwMode="auto" r:id="rId51">
+              <p14:nvContentPartPr>
+                <p14:cNvPr id="48" name="Рукописный ввод 47">
+                  <a:extLst>
+                    <a:ext uri="{FF2B5EF4-FFF2-40B4-BE49-F238E27FC236}">
+                      <a16:creationId xmlns:a16="http://schemas.microsoft.com/office/drawing/2014/main" id="{1822E2B3-AF59-77A4-4FF3-40CEDBFE5EB2}"/>
+                    </a:ext>
+                  </a:extLst>
+                </p14:cNvPr>
+                <p14:cNvContentPartPr/>
+                <p14:nvPr/>
+              </p14:nvContentPartPr>
+              <p14:xfrm>
+                <a:off x="7536150" y="3362490"/>
+                <a:ext cx="14760" cy="191880"/>
+              </p14:xfrm>
+            </p:contentPart>
+          </mc:Choice>
+          <mc:Fallback>
+            <p:pic>
+              <p:nvPicPr>
+                <p:cNvPr id="48" name="Рукописный ввод 47">
+                  <a:extLst>
+                    <a:ext uri="{FF2B5EF4-FFF2-40B4-BE49-F238E27FC236}">
+                      <a16:creationId xmlns:a16="http://schemas.microsoft.com/office/drawing/2014/main" id="{1822E2B3-AF59-77A4-4FF3-40CEDBFE5EB2}"/>
+                    </a:ext>
+                  </a:extLst>
+                </p:cNvPr>
+                <p:cNvPicPr/>
+                <p:nvPr/>
+              </p:nvPicPr>
+              <p:blipFill>
+                <a:blip r:embed="rId52"/>
+                <a:stretch>
+                  <a:fillRect/>
+                </a:stretch>
+              </p:blipFill>
+              <p:spPr>
+                <a:xfrm>
+                  <a:off x="7527150" y="3353490"/>
+                  <a:ext cx="32400" cy="209520"/>
+                </a:xfrm>
+                <a:prstGeom prst="rect">
+                  <a:avLst/>
+                </a:prstGeom>
+              </p:spPr>
+            </p:pic>
+          </mc:Fallback>
+        </mc:AlternateContent>
+        <mc:AlternateContent xmlns:mc="http://schemas.openxmlformats.org/markup-compatibility/2006">
+          <mc:Choice xmlns:p14="http://schemas.microsoft.com/office/powerpoint/2010/main" Requires="p14">
+            <p:contentPart p14:bwMode="auto" r:id="rId53">
+              <p14:nvContentPartPr>
+                <p14:cNvPr id="49" name="Рукописный ввод 48">
+                  <a:extLst>
+                    <a:ext uri="{FF2B5EF4-FFF2-40B4-BE49-F238E27FC236}">
+                      <a16:creationId xmlns:a16="http://schemas.microsoft.com/office/drawing/2014/main" id="{A562F47B-1C29-C287-419A-23FEBFDCD902}"/>
+                    </a:ext>
+                  </a:extLst>
+                </p14:cNvPr>
+                <p14:cNvContentPartPr/>
+                <p14:nvPr/>
+              </p14:nvContentPartPr>
+              <p14:xfrm>
+                <a:off x="7536870" y="3520170"/>
+                <a:ext cx="47880" cy="235800"/>
+              </p14:xfrm>
+            </p:contentPart>
+          </mc:Choice>
+          <mc:Fallback>
+            <p:pic>
+              <p:nvPicPr>
+                <p:cNvPr id="49" name="Рукописный ввод 48">
+                  <a:extLst>
+                    <a:ext uri="{FF2B5EF4-FFF2-40B4-BE49-F238E27FC236}">
+                      <a16:creationId xmlns:a16="http://schemas.microsoft.com/office/drawing/2014/main" id="{A562F47B-1C29-C287-419A-23FEBFDCD902}"/>
+                    </a:ext>
+                  </a:extLst>
+                </p:cNvPr>
+                <p:cNvPicPr/>
+                <p:nvPr/>
+              </p:nvPicPr>
+              <p:blipFill>
+                <a:blip r:embed="rId54"/>
+                <a:stretch>
+                  <a:fillRect/>
+                </a:stretch>
+              </p:blipFill>
+              <p:spPr>
+                <a:xfrm>
+                  <a:off x="7527870" y="3511170"/>
+                  <a:ext cx="65520" cy="253440"/>
+                </a:xfrm>
+                <a:prstGeom prst="rect">
+                  <a:avLst/>
+                </a:prstGeom>
+              </p:spPr>
+            </p:pic>
+          </mc:Fallback>
+        </mc:AlternateContent>
+        <mc:AlternateContent xmlns:mc="http://schemas.openxmlformats.org/markup-compatibility/2006">
+          <mc:Choice xmlns:p14="http://schemas.microsoft.com/office/powerpoint/2010/main" Requires="p14">
+            <p:contentPart p14:bwMode="auto" r:id="rId55">
+              <p14:nvContentPartPr>
+                <p14:cNvPr id="53" name="Рукописный ввод 52">
+                  <a:extLst>
+                    <a:ext uri="{FF2B5EF4-FFF2-40B4-BE49-F238E27FC236}">
+                      <a16:creationId xmlns:a16="http://schemas.microsoft.com/office/drawing/2014/main" id="{1F3F87EF-8C76-FAC5-D510-8EF31F3A4CCC}"/>
+                    </a:ext>
+                  </a:extLst>
+                </p14:cNvPr>
+                <p14:cNvContentPartPr/>
+                <p14:nvPr/>
+              </p14:nvContentPartPr>
+              <p14:xfrm>
+                <a:off x="7537590" y="3333690"/>
+                <a:ext cx="7560" cy="81000"/>
+              </p14:xfrm>
+            </p:contentPart>
+          </mc:Choice>
+          <mc:Fallback>
+            <p:pic>
+              <p:nvPicPr>
+                <p:cNvPr id="53" name="Рукописный ввод 52">
+                  <a:extLst>
+                    <a:ext uri="{FF2B5EF4-FFF2-40B4-BE49-F238E27FC236}">
+                      <a16:creationId xmlns:a16="http://schemas.microsoft.com/office/drawing/2014/main" id="{1F3F87EF-8C76-FAC5-D510-8EF31F3A4CCC}"/>
+                    </a:ext>
+                  </a:extLst>
+                </p:cNvPr>
+                <p:cNvPicPr/>
+                <p:nvPr/>
+              </p:nvPicPr>
+              <p:blipFill>
+                <a:blip r:embed="rId56"/>
+                <a:stretch>
+                  <a:fillRect/>
+                </a:stretch>
+              </p:blipFill>
+              <p:spPr>
+                <a:xfrm>
+                  <a:off x="7528590" y="3324690"/>
+                  <a:ext cx="25200" cy="98640"/>
+                </a:xfrm>
+                <a:prstGeom prst="rect">
+                  <a:avLst/>
+                </a:prstGeom>
+              </p:spPr>
+            </p:pic>
+          </mc:Fallback>
+        </mc:AlternateContent>
+      </p:grpSp>
+      <mc:AlternateContent xmlns:mc="http://schemas.openxmlformats.org/markup-compatibility/2006">
+        <mc:Choice xmlns:p14="http://schemas.microsoft.com/office/powerpoint/2010/main" Requires="p14">
+          <p:contentPart p14:bwMode="auto" r:id="rId57">
+            <p14:nvContentPartPr>
+              <p14:cNvPr id="61" name="Рукописный ввод 60">
+                <a:extLst>
+                  <a:ext uri="{FF2B5EF4-FFF2-40B4-BE49-F238E27FC236}">
+                    <a16:creationId xmlns:a16="http://schemas.microsoft.com/office/drawing/2014/main" id="{EABBBB17-7425-B7B1-06F3-DCD22D069228}"/>
+                  </a:ext>
+                </a:extLst>
+              </p14:cNvPr>
+              <p14:cNvContentPartPr/>
+              <p14:nvPr/>
+            </p14:nvContentPartPr>
+            <p14:xfrm>
+              <a:off x="7090050" y="3664110"/>
+              <a:ext cx="69840" cy="143280"/>
+            </p14:xfrm>
+          </p:contentPart>
+        </mc:Choice>
+        <mc:Fallback>
+          <p:pic>
+            <p:nvPicPr>
+              <p:cNvPr id="61" name="Рукописный ввод 60">
+                <a:extLst>
+                  <a:ext uri="{FF2B5EF4-FFF2-40B4-BE49-F238E27FC236}">
+                    <a16:creationId xmlns:a16="http://schemas.microsoft.com/office/drawing/2014/main" id="{EABBBB17-7425-B7B1-06F3-DCD22D069228}"/>
+                  </a:ext>
+                </a:extLst>
+              </p:cNvPr>
+              <p:cNvPicPr/>
+              <p:nvPr/>
+            </p:nvPicPr>
+            <p:blipFill>
+              <a:blip r:embed="rId58"/>
+              <a:stretch>
+                <a:fillRect/>
+              </a:stretch>
+            </p:blipFill>
+            <p:spPr>
+              <a:xfrm>
+                <a:off x="7081050" y="3655110"/>
+                <a:ext cx="87480" cy="160920"/>
+              </a:xfrm>
+              <a:prstGeom prst="rect">
+                <a:avLst/>
+              </a:prstGeom>
+            </p:spPr>
+          </p:pic>
+        </mc:Fallback>
+      </mc:AlternateContent>
+      <mc:AlternateContent xmlns:mc="http://schemas.openxmlformats.org/markup-compatibility/2006">
+        <mc:Choice xmlns:p14="http://schemas.microsoft.com/office/powerpoint/2010/main" Requires="p14">
+          <p:contentPart p14:bwMode="auto" r:id="rId59">
+            <p14:nvContentPartPr>
+              <p14:cNvPr id="60" name="Рукописный ввод 59">
+                <a:extLst>
+                  <a:ext uri="{FF2B5EF4-FFF2-40B4-BE49-F238E27FC236}">
+                    <a16:creationId xmlns:a16="http://schemas.microsoft.com/office/drawing/2014/main" id="{D79281F4-39BB-0F1E-7BFD-C27108434AB3}"/>
+                  </a:ext>
+                </a:extLst>
+              </p14:cNvPr>
+              <p14:cNvContentPartPr/>
+              <p14:nvPr/>
+            </p14:nvContentPartPr>
+            <p14:xfrm>
+              <a:off x="7093650" y="3337230"/>
+              <a:ext cx="16200" cy="218520"/>
+            </p14:xfrm>
+          </p:contentPart>
+        </mc:Choice>
+        <mc:Fallback>
+          <p:pic>
+            <p:nvPicPr>
+              <p:cNvPr id="60" name="Рукописный ввод 59">
+                <a:extLst>
+                  <a:ext uri="{FF2B5EF4-FFF2-40B4-BE49-F238E27FC236}">
+                    <a16:creationId xmlns:a16="http://schemas.microsoft.com/office/drawing/2014/main" id="{D79281F4-39BB-0F1E-7BFD-C27108434AB3}"/>
+                  </a:ext>
+                </a:extLst>
+              </p:cNvPr>
+              <p:cNvPicPr/>
+              <p:nvPr/>
+            </p:nvPicPr>
+            <p:blipFill>
+              <a:blip r:embed="rId60"/>
+              <a:stretch>
+                <a:fillRect/>
+              </a:stretch>
+            </p:blipFill>
+            <p:spPr>
+              <a:xfrm>
+                <a:off x="7084650" y="3328230"/>
+                <a:ext cx="33840" cy="236160"/>
+              </a:xfrm>
+              <a:prstGeom prst="rect">
+                <a:avLst/>
+              </a:prstGeom>
+            </p:spPr>
+          </p:pic>
+        </mc:Fallback>
+      </mc:AlternateContent>
+      <p:grpSp>
+        <p:nvGrpSpPr>
+          <p:cNvPr id="76" name="Группа 75">
+            <a:extLst>
+              <a:ext uri="{FF2B5EF4-FFF2-40B4-BE49-F238E27FC236}">
+                <a16:creationId xmlns:a16="http://schemas.microsoft.com/office/drawing/2014/main" id="{43E20CB8-24A8-DCDB-9A6E-A64BD7021853}"/>
+              </a:ext>
+            </a:extLst>
+          </p:cNvPr>
+          <p:cNvGrpSpPr/>
+          <p:nvPr/>
+        </p:nvGrpSpPr>
+        <p:grpSpPr>
+          <a:xfrm>
+            <a:off x="7082580" y="3352920"/>
+            <a:ext cx="76590" cy="459510"/>
+            <a:chOff x="7082580" y="3352920"/>
+            <a:chExt cx="76590" cy="459510"/>
+          </a:xfrm>
+        </p:grpSpPr>
+        <mc:AlternateContent xmlns:mc="http://schemas.openxmlformats.org/markup-compatibility/2006">
+          <mc:Choice xmlns:p14="http://schemas.microsoft.com/office/powerpoint/2010/main" Requires="p14">
+            <p:contentPart p14:bwMode="auto" r:id="rId61">
+              <p14:nvContentPartPr>
+                <p14:cNvPr id="65" name="Рукописный ввод 64">
+                  <a:extLst>
+                    <a:ext uri="{FF2B5EF4-FFF2-40B4-BE49-F238E27FC236}">
+                      <a16:creationId xmlns:a16="http://schemas.microsoft.com/office/drawing/2014/main" id="{3C796CB4-4B71-18E4-7F8C-02F6235DB3C7}"/>
+                    </a:ext>
+                  </a:extLst>
+                </p14:cNvPr>
+                <p14:cNvContentPartPr/>
+                <p14:nvPr/>
+              </p14:nvContentPartPr>
+              <p14:xfrm>
+                <a:off x="7107330" y="3459990"/>
+                <a:ext cx="51840" cy="236880"/>
+              </p14:xfrm>
+            </p:contentPart>
+          </mc:Choice>
+          <mc:Fallback>
+            <p:pic>
+              <p:nvPicPr>
+                <p:cNvPr id="65" name="Рукописный ввод 64">
+                  <a:extLst>
+                    <a:ext uri="{FF2B5EF4-FFF2-40B4-BE49-F238E27FC236}">
+                      <a16:creationId xmlns:a16="http://schemas.microsoft.com/office/drawing/2014/main" id="{3C796CB4-4B71-18E4-7F8C-02F6235DB3C7}"/>
+                    </a:ext>
+                  </a:extLst>
+                </p:cNvPr>
+                <p:cNvPicPr/>
+                <p:nvPr/>
+              </p:nvPicPr>
+              <p:blipFill>
+                <a:blip r:embed="rId62"/>
+                <a:stretch>
+                  <a:fillRect/>
+                </a:stretch>
+              </p:blipFill>
+              <p:spPr>
+                <a:xfrm>
+                  <a:off x="7098330" y="3451350"/>
+                  <a:ext cx="69480" cy="254520"/>
+                </a:xfrm>
+                <a:prstGeom prst="rect">
+                  <a:avLst/>
+                </a:prstGeom>
+              </p:spPr>
+            </p:pic>
+          </mc:Fallback>
+        </mc:AlternateContent>
+        <mc:AlternateContent xmlns:mc="http://schemas.openxmlformats.org/markup-compatibility/2006">
+          <mc:Choice xmlns:p14="http://schemas.microsoft.com/office/powerpoint/2010/main" Requires="p14">
+            <p:contentPart p14:bwMode="auto" r:id="rId63">
+              <p14:nvContentPartPr>
+                <p14:cNvPr id="66" name="Рукописный ввод 65">
+                  <a:extLst>
+                    <a:ext uri="{FF2B5EF4-FFF2-40B4-BE49-F238E27FC236}">
+                      <a16:creationId xmlns:a16="http://schemas.microsoft.com/office/drawing/2014/main" id="{2A241E63-4404-2CC8-839B-7F34CD55B90D}"/>
+                    </a:ext>
+                  </a:extLst>
+                </p14:cNvPr>
+                <p14:cNvContentPartPr/>
+                <p14:nvPr/>
+              </p14:nvContentPartPr>
+              <p14:xfrm>
+                <a:off x="7094730" y="3358470"/>
+                <a:ext cx="6480" cy="168480"/>
+              </p14:xfrm>
+            </p:contentPart>
+          </mc:Choice>
+          <mc:Fallback>
+            <p:pic>
+              <p:nvPicPr>
+                <p:cNvPr id="66" name="Рукописный ввод 65">
+                  <a:extLst>
+                    <a:ext uri="{FF2B5EF4-FFF2-40B4-BE49-F238E27FC236}">
+                      <a16:creationId xmlns:a16="http://schemas.microsoft.com/office/drawing/2014/main" id="{2A241E63-4404-2CC8-839B-7F34CD55B90D}"/>
+                    </a:ext>
+                  </a:extLst>
+                </p:cNvPr>
+                <p:cNvPicPr/>
+                <p:nvPr/>
+              </p:nvPicPr>
+              <p:blipFill>
+                <a:blip r:embed="rId64"/>
+                <a:stretch>
+                  <a:fillRect/>
+                </a:stretch>
+              </p:blipFill>
+              <p:spPr>
+                <a:xfrm>
+                  <a:off x="7085730" y="3349470"/>
+                  <a:ext cx="24120" cy="186120"/>
+                </a:xfrm>
+                <a:prstGeom prst="rect">
+                  <a:avLst/>
+                </a:prstGeom>
+              </p:spPr>
+            </p:pic>
+          </mc:Fallback>
+        </mc:AlternateContent>
+        <mc:AlternateContent xmlns:mc="http://schemas.openxmlformats.org/markup-compatibility/2006">
+          <mc:Choice xmlns:p14="http://schemas.microsoft.com/office/powerpoint/2010/main" Requires="p14">
+            <p:contentPart p14:bwMode="auto" r:id="rId65">
+              <p14:nvContentPartPr>
+                <p14:cNvPr id="67" name="Рукописный ввод 66">
+                  <a:extLst>
+                    <a:ext uri="{FF2B5EF4-FFF2-40B4-BE49-F238E27FC236}">
+                      <a16:creationId xmlns:a16="http://schemas.microsoft.com/office/drawing/2014/main" id="{82515165-9E2F-F57F-EEB9-9FA2C7A934FA}"/>
+                    </a:ext>
+                  </a:extLst>
+                </p14:cNvPr>
+                <p14:cNvContentPartPr/>
+                <p14:nvPr/>
+              </p14:nvContentPartPr>
+              <p14:xfrm>
+                <a:off x="7092210" y="3506790"/>
+                <a:ext cx="360" cy="360"/>
+              </p14:xfrm>
+            </p:contentPart>
+          </mc:Choice>
+          <mc:Fallback>
+            <p:pic>
+              <p:nvPicPr>
+                <p:cNvPr id="67" name="Рукописный ввод 66">
+                  <a:extLst>
+                    <a:ext uri="{FF2B5EF4-FFF2-40B4-BE49-F238E27FC236}">
+                      <a16:creationId xmlns:a16="http://schemas.microsoft.com/office/drawing/2014/main" id="{82515165-9E2F-F57F-EEB9-9FA2C7A934FA}"/>
+                    </a:ext>
+                  </a:extLst>
+                </p:cNvPr>
+                <p:cNvPicPr/>
+                <p:nvPr/>
+              </p:nvPicPr>
+              <p:blipFill>
+                <a:blip r:embed="rId22"/>
+                <a:stretch>
+                  <a:fillRect/>
+                </a:stretch>
+              </p:blipFill>
+              <p:spPr>
+                <a:xfrm>
+                  <a:off x="7083210" y="3498150"/>
+                  <a:ext cx="18000" cy="18000"/>
+                </a:xfrm>
+                <a:prstGeom prst="rect">
+                  <a:avLst/>
+                </a:prstGeom>
+              </p:spPr>
+            </p:pic>
+          </mc:Fallback>
+        </mc:AlternateContent>
+        <mc:AlternateContent xmlns:mc="http://schemas.openxmlformats.org/markup-compatibility/2006">
+          <mc:Choice xmlns:p14="http://schemas.microsoft.com/office/powerpoint/2010/main" Requires="p14">
+            <p:contentPart p14:bwMode="auto" r:id="rId66">
+              <p14:nvContentPartPr>
+                <p14:cNvPr id="69" name="Рукописный ввод 68">
+                  <a:extLst>
+                    <a:ext uri="{FF2B5EF4-FFF2-40B4-BE49-F238E27FC236}">
+                      <a16:creationId xmlns:a16="http://schemas.microsoft.com/office/drawing/2014/main" id="{759F8278-D8D7-4FE4-D779-298F4F4B2B5F}"/>
+                    </a:ext>
+                  </a:extLst>
+                </p14:cNvPr>
+                <p14:cNvContentPartPr/>
+                <p14:nvPr/>
+              </p14:nvContentPartPr>
+              <p14:xfrm>
+                <a:off x="7104810" y="3754470"/>
+                <a:ext cx="51840" cy="57960"/>
+              </p14:xfrm>
+            </p:contentPart>
+          </mc:Choice>
+          <mc:Fallback>
+            <p:pic>
+              <p:nvPicPr>
+                <p:cNvPr id="69" name="Рукописный ввод 68">
+                  <a:extLst>
+                    <a:ext uri="{FF2B5EF4-FFF2-40B4-BE49-F238E27FC236}">
+                      <a16:creationId xmlns:a16="http://schemas.microsoft.com/office/drawing/2014/main" id="{759F8278-D8D7-4FE4-D779-298F4F4B2B5F}"/>
+                    </a:ext>
+                  </a:extLst>
+                </p:cNvPr>
+                <p:cNvPicPr/>
+                <p:nvPr/>
+              </p:nvPicPr>
+              <p:blipFill>
+                <a:blip r:embed="rId67"/>
+                <a:stretch>
+                  <a:fillRect/>
+                </a:stretch>
+              </p:blipFill>
+              <p:spPr>
+                <a:xfrm>
+                  <a:off x="7096170" y="3745470"/>
+                  <a:ext cx="69480" cy="75600"/>
+                </a:xfrm>
+                <a:prstGeom prst="rect">
+                  <a:avLst/>
+                </a:prstGeom>
+              </p:spPr>
+            </p:pic>
+          </mc:Fallback>
+        </mc:AlternateContent>
+        <mc:AlternateContent xmlns:mc="http://schemas.openxmlformats.org/markup-compatibility/2006">
+          <mc:Choice xmlns:p14="http://schemas.microsoft.com/office/powerpoint/2010/main" Requires="p14">
+            <p:contentPart p14:bwMode="auto" r:id="rId68">
+              <p14:nvContentPartPr>
+                <p14:cNvPr id="70" name="Рукописный ввод 69">
+                  <a:extLst>
+                    <a:ext uri="{FF2B5EF4-FFF2-40B4-BE49-F238E27FC236}">
+                      <a16:creationId xmlns:a16="http://schemas.microsoft.com/office/drawing/2014/main" id="{A80EFECD-1C2C-6C09-A60D-6C538427D509}"/>
+                    </a:ext>
+                  </a:extLst>
+                </p14:cNvPr>
+                <p14:cNvContentPartPr/>
+                <p14:nvPr/>
+              </p14:nvContentPartPr>
+              <p14:xfrm>
+                <a:off x="7094010" y="3764190"/>
+                <a:ext cx="360" cy="720"/>
+              </p14:xfrm>
+            </p:contentPart>
+          </mc:Choice>
+          <mc:Fallback>
+            <p:pic>
+              <p:nvPicPr>
+                <p:cNvPr id="70" name="Рукописный ввод 69">
+                  <a:extLst>
+                    <a:ext uri="{FF2B5EF4-FFF2-40B4-BE49-F238E27FC236}">
+                      <a16:creationId xmlns:a16="http://schemas.microsoft.com/office/drawing/2014/main" id="{A80EFECD-1C2C-6C09-A60D-6C538427D509}"/>
+                    </a:ext>
+                  </a:extLst>
+                </p:cNvPr>
+                <p:cNvPicPr/>
+                <p:nvPr/>
+              </p:nvPicPr>
+              <p:blipFill>
+                <a:blip r:embed="rId22"/>
+                <a:stretch>
+                  <a:fillRect/>
+                </a:stretch>
+              </p:blipFill>
+              <p:spPr>
+                <a:xfrm>
+                  <a:off x="7085010" y="3755190"/>
+                  <a:ext cx="18000" cy="18360"/>
+                </a:xfrm>
+                <a:prstGeom prst="rect">
+                  <a:avLst/>
+                </a:prstGeom>
+              </p:spPr>
+            </p:pic>
+          </mc:Fallback>
+        </mc:AlternateContent>
+        <mc:AlternateContent xmlns:mc="http://schemas.openxmlformats.org/markup-compatibility/2006">
+          <mc:Choice xmlns:p14="http://schemas.microsoft.com/office/powerpoint/2010/main" Requires="p14">
+            <p:contentPart p14:bwMode="auto" r:id="rId69">
+              <p14:nvContentPartPr>
+                <p14:cNvPr id="72" name="Рукописный ввод 71">
+                  <a:extLst>
+                    <a:ext uri="{FF2B5EF4-FFF2-40B4-BE49-F238E27FC236}">
+                      <a16:creationId xmlns:a16="http://schemas.microsoft.com/office/drawing/2014/main" id="{503FBD44-F0B7-3A1A-8CF5-6DD37C00B9CF}"/>
+                    </a:ext>
+                  </a:extLst>
+                </p14:cNvPr>
+                <p14:cNvContentPartPr/>
+                <p14:nvPr/>
+              </p14:nvContentPartPr>
+              <p14:xfrm>
+                <a:off x="7082940" y="3392880"/>
+                <a:ext cx="30600" cy="140400"/>
+              </p14:xfrm>
+            </p:contentPart>
+          </mc:Choice>
+          <mc:Fallback>
+            <p:pic>
+              <p:nvPicPr>
+                <p:cNvPr id="72" name="Рукописный ввод 71">
+                  <a:extLst>
+                    <a:ext uri="{FF2B5EF4-FFF2-40B4-BE49-F238E27FC236}">
+                      <a16:creationId xmlns:a16="http://schemas.microsoft.com/office/drawing/2014/main" id="{503FBD44-F0B7-3A1A-8CF5-6DD37C00B9CF}"/>
+                    </a:ext>
+                  </a:extLst>
+                </p:cNvPr>
+                <p:cNvPicPr/>
+                <p:nvPr/>
+              </p:nvPicPr>
+              <p:blipFill>
+                <a:blip r:embed="rId70"/>
+                <a:stretch>
+                  <a:fillRect/>
+                </a:stretch>
+              </p:blipFill>
+              <p:spPr>
+                <a:xfrm>
+                  <a:off x="7078620" y="3388560"/>
+                  <a:ext cx="39240" cy="149040"/>
+                </a:xfrm>
+                <a:prstGeom prst="rect">
+                  <a:avLst/>
+                </a:prstGeom>
+              </p:spPr>
+            </p:pic>
+          </mc:Fallback>
+        </mc:AlternateContent>
+        <mc:AlternateContent xmlns:mc="http://schemas.openxmlformats.org/markup-compatibility/2006">
+          <mc:Choice xmlns:p14="http://schemas.microsoft.com/office/powerpoint/2010/main" Requires="p14">
+            <p:contentPart p14:bwMode="auto" r:id="rId71">
+              <p14:nvContentPartPr>
+                <p14:cNvPr id="73" name="Рукописный ввод 72">
+                  <a:extLst>
+                    <a:ext uri="{FF2B5EF4-FFF2-40B4-BE49-F238E27FC236}">
+                      <a16:creationId xmlns:a16="http://schemas.microsoft.com/office/drawing/2014/main" id="{3F927DC3-F3FF-538C-70C2-35257EFBB6F2}"/>
+                    </a:ext>
+                  </a:extLst>
+                </p14:cNvPr>
+                <p14:cNvContentPartPr/>
+                <p14:nvPr/>
+              </p14:nvContentPartPr>
+              <p14:xfrm>
+                <a:off x="7084740" y="3352920"/>
+                <a:ext cx="10080" cy="51480"/>
+              </p14:xfrm>
+            </p:contentPart>
+          </mc:Choice>
+          <mc:Fallback>
+            <p:pic>
+              <p:nvPicPr>
+                <p:cNvPr id="73" name="Рукописный ввод 72">
+                  <a:extLst>
+                    <a:ext uri="{FF2B5EF4-FFF2-40B4-BE49-F238E27FC236}">
+                      <a16:creationId xmlns:a16="http://schemas.microsoft.com/office/drawing/2014/main" id="{3F927DC3-F3FF-538C-70C2-35257EFBB6F2}"/>
+                    </a:ext>
+                  </a:extLst>
+                </p:cNvPr>
+                <p:cNvPicPr/>
+                <p:nvPr/>
+              </p:nvPicPr>
+              <p:blipFill>
+                <a:blip r:embed="rId72"/>
+                <a:stretch>
+                  <a:fillRect/>
+                </a:stretch>
+              </p:blipFill>
+              <p:spPr>
+                <a:xfrm>
+                  <a:off x="7080420" y="3348600"/>
+                  <a:ext cx="18720" cy="60120"/>
+                </a:xfrm>
+                <a:prstGeom prst="rect">
+                  <a:avLst/>
+                </a:prstGeom>
+              </p:spPr>
+            </p:pic>
+          </mc:Fallback>
+        </mc:AlternateContent>
+        <mc:AlternateContent xmlns:mc="http://schemas.openxmlformats.org/markup-compatibility/2006">
+          <mc:Choice xmlns:p14="http://schemas.microsoft.com/office/powerpoint/2010/main" Requires="p14">
+            <p:contentPart p14:bwMode="auto" r:id="rId73">
+              <p14:nvContentPartPr>
+                <p14:cNvPr id="74" name="Рукописный ввод 73">
+                  <a:extLst>
+                    <a:ext uri="{FF2B5EF4-FFF2-40B4-BE49-F238E27FC236}">
+                      <a16:creationId xmlns:a16="http://schemas.microsoft.com/office/drawing/2014/main" id="{5E946ED7-6368-42AC-03AB-827D70EE988F}"/>
+                    </a:ext>
+                  </a:extLst>
+                </p14:cNvPr>
+                <p14:cNvContentPartPr/>
+                <p14:nvPr/>
+              </p14:nvContentPartPr>
+              <p14:xfrm>
+                <a:off x="7084020" y="3354360"/>
+                <a:ext cx="6120" cy="190800"/>
+              </p14:xfrm>
+            </p:contentPart>
+          </mc:Choice>
+          <mc:Fallback>
+            <p:pic>
+              <p:nvPicPr>
+                <p:cNvPr id="74" name="Рукописный ввод 73">
+                  <a:extLst>
+                    <a:ext uri="{FF2B5EF4-FFF2-40B4-BE49-F238E27FC236}">
+                      <a16:creationId xmlns:a16="http://schemas.microsoft.com/office/drawing/2014/main" id="{5E946ED7-6368-42AC-03AB-827D70EE988F}"/>
+                    </a:ext>
+                  </a:extLst>
+                </p:cNvPr>
+                <p:cNvPicPr/>
+                <p:nvPr/>
+              </p:nvPicPr>
+              <p:blipFill>
+                <a:blip r:embed="rId74"/>
+                <a:stretch>
+                  <a:fillRect/>
+                </a:stretch>
+              </p:blipFill>
+              <p:spPr>
+                <a:xfrm>
+                  <a:off x="7079700" y="3350040"/>
+                  <a:ext cx="14760" cy="199440"/>
+                </a:xfrm>
+                <a:prstGeom prst="rect">
+                  <a:avLst/>
+                </a:prstGeom>
+              </p:spPr>
+            </p:pic>
+          </mc:Fallback>
+        </mc:AlternateContent>
+        <mc:AlternateContent xmlns:mc="http://schemas.openxmlformats.org/markup-compatibility/2006">
+          <mc:Choice xmlns:p14="http://schemas.microsoft.com/office/powerpoint/2010/main" Requires="p14">
+            <p:contentPart p14:bwMode="auto" r:id="rId75">
+              <p14:nvContentPartPr>
+                <p14:cNvPr id="75" name="Рукописный ввод 74">
+                  <a:extLst>
+                    <a:ext uri="{FF2B5EF4-FFF2-40B4-BE49-F238E27FC236}">
+                      <a16:creationId xmlns:a16="http://schemas.microsoft.com/office/drawing/2014/main" id="{B82D28FE-039A-6D25-9638-DDB56AB93598}"/>
+                    </a:ext>
+                  </a:extLst>
+                </p14:cNvPr>
+                <p14:cNvContentPartPr/>
+                <p14:nvPr/>
+              </p14:nvContentPartPr>
+              <p14:xfrm>
+                <a:off x="7082580" y="3458040"/>
+                <a:ext cx="14760" cy="75960"/>
+              </p14:xfrm>
+            </p:contentPart>
+          </mc:Choice>
+          <mc:Fallback>
+            <p:pic>
+              <p:nvPicPr>
+                <p:cNvPr id="75" name="Рукописный ввод 74">
+                  <a:extLst>
+                    <a:ext uri="{FF2B5EF4-FFF2-40B4-BE49-F238E27FC236}">
+                      <a16:creationId xmlns:a16="http://schemas.microsoft.com/office/drawing/2014/main" id="{B82D28FE-039A-6D25-9638-DDB56AB93598}"/>
+                    </a:ext>
+                  </a:extLst>
+                </p:cNvPr>
+                <p:cNvPicPr/>
+                <p:nvPr/>
+              </p:nvPicPr>
+              <p:blipFill>
+                <a:blip r:embed="rId76"/>
+                <a:stretch>
+                  <a:fillRect/>
+                </a:stretch>
+              </p:blipFill>
+              <p:spPr>
+                <a:xfrm>
+                  <a:off x="7078260" y="3453720"/>
+                  <a:ext cx="23400" cy="84600"/>
+                </a:xfrm>
+                <a:prstGeom prst="rect">
+                  <a:avLst/>
+                </a:prstGeom>
+              </p:spPr>
+            </p:pic>
+          </mc:Fallback>
+        </mc:AlternateContent>
+      </p:grpSp>
+    </p:spTree>
+    <p:extLst>
+      <p:ext uri="{BB962C8B-B14F-4D97-AF65-F5344CB8AC3E}">
+        <p14:creationId xmlns:p14="http://schemas.microsoft.com/office/powerpoint/2010/main" val="1907860765"/>
+      </p:ext>
+    </p:extLst>
+  </p:cSld>
+  <p:clrMapOvr>
+    <a:masterClrMapping/>
+  </p:clrMapOvr>
+</p:sld>
+</file>
+
+<file path=ppt/slides/slide11.xml><?xml version="1.0" encoding="utf-8"?>
+<p:sld xmlns:a="http://schemas.openxmlformats.org/drawingml/2006/main" xmlns:r="http://schemas.openxmlformats.org/officeDocument/2006/relationships" xmlns:p="http://schemas.openxmlformats.org/presentationml/2006/main">
+  <p:cSld>
+    <p:spTree>
+      <p:nvGrpSpPr>
+        <p:cNvPr id="1" name=""/>
+        <p:cNvGrpSpPr/>
+        <p:nvPr/>
+      </p:nvGrpSpPr>
+      <p:grpSpPr>
+        <a:xfrm>
+          <a:off x="0" y="0"/>
+          <a:ext cx="0" cy="0"/>
+          <a:chOff x="0" y="0"/>
+          <a:chExt cx="0" cy="0"/>
+        </a:xfrm>
+      </p:grpSpPr>
       <p:sp>
         <p:nvSpPr>
           <p:cNvPr id="2" name="Заголовок 1">
@@ -6959,7 +10194,7 @@
 </p:sld>
 </file>
 
-<file path=ppt/slides/slide11.xml><?xml version="1.0" encoding="utf-8"?>
+<file path=ppt/slides/slide12.xml><?xml version="1.0" encoding="utf-8"?>
 <p:sld xmlns:a="http://schemas.openxmlformats.org/drawingml/2006/main" xmlns:r="http://schemas.openxmlformats.org/officeDocument/2006/relationships" xmlns:p="http://schemas.openxmlformats.org/presentationml/2006/main">
   <p:cSld>
     <p:spTree>
@@ -7064,10 +10299,21 @@
               </a:rPr>
               <a:t>O(N)</a:t>
             </a:r>
-            <a:endParaRPr lang="ru-RU" sz="2800" dirty="0">
+          </a:p>
+          <a:p>
+            <a:endParaRPr lang="en-US" sz="2800" dirty="0">
               <a:latin typeface="Arial" panose="020B0604020202020204" pitchFamily="34" charset="0"/>
               <a:cs typeface="Arial" panose="020B0604020202020204" pitchFamily="34" charset="0"/>
             </a:endParaRPr>
+          </a:p>
+          <a:p>
+            <a:r>
+              <a:rPr lang="ru-RU" sz="2800" dirty="0">
+                <a:latin typeface="Arial" panose="020B0604020202020204" pitchFamily="34" charset="0"/>
+                <a:cs typeface="Arial" panose="020B0604020202020204" pitchFamily="34" charset="0"/>
+              </a:rPr>
+              <a:t>Алгоритм линейный</a:t>
+            </a:r>
           </a:p>
         </p:txBody>
       </p:sp>
@@ -7084,7 +10330,153 @@
 </p:sld>
 </file>
 
-<file path=ppt/slides/slide12.xml><?xml version="1.0" encoding="utf-8"?>
+<file path=ppt/slides/slide13.xml><?xml version="1.0" encoding="utf-8"?>
+<p:sld xmlns:a="http://schemas.openxmlformats.org/drawingml/2006/main" xmlns:r="http://schemas.openxmlformats.org/officeDocument/2006/relationships" xmlns:p="http://schemas.openxmlformats.org/presentationml/2006/main">
+  <p:cSld>
+    <p:spTree>
+      <p:nvGrpSpPr>
+        <p:cNvPr id="1" name=""/>
+        <p:cNvGrpSpPr/>
+        <p:nvPr/>
+      </p:nvGrpSpPr>
+      <p:grpSpPr>
+        <a:xfrm>
+          <a:off x="0" y="0"/>
+          <a:ext cx="0" cy="0"/>
+          <a:chOff x="0" y="0"/>
+          <a:chExt cx="0" cy="0"/>
+        </a:xfrm>
+      </p:grpSpPr>
+      <p:pic>
+        <p:nvPicPr>
+          <p:cNvPr id="19" name="Объект 18" descr="Изображение выглядит как текст&#10;&#10;Автоматически созданное описание">
+            <a:extLst>
+              <a:ext uri="{FF2B5EF4-FFF2-40B4-BE49-F238E27FC236}">
+                <a16:creationId xmlns:a16="http://schemas.microsoft.com/office/drawing/2014/main" id="{320BB59C-14CA-6AB3-5F9D-629C36FD7451}"/>
+              </a:ext>
+            </a:extLst>
+          </p:cNvPr>
+          <p:cNvPicPr>
+            <a:picLocks noGrp="1" noChangeAspect="1"/>
+          </p:cNvPicPr>
+          <p:nvPr>
+            <p:ph idx="1"/>
+          </p:nvPr>
+        </p:nvPicPr>
+        <p:blipFill rotWithShape="1">
+          <a:blip r:embed="rId2"/>
+          <a:srcRect r="1930"/>
+          <a:stretch/>
+        </p:blipFill>
+        <p:spPr>
+          <a:xfrm>
+            <a:off x="1303017" y="380170"/>
+            <a:ext cx="9678751" cy="1238423"/>
+          </a:xfrm>
+        </p:spPr>
+      </p:pic>
+      <p:pic>
+        <p:nvPicPr>
+          <p:cNvPr id="21" name="Рисунок 20" descr="Изображение выглядит как текст&#10;&#10;Автоматически созданное описание">
+            <a:extLst>
+              <a:ext uri="{FF2B5EF4-FFF2-40B4-BE49-F238E27FC236}">
+                <a16:creationId xmlns:a16="http://schemas.microsoft.com/office/drawing/2014/main" id="{3D47C6B3-CA6C-566A-DC87-AF4142AFA782}"/>
+              </a:ext>
+            </a:extLst>
+          </p:cNvPr>
+          <p:cNvPicPr>
+            <a:picLocks noChangeAspect="1"/>
+          </p:cNvPicPr>
+          <p:nvPr/>
+        </p:nvPicPr>
+        <p:blipFill>
+          <a:blip r:embed="rId3"/>
+          <a:stretch>
+            <a:fillRect/>
+          </a:stretch>
+        </p:blipFill>
+        <p:spPr>
+          <a:xfrm>
+            <a:off x="1303017" y="1967159"/>
+            <a:ext cx="9678751" cy="1257475"/>
+          </a:xfrm>
+          <a:prstGeom prst="rect">
+            <a:avLst/>
+          </a:prstGeom>
+        </p:spPr>
+      </p:pic>
+      <p:pic>
+        <p:nvPicPr>
+          <p:cNvPr id="23" name="Рисунок 22" descr="Изображение выглядит как текст&#10;&#10;Автоматически созданное описание">
+            <a:extLst>
+              <a:ext uri="{FF2B5EF4-FFF2-40B4-BE49-F238E27FC236}">
+                <a16:creationId xmlns:a16="http://schemas.microsoft.com/office/drawing/2014/main" id="{0F6F4826-12F8-B9B5-3380-FA4C3FC927AB}"/>
+              </a:ext>
+            </a:extLst>
+          </p:cNvPr>
+          <p:cNvPicPr>
+            <a:picLocks noChangeAspect="1"/>
+          </p:cNvPicPr>
+          <p:nvPr/>
+        </p:nvPicPr>
+        <p:blipFill rotWithShape="1">
+          <a:blip r:embed="rId4"/>
+          <a:srcRect r="589"/>
+          <a:stretch/>
+        </p:blipFill>
+        <p:spPr>
+          <a:xfrm>
+            <a:off x="1303017" y="3633366"/>
+            <a:ext cx="9659698" cy="1238423"/>
+          </a:xfrm>
+          <a:prstGeom prst="rect">
+            <a:avLst/>
+          </a:prstGeom>
+        </p:spPr>
+      </p:pic>
+      <p:pic>
+        <p:nvPicPr>
+          <p:cNvPr id="25" name="Рисунок 24" descr="Изображение выглядит как текст&#10;&#10;Автоматически созданное описание">
+            <a:extLst>
+              <a:ext uri="{FF2B5EF4-FFF2-40B4-BE49-F238E27FC236}">
+                <a16:creationId xmlns:a16="http://schemas.microsoft.com/office/drawing/2014/main" id="{EFE50AE3-33AE-EE88-60DF-1E14A40D11C6}"/>
+              </a:ext>
+            </a:extLst>
+          </p:cNvPr>
+          <p:cNvPicPr>
+            <a:picLocks noChangeAspect="1"/>
+          </p:cNvPicPr>
+          <p:nvPr/>
+        </p:nvPicPr>
+        <p:blipFill rotWithShape="1">
+          <a:blip r:embed="rId5"/>
+          <a:srcRect/>
+          <a:stretch/>
+        </p:blipFill>
+        <p:spPr>
+          <a:xfrm>
+            <a:off x="1303017" y="5190782"/>
+            <a:ext cx="9659698" cy="1228896"/>
+          </a:xfrm>
+          <a:prstGeom prst="rect">
+            <a:avLst/>
+          </a:prstGeom>
+        </p:spPr>
+      </p:pic>
+    </p:spTree>
+    <p:extLst>
+      <p:ext uri="{BB962C8B-B14F-4D97-AF65-F5344CB8AC3E}">
+        <p14:creationId xmlns:p14="http://schemas.microsoft.com/office/powerpoint/2010/main" val="752631470"/>
+      </p:ext>
+    </p:extLst>
+  </p:cSld>
+  <p:clrMapOvr>
+    <a:masterClrMapping/>
+  </p:clrMapOvr>
+</p:sld>
+</file>
+
+<file path=ppt/slides/slide14.xml><?xml version="1.0" encoding="utf-8"?>
 <p:sld xmlns:a="http://schemas.openxmlformats.org/drawingml/2006/main" xmlns:r="http://schemas.openxmlformats.org/officeDocument/2006/relationships" xmlns:p="http://schemas.openxmlformats.org/presentationml/2006/main">
   <p:cSld>
     <p:spTree>
@@ -7473,7 +10865,7 @@
 </p:sld>
 </file>
 
-<file path=ppt/slides/slide13.xml><?xml version="1.0" encoding="utf-8"?>
+<file path=ppt/slides/slide15.xml><?xml version="1.0" encoding="utf-8"?>
 <p:sld xmlns:a="http://schemas.openxmlformats.org/drawingml/2006/main" xmlns:r="http://schemas.openxmlformats.org/officeDocument/2006/relationships" xmlns:p="http://schemas.openxmlformats.org/presentationml/2006/main">
   <p:cSld>
     <p:spTree>
@@ -7891,237 +11283,6 @@
 </p:sld>
 </file>
 
-<file path=ppt/slides/slide14.xml><?xml version="1.0" encoding="utf-8"?>
-<p:sld xmlns:a="http://schemas.openxmlformats.org/drawingml/2006/main" xmlns:r="http://schemas.openxmlformats.org/officeDocument/2006/relationships" xmlns:p="http://schemas.openxmlformats.org/presentationml/2006/main">
-  <p:cSld>
-    <p:spTree>
-      <p:nvGrpSpPr>
-        <p:cNvPr id="1" name=""/>
-        <p:cNvGrpSpPr/>
-        <p:nvPr/>
-      </p:nvGrpSpPr>
-      <p:grpSpPr>
-        <a:xfrm>
-          <a:off x="0" y="0"/>
-          <a:ext cx="0" cy="0"/>
-          <a:chOff x="0" y="0"/>
-          <a:chExt cx="0" cy="0"/>
-        </a:xfrm>
-      </p:grpSpPr>
-      <p:sp>
-        <p:nvSpPr>
-          <p:cNvPr id="2" name="Заголовок 1">
-            <a:extLst>
-              <a:ext uri="{FF2B5EF4-FFF2-40B4-BE49-F238E27FC236}">
-                <a16:creationId xmlns:a16="http://schemas.microsoft.com/office/drawing/2014/main" id="{DC5E7F97-0013-1D72-3F6B-1A84F1D3E3F9}"/>
-              </a:ext>
-            </a:extLst>
-          </p:cNvPr>
-          <p:cNvSpPr>
-            <a:spLocks noGrp="1"/>
-          </p:cNvSpPr>
-          <p:nvPr>
-            <p:ph type="title"/>
-          </p:nvPr>
-        </p:nvSpPr>
-        <p:spPr/>
-        <p:txBody>
-          <a:bodyPr/>
-          <a:lstStyle/>
-          <a:p>
-            <a:r>
-              <a:rPr lang="ru-RU" dirty="0">
-                <a:latin typeface="Arial" panose="020B0604020202020204" pitchFamily="34" charset="0"/>
-                <a:cs typeface="Arial" panose="020B0604020202020204" pitchFamily="34" charset="0"/>
-              </a:rPr>
-              <a:t>Сферы применения</a:t>
-            </a:r>
-          </a:p>
-        </p:txBody>
-      </p:sp>
-      <p:sp>
-        <p:nvSpPr>
-          <p:cNvPr id="3" name="Объект 2">
-            <a:extLst>
-              <a:ext uri="{FF2B5EF4-FFF2-40B4-BE49-F238E27FC236}">
-                <a16:creationId xmlns:a16="http://schemas.microsoft.com/office/drawing/2014/main" id="{BD363C3D-2C72-E3C8-153F-F15D701E7799}"/>
-              </a:ext>
-            </a:extLst>
-          </p:cNvPr>
-          <p:cNvSpPr>
-            <a:spLocks noGrp="1"/>
-          </p:cNvSpPr>
-          <p:nvPr>
-            <p:ph idx="1"/>
-          </p:nvPr>
-        </p:nvSpPr>
-        <p:spPr>
-          <a:xfrm>
-            <a:off x="913795" y="2403620"/>
-            <a:ext cx="10353762" cy="3714749"/>
-          </a:xfrm>
-        </p:spPr>
-        <p:txBody>
-          <a:bodyPr/>
-          <a:lstStyle/>
-          <a:p>
-            <a:r>
-              <a:rPr lang="ru-RU" dirty="0">
-                <a:effectLst/>
-                <a:latin typeface="Arial" panose="020B0604020202020204" pitchFamily="34" charset="0"/>
-                <a:cs typeface="Arial" panose="020B0604020202020204" pitchFamily="34" charset="0"/>
-              </a:rPr>
-              <a:t>Р</a:t>
-            </a:r>
-            <a:r>
-              <a:rPr lang="ru-RU" b="0" i="0" dirty="0">
-                <a:effectLst/>
-                <a:latin typeface="Arial" panose="020B0604020202020204" pitchFamily="34" charset="0"/>
-                <a:cs typeface="Arial" panose="020B0604020202020204" pitchFamily="34" charset="0"/>
-              </a:rPr>
-              <a:t>едактирование текста</a:t>
-            </a:r>
-          </a:p>
-          <a:p>
-            <a:endParaRPr lang="ru-RU" dirty="0">
-              <a:effectLst/>
-              <a:latin typeface="Arial" panose="020B0604020202020204" pitchFamily="34" charset="0"/>
-              <a:cs typeface="Arial" panose="020B0604020202020204" pitchFamily="34" charset="0"/>
-            </a:endParaRPr>
-          </a:p>
-          <a:p>
-            <a:r>
-              <a:rPr lang="ru-RU" b="0" i="0" dirty="0">
-                <a:effectLst/>
-                <a:latin typeface="Arial" panose="020B0604020202020204" pitchFamily="34" charset="0"/>
-                <a:cs typeface="Arial" panose="020B0604020202020204" pitchFamily="34" charset="0"/>
-              </a:rPr>
-              <a:t>Браузерный поиск</a:t>
-            </a:r>
-          </a:p>
-          <a:p>
-            <a:endParaRPr lang="ru-RU" b="0" i="0" dirty="0">
-              <a:effectLst/>
-              <a:latin typeface="Arial" panose="020B0604020202020204" pitchFamily="34" charset="0"/>
-              <a:cs typeface="Arial" panose="020B0604020202020204" pitchFamily="34" charset="0"/>
-            </a:endParaRPr>
-          </a:p>
-          <a:p>
-            <a:r>
-              <a:rPr lang="ru-RU" b="0" i="0" dirty="0">
-                <a:effectLst/>
-                <a:latin typeface="Arial" panose="020B0604020202020204" pitchFamily="34" charset="0"/>
-                <a:cs typeface="Arial" panose="020B0604020202020204" pitchFamily="34" charset="0"/>
-              </a:rPr>
-              <a:t>Вычислительная биология (структуры ДНК)</a:t>
-            </a:r>
-            <a:endParaRPr lang="en-US" dirty="0">
-              <a:effectLst/>
-              <a:latin typeface="Arial" panose="020B0604020202020204" pitchFamily="34" charset="0"/>
-              <a:cs typeface="Arial" panose="020B0604020202020204" pitchFamily="34" charset="0"/>
-            </a:endParaRPr>
-          </a:p>
-        </p:txBody>
-      </p:sp>
-    </p:spTree>
-    <p:extLst>
-      <p:ext uri="{BB962C8B-B14F-4D97-AF65-F5344CB8AC3E}">
-        <p14:creationId xmlns:p14="http://schemas.microsoft.com/office/powerpoint/2010/main" val="1893002027"/>
-      </p:ext>
-    </p:extLst>
-  </p:cSld>
-  <p:clrMapOvr>
-    <a:masterClrMapping/>
-  </p:clrMapOvr>
-</p:sld>
-</file>
-
-<file path=ppt/slides/slide15.xml><?xml version="1.0" encoding="utf-8"?>
-<p:sld xmlns:a="http://schemas.openxmlformats.org/drawingml/2006/main" xmlns:r="http://schemas.openxmlformats.org/officeDocument/2006/relationships" xmlns:p="http://schemas.openxmlformats.org/presentationml/2006/main">
-  <p:cSld>
-    <p:spTree>
-      <p:nvGrpSpPr>
-        <p:cNvPr id="1" name=""/>
-        <p:cNvGrpSpPr/>
-        <p:nvPr/>
-      </p:nvGrpSpPr>
-      <p:grpSpPr>
-        <a:xfrm>
-          <a:off x="0" y="0"/>
-          <a:ext cx="0" cy="0"/>
-          <a:chOff x="0" y="0"/>
-          <a:chExt cx="0" cy="0"/>
-        </a:xfrm>
-      </p:grpSpPr>
-      <p:sp>
-        <p:nvSpPr>
-          <p:cNvPr id="2" name="Заголовок 1">
-            <a:extLst>
-              <a:ext uri="{FF2B5EF4-FFF2-40B4-BE49-F238E27FC236}">
-                <a16:creationId xmlns:a16="http://schemas.microsoft.com/office/drawing/2014/main" id="{E6474BEB-699A-71CC-E376-E60C0BEC516B}"/>
-              </a:ext>
-            </a:extLst>
-          </p:cNvPr>
-          <p:cNvSpPr>
-            <a:spLocks noGrp="1"/>
-          </p:cNvSpPr>
-          <p:nvPr>
-            <p:ph type="title"/>
-          </p:nvPr>
-        </p:nvSpPr>
-        <p:spPr/>
-        <p:txBody>
-          <a:bodyPr/>
-          <a:lstStyle/>
-          <a:p>
-            <a:r>
-              <a:rPr lang="ru-RU" dirty="0">
-                <a:latin typeface="Arial" panose="020B0604020202020204" pitchFamily="34" charset="0"/>
-                <a:cs typeface="Arial" panose="020B0604020202020204" pitchFamily="34" charset="0"/>
-              </a:rPr>
-              <a:t>Технические характеристики</a:t>
-            </a:r>
-          </a:p>
-        </p:txBody>
-      </p:sp>
-      <p:sp>
-        <p:nvSpPr>
-          <p:cNvPr id="3" name="Объект 2">
-            <a:extLst>
-              <a:ext uri="{FF2B5EF4-FFF2-40B4-BE49-F238E27FC236}">
-                <a16:creationId xmlns:a16="http://schemas.microsoft.com/office/drawing/2014/main" id="{D5A2247B-AC6B-3DC7-1C21-EDA43972B10D}"/>
-              </a:ext>
-            </a:extLst>
-          </p:cNvPr>
-          <p:cNvSpPr>
-            <a:spLocks noGrp="1"/>
-          </p:cNvSpPr>
-          <p:nvPr>
-            <p:ph idx="1"/>
-          </p:nvPr>
-        </p:nvSpPr>
-        <p:spPr/>
-        <p:txBody>
-          <a:bodyPr/>
-          <a:lstStyle/>
-          <a:p>
-            <a:endParaRPr lang="ru-RU" dirty="0"/>
-          </a:p>
-        </p:txBody>
-      </p:sp>
-    </p:spTree>
-    <p:extLst>
-      <p:ext uri="{BB962C8B-B14F-4D97-AF65-F5344CB8AC3E}">
-        <p14:creationId xmlns:p14="http://schemas.microsoft.com/office/powerpoint/2010/main" val="1667960069"/>
-      </p:ext>
-    </p:extLst>
-  </p:cSld>
-  <p:clrMapOvr>
-    <a:masterClrMapping/>
-  </p:clrMapOvr>
-</p:sld>
-</file>
-
 <file path=ppt/slides/slide2.xml><?xml version="1.0" encoding="utf-8"?>
 <p:sld xmlns:a="http://schemas.openxmlformats.org/drawingml/2006/main" xmlns:r="http://schemas.openxmlformats.org/officeDocument/2006/relationships" xmlns:p="http://schemas.openxmlformats.org/presentationml/2006/main">
   <p:cSld>
@@ -8238,7 +11399,7 @@
                 <a:ea typeface="Calibri" panose="020F0502020204030204" pitchFamily="34" charset="0"/>
                 <a:cs typeface="Arial" panose="020B0604020202020204" pitchFamily="34" charset="0"/>
               </a:rPr>
-              <a:t>МакКрейта</a:t>
+              <a:t>Маккрейта</a:t>
             </a:r>
             <a:r>
               <a:rPr lang="ru-RU" sz="2400" dirty="0">
@@ -8288,15 +11449,18 @@
               </a:rPr>
               <a:t>algorithm</a:t>
             </a:r>
-            <a:endParaRPr lang="ru-RU" sz="2400" i="1" dirty="0">
-              <a:solidFill>
-                <a:schemeClr val="tx1"/>
-              </a:solidFill>
-              <a:effectLst/>
-              <a:latin typeface="Arial" panose="020B0604020202020204" pitchFamily="34" charset="0"/>
-              <a:ea typeface="Calibri" panose="020F0502020204030204" pitchFamily="34" charset="0"/>
-              <a:cs typeface="Arial" panose="020B0604020202020204" pitchFamily="34" charset="0"/>
-            </a:endParaRPr>
+            <a:r>
+              <a:rPr lang="ru-RU" sz="2400" i="1" dirty="0">
+                <a:solidFill>
+                  <a:schemeClr val="tx1"/>
+                </a:solidFill>
+                <a:effectLst/>
+                <a:latin typeface="Arial" panose="020B0604020202020204" pitchFamily="34" charset="0"/>
+                <a:ea typeface="Calibri" panose="020F0502020204030204" pitchFamily="34" charset="0"/>
+                <a:cs typeface="Arial" panose="020B0604020202020204" pitchFamily="34" charset="0"/>
+              </a:rPr>
+              <a:t>)</a:t>
+            </a:r>
           </a:p>
           <a:p>
             <a:pPr marL="36900" indent="0">
@@ -9153,6 +12317,151 @@
       </p:grpSpPr>
       <p:sp>
         <p:nvSpPr>
+          <p:cNvPr id="2" name="Заголовок 1">
+            <a:extLst>
+              <a:ext uri="{FF2B5EF4-FFF2-40B4-BE49-F238E27FC236}">
+                <a16:creationId xmlns:a16="http://schemas.microsoft.com/office/drawing/2014/main" id="{DC5E7F97-0013-1D72-3F6B-1A84F1D3E3F9}"/>
+              </a:ext>
+            </a:extLst>
+          </p:cNvPr>
+          <p:cNvSpPr>
+            <a:spLocks noGrp="1"/>
+          </p:cNvSpPr>
+          <p:nvPr>
+            <p:ph type="title"/>
+          </p:nvPr>
+        </p:nvSpPr>
+        <p:spPr/>
+        <p:txBody>
+          <a:bodyPr/>
+          <a:lstStyle/>
+          <a:p>
+            <a:r>
+              <a:rPr lang="ru-RU" dirty="0">
+                <a:latin typeface="Arial" panose="020B0604020202020204" pitchFamily="34" charset="0"/>
+                <a:cs typeface="Arial" panose="020B0604020202020204" pitchFamily="34" charset="0"/>
+              </a:rPr>
+              <a:t>Сферы применения</a:t>
+            </a:r>
+          </a:p>
+        </p:txBody>
+      </p:sp>
+      <p:sp>
+        <p:nvSpPr>
+          <p:cNvPr id="3" name="Объект 2">
+            <a:extLst>
+              <a:ext uri="{FF2B5EF4-FFF2-40B4-BE49-F238E27FC236}">
+                <a16:creationId xmlns:a16="http://schemas.microsoft.com/office/drawing/2014/main" id="{BD363C3D-2C72-E3C8-153F-F15D701E7799}"/>
+              </a:ext>
+            </a:extLst>
+          </p:cNvPr>
+          <p:cNvSpPr>
+            <a:spLocks noGrp="1"/>
+          </p:cNvSpPr>
+          <p:nvPr>
+            <p:ph idx="1"/>
+          </p:nvPr>
+        </p:nvSpPr>
+        <p:spPr>
+          <a:xfrm>
+            <a:off x="913795" y="2403620"/>
+            <a:ext cx="10353762" cy="3714749"/>
+          </a:xfrm>
+        </p:spPr>
+        <p:txBody>
+          <a:bodyPr/>
+          <a:lstStyle/>
+          <a:p>
+            <a:r>
+              <a:rPr lang="ru-RU" dirty="0">
+                <a:effectLst/>
+                <a:latin typeface="Arial" panose="020B0604020202020204" pitchFamily="34" charset="0"/>
+                <a:cs typeface="Arial" panose="020B0604020202020204" pitchFamily="34" charset="0"/>
+              </a:rPr>
+              <a:t>Р</a:t>
+            </a:r>
+            <a:r>
+              <a:rPr lang="ru-RU" b="0" i="0" dirty="0">
+                <a:effectLst/>
+                <a:latin typeface="Arial" panose="020B0604020202020204" pitchFamily="34" charset="0"/>
+                <a:cs typeface="Arial" panose="020B0604020202020204" pitchFamily="34" charset="0"/>
+              </a:rPr>
+              <a:t>едактирование текста</a:t>
+            </a:r>
+          </a:p>
+          <a:p>
+            <a:endParaRPr lang="ru-RU" dirty="0">
+              <a:effectLst/>
+              <a:latin typeface="Arial" panose="020B0604020202020204" pitchFamily="34" charset="0"/>
+              <a:cs typeface="Arial" panose="020B0604020202020204" pitchFamily="34" charset="0"/>
+            </a:endParaRPr>
+          </a:p>
+          <a:p>
+            <a:r>
+              <a:rPr lang="ru-RU" b="0" i="0" dirty="0">
+                <a:effectLst/>
+                <a:latin typeface="Arial" panose="020B0604020202020204" pitchFamily="34" charset="0"/>
+                <a:cs typeface="Arial" panose="020B0604020202020204" pitchFamily="34" charset="0"/>
+              </a:rPr>
+              <a:t>Браузерный поиск</a:t>
+            </a:r>
+          </a:p>
+          <a:p>
+            <a:endParaRPr lang="ru-RU" b="0" i="0" dirty="0">
+              <a:effectLst/>
+              <a:latin typeface="Arial" panose="020B0604020202020204" pitchFamily="34" charset="0"/>
+              <a:cs typeface="Arial" panose="020B0604020202020204" pitchFamily="34" charset="0"/>
+            </a:endParaRPr>
+          </a:p>
+          <a:p>
+            <a:r>
+              <a:rPr lang="ru-RU" b="0" i="0" dirty="0">
+                <a:effectLst/>
+                <a:latin typeface="Arial" panose="020B0604020202020204" pitchFamily="34" charset="0"/>
+                <a:cs typeface="Arial" panose="020B0604020202020204" pitchFamily="34" charset="0"/>
+              </a:rPr>
+              <a:t>Вычислительная биология (структуры ДНК)</a:t>
+            </a:r>
+            <a:endParaRPr lang="en-US" dirty="0">
+              <a:effectLst/>
+              <a:latin typeface="Arial" panose="020B0604020202020204" pitchFamily="34" charset="0"/>
+              <a:cs typeface="Arial" panose="020B0604020202020204" pitchFamily="34" charset="0"/>
+            </a:endParaRPr>
+          </a:p>
+        </p:txBody>
+      </p:sp>
+    </p:spTree>
+    <p:extLst>
+      <p:ext uri="{BB962C8B-B14F-4D97-AF65-F5344CB8AC3E}">
+        <p14:creationId xmlns:p14="http://schemas.microsoft.com/office/powerpoint/2010/main" val="1893002027"/>
+      </p:ext>
+    </p:extLst>
+  </p:cSld>
+  <p:clrMapOvr>
+    <a:masterClrMapping/>
+  </p:clrMapOvr>
+</p:sld>
+</file>
+
+<file path=ppt/slides/slide6.xml><?xml version="1.0" encoding="utf-8"?>
+<p:sld xmlns:a="http://schemas.openxmlformats.org/drawingml/2006/main" xmlns:r="http://schemas.openxmlformats.org/officeDocument/2006/relationships" xmlns:p="http://schemas.openxmlformats.org/presentationml/2006/main">
+  <p:cSld>
+    <p:spTree>
+      <p:nvGrpSpPr>
+        <p:cNvPr id="1" name=""/>
+        <p:cNvGrpSpPr/>
+        <p:nvPr/>
+      </p:nvGrpSpPr>
+      <p:grpSpPr>
+        <a:xfrm>
+          <a:off x="0" y="0"/>
+          <a:ext cx="0" cy="0"/>
+          <a:chOff x="0" y="0"/>
+          <a:chExt cx="0" cy="0"/>
+        </a:xfrm>
+      </p:grpSpPr>
+      <p:sp>
+        <p:nvSpPr>
           <p:cNvPr id="3" name="Объект 2">
             <a:extLst>
               <a:ext uri="{FF2B5EF4-FFF2-40B4-BE49-F238E27FC236}">
@@ -9182,35 +12491,42 @@
                 <a:latin typeface="Arial" panose="020B0604020202020204" pitchFamily="34" charset="0"/>
                 <a:cs typeface="Arial" panose="020B0604020202020204" pitchFamily="34" charset="0"/>
               </a:rPr>
-              <a:t>Основой алгоритма </a:t>
+              <a:t>Алгоритм </a:t>
             </a:r>
             <a:r>
               <a:rPr lang="ru-RU" dirty="0" err="1">
                 <a:latin typeface="Arial" panose="020B0604020202020204" pitchFamily="34" charset="0"/>
                 <a:cs typeface="Arial" panose="020B0604020202020204" pitchFamily="34" charset="0"/>
               </a:rPr>
-              <a:t>МакКрейта</a:t>
+              <a:t>Маккрейта</a:t>
             </a:r>
             <a:r>
               <a:rPr lang="ru-RU" dirty="0">
                 <a:latin typeface="Arial" panose="020B0604020202020204" pitchFamily="34" charset="0"/>
                 <a:cs typeface="Arial" panose="020B0604020202020204" pitchFamily="34" charset="0"/>
               </a:rPr>
-              <a:t> является </a:t>
-            </a:r>
-            <a:r>
-              <a:rPr lang="ru-RU" dirty="0" err="1">
+              <a:t> строит </a:t>
+            </a:r>
+            <a:r>
+              <a:rPr lang="ru-RU" i="1" dirty="0" err="1">
                 <a:latin typeface="Arial" panose="020B0604020202020204" pitchFamily="34" charset="0"/>
                 <a:cs typeface="Arial" panose="020B0604020202020204" pitchFamily="34" charset="0"/>
               </a:rPr>
               <a:t>суффиксное</a:t>
             </a:r>
             <a:r>
+              <a:rPr lang="ru-RU" i="1" dirty="0">
+                <a:latin typeface="Arial" panose="020B0604020202020204" pitchFamily="34" charset="0"/>
+                <a:cs typeface="Arial" panose="020B0604020202020204" pitchFamily="34" charset="0"/>
+              </a:rPr>
+              <a:t> дерево</a:t>
+            </a:r>
+            <a:r>
               <a:rPr lang="ru-RU" dirty="0">
                 <a:latin typeface="Arial" panose="020B0604020202020204" pitchFamily="34" charset="0"/>
                 <a:cs typeface="Arial" panose="020B0604020202020204" pitchFamily="34" charset="0"/>
               </a:rPr>
-              <a:t> дерево</a:t>
+              <a:t> из заданной строки</a:t>
             </a:r>
             <a:endParaRPr lang="en-US" dirty="0">
               <a:latin typeface="Arial" panose="020B0604020202020204" pitchFamily="34" charset="0"/>
@@ -9264,7 +12580,7 @@
                 <a:latin typeface="Arial" panose="020B0604020202020204" pitchFamily="34" charset="0"/>
                 <a:cs typeface="Arial" panose="020B0604020202020204" pitchFamily="34" charset="0"/>
               </a:rPr>
-              <a:t>, ST) – это структура данных, содержащая все суффиксы некоторой входной строки</a:t>
+              <a:t>) – это структура данных, содержащая все суффиксы некоторой входной строки</a:t>
             </a:r>
           </a:p>
         </p:txBody>
@@ -9282,7 +12598,7 @@
 </p:sld>
 </file>
 
-<file path=ppt/slides/slide6.xml><?xml version="1.0" encoding="utf-8"?>
+<file path=ppt/slides/slide7.xml><?xml version="1.0" encoding="utf-8"?>
 <p:sld xmlns:a="http://schemas.openxmlformats.org/drawingml/2006/main" xmlns:r="http://schemas.openxmlformats.org/officeDocument/2006/relationships" xmlns:p="http://schemas.openxmlformats.org/presentationml/2006/main">
   <p:cSld>
     <p:spTree>
@@ -9313,7 +12629,7 @@
         </p:nvSpPr>
         <p:spPr>
           <a:xfrm>
-            <a:off x="2770081" y="5407622"/>
+            <a:off x="2656191" y="5407622"/>
             <a:ext cx="7078594" cy="523220"/>
           </a:xfrm>
           <a:prstGeom prst="rect">
@@ -9380,7 +12696,7 @@
 </p:sld>
 </file>
 
-<file path=ppt/slides/slide7.xml><?xml version="1.0" encoding="utf-8"?>
+<file path=ppt/slides/slide8.xml><?xml version="1.0" encoding="utf-8"?>
 <p:sld xmlns:a="http://schemas.openxmlformats.org/drawingml/2006/main" xmlns:r="http://schemas.openxmlformats.org/officeDocument/2006/relationships" xmlns:p="http://schemas.openxmlformats.org/presentationml/2006/main">
   <p:cSld>
     <p:spTree>
@@ -9421,7 +12737,7 @@
         </p:spPr>
         <p:txBody>
           <a:bodyPr>
-            <a:normAutofit/>
+            <a:normAutofit fontScale="92500" lnSpcReduction="10000"/>
           </a:bodyPr>
           <a:lstStyle/>
           <a:p>
@@ -9440,21 +12756,49 @@
                 <a:latin typeface="Arial" panose="020B0604020202020204" pitchFamily="34" charset="0"/>
                 <a:cs typeface="Arial" panose="020B0604020202020204" pitchFamily="34" charset="0"/>
               </a:rPr>
-              <a:t> в 1976 году предложил свой алгоритм, в котором порядок добавления суффиксов заменен на обратный, а для быстрого вычисления места, откуда нужно продолжить построение нового суффикса, достаточно </a:t>
-            </a:r>
-            <a:r>
-              <a:rPr lang="ru-RU" sz="2400" dirty="0" err="1">
+              <a:t> в 1976 году предложил свой алгоритм, в котором порядок добавления суффиксов – от большего к меньшему.</a:t>
+            </a:r>
+          </a:p>
+          <a:p>
+            <a:pPr marL="36900" indent="0">
+              <a:buNone/>
+            </a:pPr>
+            <a:endParaRPr lang="ru-RU" sz="2400" dirty="0">
+              <a:latin typeface="Arial" panose="020B0604020202020204" pitchFamily="34" charset="0"/>
+              <a:cs typeface="Arial" panose="020B0604020202020204" pitchFamily="34" charset="0"/>
+            </a:endParaRPr>
+          </a:p>
+          <a:p>
+            <a:pPr marL="36900" indent="0">
+              <a:buNone/>
+            </a:pPr>
+            <a:r>
+              <a:rPr lang="ru-RU" sz="2400" dirty="0">
+                <a:latin typeface="Arial" panose="020B0604020202020204" pitchFamily="34" charset="0"/>
+                <a:cs typeface="Arial" panose="020B0604020202020204" pitchFamily="34" charset="0"/>
+              </a:rPr>
+              <a:t>Для быстрого вычисления места, откуда нужно продолжить построение нового суффикса, достаточно </a:t>
+            </a:r>
+            <a:r>
+              <a:rPr lang="ru-RU" sz="2400" i="1" dirty="0" err="1">
                 <a:latin typeface="Arial" panose="020B0604020202020204" pitchFamily="34" charset="0"/>
                 <a:cs typeface="Arial" panose="020B0604020202020204" pitchFamily="34" charset="0"/>
               </a:rPr>
               <a:t>суффиксной</a:t>
             </a:r>
             <a:r>
+              <a:rPr lang="ru-RU" sz="2400" i="1" dirty="0">
+                <a:latin typeface="Arial" panose="020B0604020202020204" pitchFamily="34" charset="0"/>
+                <a:cs typeface="Arial" panose="020B0604020202020204" pitchFamily="34" charset="0"/>
+              </a:rPr>
+              <a:t> ссылки</a:t>
+            </a:r>
+            <a:r>
               <a:rPr lang="ru-RU" sz="2400" dirty="0">
                 <a:latin typeface="Arial" panose="020B0604020202020204" pitchFamily="34" charset="0"/>
                 <a:cs typeface="Arial" panose="020B0604020202020204" pitchFamily="34" charset="0"/>
               </a:rPr>
-              <a:t> ссылки в каждой вершине.</a:t>
+              <a:t> в каждой вершине</a:t>
             </a:r>
           </a:p>
           <a:p>
@@ -9630,7 +12974,7 @@
 </p:sld>
 </file>
 
-<file path=ppt/slides/slide8.xml><?xml version="1.0" encoding="utf-8"?>
+<file path=ppt/slides/slide9.xml><?xml version="1.0" encoding="utf-8"?>
 <p:sld xmlns:a="http://schemas.openxmlformats.org/drawingml/2006/main" xmlns:r="http://schemas.openxmlformats.org/officeDocument/2006/relationships" xmlns:p="http://schemas.openxmlformats.org/presentationml/2006/main">
   <p:cSld>
     <p:spTree>
@@ -9665,8 +13009,8 @@
         </p:nvSpPr>
         <p:spPr>
           <a:xfrm>
-            <a:off x="363525" y="1595959"/>
-            <a:ext cx="6576969" cy="4303644"/>
+            <a:off x="279636" y="2075201"/>
+            <a:ext cx="6576969" cy="2917318"/>
           </a:xfrm>
         </p:spPr>
         <p:txBody>
@@ -9714,7 +13058,7 @@
             </a:r>
           </a:p>
           <a:p>
-            <a:pPr marL="36900" indent="0">
+            <a:pPr marL="36900" indent="0" algn="r">
               <a:buNone/>
             </a:pPr>
             <a:r>
@@ -9723,31 +13067,7 @@
                 <a:latin typeface="Arial" panose="020B0604020202020204" pitchFamily="34" charset="0"/>
                 <a:cs typeface="Arial" panose="020B0604020202020204" pitchFamily="34" charset="0"/>
               </a:rPr>
-              <a:t>— это простая модификация алгоритма перебора(</a:t>
-            </a:r>
-            <a:r>
-              <a:rPr lang="en-US" dirty="0" err="1">
-                <a:effectLst/>
-                <a:latin typeface="Arial" panose="020B0604020202020204" pitchFamily="34" charset="0"/>
-                <a:cs typeface="Arial" panose="020B0604020202020204" pitchFamily="34" charset="0"/>
-              </a:rPr>
-              <a:t>bruteforce</a:t>
-            </a:r>
-            <a:r>
-              <a:rPr lang="en-US" dirty="0">
-                <a:effectLst/>
-                <a:latin typeface="Arial" panose="020B0604020202020204" pitchFamily="34" charset="0"/>
-                <a:cs typeface="Arial" panose="020B0604020202020204" pitchFamily="34" charset="0"/>
-              </a:rPr>
-              <a:t> algorithm</a:t>
-            </a:r>
-            <a:r>
-              <a:rPr lang="ru-RU" dirty="0">
-                <a:effectLst/>
-                <a:latin typeface="Arial" panose="020B0604020202020204" pitchFamily="34" charset="0"/>
-                <a:cs typeface="Arial" panose="020B0604020202020204" pitchFamily="34" charset="0"/>
-              </a:rPr>
-              <a:t>), который вычисляет </a:t>
+              <a:t>— алгоритм, который вычисляет </a:t>
             </a:r>
             <a:r>
               <a:rPr lang="ru-RU" dirty="0" err="1">
@@ -9763,15 +13083,28 @@
                 <a:latin typeface="Arial" panose="020B0604020202020204" pitchFamily="34" charset="0"/>
                 <a:cs typeface="Arial" panose="020B0604020202020204" pitchFamily="34" charset="0"/>
               </a:rPr>
-              <a:t> ссылки во время построения и использует их как короткие пути</a:t>
-            </a:r>
-            <a:r>
-              <a:rPr lang="ru-RU" dirty="0">
+              <a:t> ссылки во время построения </a:t>
+            </a:r>
+            <a:r>
+              <a:rPr lang="ru-RU" dirty="0" err="1">
+                <a:effectLst/>
                 <a:latin typeface="Arial" panose="020B0604020202020204" pitchFamily="34" charset="0"/>
                 <a:cs typeface="Arial" panose="020B0604020202020204" pitchFamily="34" charset="0"/>
               </a:rPr>
-              <a:t>:</a:t>
-            </a:r>
+              <a:t>суффиксного</a:t>
+            </a:r>
+            <a:r>
+              <a:rPr lang="ru-RU" dirty="0">
+                <a:effectLst/>
+                <a:latin typeface="Arial" panose="020B0604020202020204" pitchFamily="34" charset="0"/>
+                <a:cs typeface="Arial" panose="020B0604020202020204" pitchFamily="34" charset="0"/>
+              </a:rPr>
+              <a:t> дерева и использует их как короткие пути</a:t>
+            </a:r>
+            <a:endParaRPr lang="ru-RU" dirty="0">
+              <a:latin typeface="Arial" panose="020B0604020202020204" pitchFamily="34" charset="0"/>
+              <a:cs typeface="Arial" panose="020B0604020202020204" pitchFamily="34" charset="0"/>
+            </a:endParaRPr>
           </a:p>
         </p:txBody>
       </p:sp>
@@ -9820,113 +13153,6 @@
     <p:extLst>
       <p:ext uri="{BB962C8B-B14F-4D97-AF65-F5344CB8AC3E}">
         <p14:creationId xmlns:p14="http://schemas.microsoft.com/office/powerpoint/2010/main" val="3496795945"/>
-      </p:ext>
-    </p:extLst>
-  </p:cSld>
-  <p:clrMapOvr>
-    <a:masterClrMapping/>
-  </p:clrMapOvr>
-</p:sld>
-</file>
-
-<file path=ppt/slides/slide9.xml><?xml version="1.0" encoding="utf-8"?>
-<p:sld xmlns:a="http://schemas.openxmlformats.org/drawingml/2006/main" xmlns:r="http://schemas.openxmlformats.org/officeDocument/2006/relationships" xmlns:p="http://schemas.openxmlformats.org/presentationml/2006/main">
-  <p:cSld>
-    <p:spTree>
-      <p:nvGrpSpPr>
-        <p:cNvPr id="1" name=""/>
-        <p:cNvGrpSpPr/>
-        <p:nvPr/>
-      </p:nvGrpSpPr>
-      <p:grpSpPr>
-        <a:xfrm>
-          <a:off x="0" y="0"/>
-          <a:ext cx="0" cy="0"/>
-          <a:chOff x="0" y="0"/>
-          <a:chExt cx="0" cy="0"/>
-        </a:xfrm>
-      </p:grpSpPr>
-      <p:pic>
-        <p:nvPicPr>
-          <p:cNvPr id="7" name="Объект 6" descr="Изображение выглядит как текст&#10;&#10;Автоматически созданное описание">
-            <a:extLst>
-              <a:ext uri="{FF2B5EF4-FFF2-40B4-BE49-F238E27FC236}">
-                <a16:creationId xmlns:a16="http://schemas.microsoft.com/office/drawing/2014/main" id="{C0A27A8B-6F54-A718-1791-711E985A1335}"/>
-              </a:ext>
-            </a:extLst>
-          </p:cNvPr>
-          <p:cNvPicPr>
-            <a:picLocks noGrp="1" noChangeAspect="1"/>
-          </p:cNvPicPr>
-          <p:nvPr>
-            <p:ph idx="1"/>
-          </p:nvPr>
-        </p:nvPicPr>
-        <p:blipFill rotWithShape="1">
-          <a:blip r:embed="rId2"/>
-          <a:srcRect l="35126" t="20417" r="15116" b="12944"/>
-          <a:stretch/>
-        </p:blipFill>
-        <p:spPr>
-          <a:xfrm>
-            <a:off x="2195117" y="276836"/>
-            <a:ext cx="7801761" cy="5877221"/>
-          </a:xfrm>
-        </p:spPr>
-      </p:pic>
-      <p:sp>
-        <p:nvSpPr>
-          <p:cNvPr id="8" name="TextBox 7">
-            <a:extLst>
-              <a:ext uri="{FF2B5EF4-FFF2-40B4-BE49-F238E27FC236}">
-                <a16:creationId xmlns:a16="http://schemas.microsoft.com/office/drawing/2014/main" id="{207E905D-87FF-772F-0FF5-60D36FC80744}"/>
-              </a:ext>
-            </a:extLst>
-          </p:cNvPr>
-          <p:cNvSpPr txBox="1"/>
-          <p:nvPr/>
-        </p:nvSpPr>
-        <p:spPr>
-          <a:xfrm>
-            <a:off x="2018950" y="6211832"/>
-            <a:ext cx="8296710" cy="369332"/>
-          </a:xfrm>
-          <a:prstGeom prst="rect">
-            <a:avLst/>
-          </a:prstGeom>
-          <a:noFill/>
-        </p:spPr>
-        <p:txBody>
-          <a:bodyPr wrap="square" rtlCol="0">
-            <a:spAutoFit/>
-          </a:bodyPr>
-          <a:lstStyle/>
-          <a:p>
-            <a:r>
-              <a:rPr lang="ru-RU" dirty="0">
-                <a:latin typeface="Arial" panose="020B0604020202020204" pitchFamily="34" charset="0"/>
-                <a:cs typeface="Arial" panose="020B0604020202020204" pitchFamily="34" charset="0"/>
-              </a:rPr>
-              <a:t>Пример построения суффиксного дерева с помощью алгоритма </a:t>
-            </a:r>
-            <a:r>
-              <a:rPr lang="ru-RU" dirty="0" err="1">
-                <a:latin typeface="Arial" panose="020B0604020202020204" pitchFamily="34" charset="0"/>
-                <a:cs typeface="Arial" panose="020B0604020202020204" pitchFamily="34" charset="0"/>
-              </a:rPr>
-              <a:t>Маккрейта</a:t>
-            </a:r>
-            <a:endParaRPr lang="ru-RU" dirty="0">
-              <a:latin typeface="Arial" panose="020B0604020202020204" pitchFamily="34" charset="0"/>
-              <a:cs typeface="Arial" panose="020B0604020202020204" pitchFamily="34" charset="0"/>
-            </a:endParaRPr>
-          </a:p>
-        </p:txBody>
-      </p:sp>
-    </p:spTree>
-    <p:extLst>
-      <p:ext uri="{BB962C8B-B14F-4D97-AF65-F5344CB8AC3E}">
-        <p14:creationId xmlns:p14="http://schemas.microsoft.com/office/powerpoint/2010/main" val="1907860765"/>
       </p:ext>
     </p:extLst>
   </p:cSld>
@@ -10675,15 +13901,6 @@
 </file>
 
 <file path=customXml/item1.xml><?xml version="1.0" encoding="utf-8"?>
-<?mso-contentType ?>
-<FormTemplates xmlns="http://schemas.microsoft.com/sharepoint/v3/contenttype/forms">
-  <Display>DocumentLibraryForm</Display>
-  <Edit>DocumentLibraryForm</Edit>
-  <New>DocumentLibraryForm</New>
-</FormTemplates>
-</file>
-
-<file path=customXml/item2.xml><?xml version="1.0" encoding="utf-8"?>
 <ct:contentTypeSchema xmlns:ct="http://schemas.microsoft.com/office/2006/metadata/contentType" xmlns:ma="http://schemas.microsoft.com/office/2006/metadata/properties/metaAttributes" ct:_="" ma:_="" ma:contentTypeName="Document" ma:contentTypeID="0x01010079F111ED35F8CC479449609E8A0923A6" ma:contentTypeVersion="12" ma:contentTypeDescription="Create a new document." ma:contentTypeScope="" ma:versionID="a410dd7f93c95333ffa1b60ed6adedd1">
   <xsd:schema xmlns:xsd="http://www.w3.org/2001/XMLSchema" xmlns:xs="http://www.w3.org/2001/XMLSchema" xmlns:p="http://schemas.microsoft.com/office/2006/metadata/properties" xmlns:ns2="71af3243-3dd4-4a8d-8c0d-dd76da1f02a5" xmlns:ns3="16c05727-aa75-4e4a-9b5f-8a80a1165891" targetNamespace="http://schemas.microsoft.com/office/2006/metadata/properties" ma:root="true" ma:fieldsID="a936d9baba76aa3866493feff160faab" ns2:_="" ns3:_="">
     <xsd:import namespace="71af3243-3dd4-4a8d-8c0d-dd76da1f02a5"/>
@@ -10904,7 +14121,7 @@
 </ct:contentTypeSchema>
 </file>
 
-<file path=customXml/item3.xml><?xml version="1.0" encoding="utf-8"?>
+<file path=customXml/item2.xml><?xml version="1.0" encoding="utf-8"?>
 <p:properties xmlns:p="http://schemas.microsoft.com/office/2006/metadata/properties" xmlns:xsi="http://www.w3.org/2001/XMLSchema-instance" xmlns:pc="http://schemas.microsoft.com/office/infopath/2007/PartnerControls">
   <documentManagement>
     <Status xmlns="71af3243-3dd4-4a8d-8c0d-dd76da1f02a5">Not started</Status>
@@ -10913,15 +14130,16 @@
 </p:properties>
 </file>
 
-<file path=customXml/itemProps1.xml><?xml version="1.0" encoding="utf-8"?>
-<ds:datastoreItem xmlns:ds="http://schemas.openxmlformats.org/officeDocument/2006/customXml" ds:itemID="{64B270AB-C138-415C-897E-3C24487DECF1}">
-  <ds:schemaRefs>
-    <ds:schemaRef ds:uri="http://schemas.microsoft.com/sharepoint/v3/contenttype/forms"/>
-  </ds:schemaRefs>
-</ds:datastoreItem>
+<file path=customXml/item3.xml><?xml version="1.0" encoding="utf-8"?>
+<?mso-contentType ?>
+<FormTemplates xmlns="http://schemas.microsoft.com/sharepoint/v3/contenttype/forms">
+  <Display>DocumentLibraryForm</Display>
+  <Edit>DocumentLibraryForm</Edit>
+  <New>DocumentLibraryForm</New>
+</FormTemplates>
 </file>
 
-<file path=customXml/itemProps2.xml><?xml version="1.0" encoding="utf-8"?>
+<file path=customXml/itemProps1.xml><?xml version="1.0" encoding="utf-8"?>
 <ds:datastoreItem xmlns:ds="http://schemas.openxmlformats.org/officeDocument/2006/customXml" ds:itemID="{0585E981-8C91-4205-A0C3-C991F42B4C9E}">
   <ds:schemaRefs>
     <ds:schemaRef ds:uri="http://schemas.microsoft.com/office/2006/metadata/contentType"/>
@@ -10940,7 +14158,7 @@
 </ds:datastoreItem>
 </file>
 
-<file path=customXml/itemProps3.xml><?xml version="1.0" encoding="utf-8"?>
+<file path=customXml/itemProps2.xml><?xml version="1.0" encoding="utf-8"?>
 <ds:datastoreItem xmlns:ds="http://schemas.openxmlformats.org/officeDocument/2006/customXml" ds:itemID="{2C4C00F4-06E9-43E3-AD97-88A857CEFA82}">
   <ds:schemaRefs>
     <ds:schemaRef ds:uri="http://schemas.microsoft.com/office/2006/metadata/properties"/>
@@ -10948,4 +14166,12 @@
     <ds:schemaRef ds:uri="71af3243-3dd4-4a8d-8c0d-dd76da1f02a5"/>
   </ds:schemaRefs>
 </ds:datastoreItem>
+</file>
+
+<file path=customXml/itemProps3.xml><?xml version="1.0" encoding="utf-8"?>
+<ds:datastoreItem xmlns:ds="http://schemas.openxmlformats.org/officeDocument/2006/customXml" ds:itemID="{64B270AB-C138-415C-897E-3C24487DECF1}">
+  <ds:schemaRefs>
+    <ds:schemaRef ds:uri="http://schemas.microsoft.com/sharepoint/v3/contenttype/forms"/>
+  </ds:schemaRefs>
+</ds:datastoreItem>
 </file>